--- a/poster Solun maj 2024/Solun poster 002.pptx
+++ b/poster Solun maj 2024/Solun poster 002.pptx
@@ -5358,7 +5358,7 @@
           <a:p>
             <a:fld id="{E9776662-CA49-4C96-9773-885CF69B3004}" type="datetimeFigureOut">
               <a:rPr lang="en-US" smtClean="0"/>
-              <a:t>4/13/2024</a:t>
+              <a:t>4/17/2024</a:t>
             </a:fld>
             <a:endParaRPr lang="en-US"/>
           </a:p>
@@ -5891,7 +5891,7 @@
             <a:fld id="{7A200072-612F-4A00-B036-4E419A70927F}" type="datetimeFigureOut">
               <a:rPr lang="sr-Latn-BA" smtClean="0"/>
               <a:pPr/>
-              <a:t>13.4.2024.</a:t>
+              <a:t>17.4.2024.</a:t>
             </a:fld>
             <a:endParaRPr lang="sr-Latn-BA"/>
           </a:p>
@@ -6058,7 +6058,7 @@
             <a:fld id="{7A200072-612F-4A00-B036-4E419A70927F}" type="datetimeFigureOut">
               <a:rPr lang="sr-Latn-BA" smtClean="0"/>
               <a:pPr/>
-              <a:t>13.4.2024.</a:t>
+              <a:t>17.4.2024.</a:t>
             </a:fld>
             <a:endParaRPr lang="sr-Latn-BA"/>
           </a:p>
@@ -6235,7 +6235,7 @@
             <a:fld id="{7A200072-612F-4A00-B036-4E419A70927F}" type="datetimeFigureOut">
               <a:rPr lang="sr-Latn-BA" smtClean="0"/>
               <a:pPr/>
-              <a:t>13.4.2024.</a:t>
+              <a:t>17.4.2024.</a:t>
             </a:fld>
             <a:endParaRPr lang="sr-Latn-BA"/>
           </a:p>
@@ -6402,7 +6402,7 @@
             <a:fld id="{7A200072-612F-4A00-B036-4E419A70927F}" type="datetimeFigureOut">
               <a:rPr lang="sr-Latn-BA" smtClean="0"/>
               <a:pPr/>
-              <a:t>13.4.2024.</a:t>
+              <a:t>17.4.2024.</a:t>
             </a:fld>
             <a:endParaRPr lang="sr-Latn-BA"/>
           </a:p>
@@ -6645,7 +6645,7 @@
             <a:fld id="{7A200072-612F-4A00-B036-4E419A70927F}" type="datetimeFigureOut">
               <a:rPr lang="sr-Latn-BA" smtClean="0"/>
               <a:pPr/>
-              <a:t>13.4.2024.</a:t>
+              <a:t>17.4.2024.</a:t>
             </a:fld>
             <a:endParaRPr lang="sr-Latn-BA"/>
           </a:p>
@@ -6930,7 +6930,7 @@
             <a:fld id="{7A200072-612F-4A00-B036-4E419A70927F}" type="datetimeFigureOut">
               <a:rPr lang="sr-Latn-BA" smtClean="0"/>
               <a:pPr/>
-              <a:t>13.4.2024.</a:t>
+              <a:t>17.4.2024.</a:t>
             </a:fld>
             <a:endParaRPr lang="sr-Latn-BA"/>
           </a:p>
@@ -7354,7 +7354,7 @@
             <a:fld id="{7A200072-612F-4A00-B036-4E419A70927F}" type="datetimeFigureOut">
               <a:rPr lang="sr-Latn-BA" smtClean="0"/>
               <a:pPr/>
-              <a:t>13.4.2024.</a:t>
+              <a:t>17.4.2024.</a:t>
             </a:fld>
             <a:endParaRPr lang="sr-Latn-BA"/>
           </a:p>
@@ -7469,7 +7469,7 @@
             <a:fld id="{7A200072-612F-4A00-B036-4E419A70927F}" type="datetimeFigureOut">
               <a:rPr lang="sr-Latn-BA" smtClean="0"/>
               <a:pPr/>
-              <a:t>13.4.2024.</a:t>
+              <a:t>17.4.2024.</a:t>
             </a:fld>
             <a:endParaRPr lang="sr-Latn-BA"/>
           </a:p>
@@ -7561,7 +7561,7 @@
             <a:fld id="{7A200072-612F-4A00-B036-4E419A70927F}" type="datetimeFigureOut">
               <a:rPr lang="sr-Latn-BA" smtClean="0"/>
               <a:pPr/>
-              <a:t>13.4.2024.</a:t>
+              <a:t>17.4.2024.</a:t>
             </a:fld>
             <a:endParaRPr lang="sr-Latn-BA"/>
           </a:p>
@@ -7835,7 +7835,7 @@
             <a:fld id="{7A200072-612F-4A00-B036-4E419A70927F}" type="datetimeFigureOut">
               <a:rPr lang="sr-Latn-BA" smtClean="0"/>
               <a:pPr/>
-              <a:t>13.4.2024.</a:t>
+              <a:t>17.4.2024.</a:t>
             </a:fld>
             <a:endParaRPr lang="sr-Latn-BA"/>
           </a:p>
@@ -8085,7 +8085,7 @@
             <a:fld id="{7A200072-612F-4A00-B036-4E419A70927F}" type="datetimeFigureOut">
               <a:rPr lang="sr-Latn-BA" smtClean="0"/>
               <a:pPr/>
-              <a:t>13.4.2024.</a:t>
+              <a:t>17.4.2024.</a:t>
             </a:fld>
             <a:endParaRPr lang="sr-Latn-BA"/>
           </a:p>
@@ -8305,7 +8305,7 @@
             <a:fld id="{7A200072-612F-4A00-B036-4E419A70927F}" type="datetimeFigureOut">
               <a:rPr lang="sr-Latn-BA" smtClean="0"/>
               <a:pPr/>
-              <a:t>13.4.2024.</a:t>
+              <a:t>17.4.2024.</a:t>
             </a:fld>
             <a:endParaRPr lang="sr-Latn-BA"/>
           </a:p>
@@ -8681,7 +8681,7 @@
           <p:cNvPr id="28" name="Rounded Rectangle 3">
             <a:extLst>
               <a:ext uri="{FF2B5EF4-FFF2-40B4-BE49-F238E27FC236}">
-                <a16:creationId xmlns:a16="http://schemas.microsoft.com/office/drawing/2014/main" xmlns="" id="{E42E21C6-7A64-4E84-A503-EF9679DF851D}"/>
+                <a16:creationId xmlns="" xmlns:a16="http://schemas.microsoft.com/office/drawing/2014/main" id="{E42E21C6-7A64-4E84-A503-EF9679DF851D}"/>
               </a:ext>
             </a:extLst>
           </p:cNvPr>
@@ -8754,7 +8754,7 @@
           <p:cNvPr id="27" name="Rounded Rectangle 3">
             <a:extLst>
               <a:ext uri="{FF2B5EF4-FFF2-40B4-BE49-F238E27FC236}">
-                <a16:creationId xmlns:a16="http://schemas.microsoft.com/office/drawing/2014/main" xmlns="" id="{1C16C5A3-8C37-4B07-AA5E-BABF5084826F}"/>
+                <a16:creationId xmlns="" xmlns:a16="http://schemas.microsoft.com/office/drawing/2014/main" id="{1C16C5A3-8C37-4B07-AA5E-BABF5084826F}"/>
               </a:ext>
             </a:extLst>
           </p:cNvPr>
@@ -9422,15 +9422,7 @@
                   <a:srgbClr val="000000"/>
                 </a:solidFill>
               </a:rPr>
-              <a:t>[2] </a:t>
-            </a:r>
-            <a:r>
-              <a:rPr lang="en-US" sz="2200" dirty="0">
-                <a:solidFill>
-                  <a:srgbClr val="000000"/>
-                </a:solidFill>
-              </a:rPr>
-              <a:t>T. </a:t>
+              <a:t>[2] T. </a:t>
             </a:r>
             <a:r>
               <a:rPr lang="en-US" sz="2200" dirty="0" err="1">
@@ -9517,15 +9509,7 @@
                   <a:srgbClr val="000000"/>
                 </a:solidFill>
               </a:rPr>
-              <a:t>3</a:t>
-            </a:r>
-            <a:r>
-              <a:rPr lang="en-US" sz="2200" dirty="0">
-                <a:solidFill>
-                  <a:srgbClr val="000000"/>
-                </a:solidFill>
-              </a:rPr>
-              <a:t>] F. </a:t>
+              <a:t>3] F. </a:t>
             </a:r>
             <a:r>
               <a:rPr lang="en-US" sz="2200" dirty="0" err="1">
@@ -9666,7 +9650,39 @@
                   <a:srgbClr val="000000"/>
                 </a:solidFill>
               </a:rPr>
-              <a:t>[6] </a:t>
+              <a:t>[6] M.A</a:t>
+            </a:r>
+            <a:r>
+              <a:rPr lang="en-US" sz="2200" dirty="0" smtClean="0">
+                <a:solidFill>
+                  <a:srgbClr val="000000"/>
+                </a:solidFill>
+              </a:rPr>
+              <a:t>.</a:t>
+            </a:r>
+            <a:r>
+              <a:rPr lang="sr-Latn-BA" sz="2200" dirty="0" smtClean="0">
+                <a:solidFill>
+                  <a:srgbClr val="000000"/>
+                </a:solidFill>
+              </a:rPr>
+              <a:t> </a:t>
+            </a:r>
+            <a:r>
+              <a:rPr lang="en-US" sz="2200" dirty="0" err="1" smtClean="0">
+                <a:solidFill>
+                  <a:srgbClr val="000000"/>
+                </a:solidFill>
+              </a:rPr>
+              <a:t>Hibbs</a:t>
+            </a:r>
+            <a:r>
+              <a:rPr lang="en-US" sz="2200" dirty="0" smtClean="0">
+                <a:solidFill>
+                  <a:srgbClr val="000000"/>
+                </a:solidFill>
+              </a:rPr>
+              <a:t>, </a:t>
             </a:r>
             <a:r>
               <a:rPr lang="en-US" sz="2200" dirty="0">
@@ -9674,7 +9690,7 @@
                   <a:srgbClr val="000000"/>
                 </a:solidFill>
               </a:rPr>
-              <a:t>M.A</a:t>
+              <a:t>et </a:t>
             </a:r>
             <a:r>
               <a:rPr lang="en-US" sz="2200" dirty="0" smtClean="0">
@@ -9682,7 +9698,7 @@
                   <a:srgbClr val="000000"/>
                 </a:solidFill>
               </a:rPr>
-              <a:t>.</a:t>
+              <a:t>al.</a:t>
             </a:r>
             <a:r>
               <a:rPr lang="sr-Latn-BA" sz="2200" dirty="0" smtClean="0">
@@ -9693,60 +9709,12 @@
               <a:t> </a:t>
             </a:r>
             <a:r>
-              <a:rPr lang="en-US" sz="2200" dirty="0" err="1" smtClean="0">
-                <a:solidFill>
-                  <a:srgbClr val="000000"/>
-                </a:solidFill>
-              </a:rPr>
-              <a:t>Hibbs</a:t>
-            </a:r>
-            <a:r>
               <a:rPr lang="en-US" sz="2200" dirty="0" smtClean="0">
                 <a:solidFill>
                   <a:srgbClr val="000000"/>
                 </a:solidFill>
               </a:rPr>
-              <a:t>, </a:t>
-            </a:r>
-            <a:r>
-              <a:rPr lang="en-US" sz="2200" dirty="0">
-                <a:solidFill>
-                  <a:srgbClr val="000000"/>
-                </a:solidFill>
-              </a:rPr>
-              <a:t>et </a:t>
-            </a:r>
-            <a:r>
-              <a:rPr lang="en-US" sz="2200" dirty="0" smtClean="0">
-                <a:solidFill>
-                  <a:srgbClr val="000000"/>
-                </a:solidFill>
-              </a:rPr>
-              <a:t>al.</a:t>
-            </a:r>
-            <a:r>
-              <a:rPr lang="sr-Latn-BA" sz="2200" dirty="0" smtClean="0">
-                <a:solidFill>
-                  <a:srgbClr val="000000"/>
-                </a:solidFill>
-              </a:rPr>
-              <a:t> </a:t>
-            </a:r>
-            <a:r>
-              <a:rPr lang="en-US" sz="2200" dirty="0" smtClean="0">
-                <a:solidFill>
-                  <a:srgbClr val="000000"/>
-                </a:solidFill>
-              </a:rPr>
-              <a:t>“</a:t>
-            </a:r>
-            <a:r>
-              <a:rPr lang="en-US" sz="2200" dirty="0" smtClean="0">
-                <a:solidFill>
-                  <a:srgbClr val="000000"/>
-                </a:solidFill>
-              </a:rPr>
-              <a:t>Exploring </a:t>
+              <a:t>“Exploring </a:t>
             </a:r>
             <a:r>
               <a:rPr lang="en-US" sz="2200" dirty="0">
@@ -9983,21 +9951,210 @@
               <a:t> </a:t>
             </a:r>
             <a:r>
+              <a:rPr lang="en-US" sz="2200" dirty="0">
+                <a:solidFill>
+                  <a:srgbClr val="000000"/>
+                </a:solidFill>
+              </a:rPr>
+              <a:t>G. </a:t>
+            </a:r>
+            <a:r>
               <a:rPr lang="en-US" sz="2200" dirty="0" smtClean="0">
                 <a:solidFill>
                   <a:srgbClr val="000000"/>
                 </a:solidFill>
               </a:rPr>
+              <a:t>E.</a:t>
+            </a:r>
+            <a:r>
+              <a:rPr lang="sr-Latn-BA" sz="2200" dirty="0" smtClean="0">
+                <a:solidFill>
+                  <a:srgbClr val="000000"/>
+                </a:solidFill>
+              </a:rPr>
               <a:t> </a:t>
             </a:r>
             <a:r>
               <a:rPr lang="en-US" sz="2200" dirty="0" smtClean="0">
                 <a:solidFill>
-                  <a:srgbClr val="FF0000"/>
-                </a:solidFill>
-              </a:rPr>
-              <a:t>NENAD???</a:t>
-            </a:r>
+                  <a:srgbClr val="000000"/>
+                </a:solidFill>
+              </a:rPr>
+              <a:t>Batista,</a:t>
+            </a:r>
+            <a:r>
+              <a:rPr lang="sr-Latn-BA" sz="2200" dirty="0" smtClean="0">
+                <a:solidFill>
+                  <a:srgbClr val="000000"/>
+                </a:solidFill>
+              </a:rPr>
+              <a:t> </a:t>
+            </a:r>
+            <a:r>
+              <a:rPr lang="en-US" sz="2200" dirty="0">
+                <a:solidFill>
+                  <a:srgbClr val="000000"/>
+                </a:solidFill>
+              </a:rPr>
+              <a:t>R. </a:t>
+            </a:r>
+            <a:r>
+              <a:rPr lang="en-US" sz="2200" dirty="0" smtClean="0">
+                <a:solidFill>
+                  <a:srgbClr val="000000"/>
+                </a:solidFill>
+              </a:rPr>
+              <a:t>C</a:t>
+            </a:r>
+            <a:r>
+              <a:rPr lang="sr-Latn-BA" sz="2200" dirty="0" smtClean="0">
+                <a:solidFill>
+                  <a:srgbClr val="000000"/>
+                </a:solidFill>
+              </a:rPr>
+              <a:t>.</a:t>
+            </a:r>
+            <a:r>
+              <a:rPr lang="en-US" sz="2200" dirty="0" smtClean="0">
+                <a:solidFill>
+                  <a:srgbClr val="000000"/>
+                </a:solidFill>
+              </a:rPr>
+              <a:t> </a:t>
+            </a:r>
+            <a:r>
+              <a:rPr lang="en-US" sz="2200" dirty="0" err="1" smtClean="0">
+                <a:solidFill>
+                  <a:srgbClr val="000000"/>
+                </a:solidFill>
+              </a:rPr>
+              <a:t>Prati</a:t>
+            </a:r>
+            <a:r>
+              <a:rPr lang="en-US" sz="2200" dirty="0" smtClean="0">
+                <a:solidFill>
+                  <a:srgbClr val="000000"/>
+                </a:solidFill>
+              </a:rPr>
+              <a:t>, </a:t>
+            </a:r>
+            <a:r>
+              <a:rPr lang="sr-Latn-BA" sz="2200" dirty="0" smtClean="0">
+                <a:solidFill>
+                  <a:srgbClr val="000000"/>
+                </a:solidFill>
+              </a:rPr>
+              <a:t>and </a:t>
+            </a:r>
+            <a:r>
+              <a:rPr lang="en-US" sz="2200" dirty="0" smtClean="0">
+                <a:solidFill>
+                  <a:srgbClr val="000000"/>
+                </a:solidFill>
+              </a:rPr>
+              <a:t>M</a:t>
+            </a:r>
+            <a:r>
+              <a:rPr lang="en-US" sz="2200" dirty="0">
+                <a:solidFill>
+                  <a:srgbClr val="000000"/>
+                </a:solidFill>
+              </a:rPr>
+              <a:t>. C. </a:t>
+            </a:r>
+            <a:r>
+              <a:rPr lang="en-US" sz="2200" dirty="0" err="1" smtClean="0">
+                <a:solidFill>
+                  <a:srgbClr val="000000"/>
+                </a:solidFill>
+              </a:rPr>
+              <a:t>Monard</a:t>
+            </a:r>
+            <a:r>
+              <a:rPr lang="sr-Latn-BA" sz="2200" dirty="0">
+                <a:solidFill>
+                  <a:srgbClr val="000000"/>
+                </a:solidFill>
+              </a:rPr>
+              <a:t> </a:t>
+            </a:r>
+            <a:r>
+              <a:rPr lang="sr-Latn-BA" sz="2200" dirty="0" smtClean="0">
+                <a:solidFill>
+                  <a:srgbClr val="000000"/>
+                </a:solidFill>
+              </a:rPr>
+              <a:t> </a:t>
+            </a:r>
+            <a:r>
+              <a:rPr lang="en-US" sz="2200" dirty="0" smtClean="0">
+                <a:solidFill>
+                  <a:srgbClr val="000000"/>
+                </a:solidFill>
+              </a:rPr>
+              <a:t>“A </a:t>
+            </a:r>
+            <a:r>
+              <a:rPr lang="en-US" sz="2200" dirty="0">
+                <a:solidFill>
+                  <a:srgbClr val="000000"/>
+                </a:solidFill>
+              </a:rPr>
+              <a:t>study of the behavior of several methods for balancing machine learning training </a:t>
+            </a:r>
+            <a:r>
+              <a:rPr lang="en-US" sz="2200" dirty="0" smtClean="0">
+                <a:solidFill>
+                  <a:srgbClr val="000000"/>
+                </a:solidFill>
+              </a:rPr>
+              <a:t>data”. </a:t>
+            </a:r>
+            <a:r>
+              <a:rPr lang="en-US" sz="2200" dirty="0">
+                <a:solidFill>
+                  <a:srgbClr val="000000"/>
+                </a:solidFill>
+              </a:rPr>
+              <a:t>ACM SIGKDD explorations newsletter</a:t>
+            </a:r>
+            <a:r>
+              <a:rPr lang="en-US" sz="2200" dirty="0" smtClean="0">
+                <a:solidFill>
+                  <a:srgbClr val="000000"/>
+                </a:solidFill>
+              </a:rPr>
+              <a:t>, 2004</a:t>
+            </a:r>
+            <a:r>
+              <a:rPr lang="en-US" sz="2200" dirty="0">
+                <a:solidFill>
+                  <a:srgbClr val="000000"/>
+                </a:solidFill>
+              </a:rPr>
+              <a:t>,</a:t>
+            </a:r>
+            <a:r>
+              <a:rPr lang="en-US" sz="2200" dirty="0" smtClean="0">
+                <a:solidFill>
+                  <a:srgbClr val="000000"/>
+                </a:solidFill>
+              </a:rPr>
+              <a:t> </a:t>
+            </a:r>
+            <a:r>
+              <a:rPr lang="en-US" sz="2200" dirty="0">
+                <a:solidFill>
+                  <a:srgbClr val="000000"/>
+                </a:solidFill>
+              </a:rPr>
+              <a:t>6(1), 20-29.</a:t>
+            </a:r>
+            <a:endParaRPr lang="sr-Latn-BA" sz="2200" dirty="0" smtClean="0">
+              <a:solidFill>
+                <a:srgbClr val="000000"/>
+              </a:solidFill>
+            </a:endParaRPr>
           </a:p>
           <a:p>
             <a:pPr algn="just">
@@ -10101,11 +10258,6 @@
               </a:rPr>
               <a:t>.</a:t>
             </a:r>
-            <a:endParaRPr lang="en-US" sz="2200" dirty="0">
-              <a:solidFill>
-                <a:srgbClr val="000000"/>
-              </a:solidFill>
-            </a:endParaRPr>
           </a:p>
           <a:p>
             <a:pPr algn="just">
@@ -10114,20 +10266,12 @@
               </a:lnSpc>
             </a:pPr>
             <a:r>
-              <a:rPr lang="en-US" sz="2200" smtClean="0">
-                <a:solidFill>
-                  <a:srgbClr val="000000"/>
-                </a:solidFill>
-              </a:rPr>
-              <a:t>[11] </a:t>
-            </a:r>
-            <a:r>
               <a:rPr lang="en-US" sz="2200" dirty="0" smtClean="0">
                 <a:solidFill>
                   <a:srgbClr val="000000"/>
                 </a:solidFill>
               </a:rPr>
-              <a:t>D. </a:t>
+              <a:t>[11] D. </a:t>
             </a:r>
             <a:r>
               <a:rPr lang="en-US" sz="2200" dirty="0" err="1" smtClean="0">
@@ -10491,7 +10635,7 @@
         </p:nvSpPr>
         <p:spPr>
           <a:xfrm>
-            <a:off x="4067077" y="5866409"/>
+            <a:off x="4067077" y="5578377"/>
             <a:ext cx="7344816" cy="1224136"/>
           </a:xfrm>
           <a:prstGeom prst="roundRect">
@@ -10812,8 +10956,8 @@
         </p:nvSpPr>
         <p:spPr>
           <a:xfrm>
-            <a:off x="1906837" y="7378577"/>
-            <a:ext cx="11665296" cy="6001643"/>
+            <a:off x="1906837" y="6802513"/>
+            <a:ext cx="11665296" cy="6494085"/>
           </a:xfrm>
           <a:prstGeom prst="rect">
             <a:avLst/>
@@ -10829,39 +10973,125 @@
             <a:pPr algn="just"/>
             <a:r>
               <a:rPr lang="en-US" sz="3200" dirty="0"/>
-              <a:t>Intrinsically Disordered Proteins (IDPs) are vital for cellular functions like transcriptional regulation, translation transcriptional regulation, translation, and cell cycle control [1]. Unlike regular proteins, IDPs lack stable structures, allowing them to act as central hubs in protein-protein interaction (PPI) networks, crucial for signaling pathways. Traditional classification methods, based on secondary structures or amino acid sequences, </a:t>
-            </a:r>
-            <a:r>
-              <a:rPr lang="en-US" sz="3200" dirty="0">
-                <a:solidFill>
-                  <a:srgbClr val="FF0000"/>
-                </a:solidFill>
-              </a:rPr>
-              <a:t>aren't suitable for IDPs due to their instability.</a:t>
-            </a:r>
-          </a:p>
-          <a:p>
-            <a:pPr algn="just"/>
+              <a:t>Intrinsically Disordered Proteins (IDPs) are vital for cellular functions like transcriptional regulation, translation transcriptional regulation, translation, and cell cycle control [1]. Unlike regular proteins, IDPs lack stable structures, </a:t>
+            </a:r>
+            <a:r>
+              <a:rPr lang="en-US" sz="3200" dirty="0"/>
+              <a:t>which allows them to act as central hubs in protein-protein interaction (PPI) networks, crucial for signaling </a:t>
+            </a:r>
+            <a:r>
+              <a:rPr lang="en-US" sz="3200" dirty="0" smtClean="0"/>
+              <a:t>pathways</a:t>
+            </a:r>
+            <a:r>
+              <a:rPr lang="en-US" sz="3200" dirty="0"/>
+              <a:t>. </a:t>
+            </a:r>
+            <a:r>
+              <a:rPr lang="en-US" sz="3200" dirty="0" smtClean="0"/>
+              <a:t>Traditional </a:t>
+            </a:r>
+            <a:r>
+              <a:rPr lang="en-US" sz="3200" dirty="0"/>
+              <a:t>methods used for IDP classification primarily rely on information obtained from secondary structures or amino acid </a:t>
+            </a:r>
+            <a:r>
+              <a:rPr lang="en-US" sz="3200" dirty="0" smtClean="0"/>
+              <a:t>sequences.</a:t>
+            </a:r>
+            <a:r>
+              <a:rPr lang="sr-Latn-BA" sz="3200" dirty="0" smtClean="0"/>
+              <a:t> </a:t>
+            </a:r>
+            <a:r>
+              <a:rPr lang="en-US" sz="3200" dirty="0" smtClean="0"/>
+              <a:t>Integrating data from PPI networks </a:t>
+            </a:r>
+            <a:r>
+              <a:rPr lang="en-US" sz="3200" dirty="0" smtClean="0"/>
+              <a:t>can </a:t>
+            </a:r>
+            <a:r>
+              <a:rPr lang="sr-Latn-BA" sz="3200" dirty="0" smtClean="0"/>
+              <a:t>improve</a:t>
+            </a:r>
+            <a:r>
+              <a:rPr lang="en-US" sz="3200" dirty="0" smtClean="0"/>
+              <a:t> </a:t>
+            </a:r>
+            <a:r>
+              <a:rPr lang="en-US" sz="3200" dirty="0" smtClean="0"/>
+              <a:t>IDP classification as PPI networks</a:t>
+            </a:r>
+            <a:r>
+              <a:rPr lang="sr-Latn-BA" sz="3200" dirty="0" smtClean="0"/>
+              <a:t> </a:t>
+            </a:r>
+            <a:r>
+              <a:rPr lang="en-US" sz="3200" dirty="0" smtClean="0"/>
+              <a:t>leverages </a:t>
+            </a:r>
+            <a:r>
+              <a:rPr lang="en-US" sz="3200" dirty="0"/>
+              <a:t>the rich information contained in protein interactions which can enhance </a:t>
+            </a:r>
+            <a:r>
+              <a:rPr lang="en-US" sz="3200" dirty="0" smtClean="0"/>
+              <a:t>biological relevance</a:t>
+            </a:r>
+            <a:r>
+              <a:rPr lang="sr-Latn-BA" sz="3200" dirty="0" smtClean="0"/>
+              <a:t> of classification results.</a:t>
+            </a:r>
+            <a:r>
+              <a:rPr lang="en-US" sz="3200" dirty="0" smtClean="0"/>
+              <a:t> </a:t>
+            </a:r>
+            <a:r>
+              <a:rPr lang="sr-Latn-BA" sz="3200" dirty="0" smtClean="0"/>
+              <a:t>In this research, we </a:t>
+            </a:r>
+            <a:r>
+              <a:rPr lang="en-US" sz="3200" dirty="0" err="1" smtClean="0"/>
+              <a:t>combi</a:t>
+            </a:r>
+            <a:r>
+              <a:rPr lang="sr-Latn-BA" sz="3200" dirty="0" smtClean="0"/>
+              <a:t>ne</a:t>
+            </a:r>
+            <a:r>
+              <a:rPr lang="en-US" sz="3200" dirty="0" smtClean="0"/>
+              <a:t> </a:t>
+            </a:r>
+            <a:r>
+              <a:rPr lang="sr-Latn-BA" sz="3200" dirty="0" smtClean="0"/>
+              <a:t>data from different sources, including </a:t>
+            </a:r>
+            <a:r>
+              <a:rPr lang="en-US" sz="3200" dirty="0" smtClean="0"/>
+              <a:t>PPI network</a:t>
+            </a:r>
+            <a:r>
+              <a:rPr lang="sr-Latn-BA" sz="3200" dirty="0" smtClean="0"/>
+              <a:t>s</a:t>
+            </a:r>
+            <a:r>
+              <a:rPr lang="en-US" sz="3200" dirty="0" smtClean="0"/>
+              <a:t> </a:t>
+            </a:r>
+            <a:r>
+              <a:rPr lang="sr-Latn-BA" sz="3200" dirty="0" smtClean="0"/>
+              <a:t>and </a:t>
+            </a:r>
+            <a:r>
+              <a:rPr lang="en-US" sz="3200" dirty="0" smtClean="0"/>
+              <a:t>protein sequences</a:t>
+            </a:r>
+            <a:r>
+              <a:rPr lang="sr-Latn-BA" sz="3200" dirty="0" smtClean="0"/>
+              <a:t>, and test accuray of classification models.</a:t>
+            </a:r>
             <a:endParaRPr lang="en-US" sz="3200" dirty="0"/>
-          </a:p>
-          <a:p>
-            <a:pPr algn="just"/>
-            <a:r>
-              <a:rPr lang="en-US" sz="3200" dirty="0"/>
-              <a:t>Integrating data from PPI networks </a:t>
-            </a:r>
-            <a:r>
-              <a:rPr lang="en-US" sz="3200" dirty="0">
-                <a:solidFill>
-                  <a:srgbClr val="FF0000"/>
-                </a:solidFill>
-              </a:rPr>
-              <a:t>complicates</a:t>
-            </a:r>
-            <a:r>
-              <a:rPr lang="en-US" sz="3200" dirty="0"/>
-              <a:t> IDP classification as their roles vary across biological contexts, and PPI data are often noisy and incomplete. To address this, researchers are developing new methods combining PPI network data with protein sequences.</a:t>
-            </a:r>
           </a:p>
         </p:txBody>
       </p:sp>
@@ -11193,11 +11423,7 @@
             </a:r>
             <a:r>
               <a:rPr lang="sr-Latn-BA" sz="3200" dirty="0" smtClean="0"/>
-              <a:t> </a:t>
-            </a:r>
-            <a:r>
-              <a:rPr lang="sr-Latn-BA" sz="3200" dirty="0" smtClean="0"/>
-              <a:t>– for extraction of features from weighted network, based on random walks.</a:t>
+              <a:t> – for extraction of features from weighted network, based on random walks.</a:t>
             </a:r>
             <a:endParaRPr lang="en-US" sz="3200" dirty="0"/>
           </a:p>
@@ -11208,19 +11434,11 @@
             </a:pPr>
             <a:r>
               <a:rPr lang="en-US" sz="3200" dirty="0" smtClean="0"/>
-              <a:t>SMOTEEN </a:t>
-            </a:r>
-            <a:r>
-              <a:rPr lang="en-US" sz="3200" dirty="0" smtClean="0"/>
-              <a:t>[9]</a:t>
+              <a:t>SMOTEEN [9]</a:t>
             </a:r>
             <a:r>
               <a:rPr lang="sr-Latn-BA" sz="3200" dirty="0" smtClean="0"/>
-              <a:t> </a:t>
-            </a:r>
-            <a:r>
-              <a:rPr lang="sr-Latn-BA" sz="3200" dirty="0" smtClean="0"/>
-              <a:t>– for sampling training set</a:t>
+              <a:t> – for sampling training set</a:t>
             </a:r>
             <a:r>
               <a:rPr lang="en-US" sz="3200" dirty="0" smtClean="0"/>
@@ -11247,11 +11465,7 @@
             </a:r>
             <a:r>
               <a:rPr lang="sr-Latn-BA" sz="3200" dirty="0" smtClean="0"/>
-              <a:t> </a:t>
-            </a:r>
-            <a:r>
-              <a:rPr lang="sr-Latn-BA" sz="3200" dirty="0" smtClean="0"/>
-              <a:t>– for normalization of dataset</a:t>
+              <a:t> – for normalization of dataset</a:t>
             </a:r>
             <a:r>
               <a:rPr lang="en-US" sz="3200" dirty="0" smtClean="0"/>
@@ -11278,11 +11492,7 @@
             </a:r>
             <a:r>
               <a:rPr lang="sr-Latn-BA" sz="3200" dirty="0" smtClean="0"/>
-              <a:t> </a:t>
-            </a:r>
-            <a:r>
-              <a:rPr lang="sr-Latn-BA" sz="3200" dirty="0" smtClean="0"/>
-              <a:t>– for tuning hyperparametar of </a:t>
+              <a:t> – for tuning hyperparametar of </a:t>
             </a:r>
             <a:r>
               <a:rPr lang="en-US" sz="3200" dirty="0" smtClean="0"/>
@@ -11354,7 +11564,7 @@
           <p:cNvPr id="30" name="Rounded Rectangle 47">
             <a:extLst>
               <a:ext uri="{FF2B5EF4-FFF2-40B4-BE49-F238E27FC236}">
-                <a16:creationId xmlns:a16="http://schemas.microsoft.com/office/drawing/2014/main" xmlns="" id="{33946411-5D0B-4586-92C0-9422A01632C7}"/>
+                <a16:creationId xmlns="" xmlns:a16="http://schemas.microsoft.com/office/drawing/2014/main" id="{33946411-5D0B-4586-92C0-9422A01632C7}"/>
               </a:ext>
             </a:extLst>
           </p:cNvPr>
@@ -11409,7 +11619,7 @@
           <p:cNvPr id="31" name="Rounded Rectangle 47">
             <a:extLst>
               <a:ext uri="{FF2B5EF4-FFF2-40B4-BE49-F238E27FC236}">
-                <a16:creationId xmlns:a16="http://schemas.microsoft.com/office/drawing/2014/main" xmlns="" id="{5FB06176-787A-4601-99AD-07335A70D009}"/>
+                <a16:creationId xmlns="" xmlns:a16="http://schemas.microsoft.com/office/drawing/2014/main" id="{5FB06176-787A-4601-99AD-07335A70D009}"/>
               </a:ext>
             </a:extLst>
           </p:cNvPr>
@@ -11464,7 +11674,7 @@
           <p:cNvPr id="14" name="Diagram 13">
             <a:extLst>
               <a:ext uri="{FF2B5EF4-FFF2-40B4-BE49-F238E27FC236}">
-                <a16:creationId xmlns:a16="http://schemas.microsoft.com/office/drawing/2014/main" xmlns="" id="{AA320E81-5855-4B1B-A249-74E4C7FE7477}"/>
+                <a16:creationId xmlns="" xmlns:a16="http://schemas.microsoft.com/office/drawing/2014/main" id="{AA320E81-5855-4B1B-A249-74E4C7FE7477}"/>
               </a:ext>
             </a:extLst>
           </p:cNvPr>
@@ -11492,7 +11702,7 @@
           <p:cNvPr id="1026" name="Picture 2" descr="https://assets-global.website-files.com/621e95f9ac30687a56e4297e/64a8d750505cf8e707066669_V2_1676215759712_7b2330a6-df89-49b4-be67-3b44bfb50040.png">
             <a:extLst>
               <a:ext uri="{FF2B5EF4-FFF2-40B4-BE49-F238E27FC236}">
-                <a16:creationId xmlns:a16="http://schemas.microsoft.com/office/drawing/2014/main" xmlns="" id="{EBEBC945-E341-4136-8DC8-448F42B87F70}"/>
+                <a16:creationId xmlns="" xmlns:a16="http://schemas.microsoft.com/office/drawing/2014/main" id="{EBEBC945-E341-4136-8DC8-448F42B87F70}"/>
               </a:ext>
             </a:extLst>
           </p:cNvPr>
@@ -11537,7 +11747,7 @@
           <p:cNvPr id="44" name="Picture 2" descr="https://assets-global.website-files.com/621e95f9ac30687a56e4297e/64a8d750505cf8e707066669_V2_1676215759712_7b2330a6-df89-49b4-be67-3b44bfb50040.png">
             <a:extLst>
               <a:ext uri="{FF2B5EF4-FFF2-40B4-BE49-F238E27FC236}">
-                <a16:creationId xmlns:a16="http://schemas.microsoft.com/office/drawing/2014/main" xmlns="" id="{34F3213A-A300-4253-B3DE-16FD671B4B9E}"/>
+                <a16:creationId xmlns="" xmlns:a16="http://schemas.microsoft.com/office/drawing/2014/main" id="{34F3213A-A300-4253-B3DE-16FD671B4B9E}"/>
               </a:ext>
             </a:extLst>
           </p:cNvPr>
@@ -11582,7 +11792,7 @@
           <p:cNvPr id="18" name="Rectangle 17">
             <a:extLst>
               <a:ext uri="{FF2B5EF4-FFF2-40B4-BE49-F238E27FC236}">
-                <a16:creationId xmlns:a16="http://schemas.microsoft.com/office/drawing/2014/main" xmlns="" id="{15C5418E-2EC7-4CDD-A50D-4A1976FD60F2}"/>
+                <a16:creationId xmlns="" xmlns:a16="http://schemas.microsoft.com/office/drawing/2014/main" id="{15C5418E-2EC7-4CDD-A50D-4A1976FD60F2}"/>
               </a:ext>
             </a:extLst>
           </p:cNvPr>
@@ -11740,7 +11950,7 @@
           <p:cNvPr id="49" name="Rectangle 48">
             <a:extLst>
               <a:ext uri="{FF2B5EF4-FFF2-40B4-BE49-F238E27FC236}">
-                <a16:creationId xmlns:a16="http://schemas.microsoft.com/office/drawing/2014/main" xmlns="" id="{7FA12D37-8BE6-48FA-A3E0-7F6D80828A2A}"/>
+                <a16:creationId xmlns="" xmlns:a16="http://schemas.microsoft.com/office/drawing/2014/main" id="{7FA12D37-8BE6-48FA-A3E0-7F6D80828A2A}"/>
               </a:ext>
             </a:extLst>
           </p:cNvPr>
@@ -12108,7 +12318,7 @@
           <p:cNvPr id="50" name="Rectangle 49">
             <a:extLst>
               <a:ext uri="{FF2B5EF4-FFF2-40B4-BE49-F238E27FC236}">
-                <a16:creationId xmlns:a16="http://schemas.microsoft.com/office/drawing/2014/main" xmlns="" id="{8E1A2B0C-839C-4318-ACA5-56B88B30D089}"/>
+                <a16:creationId xmlns="" xmlns:a16="http://schemas.microsoft.com/office/drawing/2014/main" id="{8E1A2B0C-839C-4318-ACA5-56B88B30D089}"/>
               </a:ext>
             </a:extLst>
           </p:cNvPr>
@@ -12283,7 +12493,7 @@
           <p:cNvPr id="52" name="Rounded Rectangle 47">
             <a:extLst>
               <a:ext uri="{FF2B5EF4-FFF2-40B4-BE49-F238E27FC236}">
-                <a16:creationId xmlns:a16="http://schemas.microsoft.com/office/drawing/2014/main" xmlns="" id="{82BE85DE-FD18-4E3E-BE20-52E122985005}"/>
+                <a16:creationId xmlns="" xmlns:a16="http://schemas.microsoft.com/office/drawing/2014/main" id="{82BE85DE-FD18-4E3E-BE20-52E122985005}"/>
               </a:ext>
             </a:extLst>
           </p:cNvPr>
@@ -12340,7 +12550,7 @@
           <p:cNvPr id="20" name="Arrow: Right 19">
             <a:extLst>
               <a:ext uri="{FF2B5EF4-FFF2-40B4-BE49-F238E27FC236}">
-                <a16:creationId xmlns:a16="http://schemas.microsoft.com/office/drawing/2014/main" xmlns="" id="{F75BF84B-2C0D-4C09-BA31-AFAAC77EAF11}"/>
+                <a16:creationId xmlns="" xmlns:a16="http://schemas.microsoft.com/office/drawing/2014/main" id="{F75BF84B-2C0D-4C09-BA31-AFAAC77EAF11}"/>
               </a:ext>
             </a:extLst>
           </p:cNvPr>
@@ -12386,7 +12596,7 @@
           <p:cNvPr id="55" name="Arrow: Right 54">
             <a:extLst>
               <a:ext uri="{FF2B5EF4-FFF2-40B4-BE49-F238E27FC236}">
-                <a16:creationId xmlns:a16="http://schemas.microsoft.com/office/drawing/2014/main" xmlns="" id="{9FFA1951-3CD1-43F1-812E-2361512B994A}"/>
+                <a16:creationId xmlns="" xmlns:a16="http://schemas.microsoft.com/office/drawing/2014/main" id="{9FFA1951-3CD1-43F1-812E-2361512B994A}"/>
               </a:ext>
             </a:extLst>
           </p:cNvPr>
@@ -12432,7 +12642,7 @@
           <p:cNvPr id="56" name="Rectangle 55">
             <a:extLst>
               <a:ext uri="{FF2B5EF4-FFF2-40B4-BE49-F238E27FC236}">
-                <a16:creationId xmlns:a16="http://schemas.microsoft.com/office/drawing/2014/main" xmlns="" id="{54B82BF6-7CC1-4CC0-A076-02DDFFB69BDA}"/>
+                <a16:creationId xmlns="" xmlns:a16="http://schemas.microsoft.com/office/drawing/2014/main" id="{54B82BF6-7CC1-4CC0-A076-02DDFFB69BDA}"/>
               </a:ext>
             </a:extLst>
           </p:cNvPr>
@@ -12793,7 +13003,7 @@
           <p:cNvPr id="57" name="Rounded Rectangle 47">
             <a:extLst>
               <a:ext uri="{FF2B5EF4-FFF2-40B4-BE49-F238E27FC236}">
-                <a16:creationId xmlns:a16="http://schemas.microsoft.com/office/drawing/2014/main" xmlns="" id="{094D318D-7740-40B1-8FDC-752A452D00FC}"/>
+                <a16:creationId xmlns="" xmlns:a16="http://schemas.microsoft.com/office/drawing/2014/main" id="{094D318D-7740-40B1-8FDC-752A452D00FC}"/>
               </a:ext>
             </a:extLst>
           </p:cNvPr>
@@ -12850,7 +13060,7 @@
           <p:cNvPr id="58" name="Rectangle 57">
             <a:extLst>
               <a:ext uri="{FF2B5EF4-FFF2-40B4-BE49-F238E27FC236}">
-                <a16:creationId xmlns:a16="http://schemas.microsoft.com/office/drawing/2014/main" xmlns="" id="{E5A2346C-B437-4A8F-8C2E-BBED9297E0C1}"/>
+                <a16:creationId xmlns="" xmlns:a16="http://schemas.microsoft.com/office/drawing/2014/main" id="{E5A2346C-B437-4A8F-8C2E-BBED9297E0C1}"/>
               </a:ext>
             </a:extLst>
           </p:cNvPr>
@@ -13850,7 +14060,7 @@
           <p:cNvPr id="21" name="Diagram 20">
             <a:extLst>
               <a:ext uri="{FF2B5EF4-FFF2-40B4-BE49-F238E27FC236}">
-                <a16:creationId xmlns:a16="http://schemas.microsoft.com/office/drawing/2014/main" xmlns="" id="{E3B1F8A6-065A-446D-865B-A7233CC9A7C0}"/>
+                <a16:creationId xmlns="" xmlns:a16="http://schemas.microsoft.com/office/drawing/2014/main" id="{E3B1F8A6-065A-446D-865B-A7233CC9A7C0}"/>
               </a:ext>
             </a:extLst>
           </p:cNvPr>
@@ -13878,7 +14088,7 @@
           <p:cNvPr id="59" name="Rectangle 58">
             <a:extLst>
               <a:ext uri="{FF2B5EF4-FFF2-40B4-BE49-F238E27FC236}">
-                <a16:creationId xmlns:a16="http://schemas.microsoft.com/office/drawing/2014/main" xmlns="" id="{632B674B-5C97-4C65-B93A-0721E9DC16EE}"/>
+                <a16:creationId xmlns="" xmlns:a16="http://schemas.microsoft.com/office/drawing/2014/main" id="{632B674B-5C97-4C65-B93A-0721E9DC16EE}"/>
               </a:ext>
             </a:extLst>
           </p:cNvPr>
@@ -13933,7 +14143,7 @@
           <p:cNvPr id="60" name="Rectangle 59">
             <a:extLst>
               <a:ext uri="{FF2B5EF4-FFF2-40B4-BE49-F238E27FC236}">
-                <a16:creationId xmlns:a16="http://schemas.microsoft.com/office/drawing/2014/main" xmlns="" id="{1447920C-522C-48BD-BD46-479D0D73E142}"/>
+                <a16:creationId xmlns="" xmlns:a16="http://schemas.microsoft.com/office/drawing/2014/main" id="{1447920C-522C-48BD-BD46-479D0D73E142}"/>
               </a:ext>
             </a:extLst>
           </p:cNvPr>
@@ -16034,7 +16244,26 @@
             </a:r>
             <a:r>
               <a:rPr lang="en-US" sz="3200" dirty="0"/>
-              <a:t>predict the most intrinsically disordered protein (IDP) effectively. </a:t>
+              <a:t>predict the most intrinsically disordered </a:t>
+            </a:r>
+            <a:r>
+              <a:rPr lang="en-US" sz="3200" dirty="0" smtClean="0"/>
+              <a:t>proteins </a:t>
+            </a:r>
+            <a:r>
+              <a:rPr lang="en-US" sz="3200" dirty="0"/>
+              <a:t>(</a:t>
+            </a:r>
+            <a:r>
+              <a:rPr lang="en-US" sz="3200" dirty="0" smtClean="0"/>
+              <a:t>IDPs).</a:t>
+            </a:r>
+          </a:p>
+          <a:p>
+            <a:pPr algn="just"/>
+            <a:r>
+              <a:rPr lang="en-US" sz="3200" dirty="0" smtClean="0"/>
+              <a:t> </a:t>
             </a:r>
             <a:endParaRPr lang="sr-Latn-BA" sz="3200" dirty="0" smtClean="0"/>
           </a:p>
@@ -16046,7 +16275,31 @@
             </a:r>
             <a:r>
               <a:rPr lang="en-US" sz="3200" dirty="0"/>
-              <a:t>findings suggest that integrating attributes from both network and sequence has potential, opening avenues for further methodological refinement. Moreover, the proposed approach should be applied to other networks of different organisms, including human networks. Additionally, combining existing attributes with those derived from other protein characteristics could be a promising direction for future research.</a:t>
+              <a:t>findings suggest that integrating attributes from both network and sequence has potential, opening avenues for further methodological refinement. </a:t>
+            </a:r>
+            <a:r>
+              <a:rPr lang="en-US" sz="3200" dirty="0" smtClean="0"/>
+              <a:t>In order to further investigate the capability of this approach, it </a:t>
+            </a:r>
+            <a:r>
+              <a:rPr lang="en-US" sz="3200" dirty="0"/>
+              <a:t>should be applied </a:t>
+            </a:r>
+            <a:r>
+              <a:rPr lang="en-US" sz="3200" dirty="0" smtClean="0"/>
+              <a:t>on </a:t>
+            </a:r>
+            <a:r>
+              <a:rPr lang="en-US" sz="3200" dirty="0"/>
+              <a:t>other networks </a:t>
+            </a:r>
+            <a:r>
+              <a:rPr lang="en-US" sz="3200" dirty="0" smtClean="0"/>
+              <a:t>of </a:t>
+            </a:r>
+            <a:r>
+              <a:rPr lang="en-US" sz="3200" dirty="0"/>
+              <a:t>different organisms, including human networks. Additionally, combining existing attributes with those derived from other protein characteristics could be a promising direction for future research.</a:t>
             </a:r>
             <a:r>
               <a:rPr lang="sr-Latn-BA" sz="3200" dirty="0" smtClean="0"/>
@@ -16061,7 +16314,7 @@
           <p:cNvPr id="46" name="Arrow: Right 19">
             <a:extLst>
               <a:ext uri="{FF2B5EF4-FFF2-40B4-BE49-F238E27FC236}">
-                <a16:creationId xmlns:a16="http://schemas.microsoft.com/office/drawing/2014/main" xmlns="" id="{F75BF84B-2C0D-4C09-BA31-AFAAC77EAF11}"/>
+                <a16:creationId xmlns="" xmlns:a16="http://schemas.microsoft.com/office/drawing/2014/main" id="{F75BF84B-2C0D-4C09-BA31-AFAAC77EAF11}"/>
               </a:ext>
             </a:extLst>
           </p:cNvPr>

--- a/poster Solun maj 2024/Solun poster 002.pptx
+++ b/poster Solun maj 2024/Solun poster 002.pptx
@@ -1822,35 +1822,14 @@
         </dgm:presLayoutVars>
       </dgm:prSet>
       <dgm:spPr/>
-      <dgm:t>
-        <a:bodyPr/>
-        <a:lstStyle/>
-        <a:p>
-          <a:endParaRPr lang="en-US"/>
-        </a:p>
-      </dgm:t>
     </dgm:pt>
     <dgm:pt modelId="{49AB3AA5-5C37-401B-BD24-8CDBE6CDE631}" type="pres">
       <dgm:prSet presAssocID="{55FCA17C-1EF6-4064-B59A-DED79FC40987}" presName="sibTrans" presStyleLbl="sibTrans2D1" presStyleIdx="0" presStyleCnt="3"/>
       <dgm:spPr/>
-      <dgm:t>
-        <a:bodyPr/>
-        <a:lstStyle/>
-        <a:p>
-          <a:endParaRPr lang="en-US"/>
-        </a:p>
-      </dgm:t>
     </dgm:pt>
     <dgm:pt modelId="{B24ED164-7D46-4FE6-99D4-115D05EB5090}" type="pres">
       <dgm:prSet presAssocID="{55FCA17C-1EF6-4064-B59A-DED79FC40987}" presName="connectorText" presStyleLbl="sibTrans2D1" presStyleIdx="0" presStyleCnt="3"/>
       <dgm:spPr/>
-      <dgm:t>
-        <a:bodyPr/>
-        <a:lstStyle/>
-        <a:p>
-          <a:endParaRPr lang="en-US"/>
-        </a:p>
-      </dgm:t>
     </dgm:pt>
     <dgm:pt modelId="{266EB45E-0BF0-4F15-90A8-48CDB3BB1843}" type="pres">
       <dgm:prSet presAssocID="{4DBB097A-AAC8-4558-83CD-5D293BA0E73F}" presName="node" presStyleLbl="node1" presStyleIdx="1" presStyleCnt="4" custLinFactNeighborX="13307" custLinFactNeighborY="171">
@@ -1859,35 +1838,14 @@
         </dgm:presLayoutVars>
       </dgm:prSet>
       <dgm:spPr/>
-      <dgm:t>
-        <a:bodyPr/>
-        <a:lstStyle/>
-        <a:p>
-          <a:endParaRPr lang="en-US"/>
-        </a:p>
-      </dgm:t>
     </dgm:pt>
     <dgm:pt modelId="{9D036536-CA58-460B-9592-E804F4957C65}" type="pres">
       <dgm:prSet presAssocID="{AAF2528D-193F-4D93-A91F-6874F8247A7E}" presName="sibTrans" presStyleLbl="sibTrans2D1" presStyleIdx="1" presStyleCnt="3"/>
       <dgm:spPr/>
-      <dgm:t>
-        <a:bodyPr/>
-        <a:lstStyle/>
-        <a:p>
-          <a:endParaRPr lang="en-US"/>
-        </a:p>
-      </dgm:t>
     </dgm:pt>
     <dgm:pt modelId="{5484F5B9-AF2E-4D41-B34C-14F23DAB6613}" type="pres">
       <dgm:prSet presAssocID="{AAF2528D-193F-4D93-A91F-6874F8247A7E}" presName="connectorText" presStyleLbl="sibTrans2D1" presStyleIdx="1" presStyleCnt="3"/>
       <dgm:spPr/>
-      <dgm:t>
-        <a:bodyPr/>
-        <a:lstStyle/>
-        <a:p>
-          <a:endParaRPr lang="en-US"/>
-        </a:p>
-      </dgm:t>
     </dgm:pt>
     <dgm:pt modelId="{0B7A5903-CDD3-4CC0-94BF-E92BA3DA96DD}" type="pres">
       <dgm:prSet presAssocID="{FFE45BF6-B8B7-4DF6-B255-42C35051D756}" presName="node" presStyleLbl="node1" presStyleIdx="2" presStyleCnt="4" custLinFactNeighborX="13307" custLinFactNeighborY="171">
@@ -1896,35 +1854,14 @@
         </dgm:presLayoutVars>
       </dgm:prSet>
       <dgm:spPr/>
-      <dgm:t>
-        <a:bodyPr/>
-        <a:lstStyle/>
-        <a:p>
-          <a:endParaRPr lang="en-US"/>
-        </a:p>
-      </dgm:t>
     </dgm:pt>
     <dgm:pt modelId="{9132B67F-A38C-4915-8317-7B8D2EEE0C67}" type="pres">
       <dgm:prSet presAssocID="{A491963B-FA65-4F9A-A948-8D6552EF7FBD}" presName="sibTrans" presStyleLbl="sibTrans2D1" presStyleIdx="2" presStyleCnt="3"/>
       <dgm:spPr/>
-      <dgm:t>
-        <a:bodyPr/>
-        <a:lstStyle/>
-        <a:p>
-          <a:endParaRPr lang="en-US"/>
-        </a:p>
-      </dgm:t>
     </dgm:pt>
     <dgm:pt modelId="{8F882EF6-49EC-4B53-B100-EAD4E720298A}" type="pres">
       <dgm:prSet presAssocID="{A491963B-FA65-4F9A-A948-8D6552EF7FBD}" presName="connectorText" presStyleLbl="sibTrans2D1" presStyleIdx="2" presStyleCnt="3"/>
       <dgm:spPr/>
-      <dgm:t>
-        <a:bodyPr/>
-        <a:lstStyle/>
-        <a:p>
-          <a:endParaRPr lang="en-US"/>
-        </a:p>
-      </dgm:t>
     </dgm:pt>
     <dgm:pt modelId="{2DFA93C7-BE63-4691-A297-B8C9BB46D38B}" type="pres">
       <dgm:prSet presAssocID="{F6006F7E-AC86-45B0-8635-2B1FB4B48637}" presName="node" presStyleLbl="node1" presStyleIdx="3" presStyleCnt="4" custScaleX="117086" custLinFactNeighborX="13307" custLinFactNeighborY="171">
@@ -1933,31 +1870,24 @@
         </dgm:presLayoutVars>
       </dgm:prSet>
       <dgm:spPr/>
-      <dgm:t>
-        <a:bodyPr/>
-        <a:lstStyle/>
-        <a:p>
-          <a:endParaRPr lang="en-US"/>
-        </a:p>
-      </dgm:t>
     </dgm:pt>
   </dgm:ptLst>
   <dgm:cxnLst>
+    <dgm:cxn modelId="{BEBA565C-4BB6-4FAC-8220-2037A2C4BB59}" type="presOf" srcId="{AAF2528D-193F-4D93-A91F-6874F8247A7E}" destId="{9D036536-CA58-460B-9592-E804F4957C65}" srcOrd="0" destOrd="0" presId="urn:microsoft.com/office/officeart/2005/8/layout/process1"/>
+    <dgm:cxn modelId="{29E6CB5C-90D4-4537-A08F-602AB69E1185}" type="presOf" srcId="{8D948468-426C-430E-8463-EA0A9047AA97}" destId="{9039D0E1-9BDE-4D45-A61C-BA5F9D629281}" srcOrd="0" destOrd="0" presId="urn:microsoft.com/office/officeart/2005/8/layout/process1"/>
+    <dgm:cxn modelId="{467FE643-5A2A-4725-9326-4A4BE2A4EDD6}" type="presOf" srcId="{F6006F7E-AC86-45B0-8635-2B1FB4B48637}" destId="{2DFA93C7-BE63-4691-A297-B8C9BB46D38B}" srcOrd="0" destOrd="0" presId="urn:microsoft.com/office/officeart/2005/8/layout/process1"/>
+    <dgm:cxn modelId="{1F63834A-14E8-4045-ADBC-17DC5CB5F954}" type="presOf" srcId="{55FCA17C-1EF6-4064-B59A-DED79FC40987}" destId="{49AB3AA5-5C37-401B-BD24-8CDBE6CDE631}" srcOrd="0" destOrd="0" presId="urn:microsoft.com/office/officeart/2005/8/layout/process1"/>
+    <dgm:cxn modelId="{CE4C3E71-01BF-48FF-8849-74C1F916C255}" type="presOf" srcId="{4DBB097A-AAC8-4558-83CD-5D293BA0E73F}" destId="{266EB45E-0BF0-4F15-90A8-48CDB3BB1843}" srcOrd="0" destOrd="0" presId="urn:microsoft.com/office/officeart/2005/8/layout/process1"/>
+    <dgm:cxn modelId="{F0E2C854-E738-4B9A-99E1-2771B60C9447}" srcId="{084DAEBC-087F-4D15-B752-4785C0673660}" destId="{FFE45BF6-B8B7-4DF6-B255-42C35051D756}" srcOrd="2" destOrd="0" parTransId="{550CEC22-6DA6-4C97-9825-0EA4212E08F2}" sibTransId="{A491963B-FA65-4F9A-A948-8D6552EF7FBD}"/>
     <dgm:cxn modelId="{77B19E57-37CF-4D7F-8567-1CB6667515CB}" type="presOf" srcId="{A491963B-FA65-4F9A-A948-8D6552EF7FBD}" destId="{8F882EF6-49EC-4B53-B100-EAD4E720298A}" srcOrd="1" destOrd="0" presId="urn:microsoft.com/office/officeart/2005/8/layout/process1"/>
-    <dgm:cxn modelId="{039EE9CB-942E-4BB3-B9DC-936A8F50F939}" srcId="{084DAEBC-087F-4D15-B752-4785C0673660}" destId="{F6006F7E-AC86-45B0-8635-2B1FB4B48637}" srcOrd="3" destOrd="0" parTransId="{9BB6F8E7-7675-44CB-9DA3-545DA6F36E9D}" sibTransId="{DE65469D-6D73-4E22-BA1D-C8408998D1F0}"/>
-    <dgm:cxn modelId="{F0E2C854-E738-4B9A-99E1-2771B60C9447}" srcId="{084DAEBC-087F-4D15-B752-4785C0673660}" destId="{FFE45BF6-B8B7-4DF6-B255-42C35051D756}" srcOrd="2" destOrd="0" parTransId="{550CEC22-6DA6-4C97-9825-0EA4212E08F2}" sibTransId="{A491963B-FA65-4F9A-A948-8D6552EF7FBD}"/>
-    <dgm:cxn modelId="{BB129FEE-B7DF-409C-94FD-C3180D7E6BCB}" type="presOf" srcId="{FFE45BF6-B8B7-4DF6-B255-42C35051D756}" destId="{0B7A5903-CDD3-4CC0-94BF-E92BA3DA96DD}" srcOrd="0" destOrd="0" presId="urn:microsoft.com/office/officeart/2005/8/layout/process1"/>
-    <dgm:cxn modelId="{1F63834A-14E8-4045-ADBC-17DC5CB5F954}" type="presOf" srcId="{55FCA17C-1EF6-4064-B59A-DED79FC40987}" destId="{49AB3AA5-5C37-401B-BD24-8CDBE6CDE631}" srcOrd="0" destOrd="0" presId="urn:microsoft.com/office/officeart/2005/8/layout/process1"/>
-    <dgm:cxn modelId="{BEBA565C-4BB6-4FAC-8220-2037A2C4BB59}" type="presOf" srcId="{AAF2528D-193F-4D93-A91F-6874F8247A7E}" destId="{9D036536-CA58-460B-9592-E804F4957C65}" srcOrd="0" destOrd="0" presId="urn:microsoft.com/office/officeart/2005/8/layout/process1"/>
+    <dgm:cxn modelId="{D87ED65A-1EE6-4167-9E92-EF0162A41ED0}" type="presOf" srcId="{55FCA17C-1EF6-4064-B59A-DED79FC40987}" destId="{B24ED164-7D46-4FE6-99D4-115D05EB5090}" srcOrd="1" destOrd="0" presId="urn:microsoft.com/office/officeart/2005/8/layout/process1"/>
+    <dgm:cxn modelId="{8A0A7A8C-9957-45EB-A42F-57DBD8274257}" srcId="{084DAEBC-087F-4D15-B752-4785C0673660}" destId="{8D948468-426C-430E-8463-EA0A9047AA97}" srcOrd="0" destOrd="0" parTransId="{089F8F6F-ED72-497F-B944-BDE96C4547C5}" sibTransId="{55FCA17C-1EF6-4064-B59A-DED79FC40987}"/>
+    <dgm:cxn modelId="{2D6E6A99-0884-421B-9583-F66FB72B4CE8}" srcId="{084DAEBC-087F-4D15-B752-4785C0673660}" destId="{4DBB097A-AAC8-4558-83CD-5D293BA0E73F}" srcOrd="1" destOrd="0" parTransId="{F66D8E7D-91C7-486F-96A1-E8901AD94FBA}" sibTransId="{AAF2528D-193F-4D93-A91F-6874F8247A7E}"/>
     <dgm:cxn modelId="{8F79D79C-09D6-487D-8FD1-87A5FD0DF99A}" type="presOf" srcId="{084DAEBC-087F-4D15-B752-4785C0673660}" destId="{4DF115B0-D97C-4D45-995F-751D171483ED}" srcOrd="0" destOrd="0" presId="urn:microsoft.com/office/officeart/2005/8/layout/process1"/>
     <dgm:cxn modelId="{C3E2F7B3-4158-494E-83A1-75C1933FC0BF}" type="presOf" srcId="{AAF2528D-193F-4D93-A91F-6874F8247A7E}" destId="{5484F5B9-AF2E-4D41-B34C-14F23DAB6613}" srcOrd="1" destOrd="0" presId="urn:microsoft.com/office/officeart/2005/8/layout/process1"/>
-    <dgm:cxn modelId="{29E6CB5C-90D4-4537-A08F-602AB69E1185}" type="presOf" srcId="{8D948468-426C-430E-8463-EA0A9047AA97}" destId="{9039D0E1-9BDE-4D45-A61C-BA5F9D629281}" srcOrd="0" destOrd="0" presId="urn:microsoft.com/office/officeart/2005/8/layout/process1"/>
-    <dgm:cxn modelId="{CE4C3E71-01BF-48FF-8849-74C1F916C255}" type="presOf" srcId="{4DBB097A-AAC8-4558-83CD-5D293BA0E73F}" destId="{266EB45E-0BF0-4F15-90A8-48CDB3BB1843}" srcOrd="0" destOrd="0" presId="urn:microsoft.com/office/officeart/2005/8/layout/process1"/>
-    <dgm:cxn modelId="{2D6E6A99-0884-421B-9583-F66FB72B4CE8}" srcId="{084DAEBC-087F-4D15-B752-4785C0673660}" destId="{4DBB097A-AAC8-4558-83CD-5D293BA0E73F}" srcOrd="1" destOrd="0" parTransId="{F66D8E7D-91C7-486F-96A1-E8901AD94FBA}" sibTransId="{AAF2528D-193F-4D93-A91F-6874F8247A7E}"/>
+    <dgm:cxn modelId="{039EE9CB-942E-4BB3-B9DC-936A8F50F939}" srcId="{084DAEBC-087F-4D15-B752-4785C0673660}" destId="{F6006F7E-AC86-45B0-8635-2B1FB4B48637}" srcOrd="3" destOrd="0" parTransId="{9BB6F8E7-7675-44CB-9DA3-545DA6F36E9D}" sibTransId="{DE65469D-6D73-4E22-BA1D-C8408998D1F0}"/>
+    <dgm:cxn modelId="{BB129FEE-B7DF-409C-94FD-C3180D7E6BCB}" type="presOf" srcId="{FFE45BF6-B8B7-4DF6-B255-42C35051D756}" destId="{0B7A5903-CDD3-4CC0-94BF-E92BA3DA96DD}" srcOrd="0" destOrd="0" presId="urn:microsoft.com/office/officeart/2005/8/layout/process1"/>
     <dgm:cxn modelId="{CF05EDF1-8EB6-4600-B8CE-CA21F2358774}" type="presOf" srcId="{A491963B-FA65-4F9A-A948-8D6552EF7FBD}" destId="{9132B67F-A38C-4915-8317-7B8D2EEE0C67}" srcOrd="0" destOrd="0" presId="urn:microsoft.com/office/officeart/2005/8/layout/process1"/>
-    <dgm:cxn modelId="{467FE643-5A2A-4725-9326-4A4BE2A4EDD6}" type="presOf" srcId="{F6006F7E-AC86-45B0-8635-2B1FB4B48637}" destId="{2DFA93C7-BE63-4691-A297-B8C9BB46D38B}" srcOrd="0" destOrd="0" presId="urn:microsoft.com/office/officeart/2005/8/layout/process1"/>
-    <dgm:cxn modelId="{D87ED65A-1EE6-4167-9E92-EF0162A41ED0}" type="presOf" srcId="{55FCA17C-1EF6-4064-B59A-DED79FC40987}" destId="{B24ED164-7D46-4FE6-99D4-115D05EB5090}" srcOrd="1" destOrd="0" presId="urn:microsoft.com/office/officeart/2005/8/layout/process1"/>
-    <dgm:cxn modelId="{8A0A7A8C-9957-45EB-A42F-57DBD8274257}" srcId="{084DAEBC-087F-4D15-B752-4785C0673660}" destId="{8D948468-426C-430E-8463-EA0A9047AA97}" srcOrd="0" destOrd="0" parTransId="{089F8F6F-ED72-497F-B944-BDE96C4547C5}" sibTransId="{55FCA17C-1EF6-4064-B59A-DED79FC40987}"/>
     <dgm:cxn modelId="{2EE71F70-44B8-4167-AE8E-D808B4B8507E}" type="presParOf" srcId="{4DF115B0-D97C-4D45-995F-751D171483ED}" destId="{9039D0E1-9BDE-4D45-A61C-BA5F9D629281}" srcOrd="0" destOrd="0" presId="urn:microsoft.com/office/officeart/2005/8/layout/process1"/>
     <dgm:cxn modelId="{C6CBE64A-4FE6-4DA8-BB33-48D1672F1161}" type="presParOf" srcId="{4DF115B0-D97C-4D45-995F-751D171483ED}" destId="{49AB3AA5-5C37-401B-BD24-8CDBE6CDE631}" srcOrd="1" destOrd="0" presId="urn:microsoft.com/office/officeart/2005/8/layout/process1"/>
     <dgm:cxn modelId="{5B0FFD9C-195F-45EB-BCE5-2493D4E9AA6C}" type="presParOf" srcId="{49AB3AA5-5C37-401B-BD24-8CDBE6CDE631}" destId="{B24ED164-7D46-4FE6-99D4-115D05EB5090}" srcOrd="0" destOrd="0" presId="urn:microsoft.com/office/officeart/2005/8/layout/process1"/>
@@ -2088,35 +2018,14 @@
         </dgm:presLayoutVars>
       </dgm:prSet>
       <dgm:spPr/>
-      <dgm:t>
-        <a:bodyPr/>
-        <a:lstStyle/>
-        <a:p>
-          <a:endParaRPr lang="en-US"/>
-        </a:p>
-      </dgm:t>
     </dgm:pt>
     <dgm:pt modelId="{87E23861-EBE9-44B3-9472-EF4C03646A1C}" type="pres">
       <dgm:prSet presAssocID="{87E812C8-FE63-46A2-82C4-E3AF1165FAEC}" presName="sibTrans" presStyleLbl="sibTrans2D1" presStyleIdx="0" presStyleCnt="1"/>
       <dgm:spPr/>
-      <dgm:t>
-        <a:bodyPr/>
-        <a:lstStyle/>
-        <a:p>
-          <a:endParaRPr lang="en-US"/>
-        </a:p>
-      </dgm:t>
     </dgm:pt>
     <dgm:pt modelId="{82908010-5D50-447A-A669-F7ED88D694B7}" type="pres">
       <dgm:prSet presAssocID="{87E812C8-FE63-46A2-82C4-E3AF1165FAEC}" presName="connectorText" presStyleLbl="sibTrans2D1" presStyleIdx="0" presStyleCnt="1"/>
       <dgm:spPr/>
-      <dgm:t>
-        <a:bodyPr/>
-        <a:lstStyle/>
-        <a:p>
-          <a:endParaRPr lang="en-US"/>
-        </a:p>
-      </dgm:t>
     </dgm:pt>
     <dgm:pt modelId="{84C38B99-337A-4D51-B033-2DCA5A1A3CFC}" type="pres">
       <dgm:prSet presAssocID="{10AAF480-0D29-4E26-A72C-915CF903C5C7}" presName="node" presStyleLbl="node1" presStyleIdx="1" presStyleCnt="2">
@@ -2125,23 +2034,16 @@
         </dgm:presLayoutVars>
       </dgm:prSet>
       <dgm:spPr/>
-      <dgm:t>
-        <a:bodyPr/>
-        <a:lstStyle/>
-        <a:p>
-          <a:endParaRPr lang="en-US"/>
-        </a:p>
-      </dgm:t>
     </dgm:pt>
   </dgm:ptLst>
   <dgm:cxnLst>
+    <dgm:cxn modelId="{0256AF0D-FA80-4245-B03A-79310906EB78}" type="presOf" srcId="{87E812C8-FE63-46A2-82C4-E3AF1165FAEC}" destId="{82908010-5D50-447A-A669-F7ED88D694B7}" srcOrd="1" destOrd="0" presId="urn:microsoft.com/office/officeart/2005/8/layout/process1"/>
+    <dgm:cxn modelId="{E66D701E-E795-4E5D-9DD5-7080975E9BCB}" type="presOf" srcId="{10AAF480-0D29-4E26-A72C-915CF903C5C7}" destId="{84C38B99-337A-4D51-B033-2DCA5A1A3CFC}" srcOrd="0" destOrd="0" presId="urn:microsoft.com/office/officeart/2005/8/layout/process1"/>
+    <dgm:cxn modelId="{F324393A-AC06-4A50-8119-259F4AC4A2A9}" srcId="{73D35960-DDC9-4639-BD50-62380431F57D}" destId="{D4848219-8E91-4CAC-BAFC-A34865839130}" srcOrd="0" destOrd="0" parTransId="{4F12413A-D534-4719-9025-417569C2510A}" sibTransId="{87E812C8-FE63-46A2-82C4-E3AF1165FAEC}"/>
+    <dgm:cxn modelId="{EC22D993-5D1C-405F-BA7B-F8645DC04E32}" type="presOf" srcId="{D4848219-8E91-4CAC-BAFC-A34865839130}" destId="{CA2A973F-C317-4D25-AD4E-D5833079E7DF}" srcOrd="0" destOrd="0" presId="urn:microsoft.com/office/officeart/2005/8/layout/process1"/>
     <dgm:cxn modelId="{E4E3A5A3-0AD7-4EDD-8D27-C33EA483770A}" type="presOf" srcId="{87E812C8-FE63-46A2-82C4-E3AF1165FAEC}" destId="{87E23861-EBE9-44B3-9472-EF4C03646A1C}" srcOrd="0" destOrd="0" presId="urn:microsoft.com/office/officeart/2005/8/layout/process1"/>
+    <dgm:cxn modelId="{F92103A6-3F6A-46B2-98E8-CDB2C3262F70}" srcId="{73D35960-DDC9-4639-BD50-62380431F57D}" destId="{10AAF480-0D29-4E26-A72C-915CF903C5C7}" srcOrd="1" destOrd="0" parTransId="{A15204E6-6B7E-4387-BE48-8BA1CD249171}" sibTransId="{2057236A-A7B1-4E1D-AADF-C7248AA9F058}"/>
     <dgm:cxn modelId="{EA23C1DB-8FF9-4D27-907D-265B2BD827B4}" type="presOf" srcId="{73D35960-DDC9-4639-BD50-62380431F57D}" destId="{9BDC6DE6-065D-479B-BEB3-BB668775D263}" srcOrd="0" destOrd="0" presId="urn:microsoft.com/office/officeart/2005/8/layout/process1"/>
-    <dgm:cxn modelId="{E66D701E-E795-4E5D-9DD5-7080975E9BCB}" type="presOf" srcId="{10AAF480-0D29-4E26-A72C-915CF903C5C7}" destId="{84C38B99-337A-4D51-B033-2DCA5A1A3CFC}" srcOrd="0" destOrd="0" presId="urn:microsoft.com/office/officeart/2005/8/layout/process1"/>
-    <dgm:cxn modelId="{EC22D993-5D1C-405F-BA7B-F8645DC04E32}" type="presOf" srcId="{D4848219-8E91-4CAC-BAFC-A34865839130}" destId="{CA2A973F-C317-4D25-AD4E-D5833079E7DF}" srcOrd="0" destOrd="0" presId="urn:microsoft.com/office/officeart/2005/8/layout/process1"/>
-    <dgm:cxn modelId="{F92103A6-3F6A-46B2-98E8-CDB2C3262F70}" srcId="{73D35960-DDC9-4639-BD50-62380431F57D}" destId="{10AAF480-0D29-4E26-A72C-915CF903C5C7}" srcOrd="1" destOrd="0" parTransId="{A15204E6-6B7E-4387-BE48-8BA1CD249171}" sibTransId="{2057236A-A7B1-4E1D-AADF-C7248AA9F058}"/>
-    <dgm:cxn modelId="{0256AF0D-FA80-4245-B03A-79310906EB78}" type="presOf" srcId="{87E812C8-FE63-46A2-82C4-E3AF1165FAEC}" destId="{82908010-5D50-447A-A669-F7ED88D694B7}" srcOrd="1" destOrd="0" presId="urn:microsoft.com/office/officeart/2005/8/layout/process1"/>
-    <dgm:cxn modelId="{F324393A-AC06-4A50-8119-259F4AC4A2A9}" srcId="{73D35960-DDC9-4639-BD50-62380431F57D}" destId="{D4848219-8E91-4CAC-BAFC-A34865839130}" srcOrd="0" destOrd="0" parTransId="{4F12413A-D534-4719-9025-417569C2510A}" sibTransId="{87E812C8-FE63-46A2-82C4-E3AF1165FAEC}"/>
     <dgm:cxn modelId="{0661E27E-9CE3-4612-9832-E02A04BDDBCA}" type="presParOf" srcId="{9BDC6DE6-065D-479B-BEB3-BB668775D263}" destId="{CA2A973F-C317-4D25-AD4E-D5833079E7DF}" srcOrd="0" destOrd="0" presId="urn:microsoft.com/office/officeart/2005/8/layout/process1"/>
     <dgm:cxn modelId="{09071F40-2BC7-41C2-ACD7-1465FE71B199}" type="presParOf" srcId="{9BDC6DE6-065D-479B-BEB3-BB668775D263}" destId="{87E23861-EBE9-44B3-9472-EF4C03646A1C}" srcOrd="1" destOrd="0" presId="urn:microsoft.com/office/officeart/2005/8/layout/process1"/>
     <dgm:cxn modelId="{2807512F-6459-4854-A1B6-A744369E2B98}" type="presParOf" srcId="{87E23861-EBE9-44B3-9472-EF4C03646A1C}" destId="{82908010-5D50-447A-A669-F7ED88D694B7}" srcOrd="0" destOrd="0" presId="urn:microsoft.com/office/officeart/2005/8/layout/process1"/>
@@ -2218,7 +2120,7 @@
         </a:bodyPr>
         <a:lstStyle/>
         <a:p>
-          <a:pPr lvl="0" algn="ctr" defTabSz="1111250">
+          <a:pPr marL="0" lvl="0" indent="0" algn="ctr" defTabSz="1111250">
             <a:lnSpc>
               <a:spcPct val="90000"/>
             </a:lnSpc>
@@ -2228,6 +2130,7 @@
             <a:spcAft>
               <a:spcPct val="35000"/>
             </a:spcAft>
+            <a:buNone/>
           </a:pPr>
           <a:r>
             <a:rPr lang="en-US" sz="2500" kern="1200" dirty="0"/>
@@ -2303,7 +2206,7 @@
         </a:bodyPr>
         <a:lstStyle/>
         <a:p>
-          <a:pPr lvl="0" algn="ctr" defTabSz="1111250">
+          <a:pPr marL="0" lvl="0" indent="0" algn="ctr" defTabSz="1111250">
             <a:lnSpc>
               <a:spcPct val="90000"/>
             </a:lnSpc>
@@ -2313,6 +2216,7 @@
             <a:spcAft>
               <a:spcPct val="35000"/>
             </a:spcAft>
+            <a:buNone/>
           </a:pPr>
           <a:endParaRPr lang="en-US" sz="2500" kern="1200"/>
         </a:p>
@@ -2375,7 +2279,7 @@
         </a:bodyPr>
         <a:lstStyle/>
         <a:p>
-          <a:pPr lvl="0" algn="ctr" defTabSz="1111250">
+          <a:pPr marL="0" lvl="0" indent="0" algn="ctr" defTabSz="1111250">
             <a:lnSpc>
               <a:spcPct val="90000"/>
             </a:lnSpc>
@@ -2385,6 +2289,7 @@
             <a:spcAft>
               <a:spcPct val="35000"/>
             </a:spcAft>
+            <a:buNone/>
           </a:pPr>
           <a:r>
             <a:rPr lang="en-US" sz="2500" kern="1200" dirty="0"/>
@@ -2447,7 +2352,7 @@
         </a:bodyPr>
         <a:lstStyle/>
         <a:p>
-          <a:pPr lvl="0" algn="ctr" defTabSz="1111250">
+          <a:pPr marL="0" lvl="0" indent="0" algn="ctr" defTabSz="1111250">
             <a:lnSpc>
               <a:spcPct val="90000"/>
             </a:lnSpc>
@@ -2457,6 +2362,7 @@
             <a:spcAft>
               <a:spcPct val="35000"/>
             </a:spcAft>
+            <a:buNone/>
           </a:pPr>
           <a:endParaRPr lang="en-US" sz="2500" kern="1200"/>
         </a:p>
@@ -2519,7 +2425,7 @@
         </a:bodyPr>
         <a:lstStyle/>
         <a:p>
-          <a:pPr lvl="0" algn="ctr" defTabSz="1111250">
+          <a:pPr marL="0" lvl="0" indent="0" algn="ctr" defTabSz="1111250">
             <a:lnSpc>
               <a:spcPct val="90000"/>
             </a:lnSpc>
@@ -2529,6 +2435,7 @@
             <a:spcAft>
               <a:spcPct val="35000"/>
             </a:spcAft>
+            <a:buNone/>
           </a:pPr>
           <a:r>
             <a:rPr lang="en-US" sz="2500" kern="1200" dirty="0"/>
@@ -2591,7 +2498,7 @@
         </a:bodyPr>
         <a:lstStyle/>
         <a:p>
-          <a:pPr lvl="0" algn="ctr" defTabSz="1111250">
+          <a:pPr marL="0" lvl="0" indent="0" algn="ctr" defTabSz="1111250">
             <a:lnSpc>
               <a:spcPct val="90000"/>
             </a:lnSpc>
@@ -2601,6 +2508,7 @@
             <a:spcAft>
               <a:spcPct val="35000"/>
             </a:spcAft>
+            <a:buNone/>
           </a:pPr>
           <a:endParaRPr lang="en-US" sz="2500" kern="1200"/>
         </a:p>
@@ -2661,7 +2569,7 @@
         </a:bodyPr>
         <a:lstStyle/>
         <a:p>
-          <a:pPr lvl="0" algn="ctr" defTabSz="1111250">
+          <a:pPr marL="0" lvl="0" indent="0" algn="ctr" defTabSz="1111250">
             <a:lnSpc>
               <a:spcPct val="90000"/>
             </a:lnSpc>
@@ -2671,6 +2579,7 @@
             <a:spcAft>
               <a:spcPct val="35000"/>
             </a:spcAft>
+            <a:buNone/>
           </a:pPr>
           <a:r>
             <a:rPr lang="en-US" sz="2500" kern="1200" dirty="0"/>
@@ -2746,7 +2655,7 @@
         </a:bodyPr>
         <a:lstStyle/>
         <a:p>
-          <a:pPr lvl="0" algn="ctr" defTabSz="1333500">
+          <a:pPr marL="0" lvl="0" indent="0" algn="ctr" defTabSz="1333500">
             <a:lnSpc>
               <a:spcPct val="90000"/>
             </a:lnSpc>
@@ -2819,7 +2728,7 @@
         </a:bodyPr>
         <a:lstStyle/>
         <a:p>
-          <a:pPr lvl="0" algn="ctr" defTabSz="2178050">
+          <a:pPr marL="0" lvl="0" indent="0" algn="ctr" defTabSz="2178050">
             <a:lnSpc>
               <a:spcPct val="90000"/>
             </a:lnSpc>
@@ -2829,6 +2738,7 @@
             <a:spcAft>
               <a:spcPct val="35000"/>
             </a:spcAft>
+            <a:buNone/>
           </a:pPr>
           <a:endParaRPr lang="en-US" sz="4900" kern="1200"/>
         </a:p>
@@ -2889,7 +2799,7 @@
         </a:bodyPr>
         <a:lstStyle/>
         <a:p>
-          <a:pPr lvl="0" algn="ctr" defTabSz="1333500">
+          <a:pPr marL="0" lvl="0" indent="0" algn="ctr" defTabSz="1333500">
             <a:lnSpc>
               <a:spcPct val="90000"/>
             </a:lnSpc>
@@ -5358,7 +5268,7 @@
           <a:p>
             <a:fld id="{E9776662-CA49-4C96-9773-885CF69B3004}" type="datetimeFigureOut">
               <a:rPr lang="en-US" smtClean="0"/>
-              <a:t>4/17/2024</a:t>
+              <a:t>4/18/2024</a:t>
             </a:fld>
             <a:endParaRPr lang="en-US"/>
           </a:p>
@@ -5891,7 +5801,7 @@
             <a:fld id="{7A200072-612F-4A00-B036-4E419A70927F}" type="datetimeFigureOut">
               <a:rPr lang="sr-Latn-BA" smtClean="0"/>
               <a:pPr/>
-              <a:t>17.4.2024.</a:t>
+              <a:t>18.4.2024.</a:t>
             </a:fld>
             <a:endParaRPr lang="sr-Latn-BA"/>
           </a:p>
@@ -6058,7 +5968,7 @@
             <a:fld id="{7A200072-612F-4A00-B036-4E419A70927F}" type="datetimeFigureOut">
               <a:rPr lang="sr-Latn-BA" smtClean="0"/>
               <a:pPr/>
-              <a:t>17.4.2024.</a:t>
+              <a:t>18.4.2024.</a:t>
             </a:fld>
             <a:endParaRPr lang="sr-Latn-BA"/>
           </a:p>
@@ -6235,7 +6145,7 @@
             <a:fld id="{7A200072-612F-4A00-B036-4E419A70927F}" type="datetimeFigureOut">
               <a:rPr lang="sr-Latn-BA" smtClean="0"/>
               <a:pPr/>
-              <a:t>17.4.2024.</a:t>
+              <a:t>18.4.2024.</a:t>
             </a:fld>
             <a:endParaRPr lang="sr-Latn-BA"/>
           </a:p>
@@ -6402,7 +6312,7 @@
             <a:fld id="{7A200072-612F-4A00-B036-4E419A70927F}" type="datetimeFigureOut">
               <a:rPr lang="sr-Latn-BA" smtClean="0"/>
               <a:pPr/>
-              <a:t>17.4.2024.</a:t>
+              <a:t>18.4.2024.</a:t>
             </a:fld>
             <a:endParaRPr lang="sr-Latn-BA"/>
           </a:p>
@@ -6645,7 +6555,7 @@
             <a:fld id="{7A200072-612F-4A00-B036-4E419A70927F}" type="datetimeFigureOut">
               <a:rPr lang="sr-Latn-BA" smtClean="0"/>
               <a:pPr/>
-              <a:t>17.4.2024.</a:t>
+              <a:t>18.4.2024.</a:t>
             </a:fld>
             <a:endParaRPr lang="sr-Latn-BA"/>
           </a:p>
@@ -6930,7 +6840,7 @@
             <a:fld id="{7A200072-612F-4A00-B036-4E419A70927F}" type="datetimeFigureOut">
               <a:rPr lang="sr-Latn-BA" smtClean="0"/>
               <a:pPr/>
-              <a:t>17.4.2024.</a:t>
+              <a:t>18.4.2024.</a:t>
             </a:fld>
             <a:endParaRPr lang="sr-Latn-BA"/>
           </a:p>
@@ -7354,7 +7264,7 @@
             <a:fld id="{7A200072-612F-4A00-B036-4E419A70927F}" type="datetimeFigureOut">
               <a:rPr lang="sr-Latn-BA" smtClean="0"/>
               <a:pPr/>
-              <a:t>17.4.2024.</a:t>
+              <a:t>18.4.2024.</a:t>
             </a:fld>
             <a:endParaRPr lang="sr-Latn-BA"/>
           </a:p>
@@ -7469,7 +7379,7 @@
             <a:fld id="{7A200072-612F-4A00-B036-4E419A70927F}" type="datetimeFigureOut">
               <a:rPr lang="sr-Latn-BA" smtClean="0"/>
               <a:pPr/>
-              <a:t>17.4.2024.</a:t>
+              <a:t>18.4.2024.</a:t>
             </a:fld>
             <a:endParaRPr lang="sr-Latn-BA"/>
           </a:p>
@@ -7561,7 +7471,7 @@
             <a:fld id="{7A200072-612F-4A00-B036-4E419A70927F}" type="datetimeFigureOut">
               <a:rPr lang="sr-Latn-BA" smtClean="0"/>
               <a:pPr/>
-              <a:t>17.4.2024.</a:t>
+              <a:t>18.4.2024.</a:t>
             </a:fld>
             <a:endParaRPr lang="sr-Latn-BA"/>
           </a:p>
@@ -7835,7 +7745,7 @@
             <a:fld id="{7A200072-612F-4A00-B036-4E419A70927F}" type="datetimeFigureOut">
               <a:rPr lang="sr-Latn-BA" smtClean="0"/>
               <a:pPr/>
-              <a:t>17.4.2024.</a:t>
+              <a:t>18.4.2024.</a:t>
             </a:fld>
             <a:endParaRPr lang="sr-Latn-BA"/>
           </a:p>
@@ -8085,7 +7995,7 @@
             <a:fld id="{7A200072-612F-4A00-B036-4E419A70927F}" type="datetimeFigureOut">
               <a:rPr lang="sr-Latn-BA" smtClean="0"/>
               <a:pPr/>
-              <a:t>17.4.2024.</a:t>
+              <a:t>18.4.2024.</a:t>
             </a:fld>
             <a:endParaRPr lang="sr-Latn-BA"/>
           </a:p>
@@ -8305,7 +8215,7 @@
             <a:fld id="{7A200072-612F-4A00-B036-4E419A70927F}" type="datetimeFigureOut">
               <a:rPr lang="sr-Latn-BA" smtClean="0"/>
               <a:pPr/>
-              <a:t>17.4.2024.</a:t>
+              <a:t>18.4.2024.</a:t>
             </a:fld>
             <a:endParaRPr lang="sr-Latn-BA"/>
           </a:p>
@@ -8681,7 +8591,7 @@
           <p:cNvPr id="28" name="Rounded Rectangle 3">
             <a:extLst>
               <a:ext uri="{FF2B5EF4-FFF2-40B4-BE49-F238E27FC236}">
-                <a16:creationId xmlns="" xmlns:a16="http://schemas.microsoft.com/office/drawing/2014/main" id="{E42E21C6-7A64-4E84-A503-EF9679DF851D}"/>
+                <a16:creationId xmlns:a16="http://schemas.microsoft.com/office/drawing/2014/main" id="{E42E21C6-7A64-4E84-A503-EF9679DF851D}"/>
               </a:ext>
             </a:extLst>
           </p:cNvPr>
@@ -8754,7 +8664,7 @@
           <p:cNvPr id="27" name="Rounded Rectangle 3">
             <a:extLst>
               <a:ext uri="{FF2B5EF4-FFF2-40B4-BE49-F238E27FC236}">
-                <a16:creationId xmlns="" xmlns:a16="http://schemas.microsoft.com/office/drawing/2014/main" id="{1C16C5A3-8C37-4B07-AA5E-BABF5084826F}"/>
+                <a16:creationId xmlns:a16="http://schemas.microsoft.com/office/drawing/2014/main" id="{1C16C5A3-8C37-4B07-AA5E-BABF5084826F}"/>
               </a:ext>
             </a:extLst>
           </p:cNvPr>
@@ -9362,47 +9272,7 @@
                   <a:srgbClr val="000000"/>
                 </a:solidFill>
               </a:rPr>
-              <a:t> “Intrinsically disordered proteins: a 10-year </a:t>
-            </a:r>
-            <a:r>
-              <a:rPr lang="en-US" sz="2200" dirty="0" smtClean="0">
-                <a:solidFill>
-                  <a:srgbClr val="000000"/>
-                </a:solidFill>
-              </a:rPr>
-              <a:t>recap”. </a:t>
-            </a:r>
-            <a:r>
-              <a:rPr lang="en-US" sz="2200" dirty="0">
-                <a:solidFill>
-                  <a:srgbClr val="000000"/>
-                </a:solidFill>
-              </a:rPr>
-              <a:t>Trends in Biochemical </a:t>
-            </a:r>
-            <a:r>
-              <a:rPr lang="en-US" sz="2200" dirty="0" smtClean="0">
-                <a:solidFill>
-                  <a:srgbClr val="000000"/>
-                </a:solidFill>
-              </a:rPr>
-              <a:t>Sciences, 2012, 37(12), </a:t>
-            </a:r>
-            <a:r>
-              <a:rPr lang="en-US" sz="2200" dirty="0">
-                <a:solidFill>
-                  <a:srgbClr val="000000"/>
-                </a:solidFill>
-              </a:rPr>
-              <a:t>pp. 509–516</a:t>
-            </a:r>
-            <a:r>
-              <a:rPr lang="en-US" sz="2200" dirty="0" smtClean="0">
-                <a:solidFill>
-                  <a:srgbClr val="000000"/>
-                </a:solidFill>
-              </a:rPr>
-              <a:t>.</a:t>
+              <a:t> “Intrinsically disordered proteins: a 10-year recap”. Trends in Biochemical Sciences, 2012, 37(12), pp. 509–516.</a:t>
             </a:r>
             <a:endParaRPr lang="sr-Latn-BA" sz="2200" dirty="0">
               <a:solidFill>
@@ -9454,34 +9324,10 @@
                   <a:srgbClr val="000000"/>
                 </a:solidFill>
               </a:rPr>
-              <a:t> “Detecting overlapping protein complexes in protein-protein interaction networks.”,  </a:t>
-            </a:r>
-            <a:r>
-              <a:rPr lang="en-US" sz="2200" dirty="0" smtClean="0">
-                <a:solidFill>
-                  <a:srgbClr val="000000"/>
-                </a:solidFill>
-              </a:rPr>
-              <a:t>Nature </a:t>
-            </a:r>
-            <a:r>
-              <a:rPr lang="en-US" sz="2200" dirty="0">
-                <a:solidFill>
-                  <a:srgbClr val="000000"/>
-                </a:solidFill>
-              </a:rPr>
-              <a:t>Methods, 9(5), 471-472, </a:t>
-            </a:r>
-            <a:r>
-              <a:rPr lang="en-US" sz="2200" dirty="0" smtClean="0">
-                <a:solidFill>
-                  <a:srgbClr val="000000"/>
-                </a:solidFill>
-              </a:rPr>
-              <a:t>2012</a:t>
-            </a:r>
-            <a:r>
-              <a:rPr lang="sr-Latn-BA" sz="2200" dirty="0" smtClean="0">
+              <a:t> “Detecting overlapping protein complexes in protein-protein interaction networks.”,  Nature Methods, 9(5), 471-472, 2012</a:t>
+            </a:r>
+            <a:r>
+              <a:rPr lang="sr-Latn-BA" sz="2200" dirty="0">
                 <a:solidFill>
                   <a:srgbClr val="000000"/>
                 </a:solidFill>
@@ -9496,20 +9342,12 @@
               </a:lnSpc>
             </a:pPr>
             <a:r>
-              <a:rPr lang="en-US" sz="2200" dirty="0" smtClean="0">
-                <a:solidFill>
-                  <a:srgbClr val="000000"/>
-                </a:solidFill>
-              </a:rPr>
-              <a:t>[</a:t>
-            </a:r>
-            <a:r>
               <a:rPr lang="en-US" sz="2200" dirty="0">
                 <a:solidFill>
                   <a:srgbClr val="000000"/>
                 </a:solidFill>
               </a:rPr>
-              <a:t>3] F. </a:t>
+              <a:t>[3] F. </a:t>
             </a:r>
             <a:r>
               <a:rPr lang="en-US" sz="2200" dirty="0" err="1">
@@ -9650,18 +9488,10 @@
                   <a:srgbClr val="000000"/>
                 </a:solidFill>
               </a:rPr>
-              <a:t>[6] M.A</a:t>
-            </a:r>
-            <a:r>
-              <a:rPr lang="en-US" sz="2200" dirty="0" smtClean="0">
-                <a:solidFill>
-                  <a:srgbClr val="000000"/>
-                </a:solidFill>
-              </a:rPr>
-              <a:t>.</a:t>
-            </a:r>
-            <a:r>
-              <a:rPr lang="sr-Latn-BA" sz="2200" dirty="0" smtClean="0">
+              <a:t>[6] M.A.</a:t>
+            </a:r>
+            <a:r>
+              <a:rPr lang="sr-Latn-BA" sz="2200" dirty="0">
                 <a:solidFill>
                   <a:srgbClr val="000000"/>
                 </a:solidFill>
@@ -9669,7 +9499,7 @@
               <a:t> </a:t>
             </a:r>
             <a:r>
-              <a:rPr lang="en-US" sz="2200" dirty="0" err="1" smtClean="0">
+              <a:rPr lang="en-US" sz="2200" dirty="0" err="1">
                 <a:solidFill>
                   <a:srgbClr val="000000"/>
                 </a:solidFill>
@@ -9677,31 +9507,15 @@
               <a:t>Hibbs</a:t>
             </a:r>
             <a:r>
-              <a:rPr lang="en-US" sz="2200" dirty="0" smtClean="0">
-                <a:solidFill>
-                  <a:srgbClr val="000000"/>
-                </a:solidFill>
-              </a:rPr>
-              <a:t>, </a:t>
-            </a:r>
-            <a:r>
               <a:rPr lang="en-US" sz="2200" dirty="0">
                 <a:solidFill>
                   <a:srgbClr val="000000"/>
                 </a:solidFill>
               </a:rPr>
-              <a:t>et </a:t>
-            </a:r>
-            <a:r>
-              <a:rPr lang="en-US" sz="2200" dirty="0" smtClean="0">
-                <a:solidFill>
-                  <a:srgbClr val="000000"/>
-                </a:solidFill>
-              </a:rPr>
-              <a:t>al.</a:t>
-            </a:r>
-            <a:r>
-              <a:rPr lang="sr-Latn-BA" sz="2200" dirty="0" smtClean="0">
+              <a:t>, et al.</a:t>
+            </a:r>
+            <a:r>
+              <a:rPr lang="sr-Latn-BA" sz="2200" dirty="0">
                 <a:solidFill>
                   <a:srgbClr val="000000"/>
                 </a:solidFill>
@@ -9709,31 +9523,15 @@
               <a:t> </a:t>
             </a:r>
             <a:r>
-              <a:rPr lang="en-US" sz="2200" dirty="0" smtClean="0">
-                <a:solidFill>
-                  <a:srgbClr val="000000"/>
-                </a:solidFill>
-              </a:rPr>
-              <a:t>“Exploring </a:t>
-            </a:r>
-            <a:r>
               <a:rPr lang="en-US" sz="2200" dirty="0">
                 <a:solidFill>
                   <a:srgbClr val="000000"/>
                 </a:solidFill>
               </a:rPr>
-              <a:t>the functional landscape of gene expression: directed search of large microarray </a:t>
-            </a:r>
-            <a:r>
-              <a:rPr lang="en-US" sz="2200" dirty="0" smtClean="0">
-                <a:solidFill>
-                  <a:srgbClr val="000000"/>
-                </a:solidFill>
-              </a:rPr>
-              <a:t>compendia”. Bioinformatics</a:t>
-            </a:r>
-            <a:r>
-              <a:rPr lang="sr-Latn-BA" sz="2200" dirty="0" smtClean="0">
+              <a:t>“Exploring the functional landscape of gene expression: directed search of large microarray compendia”. Bioinformatics</a:t>
+            </a:r>
+            <a:r>
+              <a:rPr lang="sr-Latn-BA" sz="2200" dirty="0">
                 <a:solidFill>
                   <a:srgbClr val="000000"/>
                 </a:solidFill>
@@ -9741,28 +9539,12 @@
               <a:t>, 2007,</a:t>
             </a:r>
             <a:r>
-              <a:rPr lang="en-US" sz="2200" dirty="0" smtClean="0">
-                <a:solidFill>
-                  <a:srgbClr val="000000"/>
-                </a:solidFill>
-              </a:rPr>
-              <a:t> </a:t>
-            </a:r>
-            <a:r>
               <a:rPr lang="en-US" sz="2200" dirty="0">
                 <a:solidFill>
                   <a:srgbClr val="000000"/>
                 </a:solidFill>
               </a:rPr>
-              <a:t>23 (20), 2692–2699</a:t>
-            </a:r>
-            <a:r>
-              <a:rPr lang="en-US" sz="2200" dirty="0" smtClean="0">
-                <a:solidFill>
-                  <a:srgbClr val="000000"/>
-                </a:solidFill>
-              </a:rPr>
-              <a:t>.</a:t>
+              <a:t> 23 (20), 2692–2699.</a:t>
             </a:r>
           </a:p>
           <a:p>
@@ -9772,20 +9554,12 @@
               </a:lnSpc>
             </a:pPr>
             <a:r>
-              <a:rPr lang="en-US" sz="2200" dirty="0" smtClean="0">
-                <a:solidFill>
-                  <a:srgbClr val="000000"/>
-                </a:solidFill>
-              </a:rPr>
-              <a:t>[7] </a:t>
-            </a:r>
-            <a:r>
               <a:rPr lang="en-US" sz="2200" dirty="0">
                 <a:solidFill>
                   <a:srgbClr val="000000"/>
                 </a:solidFill>
               </a:rPr>
-              <a:t>https://www.yeastgenome.org/ (</a:t>
+              <a:t>[7] https://www.yeastgenome.org/ (</a:t>
             </a:r>
             <a:r>
               <a:rPr lang="en-US" sz="2200" dirty="0" err="1">
@@ -9801,21 +9575,8 @@
                   <a:srgbClr val="000000"/>
                 </a:solidFill>
               </a:rPr>
-              <a:t>), (Pasadena, CA USA), pp. 11–15, Aug </a:t>
-            </a:r>
-            <a:r>
-              <a:rPr lang="en-US" sz="2200" dirty="0" smtClean="0">
-                <a:solidFill>
-                  <a:srgbClr val="000000"/>
-                </a:solidFill>
-              </a:rPr>
-              <a:t>2008.</a:t>
-            </a:r>
-            <a:endParaRPr lang="en-US" sz="2200" dirty="0">
-              <a:solidFill>
-                <a:srgbClr val="000000"/>
-              </a:solidFill>
-            </a:endParaRPr>
+              <a:t>), (Pasadena, CA USA), pp. 11–15, Aug 2008.</a:t>
+            </a:r>
           </a:p>
           <a:p>
             <a:pPr algn="just">
@@ -9824,28 +9585,20 @@
               </a:lnSpc>
             </a:pPr>
             <a:r>
-              <a:rPr lang="en-US" sz="2200" dirty="0" smtClean="0">
-                <a:solidFill>
-                  <a:srgbClr val="000000"/>
-                </a:solidFill>
-              </a:rPr>
-              <a:t>[8] R. </a:t>
-            </a:r>
-            <a:r>
               <a:rPr lang="en-US" sz="2200" dirty="0">
                 <a:solidFill>
                   <a:srgbClr val="000000"/>
                 </a:solidFill>
               </a:rPr>
-              <a:t>Liu, </a:t>
-            </a:r>
-            <a:r>
-              <a:rPr lang="en-US" sz="2200" dirty="0" smtClean="0">
-                <a:solidFill>
-                  <a:srgbClr val="000000"/>
-                </a:solidFill>
-              </a:rPr>
-              <a:t>A. </a:t>
+              <a:t>[8] R. Liu, A. Krishnan, “</a:t>
+            </a:r>
+            <a:r>
+              <a:rPr lang="en-US" sz="2200" dirty="0" err="1">
+                <a:solidFill>
+                  <a:srgbClr val="000000"/>
+                </a:solidFill>
+              </a:rPr>
+              <a:t>PecanPy</a:t>
             </a:r>
             <a:r>
               <a:rPr lang="en-US" sz="2200" dirty="0">
@@ -9853,63 +9606,7 @@
                   <a:srgbClr val="000000"/>
                 </a:solidFill>
               </a:rPr>
-              <a:t>Krishnan, </a:t>
-            </a:r>
-            <a:r>
-              <a:rPr lang="en-US" sz="2200" dirty="0" smtClean="0">
-                <a:solidFill>
-                  <a:srgbClr val="000000"/>
-                </a:solidFill>
-              </a:rPr>
-              <a:t>“</a:t>
-            </a:r>
-            <a:r>
-              <a:rPr lang="en-US" sz="2200" dirty="0" err="1" smtClean="0">
-                <a:solidFill>
-                  <a:srgbClr val="000000"/>
-                </a:solidFill>
-              </a:rPr>
-              <a:t>PecanPy</a:t>
-            </a:r>
-            <a:r>
-              <a:rPr lang="en-US" sz="2200" dirty="0">
-                <a:solidFill>
-                  <a:srgbClr val="000000"/>
-                </a:solidFill>
-              </a:rPr>
-              <a:t>: a fast, efficient and parallelized Python implementation of </a:t>
-            </a:r>
-            <a:r>
-              <a:rPr lang="en-US" sz="2200" dirty="0" smtClean="0">
-                <a:solidFill>
-                  <a:srgbClr val="000000"/>
-                </a:solidFill>
-              </a:rPr>
-              <a:t>node2vec”. </a:t>
-            </a:r>
-            <a:r>
-              <a:rPr lang="en-US" sz="2200" dirty="0">
-                <a:solidFill>
-                  <a:srgbClr val="000000"/>
-                </a:solidFill>
-              </a:rPr>
-              <a:t>Bioinformatics</a:t>
-            </a:r>
-            <a:r>
-              <a:rPr lang="en-US" sz="2200" dirty="0" smtClean="0">
-                <a:solidFill>
-                  <a:srgbClr val="000000"/>
-                </a:solidFill>
-              </a:rPr>
-              <a:t>, 2021, 37(19), pp. </a:t>
-            </a:r>
-            <a:r>
-              <a:rPr lang="en-US" sz="2200" dirty="0">
-                <a:solidFill>
-                  <a:srgbClr val="000000"/>
-                </a:solidFill>
-              </a:rPr>
-              <a:t>3377–3379,</a:t>
+              <a:t>: a fast, efficient and parallelized Python implementation of node2vec”. Bioinformatics, 2021, 37(19), pp. 3377–3379,</a:t>
             </a:r>
           </a:p>
           <a:p>
@@ -9919,31 +9616,15 @@
               </a:lnSpc>
             </a:pPr>
             <a:r>
-              <a:rPr lang="en-US" sz="2200" dirty="0" smtClean="0">
-                <a:solidFill>
-                  <a:srgbClr val="000000"/>
-                </a:solidFill>
-              </a:rPr>
-              <a:t>[</a:t>
-            </a:r>
-            <a:r>
               <a:rPr lang="en-US" sz="2200" dirty="0">
                 <a:solidFill>
                   <a:srgbClr val="000000"/>
                 </a:solidFill>
               </a:rPr>
-              <a:t>9</a:t>
-            </a:r>
-            <a:r>
-              <a:rPr lang="en-US" sz="2200" dirty="0" smtClean="0">
-                <a:solidFill>
-                  <a:srgbClr val="000000"/>
-                </a:solidFill>
-              </a:rPr>
-              <a:t>]</a:t>
-            </a:r>
-            <a:r>
-              <a:rPr lang="sr-Latn-BA" sz="2200" dirty="0" smtClean="0">
+              <a:t>[9]</a:t>
+            </a:r>
+            <a:r>
+              <a:rPr lang="sr-Latn-BA" sz="2200" dirty="0">
                 <a:solidFill>
                   <a:srgbClr val="000000"/>
                 </a:solidFill>
@@ -9956,18 +9637,10 @@
                   <a:srgbClr val="000000"/>
                 </a:solidFill>
               </a:rPr>
-              <a:t>G. </a:t>
-            </a:r>
-            <a:r>
-              <a:rPr lang="en-US" sz="2200" dirty="0" smtClean="0">
-                <a:solidFill>
-                  <a:srgbClr val="000000"/>
-                </a:solidFill>
-              </a:rPr>
-              <a:t>E.</a:t>
-            </a:r>
-            <a:r>
-              <a:rPr lang="sr-Latn-BA" sz="2200" dirty="0" smtClean="0">
+              <a:t>G. E.</a:t>
+            </a:r>
+            <a:r>
+              <a:rPr lang="sr-Latn-BA" sz="2200" dirty="0">
                 <a:solidFill>
                   <a:srgbClr val="000000"/>
                 </a:solidFill>
@@ -9975,7 +9648,7 @@
               <a:t> </a:t>
             </a:r>
             <a:r>
-              <a:rPr lang="en-US" sz="2200" dirty="0" smtClean="0">
+              <a:rPr lang="en-US" sz="2200" dirty="0">
                 <a:solidFill>
                   <a:srgbClr val="000000"/>
                 </a:solidFill>
@@ -9983,7 +9656,7 @@
               <a:t>Batista,</a:t>
             </a:r>
             <a:r>
-              <a:rPr lang="sr-Latn-BA" sz="2200" dirty="0" smtClean="0">
+              <a:rPr lang="sr-Latn-BA" sz="2200" dirty="0">
                 <a:solidFill>
                   <a:srgbClr val="000000"/>
                 </a:solidFill>
@@ -9996,18 +9669,10 @@
                   <a:srgbClr val="000000"/>
                 </a:solidFill>
               </a:rPr>
-              <a:t>R. </a:t>
-            </a:r>
-            <a:r>
-              <a:rPr lang="en-US" sz="2200" dirty="0" smtClean="0">
-                <a:solidFill>
-                  <a:srgbClr val="000000"/>
-                </a:solidFill>
-              </a:rPr>
-              <a:t>C</a:t>
-            </a:r>
-            <a:r>
-              <a:rPr lang="sr-Latn-BA" sz="2200" dirty="0" smtClean="0">
+              <a:t>R. C</a:t>
+            </a:r>
+            <a:r>
+              <a:rPr lang="sr-Latn-BA" sz="2200" dirty="0">
                 <a:solidFill>
                   <a:srgbClr val="000000"/>
                 </a:solidFill>
@@ -10015,7 +9680,7 @@
               <a:t>.</a:t>
             </a:r>
             <a:r>
-              <a:rPr lang="en-US" sz="2200" dirty="0" smtClean="0">
+              <a:rPr lang="en-US" sz="2200" dirty="0">
                 <a:solidFill>
                   <a:srgbClr val="000000"/>
                 </a:solidFill>
@@ -10023,7 +9688,7 @@
               <a:t> </a:t>
             </a:r>
             <a:r>
-              <a:rPr lang="en-US" sz="2200" dirty="0" err="1" smtClean="0">
+              <a:rPr lang="en-US" sz="2200" dirty="0" err="1">
                 <a:solidFill>
                   <a:srgbClr val="000000"/>
                 </a:solidFill>
@@ -10031,7 +9696,7 @@
               <a:t>Prati</a:t>
             </a:r>
             <a:r>
-              <a:rPr lang="en-US" sz="2200" dirty="0" smtClean="0">
+              <a:rPr lang="en-US" sz="2200" dirty="0">
                 <a:solidFill>
                   <a:srgbClr val="000000"/>
                 </a:solidFill>
@@ -10039,7 +9704,7 @@
               <a:t>, </a:t>
             </a:r>
             <a:r>
-              <a:rPr lang="sr-Latn-BA" sz="2200" dirty="0" smtClean="0">
+              <a:rPr lang="sr-Latn-BA" sz="2200" dirty="0">
                 <a:solidFill>
                   <a:srgbClr val="000000"/>
                 </a:solidFill>
@@ -10047,23 +9712,15 @@
               <a:t>and </a:t>
             </a:r>
             <a:r>
-              <a:rPr lang="en-US" sz="2200" dirty="0" smtClean="0">
-                <a:solidFill>
-                  <a:srgbClr val="000000"/>
-                </a:solidFill>
-              </a:rPr>
-              <a:t>M</a:t>
-            </a:r>
-            <a:r>
               <a:rPr lang="en-US" sz="2200" dirty="0">
                 <a:solidFill>
                   <a:srgbClr val="000000"/>
                 </a:solidFill>
               </a:rPr>
-              <a:t>. C. </a:t>
-            </a:r>
-            <a:r>
-              <a:rPr lang="en-US" sz="2200" dirty="0" err="1" smtClean="0">
+              <a:t>M. C. </a:t>
+            </a:r>
+            <a:r>
+              <a:rPr lang="en-US" sz="2200" dirty="0" err="1">
                 <a:solidFill>
                   <a:srgbClr val="000000"/>
                 </a:solidFill>
@@ -10076,23 +9733,7 @@
                   <a:srgbClr val="000000"/>
                 </a:solidFill>
               </a:rPr>
-              <a:t> </a:t>
-            </a:r>
-            <a:r>
-              <a:rPr lang="sr-Latn-BA" sz="2200" dirty="0" smtClean="0">
-                <a:solidFill>
-                  <a:srgbClr val="000000"/>
-                </a:solidFill>
-              </a:rPr>
-              <a:t> </a:t>
-            </a:r>
-            <a:r>
-              <a:rPr lang="en-US" sz="2200" dirty="0" smtClean="0">
-                <a:solidFill>
-                  <a:srgbClr val="000000"/>
-                </a:solidFill>
-              </a:rPr>
-              <a:t>“A </a:t>
+              <a:t>  </a:t>
             </a:r>
             <a:r>
               <a:rPr lang="en-US" sz="2200" dirty="0">
@@ -10100,57 +9741,9 @@
                   <a:srgbClr val="000000"/>
                 </a:solidFill>
               </a:rPr>
-              <a:t>study of the behavior of several methods for balancing machine learning training </a:t>
-            </a:r>
-            <a:r>
-              <a:rPr lang="en-US" sz="2200" dirty="0" smtClean="0">
-                <a:solidFill>
-                  <a:srgbClr val="000000"/>
-                </a:solidFill>
-              </a:rPr>
-              <a:t>data”. </a:t>
-            </a:r>
-            <a:r>
-              <a:rPr lang="en-US" sz="2200" dirty="0">
-                <a:solidFill>
-                  <a:srgbClr val="000000"/>
-                </a:solidFill>
-              </a:rPr>
-              <a:t>ACM SIGKDD explorations newsletter</a:t>
-            </a:r>
-            <a:r>
-              <a:rPr lang="en-US" sz="2200" dirty="0" smtClean="0">
-                <a:solidFill>
-                  <a:srgbClr val="000000"/>
-                </a:solidFill>
-              </a:rPr>
-              <a:t>, 2004</a:t>
-            </a:r>
-            <a:r>
-              <a:rPr lang="en-US" sz="2200" dirty="0">
-                <a:solidFill>
-                  <a:srgbClr val="000000"/>
-                </a:solidFill>
-              </a:rPr>
-              <a:t>,</a:t>
-            </a:r>
-            <a:r>
-              <a:rPr lang="en-US" sz="2200" dirty="0" smtClean="0">
-                <a:solidFill>
-                  <a:srgbClr val="000000"/>
-                </a:solidFill>
-              </a:rPr>
-              <a:t> </a:t>
-            </a:r>
-            <a:r>
-              <a:rPr lang="en-US" sz="2200" dirty="0">
-                <a:solidFill>
-                  <a:srgbClr val="000000"/>
-                </a:solidFill>
-              </a:rPr>
-              <a:t>6(1), 20-29.</a:t>
-            </a:r>
-            <a:endParaRPr lang="sr-Latn-BA" sz="2200" dirty="0" smtClean="0">
+              <a:t>“A study of the behavior of several methods for balancing machine learning training data”. ACM SIGKDD explorations newsletter, 2004, 6(1), 20-29.</a:t>
+            </a:r>
+            <a:endParaRPr lang="sr-Latn-BA" sz="2200" dirty="0">
               <a:solidFill>
                 <a:srgbClr val="000000"/>
               </a:solidFill>
@@ -10163,20 +9756,12 @@
               </a:lnSpc>
             </a:pPr>
             <a:r>
-              <a:rPr lang="en-US" sz="2200" dirty="0" smtClean="0">
-                <a:solidFill>
-                  <a:srgbClr val="000000"/>
-                </a:solidFill>
-              </a:rPr>
-              <a:t>[</a:t>
-            </a:r>
-            <a:r>
               <a:rPr lang="en-US" sz="2200" dirty="0">
                 <a:solidFill>
                   <a:srgbClr val="000000"/>
                 </a:solidFill>
               </a:rPr>
-              <a:t>10] </a:t>
+              <a:t>[10] </a:t>
             </a:r>
             <a:r>
               <a:rPr lang="en-US" sz="2200" dirty="0" err="1">
@@ -10208,55 +9793,7 @@
                   <a:srgbClr val="000000"/>
                 </a:solidFill>
               </a:rPr>
-              <a:t>-learn: Machine Learning in Python”, </a:t>
-            </a:r>
-            <a:r>
-              <a:rPr lang="en-US" sz="2200" dirty="0" smtClean="0">
-                <a:solidFill>
-                  <a:srgbClr val="000000"/>
-                </a:solidFill>
-              </a:rPr>
-              <a:t>JMLR </a:t>
-            </a:r>
-            <a:r>
-              <a:rPr lang="en-US" sz="2200" dirty="0">
-                <a:solidFill>
-                  <a:srgbClr val="000000"/>
-                </a:solidFill>
-              </a:rPr>
-              <a:t>12</a:t>
-            </a:r>
-            <a:r>
-              <a:rPr lang="en-US" sz="2200" dirty="0" smtClean="0">
-                <a:solidFill>
-                  <a:srgbClr val="000000"/>
-                </a:solidFill>
-              </a:rPr>
-              <a:t>, 2011, </a:t>
-            </a:r>
-            <a:r>
-              <a:rPr lang="en-US" sz="2200" dirty="0">
-                <a:solidFill>
-                  <a:srgbClr val="000000"/>
-                </a:solidFill>
-              </a:rPr>
-              <a:t>pp. </a:t>
-            </a:r>
-            <a:r>
-              <a:rPr lang="en-US" sz="2200" dirty="0" smtClean="0">
-                <a:solidFill>
-                  <a:srgbClr val="000000"/>
-                </a:solidFill>
-              </a:rPr>
-              <a:t>2825-2830</a:t>
-            </a:r>
-            <a:r>
-              <a:rPr lang="en-US" sz="2200" dirty="0">
-                <a:solidFill>
-                  <a:srgbClr val="000000"/>
-                </a:solidFill>
-              </a:rPr>
-              <a:t>.</a:t>
+              <a:t>-learn: Machine Learning in Python”, JMLR 12, 2011, pp. 2825-2830.</a:t>
             </a:r>
           </a:p>
           <a:p>
@@ -10266,7 +9803,7 @@
               </a:lnSpc>
             </a:pPr>
             <a:r>
-              <a:rPr lang="en-US" sz="2200" dirty="0" smtClean="0">
+              <a:rPr lang="en-US" sz="2200" dirty="0">
                 <a:solidFill>
                   <a:srgbClr val="000000"/>
                 </a:solidFill>
@@ -10274,7 +9811,7 @@
               <a:t>[11] D. </a:t>
             </a:r>
             <a:r>
-              <a:rPr lang="en-US" sz="2200" dirty="0" err="1" smtClean="0">
+              <a:rPr lang="en-US" sz="2200" dirty="0" err="1">
                 <a:solidFill>
                   <a:srgbClr val="000000"/>
                 </a:solidFill>
@@ -10287,18 +9824,10 @@
                   <a:srgbClr val="000000"/>
                 </a:solidFill>
               </a:rPr>
-              <a:t>, </a:t>
-            </a:r>
-            <a:r>
-              <a:rPr lang="en-US" sz="2200" dirty="0" smtClean="0">
-                <a:solidFill>
-                  <a:srgbClr val="000000"/>
-                </a:solidFill>
-              </a:rPr>
-              <a:t>R. </a:t>
-            </a:r>
-            <a:r>
-              <a:rPr lang="en-US" sz="2200" dirty="0" err="1" smtClean="0">
+              <a:t>, R. </a:t>
+            </a:r>
+            <a:r>
+              <a:rPr lang="en-US" sz="2200" dirty="0" err="1">
                 <a:solidFill>
                   <a:srgbClr val="000000"/>
                 </a:solidFill>
@@ -10311,18 +9840,10 @@
                   <a:srgbClr val="000000"/>
                 </a:solidFill>
               </a:rPr>
-              <a:t>, </a:t>
-            </a:r>
-            <a:r>
-              <a:rPr lang="en-US" sz="2200" dirty="0" smtClean="0">
-                <a:solidFill>
-                  <a:srgbClr val="000000"/>
-                </a:solidFill>
-              </a:rPr>
-              <a:t>T. </a:t>
-            </a:r>
-            <a:r>
-              <a:rPr lang="en-US" sz="2200" dirty="0" err="1" smtClean="0">
+              <a:t>, T. </a:t>
+            </a:r>
+            <a:r>
+              <a:rPr lang="en-US" sz="2200" dirty="0" err="1">
                 <a:solidFill>
                   <a:srgbClr val="000000"/>
                 </a:solidFill>
@@ -10335,18 +9856,10 @@
                   <a:srgbClr val="000000"/>
                 </a:solidFill>
               </a:rPr>
-              <a:t>, </a:t>
-            </a:r>
-            <a:r>
-              <a:rPr lang="en-US" sz="2200" dirty="0" smtClean="0">
-                <a:solidFill>
-                  <a:srgbClr val="000000"/>
-                </a:solidFill>
-              </a:rPr>
-              <a:t>A. </a:t>
-            </a:r>
-            <a:r>
-              <a:rPr lang="en-US" sz="2200" dirty="0" err="1" smtClean="0">
+              <a:t>, A. </a:t>
+            </a:r>
+            <a:r>
+              <a:rPr lang="en-US" sz="2200" dirty="0" err="1">
                 <a:solidFill>
                   <a:srgbClr val="000000"/>
                 </a:solidFill>
@@ -10354,7 +9867,7 @@
               <a:t>Tripathi</a:t>
             </a:r>
             <a:r>
-              <a:rPr lang="en-US" sz="2200" dirty="0" smtClean="0">
+              <a:rPr lang="en-US" sz="2200" dirty="0">
                 <a:solidFill>
                   <a:srgbClr val="000000"/>
                 </a:solidFill>
@@ -10375,18 +9888,10 @@
                   <a:srgbClr val="000000"/>
                 </a:solidFill>
               </a:rPr>
-              <a:t>, </a:t>
-            </a:r>
-            <a:r>
-              <a:rPr lang="en-US" sz="2200" dirty="0" smtClean="0">
-                <a:solidFill>
-                  <a:srgbClr val="000000"/>
-                </a:solidFill>
-              </a:rPr>
-              <a:t>“</a:t>
-            </a:r>
-            <a:r>
-              <a:rPr lang="en-US" sz="2200" dirty="0" err="1" smtClean="0">
+              <a:t>, “</a:t>
+            </a:r>
+            <a:r>
+              <a:rPr lang="en-US" sz="2200" dirty="0" err="1">
                 <a:solidFill>
                   <a:srgbClr val="000000"/>
                 </a:solidFill>
@@ -10399,15 +9904,15 @@
                   <a:srgbClr val="000000"/>
                 </a:solidFill>
               </a:rPr>
-              <a:t>: a new sequence-based predictor for identification of intrinsically disordered protein with enhanced </a:t>
-            </a:r>
-            <a:r>
-              <a:rPr lang="en-US" sz="2200" dirty="0" smtClean="0">
-                <a:solidFill>
-                  <a:srgbClr val="000000"/>
-                </a:solidFill>
-              </a:rPr>
-              <a:t>accuracy”.</a:t>
+              <a:t>: a new sequence-based predictor for identification of intrinsically disordered protein with enhanced accuracy”. Journal of </a:t>
+            </a:r>
+            <a:r>
+              <a:rPr lang="en-US" sz="2200" dirty="0" err="1">
+                <a:solidFill>
+                  <a:srgbClr val="000000"/>
+                </a:solidFill>
+              </a:rPr>
+              <a:t>Biomolecular</a:t>
             </a:r>
             <a:r>
               <a:rPr lang="en-US" sz="2200" dirty="0">
@@ -10415,39 +9920,7 @@
                   <a:srgbClr val="000000"/>
                 </a:solidFill>
               </a:rPr>
-              <a:t> Journal of </a:t>
-            </a:r>
-            <a:r>
-              <a:rPr lang="en-US" sz="2200" dirty="0" err="1">
-                <a:solidFill>
-                  <a:srgbClr val="000000"/>
-                </a:solidFill>
-              </a:rPr>
-              <a:t>Biomolecular</a:t>
-            </a:r>
-            <a:r>
-              <a:rPr lang="en-US" sz="2200" dirty="0">
-                <a:solidFill>
-                  <a:srgbClr val="000000"/>
-                </a:solidFill>
-              </a:rPr>
-              <a:t> Structure and Dynamics</a:t>
-            </a:r>
-            <a:r>
-              <a:rPr lang="en-US" sz="2200" dirty="0" smtClean="0">
-                <a:solidFill>
-                  <a:srgbClr val="000000"/>
-                </a:solidFill>
-              </a:rPr>
-              <a:t>, 2023, </a:t>
-            </a:r>
-            <a:r>
-              <a:rPr lang="en-US" sz="2200" dirty="0">
-                <a:solidFill>
-                  <a:srgbClr val="000000"/>
-                </a:solidFill>
-              </a:rPr>
-              <a:t>1-9.</a:t>
+              <a:t> Structure and Dynamics, 2023, 1-9.</a:t>
             </a:r>
           </a:p>
           <a:p>
@@ -10973,123 +10446,91 @@
             <a:pPr algn="just"/>
             <a:r>
               <a:rPr lang="en-US" sz="3200" dirty="0"/>
-              <a:t>Intrinsically Disordered Proteins (IDPs) are vital for cellular functions like transcriptional regulation, translation transcriptional regulation, translation, and cell cycle control [1]. Unlike regular proteins, IDPs lack stable structures, </a:t>
+              <a:t>Intrinsically Disordered Proteins (IDPs) are vital for cellular functions like transcriptional regulation, translation transcriptional regulation, translation, and cell cycle control [1]. Unlike regular proteins, IDPs lack stable structures, which allows them to act as central hubs in protein-protein interaction (PPI) networks, crucial for signaling pathways. Traditional methods used for IDP classification primarily rely on information obtained from secondary structures or amino acid sequences.</a:t>
+            </a:r>
+            <a:r>
+              <a:rPr lang="sr-Latn-BA" sz="3200" dirty="0"/>
+              <a:t> </a:t>
             </a:r>
             <a:r>
               <a:rPr lang="en-US" sz="3200" dirty="0"/>
-              <a:t>which allows them to act as central hubs in protein-protein interaction (PPI) networks, crucial for signaling </a:t>
-            </a:r>
-            <a:r>
-              <a:rPr lang="en-US" sz="3200" dirty="0" smtClean="0"/>
-              <a:t>pathways</a:t>
+              <a:t>Integrating data from PPI networks can </a:t>
+            </a:r>
+            <a:r>
+              <a:rPr lang="sr-Latn-BA" sz="3200" dirty="0"/>
+              <a:t>improve</a:t>
             </a:r>
             <a:r>
               <a:rPr lang="en-US" sz="3200" dirty="0"/>
-              <a:t>. </a:t>
-            </a:r>
-            <a:r>
-              <a:rPr lang="en-US" sz="3200" dirty="0" smtClean="0"/>
-              <a:t>Traditional </a:t>
+              <a:t> IDP classification as PPI networks</a:t>
+            </a:r>
+            <a:r>
+              <a:rPr lang="sr-Latn-BA" sz="3200" dirty="0"/>
+              <a:t> </a:t>
             </a:r>
             <a:r>
               <a:rPr lang="en-US" sz="3200" dirty="0"/>
-              <a:t>methods used for IDP classification primarily rely on information obtained from secondary structures or amino acid </a:t>
-            </a:r>
-            <a:r>
-              <a:rPr lang="en-US" sz="3200" dirty="0" smtClean="0"/>
-              <a:t>sequences.</a:t>
-            </a:r>
-            <a:r>
-              <a:rPr lang="sr-Latn-BA" sz="3200" dirty="0" smtClean="0"/>
+              <a:t>leverages the rich information contained in protein interactions which can enhance biological relevance</a:t>
+            </a:r>
+            <a:r>
+              <a:rPr lang="sr-Latn-BA" sz="3200" dirty="0"/>
+              <a:t> of classification results.</a:t>
+            </a:r>
+            <a:r>
+              <a:rPr lang="en-US" sz="3200" dirty="0"/>
               <a:t> </a:t>
             </a:r>
             <a:r>
-              <a:rPr lang="en-US" sz="3200" dirty="0" smtClean="0"/>
-              <a:t>Integrating data from PPI networks </a:t>
-            </a:r>
-            <a:r>
-              <a:rPr lang="en-US" sz="3200" dirty="0" smtClean="0"/>
-              <a:t>can </a:t>
-            </a:r>
-            <a:r>
-              <a:rPr lang="sr-Latn-BA" sz="3200" dirty="0" smtClean="0"/>
-              <a:t>improve</a:t>
-            </a:r>
-            <a:r>
-              <a:rPr lang="en-US" sz="3200" dirty="0" smtClean="0"/>
+              <a:rPr lang="sr-Latn-BA" sz="3200" dirty="0"/>
+              <a:t>In this research, we </a:t>
+            </a:r>
+            <a:r>
+              <a:rPr lang="en-US" sz="3200" dirty="0"/>
+              <a:t>combi</a:t>
+            </a:r>
+            <a:r>
+              <a:rPr lang="sr-Latn-BA" sz="3200" dirty="0"/>
+              <a:t>ne</a:t>
+            </a:r>
+            <a:r>
+              <a:rPr lang="en-US" sz="3200" dirty="0"/>
               <a:t> </a:t>
             </a:r>
             <a:r>
-              <a:rPr lang="en-US" sz="3200" dirty="0" smtClean="0"/>
-              <a:t>IDP classification as PPI networks</a:t>
-            </a:r>
-            <a:r>
-              <a:rPr lang="sr-Latn-BA" sz="3200" dirty="0" smtClean="0"/>
+              <a:rPr lang="sr-Latn-BA" sz="3200" dirty="0"/>
+              <a:t>data from different sources, including </a:t>
+            </a:r>
+            <a:r>
+              <a:rPr lang="en-US" sz="3200" dirty="0"/>
+              <a:t>PPI network</a:t>
+            </a:r>
+            <a:r>
+              <a:rPr lang="sr-Latn-BA" sz="3200" dirty="0"/>
+              <a:t>s</a:t>
+            </a:r>
+            <a:r>
+              <a:rPr lang="en-US" sz="3200" dirty="0"/>
               <a:t> </a:t>
             </a:r>
             <a:r>
-              <a:rPr lang="en-US" sz="3200" dirty="0" smtClean="0"/>
-              <a:t>leverages </a:t>
+              <a:rPr lang="sr-Latn-BA" sz="3200" dirty="0"/>
+              <a:t>and </a:t>
             </a:r>
             <a:r>
               <a:rPr lang="en-US" sz="3200" dirty="0"/>
-              <a:t>the rich information contained in protein interactions which can enhance </a:t>
-            </a:r>
-            <a:r>
-              <a:rPr lang="en-US" sz="3200" dirty="0" smtClean="0"/>
-              <a:t>biological relevance</a:t>
-            </a:r>
-            <a:r>
-              <a:rPr lang="sr-Latn-BA" sz="3200" dirty="0" smtClean="0"/>
-              <a:t> of classification results.</a:t>
-            </a:r>
-            <a:r>
-              <a:rPr lang="en-US" sz="3200" dirty="0" smtClean="0"/>
-              <a:t> </a:t>
-            </a:r>
-            <a:r>
-              <a:rPr lang="sr-Latn-BA" sz="3200" dirty="0" smtClean="0"/>
-              <a:t>In this research, we </a:t>
-            </a:r>
-            <a:r>
-              <a:rPr lang="en-US" sz="3200" dirty="0" err="1" smtClean="0"/>
-              <a:t>combi</a:t>
-            </a:r>
-            <a:r>
-              <a:rPr lang="sr-Latn-BA" sz="3200" dirty="0" smtClean="0"/>
-              <a:t>ne</a:t>
-            </a:r>
-            <a:r>
-              <a:rPr lang="en-US" sz="3200" dirty="0" smtClean="0"/>
-              <a:t> </a:t>
-            </a:r>
-            <a:r>
-              <a:rPr lang="sr-Latn-BA" sz="3200" dirty="0" smtClean="0"/>
-              <a:t>data from different sources, including </a:t>
-            </a:r>
-            <a:r>
-              <a:rPr lang="en-US" sz="3200" dirty="0" smtClean="0"/>
-              <a:t>PPI network</a:t>
-            </a:r>
-            <a:r>
-              <a:rPr lang="sr-Latn-BA" sz="3200" dirty="0" smtClean="0"/>
-              <a:t>s</a:t>
-            </a:r>
-            <a:r>
-              <a:rPr lang="en-US" sz="3200" dirty="0" smtClean="0"/>
-              <a:t> </a:t>
-            </a:r>
-            <a:r>
-              <a:rPr lang="sr-Latn-BA" sz="3200" dirty="0" smtClean="0"/>
-              <a:t>and </a:t>
-            </a:r>
-            <a:r>
-              <a:rPr lang="en-US" sz="3200" dirty="0" smtClean="0"/>
               <a:t>protein sequences</a:t>
             </a:r>
             <a:r>
-              <a:rPr lang="sr-Latn-BA" sz="3200" dirty="0" smtClean="0"/>
-              <a:t>, and test accuray of classification models.</a:t>
+              <a:rPr lang="sr-Latn-BA" sz="3200" dirty="0"/>
+              <a:t>, and test </a:t>
+            </a:r>
+            <a:r>
+              <a:rPr lang="sr-Latn-BA" sz="3200"/>
+              <a:t>accuracy</a:t>
+            </a:r>
+            <a:r>
+              <a:rPr lang="sr-Latn-BA" sz="3200" dirty="0"/>
+              <a:t> of classification models.</a:t>
             </a:r>
             <a:endParaRPr lang="en-US" sz="3200" dirty="0"/>
           </a:p>
@@ -11232,20 +10673,16 @@
           <a:p>
             <a:pPr algn="ctr"/>
             <a:r>
-              <a:rPr lang="en-US" sz="7200" dirty="0" smtClean="0"/>
+              <a:rPr lang="en-US" sz="7200" dirty="0"/>
               <a:t>Data</a:t>
             </a:r>
             <a:r>
-              <a:rPr lang="sr-Latn-BA" sz="7200" dirty="0" smtClean="0"/>
+              <a:rPr lang="sr-Latn-BA" sz="7200" dirty="0"/>
               <a:t>, Tools</a:t>
             </a:r>
             <a:r>
-              <a:rPr lang="en-US" sz="7200" dirty="0" smtClean="0"/>
-              <a:t> </a:t>
-            </a:r>
-            <a:r>
               <a:rPr lang="en-US" sz="7200" dirty="0"/>
-              <a:t>&amp; Resources</a:t>
+              <a:t> &amp; Resources</a:t>
             </a:r>
           </a:p>
         </p:txBody>
@@ -11275,15 +10712,7 @@
             <a:pPr algn="just"/>
             <a:r>
               <a:rPr lang="en-US" sz="3200" dirty="0"/>
-              <a:t>The </a:t>
-            </a:r>
-            <a:r>
-              <a:rPr lang="en-US" sz="3200" dirty="0" smtClean="0"/>
-              <a:t>data </a:t>
-            </a:r>
-            <a:r>
-              <a:rPr lang="en-US" sz="3200" dirty="0"/>
-              <a:t>used in this study pertain to the model organism </a:t>
+              <a:t>The data used in this study pertain to the model organism </a:t>
             </a:r>
             <a:r>
               <a:rPr lang="en-US" sz="3200" i="1" dirty="0"/>
@@ -11298,16 +10727,12 @@
               <a:t> </a:t>
             </a:r>
             <a:r>
-              <a:rPr lang="sr-Latn-BA" sz="3200" i="1" dirty="0" smtClean="0"/>
+              <a:rPr lang="sr-Latn-BA" sz="3200" i="1" dirty="0"/>
               <a:t>- </a:t>
             </a:r>
             <a:r>
-              <a:rPr lang="en-US" sz="3200" dirty="0" smtClean="0"/>
-              <a:t>yeast</a:t>
-            </a:r>
-            <a:r>
               <a:rPr lang="en-US" sz="3200" dirty="0"/>
-              <a:t>.</a:t>
+              <a:t>yeast.</a:t>
             </a:r>
           </a:p>
           <a:p>
@@ -11334,16 +10759,12 @@
               <a:buChar char="•"/>
             </a:pPr>
             <a:r>
-              <a:rPr lang="sr-Latn-BA" sz="3200" dirty="0" smtClean="0"/>
+              <a:rPr lang="sr-Latn-BA" sz="3200" dirty="0"/>
               <a:t>IDPs</a:t>
             </a:r>
             <a:r>
-              <a:rPr lang="en-US" sz="3200" dirty="0" smtClean="0"/>
-              <a:t> </a:t>
-            </a:r>
-            <a:r>
               <a:rPr lang="en-US" sz="3200" dirty="0"/>
-              <a:t>from the </a:t>
+              <a:t> from the </a:t>
             </a:r>
             <a:r>
               <a:rPr lang="sr-Latn-BA" sz="3200" dirty="0"/>
@@ -11361,29 +10782,17 @@
             </a:pPr>
             <a:r>
               <a:rPr lang="en-US" sz="3200" dirty="0"/>
-              <a:t>Gene expression </a:t>
-            </a:r>
-            <a:r>
-              <a:rPr lang="en-US" sz="3200" dirty="0" smtClean="0"/>
-              <a:t>information</a:t>
-            </a:r>
-            <a:r>
-              <a:rPr lang="sr-Latn-BA" sz="3200" dirty="0" smtClean="0"/>
+              <a:t>Gene expression information</a:t>
+            </a:r>
+            <a:r>
+              <a:rPr lang="sr-Latn-BA" sz="3200" dirty="0"/>
               <a:t> obtained</a:t>
             </a:r>
             <a:r>
-              <a:rPr lang="en-US" sz="3200" dirty="0" smtClean="0"/>
-              <a:t> </a:t>
-            </a:r>
-            <a:r>
               <a:rPr lang="en-US" sz="3200" dirty="0"/>
-              <a:t>by SPELL engine [6</a:t>
-            </a:r>
-            <a:r>
-              <a:rPr lang="en-US" sz="3200" dirty="0" smtClean="0"/>
-              <a:t>],</a:t>
-            </a:r>
-            <a:endParaRPr lang="sr-Latn-BA" sz="3200" dirty="0" smtClean="0"/>
+              <a:t> by SPELL engine [6],</a:t>
+            </a:r>
+            <a:endParaRPr lang="sr-Latn-BA" sz="3200" dirty="0"/>
           </a:p>
           <a:p>
             <a:pPr marL="457200" indent="-457200" algn="just">
@@ -11392,18 +10801,14 @@
             </a:pPr>
             <a:r>
               <a:rPr lang="en-US" sz="3200" dirty="0"/>
-              <a:t>Protein sequences </a:t>
-            </a:r>
-            <a:r>
-              <a:rPr lang="en-US" sz="3200" dirty="0" smtClean="0"/>
-              <a:t>[7],</a:t>
-            </a:r>
-            <a:endParaRPr lang="sr-Latn-BA" sz="3200" dirty="0" smtClean="0"/>
+              <a:t>Protein sequences [7],</a:t>
+            </a:r>
+            <a:endParaRPr lang="sr-Latn-BA" sz="3200" dirty="0"/>
           </a:p>
           <a:p>
             <a:pPr algn="just"/>
             <a:r>
-              <a:rPr lang="sr-Latn-BA" sz="3200" dirty="0" smtClean="0"/>
+              <a:rPr lang="sr-Latn-BA" sz="3200" dirty="0"/>
               <a:t>For data extraction and classification the following tools and resources were used:</a:t>
             </a:r>
             <a:endParaRPr lang="en-US" sz="3200" dirty="0"/>
@@ -11415,14 +10820,10 @@
             </a:pPr>
             <a:r>
               <a:rPr lang="en-US" sz="3200" dirty="0"/>
-              <a:t>Node2vec+ tool </a:t>
-            </a:r>
-            <a:r>
-              <a:rPr lang="en-US" sz="3200" dirty="0" smtClean="0"/>
-              <a:t>[8]</a:t>
-            </a:r>
-            <a:r>
-              <a:rPr lang="sr-Latn-BA" sz="3200" dirty="0" smtClean="0"/>
+              <a:t>Node2vec+ tool [8]</a:t>
+            </a:r>
+            <a:r>
+              <a:rPr lang="sr-Latn-BA" sz="3200" dirty="0"/>
               <a:t> – for extraction of features from weighted network, based on random walks.</a:t>
             </a:r>
             <a:endParaRPr lang="en-US" sz="3200" dirty="0"/>
@@ -11433,18 +10834,17 @@
               <a:buChar char="•"/>
             </a:pPr>
             <a:r>
-              <a:rPr lang="en-US" sz="3200" dirty="0" smtClean="0"/>
+              <a:rPr lang="en-US" sz="3200" dirty="0"/>
               <a:t>SMOTEEN [9]</a:t>
             </a:r>
             <a:r>
-              <a:rPr lang="sr-Latn-BA" sz="3200" dirty="0" smtClean="0"/>
+              <a:rPr lang="sr-Latn-BA" sz="3200" dirty="0"/>
               <a:t> – for sampling training set</a:t>
             </a:r>
             <a:r>
-              <a:rPr lang="en-US" sz="3200" dirty="0" smtClean="0"/>
+              <a:rPr lang="en-US" sz="3200" dirty="0"/>
               <a:t>,</a:t>
             </a:r>
-            <a:endParaRPr lang="en-US" sz="3200" dirty="0"/>
           </a:p>
           <a:p>
             <a:pPr marL="457200" indent="-457200" algn="just">
@@ -11457,21 +10857,16 @@
             </a:r>
             <a:r>
               <a:rPr lang="en-US" sz="3200" dirty="0"/>
-              <a:t> [</a:t>
-            </a:r>
-            <a:r>
-              <a:rPr lang="en-US" sz="3200" dirty="0" smtClean="0"/>
-              <a:t>10]</a:t>
-            </a:r>
-            <a:r>
-              <a:rPr lang="sr-Latn-BA" sz="3200" dirty="0" smtClean="0"/>
+              <a:t> [10]</a:t>
+            </a:r>
+            <a:r>
+              <a:rPr lang="sr-Latn-BA" sz="3200" dirty="0"/>
               <a:t> – for normalization of dataset</a:t>
             </a:r>
             <a:r>
-              <a:rPr lang="en-US" sz="3200" dirty="0" smtClean="0"/>
+              <a:rPr lang="en-US" sz="3200" dirty="0"/>
               <a:t>,</a:t>
             </a:r>
-            <a:endParaRPr lang="en-US" sz="3200" dirty="0"/>
           </a:p>
           <a:p>
             <a:pPr marL="457200" indent="-457200" algn="just">
@@ -11484,29 +10879,24 @@
             </a:r>
             <a:r>
               <a:rPr lang="en-US" sz="3200" dirty="0"/>
-              <a:t> [</a:t>
-            </a:r>
-            <a:r>
-              <a:rPr lang="en-US" sz="3200" dirty="0" smtClean="0"/>
-              <a:t>10]</a:t>
-            </a:r>
-            <a:r>
-              <a:rPr lang="sr-Latn-BA" sz="3200" dirty="0" smtClean="0"/>
+              <a:t> [10]</a:t>
+            </a:r>
+            <a:r>
+              <a:rPr lang="sr-Latn-BA" sz="3200" dirty="0"/>
               <a:t> – for tuning hyperparametar of </a:t>
             </a:r>
             <a:r>
-              <a:rPr lang="en-US" sz="3200" dirty="0" smtClean="0"/>
+              <a:rPr lang="en-US" sz="3200" dirty="0"/>
               <a:t>K</a:t>
             </a:r>
             <a:r>
-              <a:rPr lang="sr-Latn-BA" sz="3200" dirty="0" smtClean="0"/>
+              <a:rPr lang="sr-Latn-BA" sz="3200" dirty="0"/>
               <a:t>NN</a:t>
             </a:r>
             <a:r>
-              <a:rPr lang="en-US" sz="3200" dirty="0" smtClean="0"/>
+              <a:rPr lang="en-US" sz="3200" dirty="0"/>
               <a:t>.</a:t>
             </a:r>
-            <a:endParaRPr lang="en-US" sz="3200" dirty="0"/>
           </a:p>
         </p:txBody>
       </p:sp>
@@ -11564,7 +10954,7 @@
           <p:cNvPr id="30" name="Rounded Rectangle 47">
             <a:extLst>
               <a:ext uri="{FF2B5EF4-FFF2-40B4-BE49-F238E27FC236}">
-                <a16:creationId xmlns="" xmlns:a16="http://schemas.microsoft.com/office/drawing/2014/main" id="{33946411-5D0B-4586-92C0-9422A01632C7}"/>
+                <a16:creationId xmlns:a16="http://schemas.microsoft.com/office/drawing/2014/main" id="{33946411-5D0B-4586-92C0-9422A01632C7}"/>
               </a:ext>
             </a:extLst>
           </p:cNvPr>
@@ -11619,7 +11009,7 @@
           <p:cNvPr id="31" name="Rounded Rectangle 47">
             <a:extLst>
               <a:ext uri="{FF2B5EF4-FFF2-40B4-BE49-F238E27FC236}">
-                <a16:creationId xmlns="" xmlns:a16="http://schemas.microsoft.com/office/drawing/2014/main" id="{5FB06176-787A-4601-99AD-07335A70D009}"/>
+                <a16:creationId xmlns:a16="http://schemas.microsoft.com/office/drawing/2014/main" id="{5FB06176-787A-4601-99AD-07335A70D009}"/>
               </a:ext>
             </a:extLst>
           </p:cNvPr>
@@ -11674,7 +11064,7 @@
           <p:cNvPr id="14" name="Diagram 13">
             <a:extLst>
               <a:ext uri="{FF2B5EF4-FFF2-40B4-BE49-F238E27FC236}">
-                <a16:creationId xmlns="" xmlns:a16="http://schemas.microsoft.com/office/drawing/2014/main" id="{AA320E81-5855-4B1B-A249-74E4C7FE7477}"/>
+                <a16:creationId xmlns:a16="http://schemas.microsoft.com/office/drawing/2014/main" id="{AA320E81-5855-4B1B-A249-74E4C7FE7477}"/>
               </a:ext>
             </a:extLst>
           </p:cNvPr>
@@ -11702,7 +11092,7 @@
           <p:cNvPr id="1026" name="Picture 2" descr="https://assets-global.website-files.com/621e95f9ac30687a56e4297e/64a8d750505cf8e707066669_V2_1676215759712_7b2330a6-df89-49b4-be67-3b44bfb50040.png">
             <a:extLst>
               <a:ext uri="{FF2B5EF4-FFF2-40B4-BE49-F238E27FC236}">
-                <a16:creationId xmlns="" xmlns:a16="http://schemas.microsoft.com/office/drawing/2014/main" id="{EBEBC945-E341-4136-8DC8-448F42B87F70}"/>
+                <a16:creationId xmlns:a16="http://schemas.microsoft.com/office/drawing/2014/main" id="{EBEBC945-E341-4136-8DC8-448F42B87F70}"/>
               </a:ext>
             </a:extLst>
           </p:cNvPr>
@@ -11747,7 +11137,7 @@
           <p:cNvPr id="44" name="Picture 2" descr="https://assets-global.website-files.com/621e95f9ac30687a56e4297e/64a8d750505cf8e707066669_V2_1676215759712_7b2330a6-df89-49b4-be67-3b44bfb50040.png">
             <a:extLst>
               <a:ext uri="{FF2B5EF4-FFF2-40B4-BE49-F238E27FC236}">
-                <a16:creationId xmlns="" xmlns:a16="http://schemas.microsoft.com/office/drawing/2014/main" id="{34F3213A-A300-4253-B3DE-16FD671B4B9E}"/>
+                <a16:creationId xmlns:a16="http://schemas.microsoft.com/office/drawing/2014/main" id="{34F3213A-A300-4253-B3DE-16FD671B4B9E}"/>
               </a:ext>
             </a:extLst>
           </p:cNvPr>
@@ -11792,7 +11182,7 @@
           <p:cNvPr id="18" name="Rectangle 17">
             <a:extLst>
               <a:ext uri="{FF2B5EF4-FFF2-40B4-BE49-F238E27FC236}">
-                <a16:creationId xmlns="" xmlns:a16="http://schemas.microsoft.com/office/drawing/2014/main" id="{15C5418E-2EC7-4CDD-A50D-4A1976FD60F2}"/>
+                <a16:creationId xmlns:a16="http://schemas.microsoft.com/office/drawing/2014/main" id="{15C5418E-2EC7-4CDD-A50D-4A1976FD60F2}"/>
               </a:ext>
             </a:extLst>
           </p:cNvPr>
@@ -11837,103 +11227,58 @@
                 </a:solidFill>
                 <a:latin typeface="Calibri" panose="020F0502020204030204" pitchFamily="34" charset="0"/>
               </a:rPr>
-              <a:t>For each pair (P,Q) of proteins in the PPI network</a:t>
-            </a:r>
-            <a:r>
-              <a:rPr lang="en-US" sz="1600" dirty="0" smtClean="0">
+              <a:t>For each pair (P,Q) of proteins in the PPI network,</a:t>
+            </a:r>
+            <a:r>
+              <a:rPr lang="sr-Latn-BA" sz="1600" dirty="0">
                 <a:solidFill>
                   <a:srgbClr val="000000"/>
                 </a:solidFill>
                 <a:latin typeface="Calibri" panose="020F0502020204030204" pitchFamily="34" charset="0"/>
               </a:rPr>
-              <a:t>,</a:t>
-            </a:r>
-            <a:r>
-              <a:rPr lang="sr-Latn-BA" sz="1600" dirty="0" smtClean="0">
+              <a:t> </a:t>
+            </a:r>
+            <a:r>
+              <a:rPr lang="en-US" sz="1600" dirty="0">
                 <a:solidFill>
                   <a:srgbClr val="000000"/>
                 </a:solidFill>
                 <a:latin typeface="Calibri" panose="020F0502020204030204" pitchFamily="34" charset="0"/>
               </a:rPr>
+              <a:t>the Adjusted Correlation Score (ACS) is calculated. </a:t>
+            </a:r>
+          </a:p>
+          <a:p>
+            <a:pPr algn="just"/>
+            <a:r>
+              <a:rPr lang="en-US" sz="1600" dirty="0">
+                <a:solidFill>
+                  <a:srgbClr val="000000"/>
+                </a:solidFill>
+                <a:latin typeface="Calibri" panose="020F0502020204030204" pitchFamily="34" charset="0"/>
+              </a:rPr>
+              <a:t>ACS is a measure of weighted correlation for the genes corresponding to the considered proteins P</a:t>
+            </a:r>
+            <a:r>
+              <a:rPr lang="sr-Latn-BA" sz="1600" dirty="0">
+                <a:solidFill>
+                  <a:srgbClr val="000000"/>
+                </a:solidFill>
+                <a:latin typeface="Calibri" panose="020F0502020204030204" pitchFamily="34" charset="0"/>
+              </a:rPr>
               <a:t> </a:t>
             </a:r>
             <a:r>
-              <a:rPr lang="en-US" sz="1600" dirty="0" smtClean="0">
+              <a:rPr lang="en-US" sz="1600" dirty="0">
                 <a:solidFill>
                   <a:srgbClr val="000000"/>
                 </a:solidFill>
                 <a:latin typeface="Calibri" panose="020F0502020204030204" pitchFamily="34" charset="0"/>
               </a:rPr>
-              <a:t>the </a:t>
-            </a:r>
-            <a:r>
-              <a:rPr lang="en-US" sz="1600" dirty="0">
-                <a:solidFill>
-                  <a:srgbClr val="000000"/>
-                </a:solidFill>
-                <a:latin typeface="Calibri" panose="020F0502020204030204" pitchFamily="34" charset="0"/>
-              </a:rPr>
-              <a:t>Adjusted Correlation Score (ACS) is calculated. </a:t>
-            </a:r>
-          </a:p>
-          <a:p>
-            <a:pPr algn="just"/>
-            <a:r>
-              <a:rPr lang="en-US" sz="1600" dirty="0">
-                <a:solidFill>
-                  <a:srgbClr val="000000"/>
-                </a:solidFill>
-                <a:latin typeface="Calibri" panose="020F0502020204030204" pitchFamily="34" charset="0"/>
-              </a:rPr>
-              <a:t>ACS is a measure of weighted correlation for the genes corresponding to the considered proteins </a:t>
-            </a:r>
-            <a:r>
-              <a:rPr lang="en-US" sz="1600" dirty="0" smtClean="0">
-                <a:solidFill>
-                  <a:srgbClr val="000000"/>
-                </a:solidFill>
-                <a:latin typeface="Calibri" panose="020F0502020204030204" pitchFamily="34" charset="0"/>
-              </a:rPr>
-              <a:t>P</a:t>
-            </a:r>
-            <a:r>
-              <a:rPr lang="sr-Latn-BA" sz="1600" dirty="0" smtClean="0">
-                <a:solidFill>
-                  <a:srgbClr val="000000"/>
-                </a:solidFill>
-                <a:latin typeface="Calibri" panose="020F0502020204030204" pitchFamily="34" charset="0"/>
-              </a:rPr>
-              <a:t> </a:t>
-            </a:r>
-            <a:r>
-              <a:rPr lang="en-US" sz="1600" dirty="0" smtClean="0">
-                <a:solidFill>
-                  <a:srgbClr val="000000"/>
-                </a:solidFill>
-                <a:latin typeface="Calibri" panose="020F0502020204030204" pitchFamily="34" charset="0"/>
-              </a:rPr>
-              <a:t>and </a:t>
-            </a:r>
-            <a:r>
-              <a:rPr lang="en-US" sz="1600" dirty="0">
-                <a:solidFill>
-                  <a:srgbClr val="000000"/>
-                </a:solidFill>
-                <a:latin typeface="Calibri" panose="020F0502020204030204" pitchFamily="34" charset="0"/>
-              </a:rPr>
-              <a:t>Q by using the SPELL engine [6</a:t>
-            </a:r>
-            <a:r>
-              <a:rPr lang="en-US" sz="1600" dirty="0" smtClean="0">
-                <a:solidFill>
-                  <a:srgbClr val="000000"/>
-                </a:solidFill>
-                <a:latin typeface="Calibri" panose="020F0502020204030204" pitchFamily="34" charset="0"/>
-              </a:rPr>
-              <a:t>]</a:t>
-            </a:r>
-            <a:r>
-              <a:rPr lang="sr-Latn-BA" sz="1600" dirty="0" smtClean="0">
+              <a:t>and Q by using the SPELL engine [6]</a:t>
+            </a:r>
+            <a:r>
+              <a:rPr lang="sr-Latn-BA" sz="1600" dirty="0">
                 <a:solidFill>
                   <a:srgbClr val="000000"/>
                 </a:solidFill>
@@ -11950,7 +11295,7 @@
           <p:cNvPr id="49" name="Rectangle 48">
             <a:extLst>
               <a:ext uri="{FF2B5EF4-FFF2-40B4-BE49-F238E27FC236}">
-                <a16:creationId xmlns="" xmlns:a16="http://schemas.microsoft.com/office/drawing/2014/main" id="{7FA12D37-8BE6-48FA-A3E0-7F6D80828A2A}"/>
+                <a16:creationId xmlns:a16="http://schemas.microsoft.com/office/drawing/2014/main" id="{7FA12D37-8BE6-48FA-A3E0-7F6D80828A2A}"/>
               </a:ext>
             </a:extLst>
           </p:cNvPr>
@@ -11988,14 +11333,16 @@
           <a:lstStyle/>
           <a:p>
             <a:r>
-              <a:rPr lang="en-US" sz="1600" dirty="0" smtClean="0">
+              <a:rPr lang="en-US" sz="1600" dirty="0">
                 <a:solidFill>
                   <a:srgbClr val="000000"/>
                 </a:solidFill>
                 <a:latin typeface="Calibri" panose="020F0502020204030204" pitchFamily="34" charset="0"/>
               </a:rPr>
-              <a:t>Determining </a:t>
-            </a:r>
+              <a:t>Determining the features based on  information about amino acids in the context of IDPs involves consideration of the following properties [11]:</a:t>
+            </a:r>
+          </a:p>
+          <a:p>
             <a:r>
               <a:rPr lang="en-US" sz="1600" dirty="0">
                 <a:solidFill>
@@ -12003,16 +11350,27 @@
                 </a:solidFill>
                 <a:latin typeface="Calibri" panose="020F0502020204030204" pitchFamily="34" charset="0"/>
               </a:rPr>
-              <a:t>the features based on  information about amino acids in the context of IDPs involves consideration of the following properties </a:t>
-            </a:r>
-            <a:r>
-              <a:rPr lang="en-US" sz="1600" dirty="0" smtClean="0">
+              <a:t>A) Order/disorder promoting amino acids and,</a:t>
+            </a:r>
+          </a:p>
+          <a:p>
+            <a:r>
+              <a:rPr lang="en-US" sz="1600" dirty="0">
                 <a:solidFill>
                   <a:srgbClr val="000000"/>
                 </a:solidFill>
                 <a:latin typeface="Calibri" panose="020F0502020204030204" pitchFamily="34" charset="0"/>
               </a:rPr>
-              <a:t>[11]:</a:t>
+              <a:t>B) five physicochemical properties</a:t>
+            </a:r>
+            <a:r>
+              <a:rPr lang="sr-Latn-BA" sz="1600" dirty="0">
+                <a:solidFill>
+                  <a:srgbClr val="000000"/>
+                </a:solidFill>
+                <a:latin typeface="Calibri" panose="020F0502020204030204" pitchFamily="34" charset="0"/>
+              </a:rPr>
+              <a:t>:</a:t>
             </a:r>
             <a:endParaRPr lang="en-US" sz="1600" dirty="0">
               <a:solidFill>
@@ -12023,16 +11381,32 @@
           </a:p>
           <a:p>
             <a:r>
+              <a:rPr lang="sr-Latn-BA" sz="1600" dirty="0">
+                <a:solidFill>
+                  <a:srgbClr val="000000"/>
+                </a:solidFill>
+                <a:latin typeface="Calibri" panose="020F0502020204030204" pitchFamily="34" charset="0"/>
+              </a:rPr>
+              <a:t>     </a:t>
+            </a:r>
+            <a:r>
               <a:rPr lang="en-US" sz="1600" dirty="0">
                 <a:solidFill>
                   <a:srgbClr val="000000"/>
                 </a:solidFill>
                 <a:latin typeface="Calibri" panose="020F0502020204030204" pitchFamily="34" charset="0"/>
               </a:rPr>
-              <a:t>A) Order/disorder promoting amino acids and,</a:t>
-            </a:r>
-          </a:p>
-          <a:p>
+              <a:t>B</a:t>
+            </a:r>
+            <a:r>
+              <a:rPr lang="sr-Latn-BA" sz="1600" dirty="0">
+                <a:solidFill>
+                  <a:srgbClr val="000000"/>
+                </a:solidFill>
+                <a:latin typeface="Calibri" panose="020F0502020204030204" pitchFamily="34" charset="0"/>
+              </a:rPr>
+              <a:t>A</a:t>
+            </a:r>
             <a:r>
               <a:rPr lang="en-US" sz="1600" dirty="0">
                 <a:solidFill>
@@ -12040,34 +11414,28 @@
                 </a:solidFill>
                 <a:latin typeface="Calibri" panose="020F0502020204030204" pitchFamily="34" charset="0"/>
               </a:rPr>
-              <a:t>B) five physicochemical </a:t>
-            </a:r>
-            <a:r>
-              <a:rPr lang="en-US" sz="1600" dirty="0" smtClean="0">
+              <a:t>) Aromatic/Aliphatic</a:t>
+            </a:r>
+          </a:p>
+          <a:p>
+            <a:r>
+              <a:rPr lang="sr-Latn-BA" sz="1600" dirty="0">
                 <a:solidFill>
                   <a:srgbClr val="000000"/>
                 </a:solidFill>
                 <a:latin typeface="Calibri" panose="020F0502020204030204" pitchFamily="34" charset="0"/>
               </a:rPr>
-              <a:t>properties</a:t>
-            </a:r>
-            <a:r>
-              <a:rPr lang="sr-Latn-BA" sz="1600" dirty="0" smtClean="0">
+              <a:t>     </a:t>
+            </a:r>
+            <a:r>
+              <a:rPr lang="en-US" sz="1600" dirty="0">
                 <a:solidFill>
                   <a:srgbClr val="000000"/>
                 </a:solidFill>
                 <a:latin typeface="Calibri" panose="020F0502020204030204" pitchFamily="34" charset="0"/>
               </a:rPr>
-              <a:t>:</a:t>
-            </a:r>
-            <a:endParaRPr lang="en-US" sz="1600" dirty="0">
-              <a:solidFill>
-                <a:srgbClr val="000000"/>
-              </a:solidFill>
-              <a:latin typeface="Calibri" panose="020F0502020204030204" pitchFamily="34" charset="0"/>
-            </a:endParaRPr>
-          </a:p>
-          <a:p>
+              <a:t>B</a:t>
+            </a:r>
             <a:r>
               <a:rPr lang="sr-Latn-BA" sz="1600" dirty="0">
                 <a:solidFill>
@@ -12075,24 +11443,35 @@
                 </a:solidFill>
                 <a:latin typeface="Calibri" panose="020F0502020204030204" pitchFamily="34" charset="0"/>
               </a:rPr>
-              <a:t> </a:t>
-            </a:r>
-            <a:r>
-              <a:rPr lang="sr-Latn-BA" sz="1600" dirty="0" smtClean="0">
+              <a:t>B</a:t>
+            </a:r>
+            <a:r>
+              <a:rPr lang="en-US" sz="1600" dirty="0">
                 <a:solidFill>
                   <a:srgbClr val="000000"/>
                 </a:solidFill>
                 <a:latin typeface="Calibri" panose="020F0502020204030204" pitchFamily="34" charset="0"/>
               </a:rPr>
-              <a:t>    </a:t>
-            </a:r>
-            <a:r>
-              <a:rPr lang="en-US" sz="1600" dirty="0" smtClean="0">
+              <a:t>) Polar/Non-Polar</a:t>
+            </a:r>
+          </a:p>
+          <a:p>
+            <a:r>
+              <a:rPr lang="sr-Latn-BA" sz="1600" dirty="0">
                 <a:solidFill>
                   <a:srgbClr val="000000"/>
                 </a:solidFill>
                 <a:latin typeface="Calibri" panose="020F0502020204030204" pitchFamily="34" charset="0"/>
               </a:rPr>
+              <a:t>     </a:t>
+            </a:r>
+            <a:r>
+              <a:rPr lang="en-US" sz="1600" dirty="0">
+                <a:solidFill>
+                  <a:srgbClr val="000000"/>
+                </a:solidFill>
+                <a:latin typeface="Calibri" panose="020F0502020204030204" pitchFamily="34" charset="0"/>
+              </a:rPr>
               <a:t>B</a:t>
             </a:r>
             <a:r>
@@ -12102,16 +11481,27 @@
                 </a:solidFill>
                 <a:latin typeface="Calibri" panose="020F0502020204030204" pitchFamily="34" charset="0"/>
               </a:rPr>
-              <a:t>A</a:t>
-            </a:r>
-            <a:r>
-              <a:rPr lang="en-US" sz="1600" dirty="0" smtClean="0">
+              <a:t>C</a:t>
+            </a:r>
+            <a:r>
+              <a:rPr lang="en-US" sz="1600" dirty="0">
                 <a:solidFill>
                   <a:srgbClr val="000000"/>
                 </a:solidFill>
                 <a:latin typeface="Calibri" panose="020F0502020204030204" pitchFamily="34" charset="0"/>
               </a:rPr>
-              <a:t>) </a:t>
+              <a:t>) Non-Zero/Zero</a:t>
+            </a:r>
+          </a:p>
+          <a:p>
+            <a:r>
+              <a:rPr lang="sr-Latn-BA" sz="1600" dirty="0">
+                <a:solidFill>
+                  <a:srgbClr val="000000"/>
+                </a:solidFill>
+                <a:latin typeface="Calibri" panose="020F0502020204030204" pitchFamily="34" charset="0"/>
+              </a:rPr>
+              <a:t>     </a:t>
             </a:r>
             <a:r>
               <a:rPr lang="en-US" sz="1600" dirty="0">
@@ -12120,21 +11510,39 @@
                 </a:solidFill>
                 <a:latin typeface="Calibri" panose="020F0502020204030204" pitchFamily="34" charset="0"/>
               </a:rPr>
-              <a:t>Aromatic/Aliphatic</a:t>
-            </a:r>
-          </a:p>
-          <a:p>
-            <a:r>
-              <a:rPr lang="sr-Latn-BA" sz="1600" dirty="0" smtClean="0">
+              <a:t>B</a:t>
+            </a:r>
+            <a:r>
+              <a:rPr lang="sr-Latn-BA" sz="1600" dirty="0">
                 <a:solidFill>
                   <a:srgbClr val="000000"/>
                 </a:solidFill>
                 <a:latin typeface="Calibri" panose="020F0502020204030204" pitchFamily="34" charset="0"/>
               </a:rPr>
+              <a:t>D</a:t>
+            </a:r>
+            <a:r>
+              <a:rPr lang="en-US" sz="1600" dirty="0">
+                <a:solidFill>
+                  <a:srgbClr val="000000"/>
+                </a:solidFill>
+                <a:latin typeface="Calibri" panose="020F0502020204030204" pitchFamily="34" charset="0"/>
+              </a:rPr>
+              <a:t>) Hydrophobic/Hydrophilic</a:t>
+            </a:r>
+          </a:p>
+          <a:p>
+            <a:r>
+              <a:rPr lang="sr-Latn-BA" sz="1600" dirty="0">
+                <a:solidFill>
+                  <a:srgbClr val="000000"/>
+                </a:solidFill>
+                <a:latin typeface="Calibri" panose="020F0502020204030204" pitchFamily="34" charset="0"/>
+              </a:rPr>
               <a:t>     </a:t>
             </a:r>
             <a:r>
-              <a:rPr lang="en-US" sz="1600" dirty="0" smtClean="0">
+              <a:rPr lang="en-US" sz="1600" dirty="0">
                 <a:solidFill>
                   <a:srgbClr val="000000"/>
                 </a:solidFill>
@@ -12143,172 +11551,22 @@
               <a:t>B</a:t>
             </a:r>
             <a:r>
-              <a:rPr lang="sr-Latn-BA" sz="1600" dirty="0" smtClean="0">
+              <a:rPr lang="sr-Latn-BA" sz="1600" dirty="0">
                 <a:solidFill>
                   <a:srgbClr val="000000"/>
                 </a:solidFill>
                 <a:latin typeface="Calibri" panose="020F0502020204030204" pitchFamily="34" charset="0"/>
               </a:rPr>
-              <a:t>B</a:t>
-            </a:r>
-            <a:r>
-              <a:rPr lang="en-US" sz="1600" dirty="0" smtClean="0">
+              <a:t>E</a:t>
+            </a:r>
+            <a:r>
+              <a:rPr lang="en-US" sz="1600" dirty="0">
                 <a:solidFill>
                   <a:srgbClr val="000000"/>
                 </a:solidFill>
                 <a:latin typeface="Calibri" panose="020F0502020204030204" pitchFamily="34" charset="0"/>
               </a:rPr>
-              <a:t>) </a:t>
-            </a:r>
-            <a:r>
-              <a:rPr lang="en-US" sz="1600" dirty="0">
-                <a:solidFill>
-                  <a:srgbClr val="000000"/>
-                </a:solidFill>
-                <a:latin typeface="Calibri" panose="020F0502020204030204" pitchFamily="34" charset="0"/>
-              </a:rPr>
-              <a:t>Polar/Non-Polar</a:t>
-            </a:r>
-          </a:p>
-          <a:p>
-            <a:r>
-              <a:rPr lang="sr-Latn-BA" sz="1600" dirty="0" smtClean="0">
-                <a:solidFill>
-                  <a:srgbClr val="000000"/>
-                </a:solidFill>
-                <a:latin typeface="Calibri" panose="020F0502020204030204" pitchFamily="34" charset="0"/>
-              </a:rPr>
-              <a:t>     </a:t>
-            </a:r>
-            <a:r>
-              <a:rPr lang="en-US" sz="1600" dirty="0" smtClean="0">
-                <a:solidFill>
-                  <a:srgbClr val="000000"/>
-                </a:solidFill>
-                <a:latin typeface="Calibri" panose="020F0502020204030204" pitchFamily="34" charset="0"/>
-              </a:rPr>
-              <a:t>B</a:t>
-            </a:r>
-            <a:r>
-              <a:rPr lang="sr-Latn-BA" sz="1600" dirty="0" smtClean="0">
-                <a:solidFill>
-                  <a:srgbClr val="000000"/>
-                </a:solidFill>
-                <a:latin typeface="Calibri" panose="020F0502020204030204" pitchFamily="34" charset="0"/>
-              </a:rPr>
-              <a:t>C</a:t>
-            </a:r>
-            <a:r>
-              <a:rPr lang="en-US" sz="1600" dirty="0" smtClean="0">
-                <a:solidFill>
-                  <a:srgbClr val="000000"/>
-                </a:solidFill>
-                <a:latin typeface="Calibri" panose="020F0502020204030204" pitchFamily="34" charset="0"/>
-              </a:rPr>
-              <a:t>) </a:t>
-            </a:r>
-            <a:r>
-              <a:rPr lang="en-US" sz="1600" dirty="0">
-                <a:solidFill>
-                  <a:srgbClr val="000000"/>
-                </a:solidFill>
-                <a:latin typeface="Calibri" panose="020F0502020204030204" pitchFamily="34" charset="0"/>
-              </a:rPr>
-              <a:t>Non-Zero/Zero</a:t>
-            </a:r>
-          </a:p>
-          <a:p>
-            <a:r>
-              <a:rPr lang="sr-Latn-BA" sz="1600" dirty="0" smtClean="0">
-                <a:solidFill>
-                  <a:srgbClr val="000000"/>
-                </a:solidFill>
-                <a:latin typeface="Calibri" panose="020F0502020204030204" pitchFamily="34" charset="0"/>
-              </a:rPr>
-              <a:t>     </a:t>
-            </a:r>
-            <a:r>
-              <a:rPr lang="en-US" sz="1600" dirty="0" smtClean="0">
-                <a:solidFill>
-                  <a:srgbClr val="000000"/>
-                </a:solidFill>
-                <a:latin typeface="Calibri" panose="020F0502020204030204" pitchFamily="34" charset="0"/>
-              </a:rPr>
-              <a:t>B</a:t>
-            </a:r>
-            <a:r>
-              <a:rPr lang="sr-Latn-BA" sz="1600" dirty="0" smtClean="0">
-                <a:solidFill>
-                  <a:srgbClr val="000000"/>
-                </a:solidFill>
-                <a:latin typeface="Calibri" panose="020F0502020204030204" pitchFamily="34" charset="0"/>
-              </a:rPr>
-              <a:t>D</a:t>
-            </a:r>
-            <a:r>
-              <a:rPr lang="en-US" sz="1600" dirty="0" smtClean="0">
-                <a:solidFill>
-                  <a:srgbClr val="000000"/>
-                </a:solidFill>
-                <a:latin typeface="Calibri" panose="020F0502020204030204" pitchFamily="34" charset="0"/>
-              </a:rPr>
-              <a:t>) </a:t>
-            </a:r>
-            <a:r>
-              <a:rPr lang="en-US" sz="1600" dirty="0">
-                <a:solidFill>
-                  <a:srgbClr val="000000"/>
-                </a:solidFill>
-                <a:latin typeface="Calibri" panose="020F0502020204030204" pitchFamily="34" charset="0"/>
-              </a:rPr>
-              <a:t>Hydrophobic/Hydrophilic</a:t>
-            </a:r>
-          </a:p>
-          <a:p>
-            <a:r>
-              <a:rPr lang="sr-Latn-BA" sz="1600" dirty="0" smtClean="0">
-                <a:solidFill>
-                  <a:srgbClr val="000000"/>
-                </a:solidFill>
-                <a:latin typeface="Calibri" panose="020F0502020204030204" pitchFamily="34" charset="0"/>
-              </a:rPr>
-              <a:t>     </a:t>
-            </a:r>
-            <a:r>
-              <a:rPr lang="en-US" sz="1600" dirty="0" smtClean="0">
-                <a:solidFill>
-                  <a:srgbClr val="000000"/>
-                </a:solidFill>
-                <a:latin typeface="Calibri" panose="020F0502020204030204" pitchFamily="34" charset="0"/>
-              </a:rPr>
-              <a:t>B</a:t>
-            </a:r>
-            <a:r>
-              <a:rPr lang="sr-Latn-BA" sz="1600" dirty="0" smtClean="0">
-                <a:solidFill>
-                  <a:srgbClr val="000000"/>
-                </a:solidFill>
-                <a:latin typeface="Calibri" panose="020F0502020204030204" pitchFamily="34" charset="0"/>
-              </a:rPr>
-              <a:t>E</a:t>
-            </a:r>
-            <a:r>
-              <a:rPr lang="en-US" sz="1600" dirty="0" smtClean="0">
-                <a:solidFill>
-                  <a:srgbClr val="000000"/>
-                </a:solidFill>
-                <a:latin typeface="Calibri" panose="020F0502020204030204" pitchFamily="34" charset="0"/>
-              </a:rPr>
-              <a:t>) </a:t>
-            </a:r>
-            <a:r>
-              <a:rPr lang="en-US" sz="1600" dirty="0">
-                <a:solidFill>
-                  <a:srgbClr val="000000"/>
-                </a:solidFill>
-                <a:latin typeface="Calibri" panose="020F0502020204030204" pitchFamily="34" charset="0"/>
-              </a:rPr>
-              <a:t>Positive/Negative</a:t>
+              <a:t>) Positive/Negative</a:t>
             </a:r>
           </a:p>
         </p:txBody>
@@ -12318,7 +11576,7 @@
           <p:cNvPr id="50" name="Rectangle 49">
             <a:extLst>
               <a:ext uri="{FF2B5EF4-FFF2-40B4-BE49-F238E27FC236}">
-                <a16:creationId xmlns="" xmlns:a16="http://schemas.microsoft.com/office/drawing/2014/main" id="{8E1A2B0C-839C-4318-ACA5-56B88B30D089}"/>
+                <a16:creationId xmlns:a16="http://schemas.microsoft.com/office/drawing/2014/main" id="{8E1A2B0C-839C-4318-ACA5-56B88B30D089}"/>
               </a:ext>
             </a:extLst>
           </p:cNvPr>
@@ -12360,35 +11618,35 @@
               <a:t>&lt;YDR143C, </a:t>
             </a:r>
             <a:r>
-              <a:rPr lang="sr-Latn-BA" sz="1600" dirty="0" smtClean="0"/>
+              <a:rPr lang="sr-Latn-BA" sz="1600" dirty="0"/>
               <a:t>v</a:t>
             </a:r>
             <a:r>
-              <a:rPr lang="en-US" sz="1600" baseline="-25000" dirty="0" smtClean="0"/>
+              <a:rPr lang="en-US" sz="1600" baseline="-25000" dirty="0"/>
               <a:t>1,1</a:t>
             </a:r>
             <a:r>
-              <a:rPr lang="en-US" sz="1600" dirty="0" smtClean="0"/>
+              <a:rPr lang="en-US" sz="1600" dirty="0"/>
               <a:t>,</a:t>
             </a:r>
             <a:r>
-              <a:rPr lang="sr-Latn-BA" sz="1600" dirty="0" smtClean="0"/>
+              <a:rPr lang="sr-Latn-BA" sz="1600" dirty="0"/>
               <a:t>v</a:t>
             </a:r>
             <a:r>
-              <a:rPr lang="en-US" sz="1600" baseline="-25000" dirty="0" smtClean="0"/>
+              <a:rPr lang="en-US" sz="1600" baseline="-25000" dirty="0"/>
               <a:t>1,2</a:t>
             </a:r>
             <a:r>
-              <a:rPr lang="en-US" sz="1600" dirty="0" smtClean="0"/>
+              <a:rPr lang="en-US" sz="1600" dirty="0"/>
               <a:t>,…,</a:t>
             </a:r>
             <a:r>
-              <a:rPr lang="sr-Latn-BA" sz="1600" dirty="0" smtClean="0"/>
+              <a:rPr lang="sr-Latn-BA" sz="1600" dirty="0"/>
               <a:t>v</a:t>
             </a:r>
             <a:r>
-              <a:rPr lang="en-US" sz="1600" baseline="-25000" dirty="0" smtClean="0"/>
+              <a:rPr lang="en-US" sz="1600" baseline="-25000" dirty="0"/>
               <a:t>1,128</a:t>
             </a:r>
             <a:r>
@@ -12402,35 +11660,35 @@
               <a:t>&lt;YER068W, </a:t>
             </a:r>
             <a:r>
-              <a:rPr lang="sr-Latn-BA" sz="1600" dirty="0" smtClean="0"/>
+              <a:rPr lang="sr-Latn-BA" sz="1600" dirty="0"/>
               <a:t>v</a:t>
             </a:r>
             <a:r>
-              <a:rPr lang="en-US" sz="1600" baseline="-25000" dirty="0" smtClean="0"/>
+              <a:rPr lang="en-US" sz="1600" baseline="-25000" dirty="0"/>
               <a:t>2,1</a:t>
             </a:r>
             <a:r>
-              <a:rPr lang="en-US" sz="1600" dirty="0" smtClean="0"/>
+              <a:rPr lang="en-US" sz="1600" dirty="0"/>
               <a:t>,</a:t>
             </a:r>
             <a:r>
-              <a:rPr lang="sr-Latn-BA" sz="1600" dirty="0" smtClean="0"/>
+              <a:rPr lang="sr-Latn-BA" sz="1600" dirty="0"/>
               <a:t>v</a:t>
             </a:r>
             <a:r>
-              <a:rPr lang="en-US" sz="1600" baseline="-25000" dirty="0" smtClean="0"/>
+              <a:rPr lang="en-US" sz="1600" baseline="-25000" dirty="0"/>
               <a:t>2,2</a:t>
             </a:r>
             <a:r>
-              <a:rPr lang="en-US" sz="1600" dirty="0" smtClean="0"/>
+              <a:rPr lang="en-US" sz="1600" dirty="0"/>
               <a:t>,…,</a:t>
             </a:r>
             <a:r>
-              <a:rPr lang="sr-Latn-BA" sz="1600" dirty="0" smtClean="0"/>
+              <a:rPr lang="sr-Latn-BA" sz="1600" dirty="0"/>
               <a:t>v</a:t>
             </a:r>
             <a:r>
-              <a:rPr lang="en-US" sz="1600" baseline="-25000" dirty="0" smtClean="0"/>
+              <a:rPr lang="en-US" sz="1600" baseline="-25000" dirty="0"/>
               <a:t>2,128</a:t>
             </a:r>
             <a:r>
@@ -12450,35 +11708,35 @@
               <a:t>&lt;YMR207C, </a:t>
             </a:r>
             <a:r>
-              <a:rPr lang="sr-Latn-BA" sz="1600" dirty="0" smtClean="0"/>
+              <a:rPr lang="sr-Latn-BA" sz="1600" dirty="0"/>
               <a:t>v</a:t>
             </a:r>
             <a:r>
-              <a:rPr lang="en-US" sz="1600" baseline="-25000" dirty="0" smtClean="0"/>
+              <a:rPr lang="en-US" sz="1600" baseline="-25000" dirty="0"/>
               <a:t>n,1</a:t>
             </a:r>
             <a:r>
-              <a:rPr lang="en-US" sz="1600" dirty="0" smtClean="0"/>
+              <a:rPr lang="en-US" sz="1600" dirty="0"/>
               <a:t>,</a:t>
             </a:r>
             <a:r>
-              <a:rPr lang="sr-Latn-BA" sz="1600" dirty="0" smtClean="0"/>
+              <a:rPr lang="sr-Latn-BA" sz="1600" dirty="0"/>
               <a:t>v</a:t>
             </a:r>
             <a:r>
-              <a:rPr lang="en-US" sz="1600" baseline="-25000" dirty="0" smtClean="0"/>
+              <a:rPr lang="en-US" sz="1600" baseline="-25000" dirty="0"/>
               <a:t>n,2</a:t>
             </a:r>
             <a:r>
-              <a:rPr lang="en-US" sz="1600" dirty="0" smtClean="0"/>
+              <a:rPr lang="en-US" sz="1600" dirty="0"/>
               <a:t>,…,</a:t>
             </a:r>
             <a:r>
-              <a:rPr lang="sr-Latn-BA" sz="1600" dirty="0" smtClean="0"/>
+              <a:rPr lang="sr-Latn-BA" sz="1600" dirty="0"/>
               <a:t>v</a:t>
             </a:r>
             <a:r>
-              <a:rPr lang="en-US" sz="1600" baseline="-25000" dirty="0" smtClean="0"/>
+              <a:rPr lang="en-US" sz="1600" baseline="-25000" dirty="0"/>
               <a:t>n,128</a:t>
             </a:r>
             <a:r>
@@ -12493,7 +11751,7 @@
           <p:cNvPr id="52" name="Rounded Rectangle 47">
             <a:extLst>
               <a:ext uri="{FF2B5EF4-FFF2-40B4-BE49-F238E27FC236}">
-                <a16:creationId xmlns="" xmlns:a16="http://schemas.microsoft.com/office/drawing/2014/main" id="{82BE85DE-FD18-4E3E-BE20-52E122985005}"/>
+                <a16:creationId xmlns:a16="http://schemas.microsoft.com/office/drawing/2014/main" id="{82BE85DE-FD18-4E3E-BE20-52E122985005}"/>
               </a:ext>
             </a:extLst>
           </p:cNvPr>
@@ -12550,7 +11808,7 @@
           <p:cNvPr id="20" name="Arrow: Right 19">
             <a:extLst>
               <a:ext uri="{FF2B5EF4-FFF2-40B4-BE49-F238E27FC236}">
-                <a16:creationId xmlns="" xmlns:a16="http://schemas.microsoft.com/office/drawing/2014/main" id="{F75BF84B-2C0D-4C09-BA31-AFAAC77EAF11}"/>
+                <a16:creationId xmlns:a16="http://schemas.microsoft.com/office/drawing/2014/main" id="{F75BF84B-2C0D-4C09-BA31-AFAAC77EAF11}"/>
               </a:ext>
             </a:extLst>
           </p:cNvPr>
@@ -12596,7 +11854,7 @@
           <p:cNvPr id="55" name="Arrow: Right 54">
             <a:extLst>
               <a:ext uri="{FF2B5EF4-FFF2-40B4-BE49-F238E27FC236}">
-                <a16:creationId xmlns="" xmlns:a16="http://schemas.microsoft.com/office/drawing/2014/main" id="{9FFA1951-3CD1-43F1-812E-2361512B994A}"/>
+                <a16:creationId xmlns:a16="http://schemas.microsoft.com/office/drawing/2014/main" id="{9FFA1951-3CD1-43F1-812E-2361512B994A}"/>
               </a:ext>
             </a:extLst>
           </p:cNvPr>
@@ -12642,7 +11900,7 @@
           <p:cNvPr id="56" name="Rectangle 55">
             <a:extLst>
               <a:ext uri="{FF2B5EF4-FFF2-40B4-BE49-F238E27FC236}">
-                <a16:creationId xmlns="" xmlns:a16="http://schemas.microsoft.com/office/drawing/2014/main" id="{54B82BF6-7CC1-4CC0-A076-02DDFFB69BDA}"/>
+                <a16:creationId xmlns:a16="http://schemas.microsoft.com/office/drawing/2014/main" id="{54B82BF6-7CC1-4CC0-A076-02DDFFB69BDA}"/>
               </a:ext>
             </a:extLst>
           </p:cNvPr>
@@ -12684,31 +11942,31 @@
               <a:t>&lt;YDR143C, </a:t>
             </a:r>
             <a:r>
-              <a:rPr lang="sr-Latn-BA" sz="1600" dirty="0" smtClean="0"/>
+              <a:rPr lang="sr-Latn-BA" sz="1600" dirty="0"/>
               <a:t>a</a:t>
             </a:r>
             <a:r>
-              <a:rPr lang="en-US" sz="1600" baseline="-25000" dirty="0" smtClean="0"/>
+              <a:rPr lang="en-US" sz="1600" baseline="-25000" dirty="0"/>
               <a:t>1</a:t>
             </a:r>
             <a:r>
-              <a:rPr lang="sr-Latn-BA" sz="1600" baseline="-25000" dirty="0" smtClean="0"/>
+              <a:rPr lang="sr-Latn-BA" sz="1600" baseline="-25000" dirty="0"/>
               <a:t>,1</a:t>
             </a:r>
             <a:r>
-              <a:rPr lang="en-US" sz="1600" dirty="0" smtClean="0"/>
+              <a:rPr lang="en-US" sz="1600" dirty="0"/>
               <a:t>,…</a:t>
             </a:r>
             <a:r>
-              <a:rPr lang="sr-Latn-BA" sz="1600" dirty="0" smtClean="0"/>
+              <a:rPr lang="sr-Latn-BA" sz="1600" dirty="0"/>
               <a:t>a</a:t>
             </a:r>
             <a:r>
-              <a:rPr lang="sr-Latn-BA" sz="1600" baseline="-25000" dirty="0" smtClean="0"/>
+              <a:rPr lang="sr-Latn-BA" sz="1600" baseline="-25000" dirty="0"/>
               <a:t>1,</a:t>
             </a:r>
             <a:r>
-              <a:rPr lang="en-US" sz="1600" baseline="-25000" dirty="0" smtClean="0"/>
+              <a:rPr lang="en-US" sz="1600" baseline="-25000" dirty="0"/>
               <a:t>10</a:t>
             </a:r>
             <a:r>
@@ -12716,67 +11974,67 @@
               <a:t>, </a:t>
             </a:r>
             <a:r>
-              <a:rPr lang="sr-Latn-BA" sz="1600" dirty="0" smtClean="0"/>
+              <a:rPr lang="sr-Latn-BA" sz="1600" dirty="0"/>
               <a:t>ba</a:t>
             </a:r>
             <a:r>
-              <a:rPr lang="sr-Latn-BA" sz="1600" baseline="-25000" dirty="0" smtClean="0"/>
+              <a:rPr lang="sr-Latn-BA" sz="1600" baseline="-25000" dirty="0"/>
               <a:t>1,</a:t>
             </a:r>
             <a:r>
-              <a:rPr lang="en-US" sz="1600" baseline="-25000" dirty="0" smtClean="0"/>
+              <a:rPr lang="en-US" sz="1600" baseline="-25000" dirty="0"/>
               <a:t>1</a:t>
             </a:r>
             <a:r>
-              <a:rPr lang="en-US" sz="1600" dirty="0" smtClean="0"/>
+              <a:rPr lang="en-US" sz="1600" dirty="0"/>
               <a:t>,</a:t>
             </a:r>
             <a:r>
-              <a:rPr lang="sr-Latn-BA" sz="1600" dirty="0" smtClean="0"/>
+              <a:rPr lang="sr-Latn-BA" sz="1600" dirty="0"/>
               <a:t>...,</a:t>
             </a:r>
             <a:r>
-              <a:rPr lang="en-US" sz="1600" dirty="0" smtClean="0"/>
+              <a:rPr lang="en-US" sz="1600" dirty="0"/>
               <a:t> </a:t>
             </a:r>
             <a:r>
-              <a:rPr lang="sr-Latn-BA" sz="1600" dirty="0" smtClean="0"/>
+              <a:rPr lang="sr-Latn-BA" sz="1600" dirty="0"/>
               <a:t>ba</a:t>
             </a:r>
             <a:r>
-              <a:rPr lang="en-US" sz="1600" baseline="-25000" dirty="0" smtClean="0"/>
+              <a:rPr lang="en-US" sz="1600" baseline="-25000" dirty="0"/>
               <a:t>1,10</a:t>
             </a:r>
             <a:r>
-              <a:rPr lang="en-US" sz="1600" dirty="0" smtClean="0"/>
+              <a:rPr lang="en-US" sz="1600" dirty="0"/>
               <a:t>,…,</a:t>
             </a:r>
             <a:r>
-              <a:rPr lang="sr-Latn-BA" sz="1600" dirty="0" smtClean="0"/>
+              <a:rPr lang="sr-Latn-BA" sz="1600" dirty="0"/>
               <a:t>be</a:t>
             </a:r>
             <a:r>
-              <a:rPr lang="en-US" sz="1600" baseline="-25000" dirty="0" smtClean="0"/>
+              <a:rPr lang="en-US" sz="1600" baseline="-25000" dirty="0"/>
               <a:t>1</a:t>
             </a:r>
             <a:r>
-              <a:rPr lang="sr-Latn-BA" sz="1600" baseline="-25000" dirty="0" smtClean="0"/>
+              <a:rPr lang="sr-Latn-BA" sz="1600" baseline="-25000" dirty="0"/>
               <a:t>,1</a:t>
             </a:r>
             <a:r>
-              <a:rPr lang="en-US" sz="1600" dirty="0" smtClean="0"/>
+              <a:rPr lang="en-US" sz="1600" dirty="0"/>
               <a:t>,…,</a:t>
             </a:r>
             <a:r>
-              <a:rPr lang="sr-Latn-BA" sz="1600" dirty="0" smtClean="0"/>
+              <a:rPr lang="sr-Latn-BA" sz="1600" dirty="0"/>
               <a:t>be</a:t>
             </a:r>
             <a:r>
-              <a:rPr lang="sr-Latn-BA" sz="1600" baseline="-25000" dirty="0" smtClean="0"/>
+              <a:rPr lang="sr-Latn-BA" sz="1600" baseline="-25000" dirty="0"/>
               <a:t>1</a:t>
             </a:r>
             <a:r>
-              <a:rPr lang="en-US" sz="1600" baseline="-25000" dirty="0" smtClean="0"/>
+              <a:rPr lang="en-US" sz="1600" baseline="-25000" dirty="0"/>
               <a:t>,10</a:t>
             </a:r>
             <a:r>
@@ -12790,11 +12048,11 @@
               <a:t>&lt;YER068W, </a:t>
             </a:r>
             <a:r>
-              <a:rPr lang="sr-Latn-BA" sz="1600" dirty="0" smtClean="0"/>
+              <a:rPr lang="sr-Latn-BA" sz="1600" dirty="0"/>
               <a:t>a</a:t>
             </a:r>
             <a:r>
-              <a:rPr lang="sr-Latn-BA" sz="1600" baseline="-25000" dirty="0" smtClean="0"/>
+              <a:rPr lang="sr-Latn-BA" sz="1600" baseline="-25000" dirty="0"/>
               <a:t>2,1</a:t>
             </a:r>
             <a:r>
@@ -12802,11 +12060,11 @@
               <a:t>,…</a:t>
             </a:r>
             <a:r>
-              <a:rPr lang="sr-Latn-BA" sz="1600" dirty="0" smtClean="0"/>
+              <a:rPr lang="sr-Latn-BA" sz="1600" dirty="0"/>
               <a:t>a</a:t>
             </a:r>
             <a:r>
-              <a:rPr lang="sr-Latn-BA" sz="1600" baseline="-25000" dirty="0" smtClean="0"/>
+              <a:rPr lang="sr-Latn-BA" sz="1600" baseline="-25000" dirty="0"/>
               <a:t>2,</a:t>
             </a:r>
             <a:r>
@@ -12818,11 +12076,11 @@
               <a:t>, </a:t>
             </a:r>
             <a:r>
-              <a:rPr lang="sr-Latn-BA" sz="1600" dirty="0" smtClean="0"/>
+              <a:rPr lang="sr-Latn-BA" sz="1600" dirty="0"/>
               <a:t>ba</a:t>
             </a:r>
             <a:r>
-              <a:rPr lang="sr-Latn-BA" sz="1600" baseline="-25000" dirty="0" smtClean="0"/>
+              <a:rPr lang="sr-Latn-BA" sz="1600" baseline="-25000" dirty="0"/>
               <a:t>2,</a:t>
             </a:r>
             <a:r>
@@ -12842,15 +12100,15 @@
               <a:t> </a:t>
             </a:r>
             <a:r>
-              <a:rPr lang="sr-Latn-BA" sz="1600" dirty="0" smtClean="0"/>
+              <a:rPr lang="sr-Latn-BA" sz="1600" dirty="0"/>
               <a:t>ba</a:t>
             </a:r>
             <a:r>
-              <a:rPr lang="sr-Latn-BA" sz="1600" baseline="-25000" dirty="0" smtClean="0"/>
+              <a:rPr lang="sr-Latn-BA" sz="1600" baseline="-25000" dirty="0"/>
               <a:t>2</a:t>
             </a:r>
             <a:r>
-              <a:rPr lang="en-US" sz="1600" baseline="-25000" dirty="0" smtClean="0"/>
+              <a:rPr lang="en-US" sz="1600" baseline="-25000" dirty="0"/>
               <a:t>,10</a:t>
             </a:r>
             <a:r>
@@ -12858,11 +12116,11 @@
               <a:t>,…,</a:t>
             </a:r>
             <a:r>
-              <a:rPr lang="sr-Latn-BA" sz="1600" dirty="0" smtClean="0"/>
+              <a:rPr lang="sr-Latn-BA" sz="1600" dirty="0"/>
               <a:t>be</a:t>
             </a:r>
             <a:r>
-              <a:rPr lang="sr-Latn-BA" sz="1600" baseline="-25000" dirty="0" smtClean="0"/>
+              <a:rPr lang="sr-Latn-BA" sz="1600" baseline="-25000" dirty="0"/>
               <a:t>2,1</a:t>
             </a:r>
             <a:r>
@@ -12870,22 +12128,21 @@
               <a:t>,…,</a:t>
             </a:r>
             <a:r>
-              <a:rPr lang="sr-Latn-BA" sz="1600" dirty="0" smtClean="0"/>
+              <a:rPr lang="sr-Latn-BA" sz="1600" dirty="0"/>
               <a:t>be</a:t>
             </a:r>
             <a:r>
-              <a:rPr lang="sr-Latn-BA" sz="1600" baseline="-25000" dirty="0" smtClean="0"/>
+              <a:rPr lang="sr-Latn-BA" sz="1600" baseline="-25000" dirty="0"/>
               <a:t>2</a:t>
             </a:r>
             <a:r>
-              <a:rPr lang="en-US" sz="1600" baseline="-25000" dirty="0" smtClean="0"/>
+              <a:rPr lang="en-US" sz="1600" baseline="-25000" dirty="0"/>
               <a:t>,10 </a:t>
             </a:r>
             <a:r>
-              <a:rPr lang="en-US" sz="1600" dirty="0" smtClean="0"/>
+              <a:rPr lang="en-US" sz="1600" dirty="0"/>
               <a:t>&gt;</a:t>
             </a:r>
-            <a:endParaRPr lang="en-US" sz="1600" dirty="0"/>
           </a:p>
           <a:p>
             <a:r>
@@ -12899,11 +12156,11 @@
               <a:t>&lt;YMR207C, </a:t>
             </a:r>
             <a:r>
-              <a:rPr lang="sr-Latn-BA" sz="1600" dirty="0" smtClean="0"/>
+              <a:rPr lang="sr-Latn-BA" sz="1600" dirty="0"/>
               <a:t>a</a:t>
             </a:r>
             <a:r>
-              <a:rPr lang="sr-Latn-BA" sz="1600" baseline="-25000" dirty="0" smtClean="0"/>
+              <a:rPr lang="sr-Latn-BA" sz="1600" baseline="-25000" dirty="0"/>
               <a:t>n,1</a:t>
             </a:r>
             <a:r>
@@ -12911,11 +12168,11 @@
               <a:t>,…</a:t>
             </a:r>
             <a:r>
-              <a:rPr lang="sr-Latn-BA" sz="1600" dirty="0" smtClean="0"/>
+              <a:rPr lang="sr-Latn-BA" sz="1600" dirty="0"/>
               <a:t>a</a:t>
             </a:r>
             <a:r>
-              <a:rPr lang="sr-Latn-BA" sz="1600" baseline="-25000" dirty="0" smtClean="0"/>
+              <a:rPr lang="sr-Latn-BA" sz="1600" baseline="-25000" dirty="0"/>
               <a:t>n,</a:t>
             </a:r>
             <a:r>
@@ -12927,11 +12184,11 @@
               <a:t>, </a:t>
             </a:r>
             <a:r>
-              <a:rPr lang="sr-Latn-BA" sz="1600" dirty="0" smtClean="0"/>
+              <a:rPr lang="sr-Latn-BA" sz="1600" dirty="0"/>
               <a:t>ba</a:t>
             </a:r>
             <a:r>
-              <a:rPr lang="sr-Latn-BA" sz="1600" baseline="-25000" dirty="0" smtClean="0"/>
+              <a:rPr lang="sr-Latn-BA" sz="1600" baseline="-25000" dirty="0"/>
               <a:t>n,</a:t>
             </a:r>
             <a:r>
@@ -12951,15 +12208,15 @@
               <a:t> </a:t>
             </a:r>
             <a:r>
-              <a:rPr lang="sr-Latn-BA" sz="1600" dirty="0" smtClean="0"/>
+              <a:rPr lang="sr-Latn-BA" sz="1600" dirty="0"/>
               <a:t>ba</a:t>
             </a:r>
             <a:r>
-              <a:rPr lang="sr-Latn-BA" sz="1600" baseline="-25000" dirty="0" smtClean="0"/>
+              <a:rPr lang="sr-Latn-BA" sz="1600" baseline="-25000" dirty="0"/>
               <a:t>n</a:t>
             </a:r>
             <a:r>
-              <a:rPr lang="en-US" sz="1600" baseline="-25000" dirty="0" smtClean="0"/>
+              <a:rPr lang="en-US" sz="1600" baseline="-25000" dirty="0"/>
               <a:t>,10</a:t>
             </a:r>
             <a:r>
@@ -12967,11 +12224,11 @@
               <a:t>,…,</a:t>
             </a:r>
             <a:r>
-              <a:rPr lang="sr-Latn-BA" sz="1600" dirty="0" smtClean="0"/>
+              <a:rPr lang="sr-Latn-BA" sz="1600" dirty="0"/>
               <a:t>be</a:t>
             </a:r>
             <a:r>
-              <a:rPr lang="sr-Latn-BA" sz="1600" baseline="-25000" dirty="0" smtClean="0"/>
+              <a:rPr lang="sr-Latn-BA" sz="1600" baseline="-25000" dirty="0"/>
               <a:t>n,1</a:t>
             </a:r>
             <a:r>
@@ -12979,22 +12236,21 @@
               <a:t>,…,</a:t>
             </a:r>
             <a:r>
-              <a:rPr lang="sr-Latn-BA" sz="1600" dirty="0" smtClean="0"/>
+              <a:rPr lang="sr-Latn-BA" sz="1600" dirty="0"/>
               <a:t>be</a:t>
             </a:r>
             <a:r>
-              <a:rPr lang="sr-Latn-BA" sz="1600" baseline="-25000" dirty="0" smtClean="0"/>
+              <a:rPr lang="sr-Latn-BA" sz="1600" baseline="-25000" dirty="0"/>
               <a:t>n</a:t>
             </a:r>
             <a:r>
-              <a:rPr lang="en-US" sz="1600" baseline="-25000" dirty="0" smtClean="0"/>
+              <a:rPr lang="en-US" sz="1600" baseline="-25000" dirty="0"/>
               <a:t>,10 </a:t>
             </a:r>
             <a:r>
-              <a:rPr lang="en-US" sz="1600" dirty="0" smtClean="0"/>
+              <a:rPr lang="en-US" sz="1600" dirty="0"/>
               <a:t>&gt;</a:t>
             </a:r>
-            <a:endParaRPr lang="en-US" sz="1600" dirty="0"/>
           </a:p>
         </p:txBody>
       </p:sp>
@@ -13003,7 +12259,7 @@
           <p:cNvPr id="57" name="Rounded Rectangle 47">
             <a:extLst>
               <a:ext uri="{FF2B5EF4-FFF2-40B4-BE49-F238E27FC236}">
-                <a16:creationId xmlns="" xmlns:a16="http://schemas.microsoft.com/office/drawing/2014/main" id="{094D318D-7740-40B1-8FDC-752A452D00FC}"/>
+                <a16:creationId xmlns:a16="http://schemas.microsoft.com/office/drawing/2014/main" id="{094D318D-7740-40B1-8FDC-752A452D00FC}"/>
               </a:ext>
             </a:extLst>
           </p:cNvPr>
@@ -13060,7 +12316,7 @@
           <p:cNvPr id="58" name="Rectangle 57">
             <a:extLst>
               <a:ext uri="{FF2B5EF4-FFF2-40B4-BE49-F238E27FC236}">
-                <a16:creationId xmlns="" xmlns:a16="http://schemas.microsoft.com/office/drawing/2014/main" id="{E5A2346C-B437-4A8F-8C2E-BBED9297E0C1}"/>
+                <a16:creationId xmlns:a16="http://schemas.microsoft.com/office/drawing/2014/main" id="{E5A2346C-B437-4A8F-8C2E-BBED9297E0C1}"/>
               </a:ext>
             </a:extLst>
           </p:cNvPr>
@@ -13122,53 +12378,462 @@
                 </a:solidFill>
                 <a:latin typeface="Calibri" panose="020F0502020204030204" pitchFamily="34" charset="0"/>
               </a:rPr>
-              <a:t> in {A, </a:t>
-            </a:r>
-            <a:r>
-              <a:rPr lang="en-US" sz="1600" dirty="0" smtClean="0">
+              <a:t> in {A, B</a:t>
+            </a:r>
+            <a:r>
+              <a:rPr lang="sr-Latn-BA" sz="1600" dirty="0">
                 <a:solidFill>
                   <a:srgbClr val="000000"/>
                 </a:solidFill>
                 <a:latin typeface="Calibri" panose="020F0502020204030204" pitchFamily="34" charset="0"/>
               </a:rPr>
-              <a:t>B</a:t>
-            </a:r>
-            <a:r>
-              <a:rPr lang="sr-Latn-BA" sz="1600" dirty="0" smtClean="0">
+              <a:t>A</a:t>
+            </a:r>
+            <a:r>
+              <a:rPr lang="en-US" sz="1600" dirty="0">
                 <a:solidFill>
                   <a:srgbClr val="000000"/>
                 </a:solidFill>
                 <a:latin typeface="Calibri" panose="020F0502020204030204" pitchFamily="34" charset="0"/>
               </a:rPr>
-              <a:t>A</a:t>
-            </a:r>
-            <a:r>
-              <a:rPr lang="en-US" sz="1600" dirty="0" smtClean="0">
+              <a:t>-B</a:t>
+            </a:r>
+            <a:r>
+              <a:rPr lang="sr-Latn-BA" sz="1600" dirty="0">
                 <a:solidFill>
                   <a:srgbClr val="000000"/>
                 </a:solidFill>
                 <a:latin typeface="Calibri" panose="020F0502020204030204" pitchFamily="34" charset="0"/>
               </a:rPr>
-              <a:t>-B</a:t>
-            </a:r>
-            <a:r>
-              <a:rPr lang="sr-Latn-BA" sz="1600" dirty="0" smtClean="0">
+              <a:t>E</a:t>
+            </a:r>
+            <a:r>
+              <a:rPr lang="en-US" sz="1600" dirty="0">
                 <a:solidFill>
                   <a:srgbClr val="000000"/>
                 </a:solidFill>
                 <a:latin typeface="Calibri" panose="020F0502020204030204" pitchFamily="34" charset="0"/>
               </a:rPr>
-              <a:t>E</a:t>
-            </a:r>
-            <a:r>
-              <a:rPr lang="en-US" sz="1600" dirty="0" smtClean="0">
+              <a:t>}:</a:t>
+            </a:r>
+          </a:p>
+          <a:p>
+            <a:r>
+              <a:rPr lang="en-US" sz="1600" dirty="0">
                 <a:solidFill>
                   <a:srgbClr val="000000"/>
                 </a:solidFill>
                 <a:latin typeface="Calibri" panose="020F0502020204030204" pitchFamily="34" charset="0"/>
               </a:rPr>
+              <a:t> For a protein sequence, </a:t>
+            </a:r>
+            <a:r>
+              <a:rPr lang="en-US" sz="1600" i="1" dirty="0">
+                <a:solidFill>
+                  <a:srgbClr val="000000"/>
+                </a:solidFill>
+                <a:latin typeface="Calibri" panose="020F0502020204030204" pitchFamily="34" charset="0"/>
+              </a:rPr>
+              <a:t>S = {</a:t>
+            </a:r>
+            <a:r>
+              <a:rPr lang="sr-Latn-BA" sz="1600" i="1" dirty="0">
+                <a:solidFill>
+                  <a:srgbClr val="000000"/>
+                </a:solidFill>
+                <a:latin typeface="Calibri" panose="020F0502020204030204" pitchFamily="34" charset="0"/>
+              </a:rPr>
+              <a:t>p</a:t>
+            </a:r>
+            <a:r>
+              <a:rPr lang="en-US" sz="1600" i="1" baseline="-25000" dirty="0">
+                <a:solidFill>
+                  <a:srgbClr val="000000"/>
+                </a:solidFill>
+                <a:latin typeface="Calibri" panose="020F0502020204030204" pitchFamily="34" charset="0"/>
+              </a:rPr>
+              <a:t>1</a:t>
+            </a:r>
+            <a:r>
+              <a:rPr lang="en-US" sz="1600" i="1" dirty="0">
+                <a:solidFill>
+                  <a:srgbClr val="000000"/>
+                </a:solidFill>
+                <a:latin typeface="Calibri" panose="020F0502020204030204" pitchFamily="34" charset="0"/>
+              </a:rPr>
+              <a:t>, </a:t>
+            </a:r>
+            <a:r>
+              <a:rPr lang="sr-Latn-BA" sz="1600" i="1" dirty="0">
+                <a:solidFill>
+                  <a:srgbClr val="000000"/>
+                </a:solidFill>
+                <a:latin typeface="Calibri" panose="020F0502020204030204" pitchFamily="34" charset="0"/>
+              </a:rPr>
+              <a:t>p</a:t>
+            </a:r>
+            <a:r>
+              <a:rPr lang="en-US" sz="1600" i="1" baseline="-25000" dirty="0">
+                <a:solidFill>
+                  <a:srgbClr val="000000"/>
+                </a:solidFill>
+                <a:latin typeface="Calibri" panose="020F0502020204030204" pitchFamily="34" charset="0"/>
+              </a:rPr>
+              <a:t>2</a:t>
+            </a:r>
+            <a:r>
+              <a:rPr lang="en-US" sz="1600" i="1" dirty="0">
+                <a:solidFill>
+                  <a:srgbClr val="000000"/>
+                </a:solidFill>
+                <a:latin typeface="Calibri" panose="020F0502020204030204" pitchFamily="34" charset="0"/>
+              </a:rPr>
+              <a:t>, </a:t>
+            </a:r>
+            <a:r>
+              <a:rPr lang="sr-Latn-BA" sz="1600" i="1" dirty="0">
+                <a:solidFill>
+                  <a:srgbClr val="000000"/>
+                </a:solidFill>
+                <a:latin typeface="Calibri" panose="020F0502020204030204" pitchFamily="34" charset="0"/>
+              </a:rPr>
+              <a:t>p</a:t>
+            </a:r>
+            <a:r>
+              <a:rPr lang="en-US" sz="1600" i="1" baseline="-25000" dirty="0">
+                <a:solidFill>
+                  <a:srgbClr val="000000"/>
+                </a:solidFill>
+                <a:latin typeface="Calibri" panose="020F0502020204030204" pitchFamily="34" charset="0"/>
+              </a:rPr>
+              <a:t>3</a:t>
+            </a:r>
+            <a:r>
+              <a:rPr lang="en-US" sz="1600" i="1" dirty="0">
+                <a:solidFill>
+                  <a:srgbClr val="000000"/>
+                </a:solidFill>
+                <a:latin typeface="Calibri" panose="020F0502020204030204" pitchFamily="34" charset="0"/>
+              </a:rPr>
+              <a:t>,…,</a:t>
+            </a:r>
+            <a:r>
+              <a:rPr lang="sr-Latn-BA" sz="1600" i="1" dirty="0" err="1">
+                <a:solidFill>
+                  <a:srgbClr val="000000"/>
+                </a:solidFill>
+                <a:latin typeface="Calibri" panose="020F0502020204030204" pitchFamily="34" charset="0"/>
+              </a:rPr>
+              <a:t>p</a:t>
+            </a:r>
+            <a:r>
+              <a:rPr lang="en-US" sz="1600" i="1" baseline="-25000" dirty="0">
+                <a:solidFill>
+                  <a:srgbClr val="000000"/>
+                </a:solidFill>
+                <a:latin typeface="Calibri" panose="020F0502020204030204" pitchFamily="34" charset="0"/>
+              </a:rPr>
+              <a:t>N</a:t>
+            </a:r>
+            <a:r>
+              <a:rPr lang="en-US" sz="1600" i="1" dirty="0">
+                <a:solidFill>
+                  <a:srgbClr val="000000"/>
+                </a:solidFill>
+                <a:latin typeface="Calibri" panose="020F0502020204030204" pitchFamily="34" charset="0"/>
+              </a:rPr>
+              <a:t>)</a:t>
+            </a:r>
+            <a:r>
+              <a:rPr lang="en-US" sz="1600" dirty="0">
+                <a:solidFill>
+                  <a:srgbClr val="000000"/>
+                </a:solidFill>
+                <a:latin typeface="Calibri" panose="020F0502020204030204" pitchFamily="34" charset="0"/>
+              </a:rPr>
+              <a:t>, where </a:t>
+            </a:r>
+            <a:r>
+              <a:rPr lang="sr-Latn-BA" sz="1600" i="1" dirty="0">
+                <a:solidFill>
+                  <a:srgbClr val="000000"/>
+                </a:solidFill>
+                <a:latin typeface="Calibri" panose="020F0502020204030204" pitchFamily="34" charset="0"/>
+              </a:rPr>
+              <a:t>p</a:t>
+            </a:r>
+            <a:r>
+              <a:rPr lang="en-US" sz="1600" i="1" baseline="-25000" dirty="0">
+                <a:solidFill>
+                  <a:srgbClr val="000000"/>
+                </a:solidFill>
+                <a:latin typeface="Calibri" panose="020F0502020204030204" pitchFamily="34" charset="0"/>
+              </a:rPr>
+              <a:t>1</a:t>
+            </a:r>
+            <a:r>
+              <a:rPr lang="en-US" sz="1600" i="1" dirty="0">
+                <a:solidFill>
+                  <a:srgbClr val="000000"/>
+                </a:solidFill>
+                <a:latin typeface="Calibri" panose="020F0502020204030204" pitchFamily="34" charset="0"/>
+              </a:rPr>
+              <a:t>, </a:t>
+            </a:r>
+            <a:r>
+              <a:rPr lang="sr-Latn-BA" sz="1600" i="1" dirty="0">
+                <a:solidFill>
+                  <a:srgbClr val="000000"/>
+                </a:solidFill>
+                <a:latin typeface="Calibri" panose="020F0502020204030204" pitchFamily="34" charset="0"/>
+              </a:rPr>
+              <a:t>p</a:t>
+            </a:r>
+            <a:r>
+              <a:rPr lang="en-US" sz="1600" i="1" baseline="-25000" dirty="0">
+                <a:solidFill>
+                  <a:srgbClr val="000000"/>
+                </a:solidFill>
+                <a:latin typeface="Calibri" panose="020F0502020204030204" pitchFamily="34" charset="0"/>
+              </a:rPr>
+              <a:t>2</a:t>
+            </a:r>
+            <a:r>
+              <a:rPr lang="sr-Latn-BA" sz="1600" dirty="0">
+                <a:solidFill>
+                  <a:srgbClr val="000000"/>
+                </a:solidFill>
+                <a:latin typeface="Calibri" panose="020F0502020204030204" pitchFamily="34" charset="0"/>
+              </a:rPr>
+              <a:t>,</a:t>
+            </a:r>
+            <a:r>
+              <a:rPr lang="en-US" sz="1600" i="1" dirty="0">
+                <a:solidFill>
+                  <a:srgbClr val="000000"/>
+                </a:solidFill>
+                <a:latin typeface="Calibri" panose="020F0502020204030204" pitchFamily="34" charset="0"/>
+              </a:rPr>
+              <a:t> …,</a:t>
+            </a:r>
+            <a:r>
+              <a:rPr lang="sr-Latn-BA" sz="1600" i="1" dirty="0">
+                <a:solidFill>
+                  <a:srgbClr val="000000"/>
+                </a:solidFill>
+                <a:latin typeface="Calibri" panose="020F0502020204030204" pitchFamily="34" charset="0"/>
+              </a:rPr>
+              <a:t>p</a:t>
+            </a:r>
+            <a:r>
+              <a:rPr lang="en-US" sz="1600" i="1" baseline="-25000" dirty="0">
+                <a:solidFill>
+                  <a:srgbClr val="000000"/>
+                </a:solidFill>
+                <a:latin typeface="Calibri" panose="020F0502020204030204" pitchFamily="34" charset="0"/>
+              </a:rPr>
+              <a:t>N</a:t>
+            </a:r>
+            <a:r>
+              <a:rPr lang="en-US" sz="1600" dirty="0">
+                <a:solidFill>
+                  <a:srgbClr val="000000"/>
+                </a:solidFill>
+                <a:latin typeface="Calibri" panose="020F0502020204030204" pitchFamily="34" charset="0"/>
+              </a:rPr>
+              <a:t> are the successive residues,       calculate the binary sequence, </a:t>
+            </a:r>
+            <a:r>
+              <a:rPr lang="sr-Latn-BA" sz="1600" i="1" dirty="0">
+                <a:solidFill>
+                  <a:srgbClr val="000000"/>
+                </a:solidFill>
+                <a:latin typeface="Calibri" panose="020F0502020204030204" pitchFamily="34" charset="0"/>
+              </a:rPr>
+              <a:t>F</a:t>
+            </a:r>
+            <a:r>
+              <a:rPr lang="en-US" sz="1600" i="1" dirty="0">
+                <a:solidFill>
+                  <a:srgbClr val="000000"/>
+                </a:solidFill>
+                <a:latin typeface="Calibri" panose="020F0502020204030204" pitchFamily="34" charset="0"/>
+              </a:rPr>
+              <a:t>(S)</a:t>
+            </a:r>
+            <a:r>
+              <a:rPr lang="en-US" sz="1600" dirty="0">
+                <a:solidFill>
+                  <a:srgbClr val="000000"/>
+                </a:solidFill>
+                <a:latin typeface="Calibri" panose="020F0502020204030204" pitchFamily="34" charset="0"/>
+              </a:rPr>
+              <a:t> through an indicator function </a:t>
+            </a:r>
+            <a:r>
+              <a:rPr lang="en-US" sz="1600" i="1" dirty="0">
+                <a:solidFill>
+                  <a:srgbClr val="000000"/>
+                </a:solidFill>
+                <a:latin typeface="Calibri" panose="020F0502020204030204" pitchFamily="34" charset="0"/>
+              </a:rPr>
+              <a:t>f</a:t>
+            </a:r>
+            <a:r>
+              <a:rPr lang="en-US" sz="1600" dirty="0">
+                <a:solidFill>
+                  <a:srgbClr val="000000"/>
+                </a:solidFill>
+                <a:latin typeface="Calibri" panose="020F0502020204030204" pitchFamily="34" charset="0"/>
+              </a:rPr>
+              <a:t>, as </a:t>
+            </a:r>
+            <a:r>
+              <a:rPr lang="sr-Latn-BA" sz="1600" dirty="0">
+                <a:solidFill>
+                  <a:srgbClr val="000000"/>
+                </a:solidFill>
+                <a:latin typeface="Calibri" panose="020F0502020204030204" pitchFamily="34" charset="0"/>
+              </a:rPr>
+              <a:t>F</a:t>
+            </a:r>
+            <a:r>
+              <a:rPr lang="en-US" sz="1600" dirty="0">
+                <a:solidFill>
+                  <a:srgbClr val="000000"/>
+                </a:solidFill>
+                <a:latin typeface="Calibri" panose="020F0502020204030204" pitchFamily="34" charset="0"/>
+              </a:rPr>
+              <a:t>(</a:t>
+            </a:r>
+            <a:r>
+              <a:rPr lang="sr-Latn-BA" sz="1600" dirty="0">
+                <a:solidFill>
+                  <a:srgbClr val="000000"/>
+                </a:solidFill>
+                <a:latin typeface="Calibri" panose="020F0502020204030204" pitchFamily="34" charset="0"/>
+              </a:rPr>
+              <a:t>S</a:t>
+            </a:r>
+            <a:r>
+              <a:rPr lang="en-US" sz="1600" dirty="0">
+                <a:solidFill>
+                  <a:srgbClr val="000000"/>
+                </a:solidFill>
+                <a:latin typeface="Calibri" panose="020F0502020204030204" pitchFamily="34" charset="0"/>
+              </a:rPr>
+              <a:t>)={</a:t>
+            </a:r>
+            <a:r>
+              <a:rPr lang="en-US" sz="1600" i="1" dirty="0">
+                <a:solidFill>
+                  <a:srgbClr val="000000"/>
+                </a:solidFill>
+                <a:latin typeface="Calibri" panose="020F0502020204030204" pitchFamily="34" charset="0"/>
+              </a:rPr>
+              <a:t>f(</a:t>
+            </a:r>
+            <a:r>
+              <a:rPr lang="sr-Latn-BA" sz="1600" i="1" dirty="0">
+                <a:solidFill>
+                  <a:srgbClr val="000000"/>
+                </a:solidFill>
+                <a:latin typeface="Calibri" panose="020F0502020204030204" pitchFamily="34" charset="0"/>
+              </a:rPr>
+              <a:t>p</a:t>
+            </a:r>
+            <a:r>
+              <a:rPr lang="en-US" sz="1600" i="1" baseline="-25000" dirty="0">
+                <a:solidFill>
+                  <a:srgbClr val="000000"/>
+                </a:solidFill>
+                <a:latin typeface="Calibri" panose="020F0502020204030204" pitchFamily="34" charset="0"/>
+              </a:rPr>
+              <a:t>1</a:t>
+            </a:r>
+            <a:r>
+              <a:rPr lang="en-US" sz="1600" i="1" dirty="0">
+                <a:solidFill>
+                  <a:srgbClr val="000000"/>
+                </a:solidFill>
+                <a:latin typeface="Calibri" panose="020F0502020204030204" pitchFamily="34" charset="0"/>
+              </a:rPr>
+              <a:t>),f(</a:t>
+            </a:r>
+            <a:r>
+              <a:rPr lang="sr-Latn-BA" sz="1600" i="1" dirty="0">
+                <a:solidFill>
+                  <a:srgbClr val="000000"/>
+                </a:solidFill>
+                <a:latin typeface="Calibri" panose="020F0502020204030204" pitchFamily="34" charset="0"/>
+              </a:rPr>
+              <a:t>p</a:t>
+            </a:r>
+            <a:r>
+              <a:rPr lang="en-US" sz="1600" i="1" baseline="-25000" dirty="0">
+                <a:solidFill>
+                  <a:srgbClr val="000000"/>
+                </a:solidFill>
+                <a:latin typeface="Calibri" panose="020F0502020204030204" pitchFamily="34" charset="0"/>
+              </a:rPr>
+              <a:t>2</a:t>
+            </a:r>
+            <a:r>
+              <a:rPr lang="en-US" sz="1600" i="1" dirty="0">
+                <a:solidFill>
+                  <a:srgbClr val="000000"/>
+                </a:solidFill>
+                <a:latin typeface="Calibri" panose="020F0502020204030204" pitchFamily="34" charset="0"/>
+              </a:rPr>
+              <a:t>)</a:t>
+            </a:r>
+            <a:r>
+              <a:rPr lang="en-US" sz="1600" dirty="0">
+                <a:solidFill>
+                  <a:srgbClr val="000000"/>
+                </a:solidFill>
+                <a:latin typeface="Calibri" panose="020F0502020204030204" pitchFamily="34" charset="0"/>
+              </a:rPr>
+              <a:t>,…,</a:t>
+            </a:r>
+            <a:r>
+              <a:rPr lang="sr-Latn-BA" sz="1600" i="1" dirty="0">
+                <a:solidFill>
+                  <a:srgbClr val="000000"/>
+                </a:solidFill>
+                <a:latin typeface="Calibri" panose="020F0502020204030204" pitchFamily="34" charset="0"/>
+              </a:rPr>
+              <a:t> f(p</a:t>
+            </a:r>
+            <a:r>
+              <a:rPr lang="en-US" sz="1600" i="1" baseline="-25000" dirty="0">
+                <a:solidFill>
+                  <a:srgbClr val="000000"/>
+                </a:solidFill>
+                <a:latin typeface="Calibri" panose="020F0502020204030204" pitchFamily="34" charset="0"/>
+              </a:rPr>
+              <a:t>N</a:t>
+            </a:r>
+            <a:r>
+              <a:rPr lang="sr-Latn-BA" sz="1600" dirty="0">
+                <a:solidFill>
+                  <a:srgbClr val="000000"/>
+                </a:solidFill>
+                <a:latin typeface="Calibri" panose="020F0502020204030204" pitchFamily="34" charset="0"/>
+              </a:rPr>
+              <a:t>)</a:t>
+            </a:r>
+            <a:r>
+              <a:rPr lang="en-US" sz="1600" dirty="0">
+                <a:solidFill>
+                  <a:srgbClr val="000000"/>
+                </a:solidFill>
+                <a:latin typeface="Calibri" panose="020F0502020204030204" pitchFamily="34" charset="0"/>
+              </a:rPr>
               <a:t>}</a:t>
             </a:r>
+          </a:p>
+          <a:p>
             <a:r>
               <a:rPr lang="en-US" sz="1600" dirty="0">
                 <a:solidFill>
@@ -13176,10 +12841,44 @@
                 </a:solidFill>
                 <a:latin typeface="Calibri" panose="020F0502020204030204" pitchFamily="34" charset="0"/>
               </a:rPr>
-              <a:t>:</a:t>
-            </a:r>
-          </a:p>
-          <a:p>
+              <a:t>where, </a:t>
+            </a:r>
+            <a:r>
+              <a:rPr lang="en-US" sz="1600" i="1" dirty="0">
+                <a:solidFill>
+                  <a:srgbClr val="000000"/>
+                </a:solidFill>
+                <a:latin typeface="Calibri" panose="020F0502020204030204" pitchFamily="34" charset="0"/>
+              </a:rPr>
+              <a:t>f(</a:t>
+            </a:r>
+            <a:r>
+              <a:rPr lang="sr-Latn-BA" sz="1600" i="1" dirty="0">
+                <a:solidFill>
+                  <a:srgbClr val="000000"/>
+                </a:solidFill>
+                <a:latin typeface="Calibri" panose="020F0502020204030204" pitchFamily="34" charset="0"/>
+              </a:rPr>
+              <a:t>p</a:t>
+            </a:r>
+            <a:r>
+              <a:rPr lang="sr-Latn-BA" sz="1600" i="1" baseline="-25000" dirty="0">
+                <a:solidFill>
+                  <a:srgbClr val="000000"/>
+                </a:solidFill>
+                <a:latin typeface="Calibri" panose="020F0502020204030204" pitchFamily="34" charset="0"/>
+              </a:rPr>
+              <a:t>j</a:t>
+            </a:r>
+            <a:r>
+              <a:rPr lang="en-US" sz="1600" i="1" dirty="0">
+                <a:solidFill>
+                  <a:srgbClr val="000000"/>
+                </a:solidFill>
+                <a:latin typeface="Calibri" panose="020F0502020204030204" pitchFamily="34" charset="0"/>
+              </a:rPr>
+              <a:t>)</a:t>
+            </a:r>
             <a:r>
               <a:rPr lang="en-US" sz="1600" dirty="0">
                 <a:solidFill>
@@ -13187,16 +12886,25 @@
                 </a:solidFill>
                 <a:latin typeface="Calibri" panose="020F0502020204030204" pitchFamily="34" charset="0"/>
               </a:rPr>
-              <a:t> </a:t>
-            </a:r>
-            <a:r>
-              <a:rPr lang="en-US" sz="1600" dirty="0" smtClean="0">
+              <a:t> = 1 if </a:t>
+            </a:r>
+            <a:r>
+              <a:rPr lang="sr-Latn-BA" sz="1600" i="1" dirty="0">
                 <a:solidFill>
                   <a:srgbClr val="000000"/>
                 </a:solidFill>
                 <a:latin typeface="Calibri" panose="020F0502020204030204" pitchFamily="34" charset="0"/>
               </a:rPr>
-              <a:t>For </a:t>
+              <a:t>p</a:t>
+            </a:r>
+            <a:r>
+              <a:rPr lang="sr-Latn-BA" sz="1600" i="1" baseline="-25000" dirty="0">
+                <a:solidFill>
+                  <a:srgbClr val="000000"/>
+                </a:solidFill>
+                <a:latin typeface="Calibri" panose="020F0502020204030204" pitchFamily="34" charset="0"/>
+              </a:rPr>
+              <a:t>j</a:t>
             </a:r>
             <a:r>
               <a:rPr lang="en-US" sz="1600" dirty="0">
@@ -13205,7 +12913,7 @@
                 </a:solidFill>
                 <a:latin typeface="Calibri" panose="020F0502020204030204" pitchFamily="34" charset="0"/>
               </a:rPr>
-              <a:t>a protein sequence, </a:t>
+              <a:t> has the property </a:t>
             </a:r>
             <a:r>
               <a:rPr lang="en-US" sz="1600" i="1" dirty="0">
@@ -13214,34 +12922,45 @@
                 </a:solidFill>
                 <a:latin typeface="Calibri" panose="020F0502020204030204" pitchFamily="34" charset="0"/>
               </a:rPr>
-              <a:t>S = </a:t>
-            </a:r>
-            <a:r>
-              <a:rPr lang="en-US" sz="1600" i="1" dirty="0" smtClean="0">
+              <a:t>prop</a:t>
+            </a:r>
+            <a:r>
+              <a:rPr lang="en-US" sz="1600" dirty="0">
                 <a:solidFill>
                   <a:srgbClr val="000000"/>
                 </a:solidFill>
                 <a:latin typeface="Calibri" panose="020F0502020204030204" pitchFamily="34" charset="0"/>
               </a:rPr>
-              <a:t>{</a:t>
-            </a:r>
-            <a:r>
-              <a:rPr lang="sr-Latn-BA" sz="1600" i="1" dirty="0">
+              <a:t>.</a:t>
+            </a:r>
+          </a:p>
+          <a:p>
+            <a:r>
+              <a:rPr lang="en-US" sz="1600" dirty="0">
                 <a:solidFill>
                   <a:srgbClr val="000000"/>
                 </a:solidFill>
                 <a:latin typeface="Calibri" panose="020F0502020204030204" pitchFamily="34" charset="0"/>
               </a:rPr>
-              <a:t>p</a:t>
-            </a:r>
-            <a:r>
-              <a:rPr lang="en-US" sz="1600" i="1" baseline="-25000" dirty="0" smtClean="0">
+              <a:t>Calculate two inter-arrival distances (IADs) array for successive residues i.e. determine the distance between two successive residues: (</a:t>
+            </a:r>
+            <a:r>
+              <a:rPr lang="en-US" sz="1600" i="1" dirty="0">
                 <a:solidFill>
                   <a:srgbClr val="000000"/>
                 </a:solidFill>
                 <a:latin typeface="Calibri" panose="020F0502020204030204" pitchFamily="34" charset="0"/>
               </a:rPr>
-              <a:t>1</a:t>
+              <a:t>array1</a:t>
+            </a:r>
+            <a:r>
+              <a:rPr lang="en-US" sz="1600" dirty="0">
+                <a:solidFill>
+                  <a:srgbClr val="000000"/>
+                </a:solidFill>
+                <a:latin typeface="Calibri" panose="020F0502020204030204" pitchFamily="34" charset="0"/>
+              </a:rPr>
+              <a:t>) distances between ones, and (</a:t>
             </a:r>
             <a:r>
               <a:rPr lang="en-US" sz="1600" i="1" dirty="0">
@@ -13250,25 +12969,82 @@
                 </a:solidFill>
                 <a:latin typeface="Calibri" panose="020F0502020204030204" pitchFamily="34" charset="0"/>
               </a:rPr>
-              <a:t>, </a:t>
-            </a:r>
-            <a:r>
-              <a:rPr lang="sr-Latn-BA" sz="1600" i="1" dirty="0" smtClean="0">
+              <a:t>array2</a:t>
+            </a:r>
+            <a:r>
+              <a:rPr lang="en-US" sz="1600" dirty="0">
                 <a:solidFill>
                   <a:srgbClr val="000000"/>
                 </a:solidFill>
                 <a:latin typeface="Calibri" panose="020F0502020204030204" pitchFamily="34" charset="0"/>
               </a:rPr>
-              <a:t>p</a:t>
-            </a:r>
-            <a:r>
-              <a:rPr lang="en-US" sz="1600" i="1" baseline="-25000" dirty="0" smtClean="0">
+              <a:t>) distances between zeros. </a:t>
+            </a:r>
+          </a:p>
+          <a:p>
+            <a:r>
+              <a:rPr lang="en-US" sz="1600" dirty="0">
                 <a:solidFill>
                   <a:srgbClr val="000000"/>
                 </a:solidFill>
                 <a:latin typeface="Calibri" panose="020F0502020204030204" pitchFamily="34" charset="0"/>
               </a:rPr>
-              <a:t>2</a:t>
+              <a:t>For each IAD array:</a:t>
+            </a:r>
+          </a:p>
+          <a:p>
+            <a:r>
+              <a:rPr lang="en-US" sz="1600" dirty="0">
+                <a:solidFill>
+                  <a:srgbClr val="000000"/>
+                </a:solidFill>
+                <a:latin typeface="Calibri" panose="020F0502020204030204" pitchFamily="34" charset="0"/>
+              </a:rPr>
+              <a:t>    Build the frequency histogram based on values of the IAD;</a:t>
+            </a:r>
+          </a:p>
+          <a:p>
+            <a:r>
+              <a:rPr lang="en-US" sz="1600" dirty="0">
+                <a:solidFill>
+                  <a:srgbClr val="000000"/>
+                </a:solidFill>
+                <a:latin typeface="Calibri" panose="020F0502020204030204" pitchFamily="34" charset="0"/>
+              </a:rPr>
+              <a:t>    Construct the histogram with five intervals chosen in advanced;</a:t>
+            </a:r>
+          </a:p>
+          <a:p>
+            <a:r>
+              <a:rPr lang="en-US" sz="1600" dirty="0">
+                <a:solidFill>
+                  <a:srgbClr val="000000"/>
+                </a:solidFill>
+                <a:latin typeface="Calibri" panose="020F0502020204030204" pitchFamily="34" charset="0"/>
+              </a:rPr>
+              <a:t>    Convert the frequency histogram to a probability distribution using standard statistical procedures;</a:t>
+            </a:r>
+          </a:p>
+          <a:p>
+            <a:r>
+              <a:rPr lang="en-US" sz="1600" dirty="0">
+                <a:solidFill>
+                  <a:srgbClr val="000000"/>
+                </a:solidFill>
+                <a:latin typeface="Calibri" panose="020F0502020204030204" pitchFamily="34" charset="0"/>
+              </a:rPr>
+              <a:t>    Derive 5 probability values from the frequency histogram; </a:t>
+            </a:r>
+          </a:p>
+          <a:p>
+            <a:r>
+              <a:rPr lang="en-US" sz="1600" dirty="0">
+                <a:solidFill>
+                  <a:srgbClr val="000000"/>
+                </a:solidFill>
+                <a:latin typeface="Calibri" panose="020F0502020204030204" pitchFamily="34" charset="0"/>
+              </a:rPr>
+              <a:t>Constitute the final array of 10 features based on the property </a:t>
             </a:r>
             <a:r>
               <a:rPr lang="en-US" sz="1600" i="1" dirty="0">
@@ -13277,779 +13053,16 @@
                 </a:solidFill>
                 <a:latin typeface="Calibri" panose="020F0502020204030204" pitchFamily="34" charset="0"/>
               </a:rPr>
-              <a:t>, </a:t>
-            </a:r>
-            <a:r>
-              <a:rPr lang="sr-Latn-BA" sz="1600" i="1" dirty="0" smtClean="0">
+              <a:t>prop</a:t>
+            </a:r>
+            <a:r>
+              <a:rPr lang="en-US" sz="1600" dirty="0">
                 <a:solidFill>
                   <a:srgbClr val="000000"/>
                 </a:solidFill>
                 <a:latin typeface="Calibri" panose="020F0502020204030204" pitchFamily="34" charset="0"/>
               </a:rPr>
-              <a:t>p</a:t>
-            </a:r>
-            <a:r>
-              <a:rPr lang="en-US" sz="1600" i="1" baseline="-25000" dirty="0" smtClean="0">
-                <a:solidFill>
-                  <a:srgbClr val="000000"/>
-                </a:solidFill>
-                <a:latin typeface="Calibri" panose="020F0502020204030204" pitchFamily="34" charset="0"/>
-              </a:rPr>
-              <a:t>3</a:t>
-            </a:r>
-            <a:r>
-              <a:rPr lang="en-US" sz="1600" i="1" dirty="0" smtClean="0">
-                <a:solidFill>
-                  <a:srgbClr val="000000"/>
-                </a:solidFill>
-                <a:latin typeface="Calibri" panose="020F0502020204030204" pitchFamily="34" charset="0"/>
-              </a:rPr>
-              <a:t>,…,</a:t>
-            </a:r>
-            <a:r>
-              <a:rPr lang="sr-Latn-BA" sz="1600" i="1" dirty="0" err="1">
-                <a:solidFill>
-                  <a:srgbClr val="000000"/>
-                </a:solidFill>
-                <a:latin typeface="Calibri" panose="020F0502020204030204" pitchFamily="34" charset="0"/>
-              </a:rPr>
-              <a:t>p</a:t>
-            </a:r>
-            <a:r>
-              <a:rPr lang="en-US" sz="1600" i="1" baseline="-25000" dirty="0" smtClean="0">
-                <a:solidFill>
-                  <a:srgbClr val="000000"/>
-                </a:solidFill>
-                <a:latin typeface="Calibri" panose="020F0502020204030204" pitchFamily="34" charset="0"/>
-              </a:rPr>
-              <a:t>N</a:t>
-            </a:r>
-            <a:r>
-              <a:rPr lang="en-US" sz="1600" i="1" dirty="0">
-                <a:solidFill>
-                  <a:srgbClr val="000000"/>
-                </a:solidFill>
-                <a:latin typeface="Calibri" panose="020F0502020204030204" pitchFamily="34" charset="0"/>
-              </a:rPr>
-              <a:t>)</a:t>
-            </a:r>
-            <a:r>
-              <a:rPr lang="en-US" sz="1600" dirty="0">
-                <a:solidFill>
-                  <a:srgbClr val="000000"/>
-                </a:solidFill>
-                <a:latin typeface="Calibri" panose="020F0502020204030204" pitchFamily="34" charset="0"/>
-              </a:rPr>
-              <a:t>, where </a:t>
-            </a:r>
-            <a:r>
-              <a:rPr lang="sr-Latn-BA" sz="1600" i="1" dirty="0">
-                <a:solidFill>
-                  <a:srgbClr val="000000"/>
-                </a:solidFill>
-                <a:latin typeface="Calibri" panose="020F0502020204030204" pitchFamily="34" charset="0"/>
-              </a:rPr>
-              <a:t>p</a:t>
-            </a:r>
-            <a:r>
-              <a:rPr lang="en-US" sz="1600" i="1" baseline="-25000" dirty="0">
-                <a:solidFill>
-                  <a:srgbClr val="000000"/>
-                </a:solidFill>
-                <a:latin typeface="Calibri" panose="020F0502020204030204" pitchFamily="34" charset="0"/>
-              </a:rPr>
-              <a:t>1</a:t>
-            </a:r>
-            <a:r>
-              <a:rPr lang="en-US" sz="1600" i="1" dirty="0">
-                <a:solidFill>
-                  <a:srgbClr val="000000"/>
-                </a:solidFill>
-                <a:latin typeface="Calibri" panose="020F0502020204030204" pitchFamily="34" charset="0"/>
-              </a:rPr>
-              <a:t>, </a:t>
-            </a:r>
-            <a:r>
-              <a:rPr lang="sr-Latn-BA" sz="1600" i="1" dirty="0">
-                <a:solidFill>
-                  <a:srgbClr val="000000"/>
-                </a:solidFill>
-                <a:latin typeface="Calibri" panose="020F0502020204030204" pitchFamily="34" charset="0"/>
-              </a:rPr>
-              <a:t>p</a:t>
-            </a:r>
-            <a:r>
-              <a:rPr lang="en-US" sz="1600" i="1" baseline="-25000" dirty="0" smtClean="0">
-                <a:solidFill>
-                  <a:srgbClr val="000000"/>
-                </a:solidFill>
-                <a:latin typeface="Calibri" panose="020F0502020204030204" pitchFamily="34" charset="0"/>
-              </a:rPr>
-              <a:t>2</a:t>
-            </a:r>
-            <a:r>
-              <a:rPr lang="sr-Latn-BA" sz="1600" dirty="0" smtClean="0">
-                <a:solidFill>
-                  <a:srgbClr val="000000"/>
-                </a:solidFill>
-                <a:latin typeface="Calibri" panose="020F0502020204030204" pitchFamily="34" charset="0"/>
-              </a:rPr>
-              <a:t>,</a:t>
-            </a:r>
-            <a:r>
-              <a:rPr lang="en-US" sz="1600" i="1" dirty="0">
-                <a:solidFill>
-                  <a:srgbClr val="000000"/>
-                </a:solidFill>
-                <a:latin typeface="Calibri" panose="020F0502020204030204" pitchFamily="34" charset="0"/>
-              </a:rPr>
-              <a:t> …,</a:t>
-            </a:r>
-            <a:r>
-              <a:rPr lang="sr-Latn-BA" sz="1600" i="1" dirty="0">
-                <a:solidFill>
-                  <a:srgbClr val="000000"/>
-                </a:solidFill>
-                <a:latin typeface="Calibri" panose="020F0502020204030204" pitchFamily="34" charset="0"/>
-              </a:rPr>
-              <a:t>p</a:t>
-            </a:r>
-            <a:r>
-              <a:rPr lang="en-US" sz="1600" i="1" baseline="-25000" dirty="0">
-                <a:solidFill>
-                  <a:srgbClr val="000000"/>
-                </a:solidFill>
-                <a:latin typeface="Calibri" panose="020F0502020204030204" pitchFamily="34" charset="0"/>
-              </a:rPr>
-              <a:t>N</a:t>
-            </a:r>
-            <a:r>
-              <a:rPr lang="en-US" sz="1600" dirty="0" smtClean="0">
-                <a:solidFill>
-                  <a:srgbClr val="000000"/>
-                </a:solidFill>
-                <a:latin typeface="Calibri" panose="020F0502020204030204" pitchFamily="34" charset="0"/>
-              </a:rPr>
-              <a:t> </a:t>
-            </a:r>
-            <a:r>
-              <a:rPr lang="en-US" sz="1600" dirty="0">
-                <a:solidFill>
-                  <a:srgbClr val="000000"/>
-                </a:solidFill>
-                <a:latin typeface="Calibri" panose="020F0502020204030204" pitchFamily="34" charset="0"/>
-              </a:rPr>
-              <a:t>are the successive residues, </a:t>
-            </a:r>
-            <a:r>
-              <a:rPr lang="en-US" sz="1600" dirty="0" smtClean="0">
-                <a:solidFill>
-                  <a:srgbClr val="000000"/>
-                </a:solidFill>
-                <a:latin typeface="Calibri" panose="020F0502020204030204" pitchFamily="34" charset="0"/>
-              </a:rPr>
-              <a:t>      calculate </a:t>
-            </a:r>
-            <a:r>
-              <a:rPr lang="en-US" sz="1600" dirty="0">
-                <a:solidFill>
-                  <a:srgbClr val="000000"/>
-                </a:solidFill>
-                <a:latin typeface="Calibri" panose="020F0502020204030204" pitchFamily="34" charset="0"/>
-              </a:rPr>
-              <a:t>the binary sequence, </a:t>
-            </a:r>
-            <a:r>
-              <a:rPr lang="sr-Latn-BA" sz="1600" i="1" dirty="0">
-                <a:solidFill>
-                  <a:srgbClr val="000000"/>
-                </a:solidFill>
-                <a:latin typeface="Calibri" panose="020F0502020204030204" pitchFamily="34" charset="0"/>
-              </a:rPr>
-              <a:t>F</a:t>
-            </a:r>
-            <a:r>
-              <a:rPr lang="en-US" sz="1600" i="1" dirty="0" smtClean="0">
-                <a:solidFill>
-                  <a:srgbClr val="000000"/>
-                </a:solidFill>
-                <a:latin typeface="Calibri" panose="020F0502020204030204" pitchFamily="34" charset="0"/>
-              </a:rPr>
-              <a:t>(S</a:t>
-            </a:r>
-            <a:r>
-              <a:rPr lang="en-US" sz="1600" i="1" dirty="0">
-                <a:solidFill>
-                  <a:srgbClr val="000000"/>
-                </a:solidFill>
-                <a:latin typeface="Calibri" panose="020F0502020204030204" pitchFamily="34" charset="0"/>
-              </a:rPr>
-              <a:t>)</a:t>
-            </a:r>
-            <a:r>
-              <a:rPr lang="en-US" sz="1600" dirty="0">
-                <a:solidFill>
-                  <a:srgbClr val="000000"/>
-                </a:solidFill>
-                <a:latin typeface="Calibri" panose="020F0502020204030204" pitchFamily="34" charset="0"/>
-              </a:rPr>
-              <a:t> through an indicator </a:t>
-            </a:r>
-            <a:r>
-              <a:rPr lang="en-US" sz="1600" dirty="0" smtClean="0">
-                <a:solidFill>
-                  <a:srgbClr val="000000"/>
-                </a:solidFill>
-                <a:latin typeface="Calibri" panose="020F0502020204030204" pitchFamily="34" charset="0"/>
-              </a:rPr>
-              <a:t>function </a:t>
-            </a:r>
-            <a:r>
-              <a:rPr lang="en-US" sz="1600" i="1" dirty="0">
-                <a:solidFill>
-                  <a:srgbClr val="000000"/>
-                </a:solidFill>
-                <a:latin typeface="Calibri" panose="020F0502020204030204" pitchFamily="34" charset="0"/>
-              </a:rPr>
-              <a:t>f</a:t>
-            </a:r>
-            <a:r>
-              <a:rPr lang="en-US" sz="1600" dirty="0">
-                <a:solidFill>
-                  <a:srgbClr val="000000"/>
-                </a:solidFill>
-                <a:latin typeface="Calibri" panose="020F0502020204030204" pitchFamily="34" charset="0"/>
-              </a:rPr>
-              <a:t>, </a:t>
-            </a:r>
-            <a:r>
-              <a:rPr lang="en-US" sz="1600" dirty="0" smtClean="0">
-                <a:solidFill>
-                  <a:srgbClr val="000000"/>
-                </a:solidFill>
-                <a:latin typeface="Calibri" panose="020F0502020204030204" pitchFamily="34" charset="0"/>
-              </a:rPr>
-              <a:t>as </a:t>
-            </a:r>
-            <a:r>
-              <a:rPr lang="sr-Latn-BA" sz="1600" dirty="0" smtClean="0">
-                <a:solidFill>
-                  <a:srgbClr val="000000"/>
-                </a:solidFill>
-                <a:latin typeface="Calibri" panose="020F0502020204030204" pitchFamily="34" charset="0"/>
-              </a:rPr>
-              <a:t>F</a:t>
-            </a:r>
-            <a:r>
-              <a:rPr lang="en-US" sz="1600" dirty="0" smtClean="0">
-                <a:solidFill>
-                  <a:srgbClr val="000000"/>
-                </a:solidFill>
-                <a:latin typeface="Calibri" panose="020F0502020204030204" pitchFamily="34" charset="0"/>
-              </a:rPr>
-              <a:t>(</a:t>
-            </a:r>
-            <a:r>
-              <a:rPr lang="sr-Latn-BA" sz="1600" dirty="0" smtClean="0">
-                <a:solidFill>
-                  <a:srgbClr val="000000"/>
-                </a:solidFill>
-                <a:latin typeface="Calibri" panose="020F0502020204030204" pitchFamily="34" charset="0"/>
-              </a:rPr>
-              <a:t>S</a:t>
-            </a:r>
-            <a:r>
-              <a:rPr lang="en-US" sz="1600" dirty="0" smtClean="0">
-                <a:solidFill>
-                  <a:srgbClr val="000000"/>
-                </a:solidFill>
-                <a:latin typeface="Calibri" panose="020F0502020204030204" pitchFamily="34" charset="0"/>
-              </a:rPr>
-              <a:t>)={</a:t>
-            </a:r>
-            <a:r>
-              <a:rPr lang="en-US" sz="1600" i="1" dirty="0" smtClean="0">
-                <a:solidFill>
-                  <a:srgbClr val="000000"/>
-                </a:solidFill>
-                <a:latin typeface="Calibri" panose="020F0502020204030204" pitchFamily="34" charset="0"/>
-              </a:rPr>
-              <a:t>f(</a:t>
-            </a:r>
-            <a:r>
-              <a:rPr lang="sr-Latn-BA" sz="1600" i="1" dirty="0">
-                <a:solidFill>
-                  <a:srgbClr val="000000"/>
-                </a:solidFill>
-                <a:latin typeface="Calibri" panose="020F0502020204030204" pitchFamily="34" charset="0"/>
-              </a:rPr>
-              <a:t>p</a:t>
-            </a:r>
-            <a:r>
-              <a:rPr lang="en-US" sz="1600" i="1" baseline="-25000" dirty="0">
-                <a:solidFill>
-                  <a:srgbClr val="000000"/>
-                </a:solidFill>
-                <a:latin typeface="Calibri" panose="020F0502020204030204" pitchFamily="34" charset="0"/>
-              </a:rPr>
-              <a:t>1</a:t>
-            </a:r>
-            <a:r>
-              <a:rPr lang="en-US" sz="1600" i="1" dirty="0" smtClean="0">
-                <a:solidFill>
-                  <a:srgbClr val="000000"/>
-                </a:solidFill>
-                <a:latin typeface="Calibri" panose="020F0502020204030204" pitchFamily="34" charset="0"/>
-              </a:rPr>
-              <a:t>),f(</a:t>
-            </a:r>
-            <a:r>
-              <a:rPr lang="sr-Latn-BA" sz="1600" i="1" dirty="0">
-                <a:solidFill>
-                  <a:srgbClr val="000000"/>
-                </a:solidFill>
-                <a:latin typeface="Calibri" panose="020F0502020204030204" pitchFamily="34" charset="0"/>
-              </a:rPr>
-              <a:t>p</a:t>
-            </a:r>
-            <a:r>
-              <a:rPr lang="en-US" sz="1600" i="1" baseline="-25000" dirty="0">
-                <a:solidFill>
-                  <a:srgbClr val="000000"/>
-                </a:solidFill>
-                <a:latin typeface="Calibri" panose="020F0502020204030204" pitchFamily="34" charset="0"/>
-              </a:rPr>
-              <a:t>2</a:t>
-            </a:r>
-            <a:r>
-              <a:rPr lang="en-US" sz="1600" i="1" dirty="0" smtClean="0">
-                <a:solidFill>
-                  <a:srgbClr val="000000"/>
-                </a:solidFill>
-                <a:latin typeface="Calibri" panose="020F0502020204030204" pitchFamily="34" charset="0"/>
-              </a:rPr>
-              <a:t>)</a:t>
-            </a:r>
-            <a:r>
-              <a:rPr lang="en-US" sz="1600" dirty="0" smtClean="0">
-                <a:solidFill>
-                  <a:srgbClr val="000000"/>
-                </a:solidFill>
-                <a:latin typeface="Calibri" panose="020F0502020204030204" pitchFamily="34" charset="0"/>
-              </a:rPr>
-              <a:t>,…,</a:t>
-            </a:r>
-            <a:r>
-              <a:rPr lang="sr-Latn-BA" sz="1600" i="1" dirty="0" smtClean="0">
-                <a:solidFill>
-                  <a:srgbClr val="000000"/>
-                </a:solidFill>
-                <a:latin typeface="Calibri" panose="020F0502020204030204" pitchFamily="34" charset="0"/>
-              </a:rPr>
-              <a:t> f(p</a:t>
-            </a:r>
-            <a:r>
-              <a:rPr lang="en-US" sz="1600" i="1" baseline="-25000" dirty="0" smtClean="0">
-                <a:solidFill>
-                  <a:srgbClr val="000000"/>
-                </a:solidFill>
-                <a:latin typeface="Calibri" panose="020F0502020204030204" pitchFamily="34" charset="0"/>
-              </a:rPr>
-              <a:t>N</a:t>
-            </a:r>
-            <a:r>
-              <a:rPr lang="sr-Latn-BA" sz="1600" dirty="0" smtClean="0">
-                <a:solidFill>
-                  <a:srgbClr val="000000"/>
-                </a:solidFill>
-                <a:latin typeface="Calibri" panose="020F0502020204030204" pitchFamily="34" charset="0"/>
-              </a:rPr>
-              <a:t>)</a:t>
-            </a:r>
-            <a:r>
-              <a:rPr lang="en-US" sz="1600" dirty="0" smtClean="0">
-                <a:solidFill>
-                  <a:srgbClr val="000000"/>
-                </a:solidFill>
-                <a:latin typeface="Calibri" panose="020F0502020204030204" pitchFamily="34" charset="0"/>
-              </a:rPr>
-              <a:t>}</a:t>
-            </a:r>
-            <a:endParaRPr lang="en-US" sz="1600" dirty="0">
-              <a:solidFill>
-                <a:srgbClr val="000000"/>
-              </a:solidFill>
-              <a:latin typeface="Calibri" panose="020F0502020204030204" pitchFamily="34" charset="0"/>
-            </a:endParaRPr>
-          </a:p>
-          <a:p>
-            <a:r>
-              <a:rPr lang="en-US" sz="1600" dirty="0">
-                <a:solidFill>
-                  <a:srgbClr val="000000"/>
-                </a:solidFill>
-                <a:latin typeface="Calibri" panose="020F0502020204030204" pitchFamily="34" charset="0"/>
-              </a:rPr>
-              <a:t>where, </a:t>
-            </a:r>
-            <a:r>
-              <a:rPr lang="en-US" sz="1600" i="1" dirty="0">
-                <a:solidFill>
-                  <a:srgbClr val="000000"/>
-                </a:solidFill>
-                <a:latin typeface="Calibri" panose="020F0502020204030204" pitchFamily="34" charset="0"/>
-              </a:rPr>
-              <a:t>f(</a:t>
-            </a:r>
-            <a:r>
-              <a:rPr lang="sr-Latn-BA" sz="1600" i="1" dirty="0" smtClean="0">
-                <a:solidFill>
-                  <a:srgbClr val="000000"/>
-                </a:solidFill>
-                <a:latin typeface="Calibri" panose="020F0502020204030204" pitchFamily="34" charset="0"/>
-              </a:rPr>
-              <a:t>p</a:t>
-            </a:r>
-            <a:r>
-              <a:rPr lang="sr-Latn-BA" sz="1600" i="1" baseline="-25000" dirty="0" smtClean="0">
-                <a:solidFill>
-                  <a:srgbClr val="000000"/>
-                </a:solidFill>
-                <a:latin typeface="Calibri" panose="020F0502020204030204" pitchFamily="34" charset="0"/>
-              </a:rPr>
-              <a:t>j</a:t>
-            </a:r>
-            <a:r>
-              <a:rPr lang="en-US" sz="1600" i="1" dirty="0" smtClean="0">
-                <a:solidFill>
-                  <a:srgbClr val="000000"/>
-                </a:solidFill>
-                <a:latin typeface="Calibri" panose="020F0502020204030204" pitchFamily="34" charset="0"/>
-              </a:rPr>
-              <a:t>)</a:t>
-            </a:r>
-            <a:r>
-              <a:rPr lang="en-US" sz="1600" dirty="0" smtClean="0">
-                <a:solidFill>
-                  <a:srgbClr val="000000"/>
-                </a:solidFill>
-                <a:latin typeface="Calibri" panose="020F0502020204030204" pitchFamily="34" charset="0"/>
-              </a:rPr>
-              <a:t> </a:t>
-            </a:r>
-            <a:r>
-              <a:rPr lang="en-US" sz="1600" dirty="0">
-                <a:solidFill>
-                  <a:srgbClr val="000000"/>
-                </a:solidFill>
-                <a:latin typeface="Calibri" panose="020F0502020204030204" pitchFamily="34" charset="0"/>
-              </a:rPr>
-              <a:t>= 1 if </a:t>
-            </a:r>
-            <a:r>
-              <a:rPr lang="sr-Latn-BA" sz="1600" i="1" dirty="0" smtClean="0">
-                <a:solidFill>
-                  <a:srgbClr val="000000"/>
-                </a:solidFill>
-                <a:latin typeface="Calibri" panose="020F0502020204030204" pitchFamily="34" charset="0"/>
-              </a:rPr>
-              <a:t>p</a:t>
-            </a:r>
-            <a:r>
-              <a:rPr lang="sr-Latn-BA" sz="1600" i="1" baseline="-25000" dirty="0" smtClean="0">
-                <a:solidFill>
-                  <a:srgbClr val="000000"/>
-                </a:solidFill>
-                <a:latin typeface="Calibri" panose="020F0502020204030204" pitchFamily="34" charset="0"/>
-              </a:rPr>
-              <a:t>j</a:t>
-            </a:r>
-            <a:r>
-              <a:rPr lang="en-US" sz="1600" dirty="0" smtClean="0">
-                <a:solidFill>
-                  <a:srgbClr val="000000"/>
-                </a:solidFill>
-                <a:latin typeface="Calibri" panose="020F0502020204030204" pitchFamily="34" charset="0"/>
-              </a:rPr>
-              <a:t> </a:t>
-            </a:r>
-            <a:r>
-              <a:rPr lang="en-US" sz="1600" dirty="0">
-                <a:solidFill>
-                  <a:srgbClr val="000000"/>
-                </a:solidFill>
-                <a:latin typeface="Calibri" panose="020F0502020204030204" pitchFamily="34" charset="0"/>
-              </a:rPr>
-              <a:t>has the property </a:t>
-            </a:r>
-            <a:r>
-              <a:rPr lang="en-US" sz="1600" i="1" dirty="0">
-                <a:solidFill>
-                  <a:srgbClr val="000000"/>
-                </a:solidFill>
-                <a:latin typeface="Calibri" panose="020F0502020204030204" pitchFamily="34" charset="0"/>
-              </a:rPr>
-              <a:t>prop</a:t>
-            </a:r>
-            <a:r>
-              <a:rPr lang="en-US" sz="1600" dirty="0">
-                <a:solidFill>
-                  <a:srgbClr val="000000"/>
-                </a:solidFill>
-                <a:latin typeface="Calibri" panose="020F0502020204030204" pitchFamily="34" charset="0"/>
-              </a:rPr>
-              <a:t>.</a:t>
-            </a:r>
-          </a:p>
-          <a:p>
-            <a:r>
-              <a:rPr lang="en-US" sz="1600" dirty="0">
-                <a:solidFill>
-                  <a:srgbClr val="000000"/>
-                </a:solidFill>
-                <a:latin typeface="Calibri" panose="020F0502020204030204" pitchFamily="34" charset="0"/>
-              </a:rPr>
-              <a:t>Calculate two inter-arrival distances (IADs) array for successive residues i.e. determine the distance between two successive residues: (</a:t>
-            </a:r>
-            <a:r>
-              <a:rPr lang="en-US" sz="1600" i="1" dirty="0">
-                <a:solidFill>
-                  <a:srgbClr val="000000"/>
-                </a:solidFill>
-                <a:latin typeface="Calibri" panose="020F0502020204030204" pitchFamily="34" charset="0"/>
-              </a:rPr>
-              <a:t>array1</a:t>
-            </a:r>
-            <a:r>
-              <a:rPr lang="en-US" sz="1600" dirty="0">
-                <a:solidFill>
-                  <a:srgbClr val="000000"/>
-                </a:solidFill>
-                <a:latin typeface="Calibri" panose="020F0502020204030204" pitchFamily="34" charset="0"/>
-              </a:rPr>
-              <a:t>) </a:t>
-            </a:r>
-            <a:r>
-              <a:rPr lang="en-US" sz="1600" dirty="0" smtClean="0">
-                <a:solidFill>
-                  <a:srgbClr val="000000"/>
-                </a:solidFill>
-                <a:latin typeface="Calibri" panose="020F0502020204030204" pitchFamily="34" charset="0"/>
-              </a:rPr>
-              <a:t>distances between ones, and </a:t>
-            </a:r>
-            <a:r>
-              <a:rPr lang="en-US" sz="1600" dirty="0">
-                <a:solidFill>
-                  <a:srgbClr val="000000"/>
-                </a:solidFill>
-                <a:latin typeface="Calibri" panose="020F0502020204030204" pitchFamily="34" charset="0"/>
-              </a:rPr>
-              <a:t>(</a:t>
-            </a:r>
-            <a:r>
-              <a:rPr lang="en-US" sz="1600" i="1" dirty="0">
-                <a:solidFill>
-                  <a:srgbClr val="000000"/>
-                </a:solidFill>
-                <a:latin typeface="Calibri" panose="020F0502020204030204" pitchFamily="34" charset="0"/>
-              </a:rPr>
-              <a:t>array2</a:t>
-            </a:r>
-            <a:r>
-              <a:rPr lang="en-US" sz="1600" dirty="0">
-                <a:solidFill>
-                  <a:srgbClr val="000000"/>
-                </a:solidFill>
-                <a:latin typeface="Calibri" panose="020F0502020204030204" pitchFamily="34" charset="0"/>
-              </a:rPr>
-              <a:t>) distances between </a:t>
-            </a:r>
-            <a:r>
-              <a:rPr lang="en-US" sz="1600" dirty="0" smtClean="0">
-                <a:solidFill>
-                  <a:srgbClr val="000000"/>
-                </a:solidFill>
-                <a:latin typeface="Calibri" panose="020F0502020204030204" pitchFamily="34" charset="0"/>
-              </a:rPr>
-              <a:t>zeros. </a:t>
-            </a:r>
-          </a:p>
-          <a:p>
-            <a:r>
-              <a:rPr lang="en-US" sz="1600" dirty="0" smtClean="0">
-                <a:solidFill>
-                  <a:srgbClr val="000000"/>
-                </a:solidFill>
-                <a:latin typeface="Calibri" panose="020F0502020204030204" pitchFamily="34" charset="0"/>
-              </a:rPr>
-              <a:t>For </a:t>
-            </a:r>
-            <a:r>
-              <a:rPr lang="en-US" sz="1600" dirty="0">
-                <a:solidFill>
-                  <a:srgbClr val="000000"/>
-                </a:solidFill>
-                <a:latin typeface="Calibri" panose="020F0502020204030204" pitchFamily="34" charset="0"/>
-              </a:rPr>
-              <a:t>each IAD </a:t>
-            </a:r>
-            <a:r>
-              <a:rPr lang="en-US" sz="1600" dirty="0" smtClean="0">
-                <a:solidFill>
-                  <a:srgbClr val="000000"/>
-                </a:solidFill>
-                <a:latin typeface="Calibri" panose="020F0502020204030204" pitchFamily="34" charset="0"/>
-              </a:rPr>
-              <a:t>array:</a:t>
-            </a:r>
-            <a:endParaRPr lang="en-US" sz="1600" dirty="0">
-              <a:solidFill>
-                <a:srgbClr val="000000"/>
-              </a:solidFill>
-              <a:latin typeface="Calibri" panose="020F0502020204030204" pitchFamily="34" charset="0"/>
-            </a:endParaRPr>
-          </a:p>
-          <a:p>
-            <a:r>
-              <a:rPr lang="en-US" sz="1600" dirty="0">
-                <a:solidFill>
-                  <a:srgbClr val="000000"/>
-                </a:solidFill>
-                <a:latin typeface="Calibri" panose="020F0502020204030204" pitchFamily="34" charset="0"/>
-              </a:rPr>
-              <a:t>    Build the frequency histogram based on values of </a:t>
-            </a:r>
-            <a:r>
-              <a:rPr lang="en-US" sz="1600" dirty="0" smtClean="0">
-                <a:solidFill>
-                  <a:srgbClr val="000000"/>
-                </a:solidFill>
-                <a:latin typeface="Calibri" panose="020F0502020204030204" pitchFamily="34" charset="0"/>
-              </a:rPr>
-              <a:t>the IAD;</a:t>
-            </a:r>
-            <a:endParaRPr lang="en-US" sz="1600" dirty="0">
-              <a:solidFill>
-                <a:srgbClr val="000000"/>
-              </a:solidFill>
-              <a:latin typeface="Calibri" panose="020F0502020204030204" pitchFamily="34" charset="0"/>
-            </a:endParaRPr>
-          </a:p>
-          <a:p>
-            <a:r>
-              <a:rPr lang="en-US" sz="1600" dirty="0">
-                <a:solidFill>
-                  <a:srgbClr val="000000"/>
-                </a:solidFill>
-                <a:latin typeface="Calibri" panose="020F0502020204030204" pitchFamily="34" charset="0"/>
-              </a:rPr>
-              <a:t>    Construct the histogram with five intervals chosen in </a:t>
-            </a:r>
-            <a:r>
-              <a:rPr lang="en-US" sz="1600" dirty="0" smtClean="0">
-                <a:solidFill>
-                  <a:srgbClr val="000000"/>
-                </a:solidFill>
-                <a:latin typeface="Calibri" panose="020F0502020204030204" pitchFamily="34" charset="0"/>
-              </a:rPr>
-              <a:t>advanced;</a:t>
-            </a:r>
-            <a:endParaRPr lang="en-US" sz="1600" dirty="0">
-              <a:solidFill>
-                <a:srgbClr val="000000"/>
-              </a:solidFill>
-              <a:latin typeface="Calibri" panose="020F0502020204030204" pitchFamily="34" charset="0"/>
-            </a:endParaRPr>
-          </a:p>
-          <a:p>
-            <a:r>
-              <a:rPr lang="en-US" sz="1600" dirty="0">
-                <a:solidFill>
-                  <a:srgbClr val="000000"/>
-                </a:solidFill>
-                <a:latin typeface="Calibri" panose="020F0502020204030204" pitchFamily="34" charset="0"/>
-              </a:rPr>
-              <a:t>    Convert the frequency histogram to a probability distribution using standard statistical </a:t>
-            </a:r>
-            <a:r>
-              <a:rPr lang="en-US" sz="1600" dirty="0" smtClean="0">
-                <a:solidFill>
-                  <a:srgbClr val="000000"/>
-                </a:solidFill>
-                <a:latin typeface="Calibri" panose="020F0502020204030204" pitchFamily="34" charset="0"/>
-              </a:rPr>
-              <a:t>procedures;</a:t>
-            </a:r>
-            <a:endParaRPr lang="en-US" sz="1600" dirty="0">
-              <a:solidFill>
-                <a:srgbClr val="000000"/>
-              </a:solidFill>
-              <a:latin typeface="Calibri" panose="020F0502020204030204" pitchFamily="34" charset="0"/>
-            </a:endParaRPr>
-          </a:p>
-          <a:p>
-            <a:r>
-              <a:rPr lang="en-US" sz="1600" dirty="0">
-                <a:solidFill>
-                  <a:srgbClr val="000000"/>
-                </a:solidFill>
-                <a:latin typeface="Calibri" panose="020F0502020204030204" pitchFamily="34" charset="0"/>
-              </a:rPr>
-              <a:t>    Derive 5 probability values from the frequency </a:t>
-            </a:r>
-            <a:r>
-              <a:rPr lang="en-US" sz="1600" dirty="0" smtClean="0">
-                <a:solidFill>
-                  <a:srgbClr val="000000"/>
-                </a:solidFill>
-                <a:latin typeface="Calibri" panose="020F0502020204030204" pitchFamily="34" charset="0"/>
-              </a:rPr>
-              <a:t>histogram; </a:t>
-            </a:r>
-            <a:endParaRPr lang="en-US" sz="1600" dirty="0">
-              <a:solidFill>
-                <a:srgbClr val="000000"/>
-              </a:solidFill>
-              <a:latin typeface="Calibri" panose="020F0502020204030204" pitchFamily="34" charset="0"/>
-            </a:endParaRPr>
-          </a:p>
-          <a:p>
-            <a:r>
-              <a:rPr lang="en-US" sz="1600" dirty="0">
-                <a:solidFill>
-                  <a:srgbClr val="000000"/>
-                </a:solidFill>
-                <a:latin typeface="Calibri" panose="020F0502020204030204" pitchFamily="34" charset="0"/>
-              </a:rPr>
-              <a:t>Constitute the final array of 10 features based on the property </a:t>
-            </a:r>
-            <a:r>
-              <a:rPr lang="en-US" sz="1600" i="1" dirty="0">
-                <a:solidFill>
-                  <a:srgbClr val="000000"/>
-                </a:solidFill>
-                <a:latin typeface="Calibri" panose="020F0502020204030204" pitchFamily="34" charset="0"/>
-              </a:rPr>
-              <a:t>prop</a:t>
-            </a:r>
-            <a:r>
-              <a:rPr lang="en-US" sz="1600" dirty="0">
-                <a:solidFill>
-                  <a:srgbClr val="000000"/>
-                </a:solidFill>
-                <a:latin typeface="Calibri" panose="020F0502020204030204" pitchFamily="34" charset="0"/>
-              </a:rPr>
-              <a:t> (total 60 features</a:t>
-            </a:r>
-            <a:r>
-              <a:rPr lang="en-US" sz="1600" dirty="0" smtClean="0">
-                <a:solidFill>
-                  <a:srgbClr val="000000"/>
-                </a:solidFill>
-                <a:latin typeface="Calibri" panose="020F0502020204030204" pitchFamily="34" charset="0"/>
-              </a:rPr>
-              <a:t>).</a:t>
+              <a:t> (total 60 features).</a:t>
             </a:r>
             <a:endParaRPr lang="en-US" sz="1600" dirty="0"/>
           </a:p>
@@ -14060,7 +13073,7 @@
           <p:cNvPr id="21" name="Diagram 20">
             <a:extLst>
               <a:ext uri="{FF2B5EF4-FFF2-40B4-BE49-F238E27FC236}">
-                <a16:creationId xmlns="" xmlns:a16="http://schemas.microsoft.com/office/drawing/2014/main" id="{E3B1F8A6-065A-446D-865B-A7233CC9A7C0}"/>
+                <a16:creationId xmlns:a16="http://schemas.microsoft.com/office/drawing/2014/main" id="{E3B1F8A6-065A-446D-865B-A7233CC9A7C0}"/>
               </a:ext>
             </a:extLst>
           </p:cNvPr>
@@ -14088,7 +13101,7 @@
           <p:cNvPr id="59" name="Rectangle 58">
             <a:extLst>
               <a:ext uri="{FF2B5EF4-FFF2-40B4-BE49-F238E27FC236}">
-                <a16:creationId xmlns="" xmlns:a16="http://schemas.microsoft.com/office/drawing/2014/main" id="{632B674B-5C97-4C65-B93A-0721E9DC16EE}"/>
+                <a16:creationId xmlns:a16="http://schemas.microsoft.com/office/drawing/2014/main" id="{632B674B-5C97-4C65-B93A-0721E9DC16EE}"/>
               </a:ext>
             </a:extLst>
           </p:cNvPr>
@@ -14143,7 +13156,7 @@
           <p:cNvPr id="60" name="Rectangle 59">
             <a:extLst>
               <a:ext uri="{FF2B5EF4-FFF2-40B4-BE49-F238E27FC236}">
-                <a16:creationId xmlns="" xmlns:a16="http://schemas.microsoft.com/office/drawing/2014/main" id="{1447920C-522C-48BD-BD46-479D0D73E142}"/>
+                <a16:creationId xmlns:a16="http://schemas.microsoft.com/office/drawing/2014/main" id="{1447920C-522C-48BD-BD46-479D0D73E142}"/>
               </a:ext>
             </a:extLst>
           </p:cNvPr>
@@ -14191,7 +13204,7 @@
               <a:t>Calculate </a:t>
             </a:r>
             <a:r>
-              <a:rPr lang="sr-Latn-BA" sz="2000" dirty="0" smtClean="0">
+              <a:rPr lang="sr-Latn-BA" sz="2000" dirty="0">
                 <a:solidFill>
                   <a:schemeClr val="bg1"/>
                 </a:solidFill>
@@ -14200,7 +13213,7 @@
               <a:t>PPI </a:t>
             </a:r>
             <a:r>
-              <a:rPr lang="en-US" sz="2000" dirty="0" smtClean="0">
+              <a:rPr lang="en-US" sz="2000" dirty="0">
                 <a:solidFill>
                   <a:schemeClr val="bg1"/>
                 </a:solidFill>
@@ -14208,12 +13221,6 @@
               </a:rPr>
               <a:t>weights</a:t>
             </a:r>
-            <a:endParaRPr lang="en-US" sz="2000" dirty="0">
-              <a:solidFill>
-                <a:schemeClr val="bg1"/>
-              </a:solidFill>
-              <a:latin typeface="Calibri" panose="020F0502020204030204" pitchFamily="34" charset="0"/>
-            </a:endParaRPr>
           </a:p>
         </p:txBody>
       </p:sp>
@@ -14242,16 +13249,76 @@
                 <a:tableStyleId>{5C22544A-7EE6-4342-B048-85BDC9FD1C3A}</a:tableStyleId>
               </a:tblPr>
               <a:tblGrid>
-                <a:gridCol w="2664296"/>
-                <a:gridCol w="1800200"/>
-                <a:gridCol w="2158443"/>
-                <a:gridCol w="1528371"/>
-                <a:gridCol w="2037827"/>
-                <a:gridCol w="2037827"/>
-                <a:gridCol w="2037827"/>
-                <a:gridCol w="2037827"/>
-                <a:gridCol w="2037827"/>
-                <a:gridCol w="2037827"/>
+                <a:gridCol w="2664296">
+                  <a:extLst>
+                    <a:ext uri="{9D8B030D-6E8A-4147-A177-3AD203B41FA5}">
+                      <a16:colId xmlns:a16="http://schemas.microsoft.com/office/drawing/2014/main" val="20000"/>
+                    </a:ext>
+                  </a:extLst>
+                </a:gridCol>
+                <a:gridCol w="1800200">
+                  <a:extLst>
+                    <a:ext uri="{9D8B030D-6E8A-4147-A177-3AD203B41FA5}">
+                      <a16:colId xmlns:a16="http://schemas.microsoft.com/office/drawing/2014/main" val="20001"/>
+                    </a:ext>
+                  </a:extLst>
+                </a:gridCol>
+                <a:gridCol w="2158443">
+                  <a:extLst>
+                    <a:ext uri="{9D8B030D-6E8A-4147-A177-3AD203B41FA5}">
+                      <a16:colId xmlns:a16="http://schemas.microsoft.com/office/drawing/2014/main" val="20002"/>
+                    </a:ext>
+                  </a:extLst>
+                </a:gridCol>
+                <a:gridCol w="1528371">
+                  <a:extLst>
+                    <a:ext uri="{9D8B030D-6E8A-4147-A177-3AD203B41FA5}">
+                      <a16:colId xmlns:a16="http://schemas.microsoft.com/office/drawing/2014/main" val="20003"/>
+                    </a:ext>
+                  </a:extLst>
+                </a:gridCol>
+                <a:gridCol w="2037827">
+                  <a:extLst>
+                    <a:ext uri="{9D8B030D-6E8A-4147-A177-3AD203B41FA5}">
+                      <a16:colId xmlns:a16="http://schemas.microsoft.com/office/drawing/2014/main" val="20004"/>
+                    </a:ext>
+                  </a:extLst>
+                </a:gridCol>
+                <a:gridCol w="2037827">
+                  <a:extLst>
+                    <a:ext uri="{9D8B030D-6E8A-4147-A177-3AD203B41FA5}">
+                      <a16:colId xmlns:a16="http://schemas.microsoft.com/office/drawing/2014/main" val="20005"/>
+                    </a:ext>
+                  </a:extLst>
+                </a:gridCol>
+                <a:gridCol w="2037827">
+                  <a:extLst>
+                    <a:ext uri="{9D8B030D-6E8A-4147-A177-3AD203B41FA5}">
+                      <a16:colId xmlns:a16="http://schemas.microsoft.com/office/drawing/2014/main" val="20006"/>
+                    </a:ext>
+                  </a:extLst>
+                </a:gridCol>
+                <a:gridCol w="2037827">
+                  <a:extLst>
+                    <a:ext uri="{9D8B030D-6E8A-4147-A177-3AD203B41FA5}">
+                      <a16:colId xmlns:a16="http://schemas.microsoft.com/office/drawing/2014/main" val="20007"/>
+                    </a:ext>
+                  </a:extLst>
+                </a:gridCol>
+                <a:gridCol w="2037827">
+                  <a:extLst>
+                    <a:ext uri="{9D8B030D-6E8A-4147-A177-3AD203B41FA5}">
+                      <a16:colId xmlns:a16="http://schemas.microsoft.com/office/drawing/2014/main" val="20008"/>
+                    </a:ext>
+                  </a:extLst>
+                </a:gridCol>
+                <a:gridCol w="2037827">
+                  <a:extLst>
+                    <a:ext uri="{9D8B030D-6E8A-4147-A177-3AD203B41FA5}">
+                      <a16:colId xmlns:a16="http://schemas.microsoft.com/office/drawing/2014/main" val="20009"/>
+                    </a:ext>
+                  </a:extLst>
+                </a:gridCol>
               </a:tblGrid>
               <a:tr h="1019980">
                 <a:tc gridSpan="2">
@@ -14261,10 +13328,9 @@
                     <a:p>
                       <a:pPr algn="ctr"/>
                       <a:r>
-                        <a:rPr lang="en-US" sz="3000" dirty="0" smtClean="0"/>
+                        <a:rPr lang="en-US" sz="3000" dirty="0"/>
                         <a:t>Method</a:t>
                       </a:r>
-                      <a:endParaRPr lang="en-US" sz="3000" dirty="0"/>
                     </a:p>
                   </a:txBody>
                   <a:tcPr anchor="ctr">
@@ -14296,10 +13362,9 @@
                     <a:p>
                       <a:pPr algn="ctr"/>
                       <a:r>
-                        <a:rPr lang="en-US" sz="3000" dirty="0" smtClean="0"/>
+                        <a:rPr lang="en-US" sz="3000" dirty="0"/>
                         <a:t>Node2vec+</a:t>
                       </a:r>
-                      <a:endParaRPr lang="en-US" sz="3000" dirty="0"/>
                     </a:p>
                   </a:txBody>
                   <a:tcPr anchor="ctr">
@@ -14356,17 +13421,16 @@
                         <a:defRPr/>
                       </a:pPr>
                       <a:r>
-                        <a:rPr lang="en-US" sz="3000" dirty="0" smtClean="0"/>
+                        <a:rPr lang="en-US" sz="3000" dirty="0"/>
                         <a:t>Node2vec+</a:t>
                       </a:r>
                     </a:p>
                     <a:p>
                       <a:pPr algn="ctr"/>
                       <a:r>
-                        <a:rPr lang="en-US" sz="3000" dirty="0" smtClean="0"/>
+                        <a:rPr lang="en-US" sz="3000" dirty="0"/>
                         <a:t>With A features</a:t>
                       </a:r>
-                      <a:endParaRPr lang="en-US" sz="3000" dirty="0"/>
                     </a:p>
                   </a:txBody>
                   <a:tcPr anchor="ctr">
@@ -14423,17 +13487,16 @@
                         <a:defRPr/>
                       </a:pPr>
                       <a:r>
-                        <a:rPr lang="en-US" sz="3000" dirty="0" smtClean="0"/>
+                        <a:rPr lang="en-US" sz="3000" dirty="0"/>
                         <a:t>Node2vec+</a:t>
                       </a:r>
                     </a:p>
                     <a:p>
                       <a:pPr algn="ctr"/>
                       <a:r>
-                        <a:rPr lang="en-US" sz="3000" dirty="0" smtClean="0"/>
+                        <a:rPr lang="en-US" sz="3000" dirty="0"/>
                         <a:t>With B features</a:t>
                       </a:r>
-                      <a:endParaRPr lang="en-US" sz="3000" dirty="0"/>
                     </a:p>
                   </a:txBody>
                   <a:tcPr anchor="ctr">
@@ -14490,17 +13553,16 @@
                         <a:defRPr/>
                       </a:pPr>
                       <a:r>
-                        <a:rPr lang="en-US" sz="3000" dirty="0" smtClean="0"/>
+                        <a:rPr lang="en-US" sz="3000" dirty="0"/>
                         <a:t>Node2vec+</a:t>
                       </a:r>
                     </a:p>
                     <a:p>
                       <a:pPr algn="ctr"/>
                       <a:r>
-                        <a:rPr lang="en-US" sz="3000" dirty="0" smtClean="0"/>
+                        <a:rPr lang="en-US" sz="3000" dirty="0"/>
                         <a:t>With A and B features</a:t>
                       </a:r>
-                      <a:endParaRPr lang="en-US" sz="3000" dirty="0"/>
                     </a:p>
                   </a:txBody>
                   <a:tcPr anchor="ctr">
@@ -14525,6 +13587,11 @@
                   </a:txBody>
                   <a:tcPr/>
                 </a:tc>
+                <a:extLst>
+                  <a:ext uri="{0D108BD9-81ED-4DB2-BD59-A6C34878D82A}">
+                    <a16:rowId xmlns:a16="http://schemas.microsoft.com/office/drawing/2014/main" val="10000"/>
+                  </a:ext>
+                </a:extLst>
               </a:tr>
               <a:tr h="839734">
                 <a:tc gridSpan="2">
@@ -14534,11 +13601,11 @@
                     <a:p>
                       <a:pPr algn="ctr"/>
                       <a:r>
-                        <a:rPr lang="en-US" sz="3000" dirty="0" smtClean="0"/>
+                        <a:rPr lang="en-US" sz="3000" dirty="0"/>
                         <a:t>F1 for</a:t>
                       </a:r>
                       <a:r>
-                        <a:rPr lang="en-US" sz="3000" baseline="0" dirty="0" smtClean="0"/>
+                        <a:rPr lang="en-US" sz="3000" baseline="0" dirty="0"/>
                         <a:t> non IDP</a:t>
                       </a:r>
                       <a:endParaRPr lang="en-US" sz="3000" dirty="0"/>
@@ -14867,6 +13934,11 @@
                   </a:txBody>
                   <a:tcPr anchor="ctr"/>
                 </a:tc>
+                <a:extLst>
+                  <a:ext uri="{0D108BD9-81ED-4DB2-BD59-A6C34878D82A}">
+                    <a16:rowId xmlns:a16="http://schemas.microsoft.com/office/drawing/2014/main" val="10001"/>
+                  </a:ext>
+                </a:extLst>
               </a:tr>
               <a:tr h="839734">
                 <a:tc gridSpan="2">
@@ -14892,14 +13964,14 @@
                         <a:defRPr/>
                       </a:pPr>
                       <a:r>
-                        <a:rPr lang="en-US" sz="3000" dirty="0" smtClean="0"/>
+                        <a:rPr lang="en-US" sz="3000" dirty="0"/>
                         <a:t>F1</a:t>
                       </a:r>
                       <a:r>
-                        <a:rPr lang="en-US" sz="3000" baseline="0" dirty="0" smtClean="0"/>
+                        <a:rPr lang="en-US" sz="3000" baseline="0" dirty="0"/>
                         <a:t> for IDP</a:t>
                       </a:r>
-                      <a:endParaRPr lang="en-US" sz="3000" dirty="0" smtClean="0"/>
+                      <a:endParaRPr lang="en-US" sz="3000" dirty="0"/>
                     </a:p>
                   </a:txBody>
                   <a:tcPr anchor="ctr">
@@ -15225,6 +14297,11 @@
                   </a:txBody>
                   <a:tcPr anchor="ctr"/>
                 </a:tc>
+                <a:extLst>
+                  <a:ext uri="{0D108BD9-81ED-4DB2-BD59-A6C34878D82A}">
+                    <a16:rowId xmlns:a16="http://schemas.microsoft.com/office/drawing/2014/main" val="10002"/>
+                  </a:ext>
+                </a:extLst>
               </a:tr>
               <a:tr h="839734">
                 <a:tc rowSpan="3">
@@ -15234,18 +14311,18 @@
                     <a:p>
                       <a:pPr algn="ctr"/>
                       <a:r>
-                        <a:rPr lang="en-US" sz="3000" dirty="0" smtClean="0"/>
+                        <a:rPr lang="en-US" sz="3000" dirty="0"/>
                         <a:t>Confusion</a:t>
                       </a:r>
                       <a:r>
-                        <a:rPr lang="en-US" sz="3000" baseline="0" dirty="0" smtClean="0"/>
+                        <a:rPr lang="en-US" sz="3000" baseline="0" dirty="0"/>
                         <a:t> </a:t>
                       </a:r>
                     </a:p>
                     <a:p>
                       <a:pPr algn="ctr"/>
                       <a:r>
-                        <a:rPr lang="en-US" sz="3000" baseline="0" dirty="0" smtClean="0"/>
+                        <a:rPr lang="en-US" sz="3000" baseline="0" dirty="0"/>
                         <a:t>matrix</a:t>
                       </a:r>
                       <a:endParaRPr lang="en-US" sz="3000" dirty="0"/>
@@ -15281,7 +14358,7 @@
                     <a:p>
                       <a:pPr algn="ctr"/>
                       <a:r>
-                        <a:rPr lang="en-US" sz="3000" baseline="0" dirty="0" smtClean="0"/>
+                        <a:rPr lang="en-US" sz="3000" baseline="0" dirty="0"/>
                         <a:t>non IDP</a:t>
                       </a:r>
                       <a:endParaRPr lang="en-US" sz="3000" dirty="0"/>
@@ -15306,10 +14383,9 @@
                     <a:p>
                       <a:pPr algn="ctr"/>
                       <a:r>
-                        <a:rPr lang="en-US" sz="3000" dirty="0" smtClean="0"/>
+                        <a:rPr lang="en-US" sz="3000" dirty="0"/>
                         <a:t>IDP</a:t>
                       </a:r>
-                      <a:endParaRPr lang="en-US" sz="3000" dirty="0"/>
                     </a:p>
                   </a:txBody>
                   <a:tcPr anchor="ctr">
@@ -15331,7 +14407,7 @@
                     <a:p>
                       <a:pPr algn="ctr"/>
                       <a:r>
-                        <a:rPr lang="en-US" sz="3000" baseline="0" dirty="0" smtClean="0"/>
+                        <a:rPr lang="en-US" sz="3000" baseline="0" dirty="0"/>
                         <a:t>non IDP</a:t>
                       </a:r>
                       <a:endParaRPr lang="en-US" sz="3000" dirty="0"/>
@@ -15356,10 +14432,9 @@
                     <a:p>
                       <a:pPr algn="ctr"/>
                       <a:r>
-                        <a:rPr lang="en-US" sz="3000" dirty="0" smtClean="0"/>
+                        <a:rPr lang="en-US" sz="3000" dirty="0"/>
                         <a:t>IDP</a:t>
                       </a:r>
-                      <a:endParaRPr lang="en-US" sz="3000" dirty="0"/>
                     </a:p>
                   </a:txBody>
                   <a:tcPr anchor="ctr">
@@ -15381,7 +14456,7 @@
                     <a:p>
                       <a:pPr algn="ctr"/>
                       <a:r>
-                        <a:rPr lang="en-US" sz="3000" baseline="0" dirty="0" smtClean="0"/>
+                        <a:rPr lang="en-US" sz="3000" baseline="0" dirty="0"/>
                         <a:t>non IDP</a:t>
                       </a:r>
                       <a:endParaRPr lang="en-US" sz="3000" dirty="0"/>
@@ -15406,10 +14481,9 @@
                     <a:p>
                       <a:pPr algn="ctr"/>
                       <a:r>
-                        <a:rPr lang="en-US" sz="3000" dirty="0" smtClean="0"/>
+                        <a:rPr lang="en-US" sz="3000" dirty="0"/>
                         <a:t>IDP</a:t>
                       </a:r>
-                      <a:endParaRPr lang="en-US" sz="3000" dirty="0"/>
                     </a:p>
                   </a:txBody>
                   <a:tcPr anchor="ctr">
@@ -15431,7 +14505,7 @@
                     <a:p>
                       <a:pPr algn="ctr"/>
                       <a:r>
-                        <a:rPr lang="en-US" sz="3000" baseline="0" dirty="0" smtClean="0"/>
+                        <a:rPr lang="en-US" sz="3000" baseline="0" dirty="0"/>
                         <a:t>non IDP</a:t>
                       </a:r>
                       <a:endParaRPr lang="en-US" sz="3000" dirty="0"/>
@@ -15456,14 +14530,18 @@
                     <a:p>
                       <a:pPr algn="ctr"/>
                       <a:r>
-                        <a:rPr lang="en-US" sz="3000" dirty="0" smtClean="0"/>
+                        <a:rPr lang="en-US" sz="3000" dirty="0"/>
                         <a:t>IDP</a:t>
                       </a:r>
-                      <a:endParaRPr lang="en-US" sz="3000" dirty="0"/>
                     </a:p>
                   </a:txBody>
                   <a:tcPr anchor="ctr"/>
                 </a:tc>
+                <a:extLst>
+                  <a:ext uri="{0D108BD9-81ED-4DB2-BD59-A6C34878D82A}">
+                    <a16:rowId xmlns:a16="http://schemas.microsoft.com/office/drawing/2014/main" val="10003"/>
+                  </a:ext>
+                </a:extLst>
               </a:tr>
               <a:tr h="709292">
                 <a:tc vMerge="1">
@@ -15500,7 +14578,7 @@
                         <a:defRPr/>
                       </a:pPr>
                       <a:r>
-                        <a:rPr lang="en-US" sz="3000" kern="1200" baseline="0" dirty="0" smtClean="0">
+                        <a:rPr lang="en-US" sz="3000" kern="1200" baseline="0" dirty="0">
                           <a:solidFill>
                             <a:schemeClr val="dk1"/>
                           </a:solidFill>
@@ -15826,6 +14904,11 @@
                   </a:txBody>
                   <a:tcPr anchor="ctr"/>
                 </a:tc>
+                <a:extLst>
+                  <a:ext uri="{0D108BD9-81ED-4DB2-BD59-A6C34878D82A}">
+                    <a16:rowId xmlns:a16="http://schemas.microsoft.com/office/drawing/2014/main" val="10004"/>
+                  </a:ext>
+                </a:extLst>
               </a:tr>
               <a:tr h="839734">
                 <a:tc vMerge="1">
@@ -15844,7 +14927,7 @@
                     <a:lstStyle/>
                     <a:p>
                       <a:r>
-                        <a:rPr lang="en-US" sz="3000" kern="1200" baseline="0" dirty="0" smtClean="0">
+                        <a:rPr lang="en-US" sz="3000" kern="1200" baseline="0" dirty="0">
                           <a:solidFill>
                             <a:schemeClr val="dk1"/>
                           </a:solidFill>
@@ -15854,14 +14937,6 @@
                         </a:rPr>
                         <a:t>IDP</a:t>
                       </a:r>
-                      <a:endParaRPr lang="en-US" sz="3000" kern="1200" baseline="0" dirty="0">
-                        <a:solidFill>
-                          <a:schemeClr val="dk1"/>
-                        </a:solidFill>
-                        <a:latin typeface="+mn-lt"/>
-                        <a:ea typeface="+mn-ea"/>
-                        <a:cs typeface="+mn-cs"/>
-                      </a:endParaRPr>
                     </a:p>
                   </a:txBody>
                   <a:tcPr anchor="ctr">
@@ -16178,6 +15253,11 @@
                   </a:txBody>
                   <a:tcPr anchor="ctr"/>
                 </a:tc>
+                <a:extLst>
+                  <a:ext uri="{0D108BD9-81ED-4DB2-BD59-A6C34878D82A}">
+                    <a16:rowId xmlns:a16="http://schemas.microsoft.com/office/drawing/2014/main" val="10005"/>
+                  </a:ext>
+                </a:extLst>
               </a:tr>
             </a:tbl>
           </a:graphicData>
@@ -16208,101 +15288,42 @@
             <a:pPr algn="just"/>
             <a:r>
               <a:rPr lang="en-US" sz="3200" dirty="0"/>
-              <a:t>Based on the provided table, it is evident that combining different groups of attributes yields similar results. The best F1 score is achieved when only </a:t>
-            </a:r>
-            <a:r>
-              <a:rPr lang="en-US" sz="3200" dirty="0" smtClean="0"/>
-              <a:t>network-derived</a:t>
-            </a:r>
-            <a:r>
-              <a:rPr lang="sr-Latn-BA" sz="3200" dirty="0" smtClean="0"/>
-              <a:t> (Node2vec+)</a:t>
-            </a:r>
-            <a:r>
-              <a:rPr lang="en-US" sz="3200" dirty="0" smtClean="0"/>
+              <a:t>Based on the provided table, it is evident that combining different groups of attributes yields similar results. The highest F1 score is attained when exclusively employing network-derived attributes (Node2vec+), whereas utilizing all </a:t>
+            </a:r>
+            <a:r>
+              <a:rPr lang="hr-HR" sz="3200" dirty="0" err="1"/>
+              <a:t>considered</a:t>
+            </a:r>
+            <a:r>
+              <a:rPr lang="hr-HR" sz="3200" dirty="0"/>
               <a:t> </a:t>
             </a:r>
             <a:r>
               <a:rPr lang="en-US" sz="3200" dirty="0"/>
-              <a:t>attributes are used, while </a:t>
-            </a:r>
-            <a:r>
-              <a:rPr lang="sr-Latn-BA" sz="3200" dirty="0" smtClean="0"/>
-              <a:t>using </a:t>
-            </a:r>
-            <a:r>
-              <a:rPr lang="en-US" sz="3200" dirty="0" smtClean="0"/>
-              <a:t>all </a:t>
-            </a:r>
-            <a:r>
-              <a:rPr lang="sr-Latn-BA" sz="3200" dirty="0" smtClean="0"/>
-              <a:t>attributes</a:t>
-            </a:r>
-            <a:r>
-              <a:rPr lang="en-US" sz="3200" dirty="0" smtClean="0"/>
-              <a:t> </a:t>
-            </a:r>
+              <a:t>attributes predicts the most intrinsically disordered proteins (IDPs). </a:t>
+            </a:r>
+            <a:endParaRPr lang="sr-Latn-BA" sz="3200" dirty="0"/>
+          </a:p>
+          <a:p>
+            <a:pPr algn="just"/>
             <a:r>
               <a:rPr lang="en-US" sz="3200" dirty="0"/>
-              <a:t>predict the most intrinsically disordered </a:t>
-            </a:r>
-            <a:r>
-              <a:rPr lang="en-US" sz="3200" dirty="0" smtClean="0"/>
-              <a:t>proteins </a:t>
+              <a:t>Preliminary findings suggest that integrating attributes from both network and sequence has potential, opening avenues for further methodological </a:t>
+            </a:r>
+            <a:r>
+              <a:rPr lang="hr-HR" sz="3200"/>
+              <a:t>improvements</a:t>
+            </a:r>
+            <a:r>
+              <a:rPr lang="en-US" sz="3200"/>
+              <a:t>. </a:t>
             </a:r>
             <a:r>
               <a:rPr lang="en-US" sz="3200" dirty="0"/>
-              <a:t>(</a:t>
-            </a:r>
-            <a:r>
-              <a:rPr lang="en-US" sz="3200" dirty="0" smtClean="0"/>
-              <a:t>IDPs).</a:t>
-            </a:r>
-          </a:p>
-          <a:p>
-            <a:pPr algn="just"/>
-            <a:r>
-              <a:rPr lang="en-US" sz="3200" dirty="0" smtClean="0"/>
-              <a:t> </a:t>
-            </a:r>
-            <a:endParaRPr lang="sr-Latn-BA" sz="3200" dirty="0" smtClean="0"/>
-          </a:p>
-          <a:p>
-            <a:pPr algn="just"/>
-            <a:r>
-              <a:rPr lang="en-US" sz="3200" dirty="0" smtClean="0"/>
-              <a:t>Preliminary </a:t>
-            </a:r>
-            <a:r>
-              <a:rPr lang="en-US" sz="3200" dirty="0"/>
-              <a:t>findings suggest that integrating attributes from both network and sequence has potential, opening avenues for further methodological refinement. </a:t>
-            </a:r>
-            <a:r>
-              <a:rPr lang="en-US" sz="3200" dirty="0" smtClean="0"/>
-              <a:t>In order to further investigate the capability of this approach, it </a:t>
-            </a:r>
-            <a:r>
-              <a:rPr lang="en-US" sz="3200" dirty="0"/>
-              <a:t>should be applied </a:t>
-            </a:r>
-            <a:r>
-              <a:rPr lang="en-US" sz="3200" dirty="0" smtClean="0"/>
-              <a:t>on </a:t>
-            </a:r>
-            <a:r>
-              <a:rPr lang="en-US" sz="3200" dirty="0"/>
-              <a:t>other networks </a:t>
-            </a:r>
-            <a:r>
-              <a:rPr lang="en-US" sz="3200" dirty="0" smtClean="0"/>
-              <a:t>of </a:t>
-            </a:r>
-            <a:r>
-              <a:rPr lang="en-US" sz="3200" dirty="0"/>
-              <a:t>different organisms, including human networks. Additionally, combining existing attributes with those derived from other protein characteristics could be a promising direction for future research.</a:t>
-            </a:r>
-            <a:r>
-              <a:rPr lang="sr-Latn-BA" sz="3200" dirty="0" smtClean="0"/>
+              <a:t>In order to further investigate the capability of this approach, it should be applied on other networks of different organisms, including human networks. Additionally, combining existing attributes with those derived from other protein characteristics could be a promising direction for future research.</a:t>
+            </a:r>
+            <a:r>
+              <a:rPr lang="sr-Latn-BA" sz="3200" dirty="0"/>
               <a:t> </a:t>
             </a:r>
             <a:endParaRPr lang="en-US" sz="3200" dirty="0"/>
@@ -16314,7 +15335,7 @@
           <p:cNvPr id="46" name="Arrow: Right 19">
             <a:extLst>
               <a:ext uri="{FF2B5EF4-FFF2-40B4-BE49-F238E27FC236}">
-                <a16:creationId xmlns="" xmlns:a16="http://schemas.microsoft.com/office/drawing/2014/main" id="{F75BF84B-2C0D-4C09-BA31-AFAAC77EAF11}"/>
+                <a16:creationId xmlns:a16="http://schemas.microsoft.com/office/drawing/2014/main" id="{F75BF84B-2C0D-4C09-BA31-AFAAC77EAF11}"/>
               </a:ext>
             </a:extLst>
           </p:cNvPr>
@@ -16378,7 +15399,7 @@
           <a:lstStyle/>
           <a:p>
             <a:r>
-              <a:rPr lang="sr-Latn-BA" sz="1200" dirty="0" smtClean="0"/>
+              <a:rPr lang="sr-Latn-BA" sz="1200" dirty="0"/>
               <a:t>Picture from...</a:t>
             </a:r>
             <a:endParaRPr lang="en-US" sz="1200" dirty="0"/>
@@ -16408,7 +15429,7 @@
           <a:lstStyle/>
           <a:p>
             <a:r>
-              <a:rPr lang="sr-Latn-BA" sz="1200" dirty="0" smtClean="0"/>
+              <a:rPr lang="sr-Latn-BA" sz="1200" dirty="0"/>
               <a:t>1.4</a:t>
             </a:r>
             <a:endParaRPr lang="en-US" sz="1200" dirty="0"/>
@@ -16438,7 +15459,7 @@
           <a:lstStyle/>
           <a:p>
             <a:r>
-              <a:rPr lang="sr-Latn-BA" sz="1200" dirty="0" smtClean="0"/>
+              <a:rPr lang="sr-Latn-BA" sz="1200" dirty="0"/>
               <a:t>2.5</a:t>
             </a:r>
             <a:endParaRPr lang="en-US" sz="1200" dirty="0"/>
@@ -16468,7 +15489,7 @@
           <a:lstStyle/>
           <a:p>
             <a:r>
-              <a:rPr lang="sr-Latn-BA" sz="1200" dirty="0" smtClean="0"/>
+              <a:rPr lang="sr-Latn-BA" sz="1200" dirty="0"/>
               <a:t>1.4</a:t>
             </a:r>
             <a:endParaRPr lang="en-US" sz="1200" dirty="0"/>
@@ -16498,7 +15519,7 @@
           <a:lstStyle/>
           <a:p>
             <a:r>
-              <a:rPr lang="sr-Latn-BA" sz="1200" dirty="0" smtClean="0"/>
+              <a:rPr lang="sr-Latn-BA" sz="1200" dirty="0"/>
               <a:t>1.4</a:t>
             </a:r>
             <a:endParaRPr lang="en-US" sz="1200" dirty="0"/>

--- a/poster Solun maj 2024/Solun poster 002.pptx
+++ b/poster Solun maj 2024/Solun poster 002.pptx
@@ -1822,14 +1822,35 @@
         </dgm:presLayoutVars>
       </dgm:prSet>
       <dgm:spPr/>
+      <dgm:t>
+        <a:bodyPr/>
+        <a:lstStyle/>
+        <a:p>
+          <a:endParaRPr lang="en-US"/>
+        </a:p>
+      </dgm:t>
     </dgm:pt>
     <dgm:pt modelId="{49AB3AA5-5C37-401B-BD24-8CDBE6CDE631}" type="pres">
       <dgm:prSet presAssocID="{55FCA17C-1EF6-4064-B59A-DED79FC40987}" presName="sibTrans" presStyleLbl="sibTrans2D1" presStyleIdx="0" presStyleCnt="3"/>
       <dgm:spPr/>
+      <dgm:t>
+        <a:bodyPr/>
+        <a:lstStyle/>
+        <a:p>
+          <a:endParaRPr lang="en-US"/>
+        </a:p>
+      </dgm:t>
     </dgm:pt>
     <dgm:pt modelId="{B24ED164-7D46-4FE6-99D4-115D05EB5090}" type="pres">
       <dgm:prSet presAssocID="{55FCA17C-1EF6-4064-B59A-DED79FC40987}" presName="connectorText" presStyleLbl="sibTrans2D1" presStyleIdx="0" presStyleCnt="3"/>
       <dgm:spPr/>
+      <dgm:t>
+        <a:bodyPr/>
+        <a:lstStyle/>
+        <a:p>
+          <a:endParaRPr lang="en-US"/>
+        </a:p>
+      </dgm:t>
     </dgm:pt>
     <dgm:pt modelId="{266EB45E-0BF0-4F15-90A8-48CDB3BB1843}" type="pres">
       <dgm:prSet presAssocID="{4DBB097A-AAC8-4558-83CD-5D293BA0E73F}" presName="node" presStyleLbl="node1" presStyleIdx="1" presStyleCnt="4" custLinFactNeighborX="13307" custLinFactNeighborY="171">
@@ -1838,14 +1859,35 @@
         </dgm:presLayoutVars>
       </dgm:prSet>
       <dgm:spPr/>
+      <dgm:t>
+        <a:bodyPr/>
+        <a:lstStyle/>
+        <a:p>
+          <a:endParaRPr lang="en-US"/>
+        </a:p>
+      </dgm:t>
     </dgm:pt>
     <dgm:pt modelId="{9D036536-CA58-460B-9592-E804F4957C65}" type="pres">
       <dgm:prSet presAssocID="{AAF2528D-193F-4D93-A91F-6874F8247A7E}" presName="sibTrans" presStyleLbl="sibTrans2D1" presStyleIdx="1" presStyleCnt="3"/>
       <dgm:spPr/>
+      <dgm:t>
+        <a:bodyPr/>
+        <a:lstStyle/>
+        <a:p>
+          <a:endParaRPr lang="en-US"/>
+        </a:p>
+      </dgm:t>
     </dgm:pt>
     <dgm:pt modelId="{5484F5B9-AF2E-4D41-B34C-14F23DAB6613}" type="pres">
       <dgm:prSet presAssocID="{AAF2528D-193F-4D93-A91F-6874F8247A7E}" presName="connectorText" presStyleLbl="sibTrans2D1" presStyleIdx="1" presStyleCnt="3"/>
       <dgm:spPr/>
+      <dgm:t>
+        <a:bodyPr/>
+        <a:lstStyle/>
+        <a:p>
+          <a:endParaRPr lang="en-US"/>
+        </a:p>
+      </dgm:t>
     </dgm:pt>
     <dgm:pt modelId="{0B7A5903-CDD3-4CC0-94BF-E92BA3DA96DD}" type="pres">
       <dgm:prSet presAssocID="{FFE45BF6-B8B7-4DF6-B255-42C35051D756}" presName="node" presStyleLbl="node1" presStyleIdx="2" presStyleCnt="4" custLinFactNeighborX="13307" custLinFactNeighborY="171">
@@ -1854,14 +1896,35 @@
         </dgm:presLayoutVars>
       </dgm:prSet>
       <dgm:spPr/>
+      <dgm:t>
+        <a:bodyPr/>
+        <a:lstStyle/>
+        <a:p>
+          <a:endParaRPr lang="en-US"/>
+        </a:p>
+      </dgm:t>
     </dgm:pt>
     <dgm:pt modelId="{9132B67F-A38C-4915-8317-7B8D2EEE0C67}" type="pres">
       <dgm:prSet presAssocID="{A491963B-FA65-4F9A-A948-8D6552EF7FBD}" presName="sibTrans" presStyleLbl="sibTrans2D1" presStyleIdx="2" presStyleCnt="3"/>
       <dgm:spPr/>
+      <dgm:t>
+        <a:bodyPr/>
+        <a:lstStyle/>
+        <a:p>
+          <a:endParaRPr lang="en-US"/>
+        </a:p>
+      </dgm:t>
     </dgm:pt>
     <dgm:pt modelId="{8F882EF6-49EC-4B53-B100-EAD4E720298A}" type="pres">
       <dgm:prSet presAssocID="{A491963B-FA65-4F9A-A948-8D6552EF7FBD}" presName="connectorText" presStyleLbl="sibTrans2D1" presStyleIdx="2" presStyleCnt="3"/>
       <dgm:spPr/>
+      <dgm:t>
+        <a:bodyPr/>
+        <a:lstStyle/>
+        <a:p>
+          <a:endParaRPr lang="en-US"/>
+        </a:p>
+      </dgm:t>
     </dgm:pt>
     <dgm:pt modelId="{2DFA93C7-BE63-4691-A297-B8C9BB46D38B}" type="pres">
       <dgm:prSet presAssocID="{F6006F7E-AC86-45B0-8635-2B1FB4B48637}" presName="node" presStyleLbl="node1" presStyleIdx="3" presStyleCnt="4" custScaleX="117086" custLinFactNeighborX="13307" custLinFactNeighborY="171">
@@ -1870,24 +1933,31 @@
         </dgm:presLayoutVars>
       </dgm:prSet>
       <dgm:spPr/>
+      <dgm:t>
+        <a:bodyPr/>
+        <a:lstStyle/>
+        <a:p>
+          <a:endParaRPr lang="en-US"/>
+        </a:p>
+      </dgm:t>
     </dgm:pt>
   </dgm:ptLst>
   <dgm:cxnLst>
+    <dgm:cxn modelId="{039EE9CB-942E-4BB3-B9DC-936A8F50F939}" srcId="{084DAEBC-087F-4D15-B752-4785C0673660}" destId="{F6006F7E-AC86-45B0-8635-2B1FB4B48637}" srcOrd="3" destOrd="0" parTransId="{9BB6F8E7-7675-44CB-9DA3-545DA6F36E9D}" sibTransId="{DE65469D-6D73-4E22-BA1D-C8408998D1F0}"/>
+    <dgm:cxn modelId="{8F79D79C-09D6-487D-8FD1-87A5FD0DF99A}" type="presOf" srcId="{084DAEBC-087F-4D15-B752-4785C0673660}" destId="{4DF115B0-D97C-4D45-995F-751D171483ED}" srcOrd="0" destOrd="0" presId="urn:microsoft.com/office/officeart/2005/8/layout/process1"/>
+    <dgm:cxn modelId="{BB129FEE-B7DF-409C-94FD-C3180D7E6BCB}" type="presOf" srcId="{FFE45BF6-B8B7-4DF6-B255-42C35051D756}" destId="{0B7A5903-CDD3-4CC0-94BF-E92BA3DA96DD}" srcOrd="0" destOrd="0" presId="urn:microsoft.com/office/officeart/2005/8/layout/process1"/>
+    <dgm:cxn modelId="{467FE643-5A2A-4725-9326-4A4BE2A4EDD6}" type="presOf" srcId="{F6006F7E-AC86-45B0-8635-2B1FB4B48637}" destId="{2DFA93C7-BE63-4691-A297-B8C9BB46D38B}" srcOrd="0" destOrd="0" presId="urn:microsoft.com/office/officeart/2005/8/layout/process1"/>
+    <dgm:cxn modelId="{77B19E57-37CF-4D7F-8567-1CB6667515CB}" type="presOf" srcId="{A491963B-FA65-4F9A-A948-8D6552EF7FBD}" destId="{8F882EF6-49EC-4B53-B100-EAD4E720298A}" srcOrd="1" destOrd="0" presId="urn:microsoft.com/office/officeart/2005/8/layout/process1"/>
+    <dgm:cxn modelId="{CF05EDF1-8EB6-4600-B8CE-CA21F2358774}" type="presOf" srcId="{A491963B-FA65-4F9A-A948-8D6552EF7FBD}" destId="{9132B67F-A38C-4915-8317-7B8D2EEE0C67}" srcOrd="0" destOrd="0" presId="urn:microsoft.com/office/officeart/2005/8/layout/process1"/>
+    <dgm:cxn modelId="{8A0A7A8C-9957-45EB-A42F-57DBD8274257}" srcId="{084DAEBC-087F-4D15-B752-4785C0673660}" destId="{8D948468-426C-430E-8463-EA0A9047AA97}" srcOrd="0" destOrd="0" parTransId="{089F8F6F-ED72-497F-B944-BDE96C4547C5}" sibTransId="{55FCA17C-1EF6-4064-B59A-DED79FC40987}"/>
+    <dgm:cxn modelId="{1F63834A-14E8-4045-ADBC-17DC5CB5F954}" type="presOf" srcId="{55FCA17C-1EF6-4064-B59A-DED79FC40987}" destId="{49AB3AA5-5C37-401B-BD24-8CDBE6CDE631}" srcOrd="0" destOrd="0" presId="urn:microsoft.com/office/officeart/2005/8/layout/process1"/>
     <dgm:cxn modelId="{BEBA565C-4BB6-4FAC-8220-2037A2C4BB59}" type="presOf" srcId="{AAF2528D-193F-4D93-A91F-6874F8247A7E}" destId="{9D036536-CA58-460B-9592-E804F4957C65}" srcOrd="0" destOrd="0" presId="urn:microsoft.com/office/officeart/2005/8/layout/process1"/>
     <dgm:cxn modelId="{29E6CB5C-90D4-4537-A08F-602AB69E1185}" type="presOf" srcId="{8D948468-426C-430E-8463-EA0A9047AA97}" destId="{9039D0E1-9BDE-4D45-A61C-BA5F9D629281}" srcOrd="0" destOrd="0" presId="urn:microsoft.com/office/officeart/2005/8/layout/process1"/>
-    <dgm:cxn modelId="{467FE643-5A2A-4725-9326-4A4BE2A4EDD6}" type="presOf" srcId="{F6006F7E-AC86-45B0-8635-2B1FB4B48637}" destId="{2DFA93C7-BE63-4691-A297-B8C9BB46D38B}" srcOrd="0" destOrd="0" presId="urn:microsoft.com/office/officeart/2005/8/layout/process1"/>
-    <dgm:cxn modelId="{1F63834A-14E8-4045-ADBC-17DC5CB5F954}" type="presOf" srcId="{55FCA17C-1EF6-4064-B59A-DED79FC40987}" destId="{49AB3AA5-5C37-401B-BD24-8CDBE6CDE631}" srcOrd="0" destOrd="0" presId="urn:microsoft.com/office/officeart/2005/8/layout/process1"/>
+    <dgm:cxn modelId="{F0E2C854-E738-4B9A-99E1-2771B60C9447}" srcId="{084DAEBC-087F-4D15-B752-4785C0673660}" destId="{FFE45BF6-B8B7-4DF6-B255-42C35051D756}" srcOrd="2" destOrd="0" parTransId="{550CEC22-6DA6-4C97-9825-0EA4212E08F2}" sibTransId="{A491963B-FA65-4F9A-A948-8D6552EF7FBD}"/>
+    <dgm:cxn modelId="{D87ED65A-1EE6-4167-9E92-EF0162A41ED0}" type="presOf" srcId="{55FCA17C-1EF6-4064-B59A-DED79FC40987}" destId="{B24ED164-7D46-4FE6-99D4-115D05EB5090}" srcOrd="1" destOrd="0" presId="urn:microsoft.com/office/officeart/2005/8/layout/process1"/>
     <dgm:cxn modelId="{CE4C3E71-01BF-48FF-8849-74C1F916C255}" type="presOf" srcId="{4DBB097A-AAC8-4558-83CD-5D293BA0E73F}" destId="{266EB45E-0BF0-4F15-90A8-48CDB3BB1843}" srcOrd="0" destOrd="0" presId="urn:microsoft.com/office/officeart/2005/8/layout/process1"/>
-    <dgm:cxn modelId="{F0E2C854-E738-4B9A-99E1-2771B60C9447}" srcId="{084DAEBC-087F-4D15-B752-4785C0673660}" destId="{FFE45BF6-B8B7-4DF6-B255-42C35051D756}" srcOrd="2" destOrd="0" parTransId="{550CEC22-6DA6-4C97-9825-0EA4212E08F2}" sibTransId="{A491963B-FA65-4F9A-A948-8D6552EF7FBD}"/>
-    <dgm:cxn modelId="{77B19E57-37CF-4D7F-8567-1CB6667515CB}" type="presOf" srcId="{A491963B-FA65-4F9A-A948-8D6552EF7FBD}" destId="{8F882EF6-49EC-4B53-B100-EAD4E720298A}" srcOrd="1" destOrd="0" presId="urn:microsoft.com/office/officeart/2005/8/layout/process1"/>
-    <dgm:cxn modelId="{D87ED65A-1EE6-4167-9E92-EF0162A41ED0}" type="presOf" srcId="{55FCA17C-1EF6-4064-B59A-DED79FC40987}" destId="{B24ED164-7D46-4FE6-99D4-115D05EB5090}" srcOrd="1" destOrd="0" presId="urn:microsoft.com/office/officeart/2005/8/layout/process1"/>
-    <dgm:cxn modelId="{8A0A7A8C-9957-45EB-A42F-57DBD8274257}" srcId="{084DAEBC-087F-4D15-B752-4785C0673660}" destId="{8D948468-426C-430E-8463-EA0A9047AA97}" srcOrd="0" destOrd="0" parTransId="{089F8F6F-ED72-497F-B944-BDE96C4547C5}" sibTransId="{55FCA17C-1EF6-4064-B59A-DED79FC40987}"/>
     <dgm:cxn modelId="{2D6E6A99-0884-421B-9583-F66FB72B4CE8}" srcId="{084DAEBC-087F-4D15-B752-4785C0673660}" destId="{4DBB097A-AAC8-4558-83CD-5D293BA0E73F}" srcOrd="1" destOrd="0" parTransId="{F66D8E7D-91C7-486F-96A1-E8901AD94FBA}" sibTransId="{AAF2528D-193F-4D93-A91F-6874F8247A7E}"/>
-    <dgm:cxn modelId="{8F79D79C-09D6-487D-8FD1-87A5FD0DF99A}" type="presOf" srcId="{084DAEBC-087F-4D15-B752-4785C0673660}" destId="{4DF115B0-D97C-4D45-995F-751D171483ED}" srcOrd="0" destOrd="0" presId="urn:microsoft.com/office/officeart/2005/8/layout/process1"/>
     <dgm:cxn modelId="{C3E2F7B3-4158-494E-83A1-75C1933FC0BF}" type="presOf" srcId="{AAF2528D-193F-4D93-A91F-6874F8247A7E}" destId="{5484F5B9-AF2E-4D41-B34C-14F23DAB6613}" srcOrd="1" destOrd="0" presId="urn:microsoft.com/office/officeart/2005/8/layout/process1"/>
-    <dgm:cxn modelId="{039EE9CB-942E-4BB3-B9DC-936A8F50F939}" srcId="{084DAEBC-087F-4D15-B752-4785C0673660}" destId="{F6006F7E-AC86-45B0-8635-2B1FB4B48637}" srcOrd="3" destOrd="0" parTransId="{9BB6F8E7-7675-44CB-9DA3-545DA6F36E9D}" sibTransId="{DE65469D-6D73-4E22-BA1D-C8408998D1F0}"/>
-    <dgm:cxn modelId="{BB129FEE-B7DF-409C-94FD-C3180D7E6BCB}" type="presOf" srcId="{FFE45BF6-B8B7-4DF6-B255-42C35051D756}" destId="{0B7A5903-CDD3-4CC0-94BF-E92BA3DA96DD}" srcOrd="0" destOrd="0" presId="urn:microsoft.com/office/officeart/2005/8/layout/process1"/>
-    <dgm:cxn modelId="{CF05EDF1-8EB6-4600-B8CE-CA21F2358774}" type="presOf" srcId="{A491963B-FA65-4F9A-A948-8D6552EF7FBD}" destId="{9132B67F-A38C-4915-8317-7B8D2EEE0C67}" srcOrd="0" destOrd="0" presId="urn:microsoft.com/office/officeart/2005/8/layout/process1"/>
     <dgm:cxn modelId="{2EE71F70-44B8-4167-AE8E-D808B4B8507E}" type="presParOf" srcId="{4DF115B0-D97C-4D45-995F-751D171483ED}" destId="{9039D0E1-9BDE-4D45-A61C-BA5F9D629281}" srcOrd="0" destOrd="0" presId="urn:microsoft.com/office/officeart/2005/8/layout/process1"/>
     <dgm:cxn modelId="{C6CBE64A-4FE6-4DA8-BB33-48D1672F1161}" type="presParOf" srcId="{4DF115B0-D97C-4D45-995F-751D171483ED}" destId="{49AB3AA5-5C37-401B-BD24-8CDBE6CDE631}" srcOrd="1" destOrd="0" presId="urn:microsoft.com/office/officeart/2005/8/layout/process1"/>
     <dgm:cxn modelId="{5B0FFD9C-195F-45EB-BCE5-2493D4E9AA6C}" type="presParOf" srcId="{49AB3AA5-5C37-401B-BD24-8CDBE6CDE631}" destId="{B24ED164-7D46-4FE6-99D4-115D05EB5090}" srcOrd="0" destOrd="0" presId="urn:microsoft.com/office/officeart/2005/8/layout/process1"/>
@@ -2018,14 +2088,35 @@
         </dgm:presLayoutVars>
       </dgm:prSet>
       <dgm:spPr/>
+      <dgm:t>
+        <a:bodyPr/>
+        <a:lstStyle/>
+        <a:p>
+          <a:endParaRPr lang="en-US"/>
+        </a:p>
+      </dgm:t>
     </dgm:pt>
     <dgm:pt modelId="{87E23861-EBE9-44B3-9472-EF4C03646A1C}" type="pres">
       <dgm:prSet presAssocID="{87E812C8-FE63-46A2-82C4-E3AF1165FAEC}" presName="sibTrans" presStyleLbl="sibTrans2D1" presStyleIdx="0" presStyleCnt="1"/>
       <dgm:spPr/>
+      <dgm:t>
+        <a:bodyPr/>
+        <a:lstStyle/>
+        <a:p>
+          <a:endParaRPr lang="en-US"/>
+        </a:p>
+      </dgm:t>
     </dgm:pt>
     <dgm:pt modelId="{82908010-5D50-447A-A669-F7ED88D694B7}" type="pres">
       <dgm:prSet presAssocID="{87E812C8-FE63-46A2-82C4-E3AF1165FAEC}" presName="connectorText" presStyleLbl="sibTrans2D1" presStyleIdx="0" presStyleCnt="1"/>
       <dgm:spPr/>
+      <dgm:t>
+        <a:bodyPr/>
+        <a:lstStyle/>
+        <a:p>
+          <a:endParaRPr lang="en-US"/>
+        </a:p>
+      </dgm:t>
     </dgm:pt>
     <dgm:pt modelId="{84C38B99-337A-4D51-B033-2DCA5A1A3CFC}" type="pres">
       <dgm:prSet presAssocID="{10AAF480-0D29-4E26-A72C-915CF903C5C7}" presName="node" presStyleLbl="node1" presStyleIdx="1" presStyleCnt="2">
@@ -2034,16 +2125,23 @@
         </dgm:presLayoutVars>
       </dgm:prSet>
       <dgm:spPr/>
+      <dgm:t>
+        <a:bodyPr/>
+        <a:lstStyle/>
+        <a:p>
+          <a:endParaRPr lang="en-US"/>
+        </a:p>
+      </dgm:t>
     </dgm:pt>
   </dgm:ptLst>
   <dgm:cxnLst>
+    <dgm:cxn modelId="{E4E3A5A3-0AD7-4EDD-8D27-C33EA483770A}" type="presOf" srcId="{87E812C8-FE63-46A2-82C4-E3AF1165FAEC}" destId="{87E23861-EBE9-44B3-9472-EF4C03646A1C}" srcOrd="0" destOrd="0" presId="urn:microsoft.com/office/officeart/2005/8/layout/process1"/>
+    <dgm:cxn modelId="{EA23C1DB-8FF9-4D27-907D-265B2BD827B4}" type="presOf" srcId="{73D35960-DDC9-4639-BD50-62380431F57D}" destId="{9BDC6DE6-065D-479B-BEB3-BB668775D263}" srcOrd="0" destOrd="0" presId="urn:microsoft.com/office/officeart/2005/8/layout/process1"/>
+    <dgm:cxn modelId="{E66D701E-E795-4E5D-9DD5-7080975E9BCB}" type="presOf" srcId="{10AAF480-0D29-4E26-A72C-915CF903C5C7}" destId="{84C38B99-337A-4D51-B033-2DCA5A1A3CFC}" srcOrd="0" destOrd="0" presId="urn:microsoft.com/office/officeart/2005/8/layout/process1"/>
+    <dgm:cxn modelId="{EC22D993-5D1C-405F-BA7B-F8645DC04E32}" type="presOf" srcId="{D4848219-8E91-4CAC-BAFC-A34865839130}" destId="{CA2A973F-C317-4D25-AD4E-D5833079E7DF}" srcOrd="0" destOrd="0" presId="urn:microsoft.com/office/officeart/2005/8/layout/process1"/>
+    <dgm:cxn modelId="{F92103A6-3F6A-46B2-98E8-CDB2C3262F70}" srcId="{73D35960-DDC9-4639-BD50-62380431F57D}" destId="{10AAF480-0D29-4E26-A72C-915CF903C5C7}" srcOrd="1" destOrd="0" parTransId="{A15204E6-6B7E-4387-BE48-8BA1CD249171}" sibTransId="{2057236A-A7B1-4E1D-AADF-C7248AA9F058}"/>
     <dgm:cxn modelId="{0256AF0D-FA80-4245-B03A-79310906EB78}" type="presOf" srcId="{87E812C8-FE63-46A2-82C4-E3AF1165FAEC}" destId="{82908010-5D50-447A-A669-F7ED88D694B7}" srcOrd="1" destOrd="0" presId="urn:microsoft.com/office/officeart/2005/8/layout/process1"/>
-    <dgm:cxn modelId="{E66D701E-E795-4E5D-9DD5-7080975E9BCB}" type="presOf" srcId="{10AAF480-0D29-4E26-A72C-915CF903C5C7}" destId="{84C38B99-337A-4D51-B033-2DCA5A1A3CFC}" srcOrd="0" destOrd="0" presId="urn:microsoft.com/office/officeart/2005/8/layout/process1"/>
     <dgm:cxn modelId="{F324393A-AC06-4A50-8119-259F4AC4A2A9}" srcId="{73D35960-DDC9-4639-BD50-62380431F57D}" destId="{D4848219-8E91-4CAC-BAFC-A34865839130}" srcOrd="0" destOrd="0" parTransId="{4F12413A-D534-4719-9025-417569C2510A}" sibTransId="{87E812C8-FE63-46A2-82C4-E3AF1165FAEC}"/>
-    <dgm:cxn modelId="{EC22D993-5D1C-405F-BA7B-F8645DC04E32}" type="presOf" srcId="{D4848219-8E91-4CAC-BAFC-A34865839130}" destId="{CA2A973F-C317-4D25-AD4E-D5833079E7DF}" srcOrd="0" destOrd="0" presId="urn:microsoft.com/office/officeart/2005/8/layout/process1"/>
-    <dgm:cxn modelId="{E4E3A5A3-0AD7-4EDD-8D27-C33EA483770A}" type="presOf" srcId="{87E812C8-FE63-46A2-82C4-E3AF1165FAEC}" destId="{87E23861-EBE9-44B3-9472-EF4C03646A1C}" srcOrd="0" destOrd="0" presId="urn:microsoft.com/office/officeart/2005/8/layout/process1"/>
-    <dgm:cxn modelId="{F92103A6-3F6A-46B2-98E8-CDB2C3262F70}" srcId="{73D35960-DDC9-4639-BD50-62380431F57D}" destId="{10AAF480-0D29-4E26-A72C-915CF903C5C7}" srcOrd="1" destOrd="0" parTransId="{A15204E6-6B7E-4387-BE48-8BA1CD249171}" sibTransId="{2057236A-A7B1-4E1D-AADF-C7248AA9F058}"/>
-    <dgm:cxn modelId="{EA23C1DB-8FF9-4D27-907D-265B2BD827B4}" type="presOf" srcId="{73D35960-DDC9-4639-BD50-62380431F57D}" destId="{9BDC6DE6-065D-479B-BEB3-BB668775D263}" srcOrd="0" destOrd="0" presId="urn:microsoft.com/office/officeart/2005/8/layout/process1"/>
     <dgm:cxn modelId="{0661E27E-9CE3-4612-9832-E02A04BDDBCA}" type="presParOf" srcId="{9BDC6DE6-065D-479B-BEB3-BB668775D263}" destId="{CA2A973F-C317-4D25-AD4E-D5833079E7DF}" srcOrd="0" destOrd="0" presId="urn:microsoft.com/office/officeart/2005/8/layout/process1"/>
     <dgm:cxn modelId="{09071F40-2BC7-41C2-ACD7-1465FE71B199}" type="presParOf" srcId="{9BDC6DE6-065D-479B-BEB3-BB668775D263}" destId="{87E23861-EBE9-44B3-9472-EF4C03646A1C}" srcOrd="1" destOrd="0" presId="urn:microsoft.com/office/officeart/2005/8/layout/process1"/>
     <dgm:cxn modelId="{2807512F-6459-4854-A1B6-A744369E2B98}" type="presParOf" srcId="{87E23861-EBE9-44B3-9472-EF4C03646A1C}" destId="{82908010-5D50-447A-A669-F7ED88D694B7}" srcOrd="0" destOrd="0" presId="urn:microsoft.com/office/officeart/2005/8/layout/process1"/>
@@ -2120,7 +2218,7 @@
         </a:bodyPr>
         <a:lstStyle/>
         <a:p>
-          <a:pPr marL="0" lvl="0" indent="0" algn="ctr" defTabSz="1111250">
+          <a:pPr lvl="0" algn="ctr" defTabSz="1111250">
             <a:lnSpc>
               <a:spcPct val="90000"/>
             </a:lnSpc>
@@ -2130,7 +2228,6 @@
             <a:spcAft>
               <a:spcPct val="35000"/>
             </a:spcAft>
-            <a:buNone/>
           </a:pPr>
           <a:r>
             <a:rPr lang="en-US" sz="2500" kern="1200" dirty="0"/>
@@ -2206,7 +2303,7 @@
         </a:bodyPr>
         <a:lstStyle/>
         <a:p>
-          <a:pPr marL="0" lvl="0" indent="0" algn="ctr" defTabSz="1111250">
+          <a:pPr lvl="0" algn="ctr" defTabSz="1111250">
             <a:lnSpc>
               <a:spcPct val="90000"/>
             </a:lnSpc>
@@ -2216,7 +2313,6 @@
             <a:spcAft>
               <a:spcPct val="35000"/>
             </a:spcAft>
-            <a:buNone/>
           </a:pPr>
           <a:endParaRPr lang="en-US" sz="2500" kern="1200"/>
         </a:p>
@@ -2279,7 +2375,7 @@
         </a:bodyPr>
         <a:lstStyle/>
         <a:p>
-          <a:pPr marL="0" lvl="0" indent="0" algn="ctr" defTabSz="1111250">
+          <a:pPr lvl="0" algn="ctr" defTabSz="1111250">
             <a:lnSpc>
               <a:spcPct val="90000"/>
             </a:lnSpc>
@@ -2289,7 +2385,6 @@
             <a:spcAft>
               <a:spcPct val="35000"/>
             </a:spcAft>
-            <a:buNone/>
           </a:pPr>
           <a:r>
             <a:rPr lang="en-US" sz="2500" kern="1200" dirty="0"/>
@@ -2352,7 +2447,7 @@
         </a:bodyPr>
         <a:lstStyle/>
         <a:p>
-          <a:pPr marL="0" lvl="0" indent="0" algn="ctr" defTabSz="1111250">
+          <a:pPr lvl="0" algn="ctr" defTabSz="1111250">
             <a:lnSpc>
               <a:spcPct val="90000"/>
             </a:lnSpc>
@@ -2362,7 +2457,6 @@
             <a:spcAft>
               <a:spcPct val="35000"/>
             </a:spcAft>
-            <a:buNone/>
           </a:pPr>
           <a:endParaRPr lang="en-US" sz="2500" kern="1200"/>
         </a:p>
@@ -2425,7 +2519,7 @@
         </a:bodyPr>
         <a:lstStyle/>
         <a:p>
-          <a:pPr marL="0" lvl="0" indent="0" algn="ctr" defTabSz="1111250">
+          <a:pPr lvl="0" algn="ctr" defTabSz="1111250">
             <a:lnSpc>
               <a:spcPct val="90000"/>
             </a:lnSpc>
@@ -2435,7 +2529,6 @@
             <a:spcAft>
               <a:spcPct val="35000"/>
             </a:spcAft>
-            <a:buNone/>
           </a:pPr>
           <a:r>
             <a:rPr lang="en-US" sz="2500" kern="1200" dirty="0"/>
@@ -2498,7 +2591,7 @@
         </a:bodyPr>
         <a:lstStyle/>
         <a:p>
-          <a:pPr marL="0" lvl="0" indent="0" algn="ctr" defTabSz="1111250">
+          <a:pPr lvl="0" algn="ctr" defTabSz="1111250">
             <a:lnSpc>
               <a:spcPct val="90000"/>
             </a:lnSpc>
@@ -2508,7 +2601,6 @@
             <a:spcAft>
               <a:spcPct val="35000"/>
             </a:spcAft>
-            <a:buNone/>
           </a:pPr>
           <a:endParaRPr lang="en-US" sz="2500" kern="1200"/>
         </a:p>
@@ -2569,7 +2661,7 @@
         </a:bodyPr>
         <a:lstStyle/>
         <a:p>
-          <a:pPr marL="0" lvl="0" indent="0" algn="ctr" defTabSz="1111250">
+          <a:pPr lvl="0" algn="ctr" defTabSz="1111250">
             <a:lnSpc>
               <a:spcPct val="90000"/>
             </a:lnSpc>
@@ -2579,7 +2671,6 @@
             <a:spcAft>
               <a:spcPct val="35000"/>
             </a:spcAft>
-            <a:buNone/>
           </a:pPr>
           <a:r>
             <a:rPr lang="en-US" sz="2500" kern="1200" dirty="0"/>
@@ -2655,7 +2746,7 @@
         </a:bodyPr>
         <a:lstStyle/>
         <a:p>
-          <a:pPr marL="0" lvl="0" indent="0" algn="ctr" defTabSz="1333500">
+          <a:pPr lvl="0" algn="ctr" defTabSz="1333500">
             <a:lnSpc>
               <a:spcPct val="90000"/>
             </a:lnSpc>
@@ -2728,7 +2819,7 @@
         </a:bodyPr>
         <a:lstStyle/>
         <a:p>
-          <a:pPr marL="0" lvl="0" indent="0" algn="ctr" defTabSz="2178050">
+          <a:pPr lvl="0" algn="ctr" defTabSz="2178050">
             <a:lnSpc>
               <a:spcPct val="90000"/>
             </a:lnSpc>
@@ -2738,7 +2829,6 @@
             <a:spcAft>
               <a:spcPct val="35000"/>
             </a:spcAft>
-            <a:buNone/>
           </a:pPr>
           <a:endParaRPr lang="en-US" sz="4900" kern="1200"/>
         </a:p>
@@ -2799,7 +2889,7 @@
         </a:bodyPr>
         <a:lstStyle/>
         <a:p>
-          <a:pPr marL="0" lvl="0" indent="0" algn="ctr" defTabSz="1333500">
+          <a:pPr lvl="0" algn="ctr" defTabSz="1333500">
             <a:lnSpc>
               <a:spcPct val="90000"/>
             </a:lnSpc>
@@ -5268,7 +5358,7 @@
           <a:p>
             <a:fld id="{E9776662-CA49-4C96-9773-885CF69B3004}" type="datetimeFigureOut">
               <a:rPr lang="en-US" smtClean="0"/>
-              <a:t>4/18/2024</a:t>
+              <a:t>4/19/2024</a:t>
             </a:fld>
             <a:endParaRPr lang="en-US"/>
           </a:p>
@@ -5801,7 +5891,7 @@
             <a:fld id="{7A200072-612F-4A00-B036-4E419A70927F}" type="datetimeFigureOut">
               <a:rPr lang="sr-Latn-BA" smtClean="0"/>
               <a:pPr/>
-              <a:t>18.4.2024.</a:t>
+              <a:t>19.4.2024.</a:t>
             </a:fld>
             <a:endParaRPr lang="sr-Latn-BA"/>
           </a:p>
@@ -5968,7 +6058,7 @@
             <a:fld id="{7A200072-612F-4A00-B036-4E419A70927F}" type="datetimeFigureOut">
               <a:rPr lang="sr-Latn-BA" smtClean="0"/>
               <a:pPr/>
-              <a:t>18.4.2024.</a:t>
+              <a:t>19.4.2024.</a:t>
             </a:fld>
             <a:endParaRPr lang="sr-Latn-BA"/>
           </a:p>
@@ -6145,7 +6235,7 @@
             <a:fld id="{7A200072-612F-4A00-B036-4E419A70927F}" type="datetimeFigureOut">
               <a:rPr lang="sr-Latn-BA" smtClean="0"/>
               <a:pPr/>
-              <a:t>18.4.2024.</a:t>
+              <a:t>19.4.2024.</a:t>
             </a:fld>
             <a:endParaRPr lang="sr-Latn-BA"/>
           </a:p>
@@ -6312,7 +6402,7 @@
             <a:fld id="{7A200072-612F-4A00-B036-4E419A70927F}" type="datetimeFigureOut">
               <a:rPr lang="sr-Latn-BA" smtClean="0"/>
               <a:pPr/>
-              <a:t>18.4.2024.</a:t>
+              <a:t>19.4.2024.</a:t>
             </a:fld>
             <a:endParaRPr lang="sr-Latn-BA"/>
           </a:p>
@@ -6555,7 +6645,7 @@
             <a:fld id="{7A200072-612F-4A00-B036-4E419A70927F}" type="datetimeFigureOut">
               <a:rPr lang="sr-Latn-BA" smtClean="0"/>
               <a:pPr/>
-              <a:t>18.4.2024.</a:t>
+              <a:t>19.4.2024.</a:t>
             </a:fld>
             <a:endParaRPr lang="sr-Latn-BA"/>
           </a:p>
@@ -6840,7 +6930,7 @@
             <a:fld id="{7A200072-612F-4A00-B036-4E419A70927F}" type="datetimeFigureOut">
               <a:rPr lang="sr-Latn-BA" smtClean="0"/>
               <a:pPr/>
-              <a:t>18.4.2024.</a:t>
+              <a:t>19.4.2024.</a:t>
             </a:fld>
             <a:endParaRPr lang="sr-Latn-BA"/>
           </a:p>
@@ -7264,7 +7354,7 @@
             <a:fld id="{7A200072-612F-4A00-B036-4E419A70927F}" type="datetimeFigureOut">
               <a:rPr lang="sr-Latn-BA" smtClean="0"/>
               <a:pPr/>
-              <a:t>18.4.2024.</a:t>
+              <a:t>19.4.2024.</a:t>
             </a:fld>
             <a:endParaRPr lang="sr-Latn-BA"/>
           </a:p>
@@ -7379,7 +7469,7 @@
             <a:fld id="{7A200072-612F-4A00-B036-4E419A70927F}" type="datetimeFigureOut">
               <a:rPr lang="sr-Latn-BA" smtClean="0"/>
               <a:pPr/>
-              <a:t>18.4.2024.</a:t>
+              <a:t>19.4.2024.</a:t>
             </a:fld>
             <a:endParaRPr lang="sr-Latn-BA"/>
           </a:p>
@@ -7471,7 +7561,7 @@
             <a:fld id="{7A200072-612F-4A00-B036-4E419A70927F}" type="datetimeFigureOut">
               <a:rPr lang="sr-Latn-BA" smtClean="0"/>
               <a:pPr/>
-              <a:t>18.4.2024.</a:t>
+              <a:t>19.4.2024.</a:t>
             </a:fld>
             <a:endParaRPr lang="sr-Latn-BA"/>
           </a:p>
@@ -7745,7 +7835,7 @@
             <a:fld id="{7A200072-612F-4A00-B036-4E419A70927F}" type="datetimeFigureOut">
               <a:rPr lang="sr-Latn-BA" smtClean="0"/>
               <a:pPr/>
-              <a:t>18.4.2024.</a:t>
+              <a:t>19.4.2024.</a:t>
             </a:fld>
             <a:endParaRPr lang="sr-Latn-BA"/>
           </a:p>
@@ -7995,7 +8085,7 @@
             <a:fld id="{7A200072-612F-4A00-B036-4E419A70927F}" type="datetimeFigureOut">
               <a:rPr lang="sr-Latn-BA" smtClean="0"/>
               <a:pPr/>
-              <a:t>18.4.2024.</a:t>
+              <a:t>19.4.2024.</a:t>
             </a:fld>
             <a:endParaRPr lang="sr-Latn-BA"/>
           </a:p>
@@ -8215,7 +8305,7 @@
             <a:fld id="{7A200072-612F-4A00-B036-4E419A70927F}" type="datetimeFigureOut">
               <a:rPr lang="sr-Latn-BA" smtClean="0"/>
               <a:pPr/>
-              <a:t>18.4.2024.</a:t>
+              <a:t>19.4.2024.</a:t>
             </a:fld>
             <a:endParaRPr lang="sr-Latn-BA"/>
           </a:p>
@@ -8591,7 +8681,7 @@
           <p:cNvPr id="28" name="Rounded Rectangle 3">
             <a:extLst>
               <a:ext uri="{FF2B5EF4-FFF2-40B4-BE49-F238E27FC236}">
-                <a16:creationId xmlns:a16="http://schemas.microsoft.com/office/drawing/2014/main" id="{E42E21C6-7A64-4E84-A503-EF9679DF851D}"/>
+                <a16:creationId xmlns:a16="http://schemas.microsoft.com/office/drawing/2014/main" xmlns="" id="{E42E21C6-7A64-4E84-A503-EF9679DF851D}"/>
               </a:ext>
             </a:extLst>
           </p:cNvPr>
@@ -8664,7 +8754,7 @@
           <p:cNvPr id="27" name="Rounded Rectangle 3">
             <a:extLst>
               <a:ext uri="{FF2B5EF4-FFF2-40B4-BE49-F238E27FC236}">
-                <a16:creationId xmlns:a16="http://schemas.microsoft.com/office/drawing/2014/main" id="{1C16C5A3-8C37-4B07-AA5E-BABF5084826F}"/>
+                <a16:creationId xmlns:a16="http://schemas.microsoft.com/office/drawing/2014/main" xmlns="" id="{1C16C5A3-8C37-4B07-AA5E-BABF5084826F}"/>
               </a:ext>
             </a:extLst>
           </p:cNvPr>
@@ -10954,7 +11044,7 @@
           <p:cNvPr id="30" name="Rounded Rectangle 47">
             <a:extLst>
               <a:ext uri="{FF2B5EF4-FFF2-40B4-BE49-F238E27FC236}">
-                <a16:creationId xmlns:a16="http://schemas.microsoft.com/office/drawing/2014/main" id="{33946411-5D0B-4586-92C0-9422A01632C7}"/>
+                <a16:creationId xmlns:a16="http://schemas.microsoft.com/office/drawing/2014/main" xmlns="" id="{33946411-5D0B-4586-92C0-9422A01632C7}"/>
               </a:ext>
             </a:extLst>
           </p:cNvPr>
@@ -11009,7 +11099,7 @@
           <p:cNvPr id="31" name="Rounded Rectangle 47">
             <a:extLst>
               <a:ext uri="{FF2B5EF4-FFF2-40B4-BE49-F238E27FC236}">
-                <a16:creationId xmlns:a16="http://schemas.microsoft.com/office/drawing/2014/main" id="{5FB06176-787A-4601-99AD-07335A70D009}"/>
+                <a16:creationId xmlns:a16="http://schemas.microsoft.com/office/drawing/2014/main" xmlns="" id="{5FB06176-787A-4601-99AD-07335A70D009}"/>
               </a:ext>
             </a:extLst>
           </p:cNvPr>
@@ -11064,7 +11154,7 @@
           <p:cNvPr id="14" name="Diagram 13">
             <a:extLst>
               <a:ext uri="{FF2B5EF4-FFF2-40B4-BE49-F238E27FC236}">
-                <a16:creationId xmlns:a16="http://schemas.microsoft.com/office/drawing/2014/main" id="{AA320E81-5855-4B1B-A249-74E4C7FE7477}"/>
+                <a16:creationId xmlns:a16="http://schemas.microsoft.com/office/drawing/2014/main" xmlns="" id="{AA320E81-5855-4B1B-A249-74E4C7FE7477}"/>
               </a:ext>
             </a:extLst>
           </p:cNvPr>
@@ -11092,7 +11182,7 @@
           <p:cNvPr id="1026" name="Picture 2" descr="https://assets-global.website-files.com/621e95f9ac30687a56e4297e/64a8d750505cf8e707066669_V2_1676215759712_7b2330a6-df89-49b4-be67-3b44bfb50040.png">
             <a:extLst>
               <a:ext uri="{FF2B5EF4-FFF2-40B4-BE49-F238E27FC236}">
-                <a16:creationId xmlns:a16="http://schemas.microsoft.com/office/drawing/2014/main" id="{EBEBC945-E341-4136-8DC8-448F42B87F70}"/>
+                <a16:creationId xmlns:a16="http://schemas.microsoft.com/office/drawing/2014/main" xmlns="" id="{EBEBC945-E341-4136-8DC8-448F42B87F70}"/>
               </a:ext>
             </a:extLst>
           </p:cNvPr>
@@ -11137,7 +11227,7 @@
           <p:cNvPr id="44" name="Picture 2" descr="https://assets-global.website-files.com/621e95f9ac30687a56e4297e/64a8d750505cf8e707066669_V2_1676215759712_7b2330a6-df89-49b4-be67-3b44bfb50040.png">
             <a:extLst>
               <a:ext uri="{FF2B5EF4-FFF2-40B4-BE49-F238E27FC236}">
-                <a16:creationId xmlns:a16="http://schemas.microsoft.com/office/drawing/2014/main" id="{34F3213A-A300-4253-B3DE-16FD671B4B9E}"/>
+                <a16:creationId xmlns:a16="http://schemas.microsoft.com/office/drawing/2014/main" xmlns="" id="{34F3213A-A300-4253-B3DE-16FD671B4B9E}"/>
               </a:ext>
             </a:extLst>
           </p:cNvPr>
@@ -11182,7 +11272,7 @@
           <p:cNvPr id="18" name="Rectangle 17">
             <a:extLst>
               <a:ext uri="{FF2B5EF4-FFF2-40B4-BE49-F238E27FC236}">
-                <a16:creationId xmlns:a16="http://schemas.microsoft.com/office/drawing/2014/main" id="{15C5418E-2EC7-4CDD-A50D-4A1976FD60F2}"/>
+                <a16:creationId xmlns:a16="http://schemas.microsoft.com/office/drawing/2014/main" xmlns="" id="{15C5418E-2EC7-4CDD-A50D-4A1976FD60F2}"/>
               </a:ext>
             </a:extLst>
           </p:cNvPr>
@@ -11295,7 +11385,7 @@
           <p:cNvPr id="49" name="Rectangle 48">
             <a:extLst>
               <a:ext uri="{FF2B5EF4-FFF2-40B4-BE49-F238E27FC236}">
-                <a16:creationId xmlns:a16="http://schemas.microsoft.com/office/drawing/2014/main" id="{7FA12D37-8BE6-48FA-A3E0-7F6D80828A2A}"/>
+                <a16:creationId xmlns:a16="http://schemas.microsoft.com/office/drawing/2014/main" xmlns="" id="{7FA12D37-8BE6-48FA-A3E0-7F6D80828A2A}"/>
               </a:ext>
             </a:extLst>
           </p:cNvPr>
@@ -11576,7 +11666,7 @@
           <p:cNvPr id="50" name="Rectangle 49">
             <a:extLst>
               <a:ext uri="{FF2B5EF4-FFF2-40B4-BE49-F238E27FC236}">
-                <a16:creationId xmlns:a16="http://schemas.microsoft.com/office/drawing/2014/main" id="{8E1A2B0C-839C-4318-ACA5-56B88B30D089}"/>
+                <a16:creationId xmlns:a16="http://schemas.microsoft.com/office/drawing/2014/main" xmlns="" id="{8E1A2B0C-839C-4318-ACA5-56B88B30D089}"/>
               </a:ext>
             </a:extLst>
           </p:cNvPr>
@@ -11751,7 +11841,7 @@
           <p:cNvPr id="52" name="Rounded Rectangle 47">
             <a:extLst>
               <a:ext uri="{FF2B5EF4-FFF2-40B4-BE49-F238E27FC236}">
-                <a16:creationId xmlns:a16="http://schemas.microsoft.com/office/drawing/2014/main" id="{82BE85DE-FD18-4E3E-BE20-52E122985005}"/>
+                <a16:creationId xmlns:a16="http://schemas.microsoft.com/office/drawing/2014/main" xmlns="" id="{82BE85DE-FD18-4E3E-BE20-52E122985005}"/>
               </a:ext>
             </a:extLst>
           </p:cNvPr>
@@ -11808,7 +11898,7 @@
           <p:cNvPr id="20" name="Arrow: Right 19">
             <a:extLst>
               <a:ext uri="{FF2B5EF4-FFF2-40B4-BE49-F238E27FC236}">
-                <a16:creationId xmlns:a16="http://schemas.microsoft.com/office/drawing/2014/main" id="{F75BF84B-2C0D-4C09-BA31-AFAAC77EAF11}"/>
+                <a16:creationId xmlns:a16="http://schemas.microsoft.com/office/drawing/2014/main" xmlns="" id="{F75BF84B-2C0D-4C09-BA31-AFAAC77EAF11}"/>
               </a:ext>
             </a:extLst>
           </p:cNvPr>
@@ -11854,7 +11944,7 @@
           <p:cNvPr id="55" name="Arrow: Right 54">
             <a:extLst>
               <a:ext uri="{FF2B5EF4-FFF2-40B4-BE49-F238E27FC236}">
-                <a16:creationId xmlns:a16="http://schemas.microsoft.com/office/drawing/2014/main" id="{9FFA1951-3CD1-43F1-812E-2361512B994A}"/>
+                <a16:creationId xmlns:a16="http://schemas.microsoft.com/office/drawing/2014/main" xmlns="" id="{9FFA1951-3CD1-43F1-812E-2361512B994A}"/>
               </a:ext>
             </a:extLst>
           </p:cNvPr>
@@ -11863,7 +11953,7 @@
         </p:nvSpPr>
         <p:spPr>
           <a:xfrm rot="19912930">
-            <a:off x="8159339" y="18887895"/>
+            <a:off x="8141833" y="18743879"/>
             <a:ext cx="1053527" cy="748945"/>
           </a:xfrm>
           <a:prstGeom prst="rightArrow">
@@ -11900,7 +11990,7 @@
           <p:cNvPr id="56" name="Rectangle 55">
             <a:extLst>
               <a:ext uri="{FF2B5EF4-FFF2-40B4-BE49-F238E27FC236}">
-                <a16:creationId xmlns:a16="http://schemas.microsoft.com/office/drawing/2014/main" id="{54B82BF6-7CC1-4CC0-A076-02DDFFB69BDA}"/>
+                <a16:creationId xmlns:a16="http://schemas.microsoft.com/office/drawing/2014/main" xmlns="" id="{54B82BF6-7CC1-4CC0-A076-02DDFFB69BDA}"/>
               </a:ext>
             </a:extLst>
           </p:cNvPr>
@@ -12259,7 +12349,7 @@
           <p:cNvPr id="57" name="Rounded Rectangle 47">
             <a:extLst>
               <a:ext uri="{FF2B5EF4-FFF2-40B4-BE49-F238E27FC236}">
-                <a16:creationId xmlns:a16="http://schemas.microsoft.com/office/drawing/2014/main" id="{094D318D-7740-40B1-8FDC-752A452D00FC}"/>
+                <a16:creationId xmlns:a16="http://schemas.microsoft.com/office/drawing/2014/main" xmlns="" id="{094D318D-7740-40B1-8FDC-752A452D00FC}"/>
               </a:ext>
             </a:extLst>
           </p:cNvPr>
@@ -12316,7 +12406,7 @@
           <p:cNvPr id="58" name="Rectangle 57">
             <a:extLst>
               <a:ext uri="{FF2B5EF4-FFF2-40B4-BE49-F238E27FC236}">
-                <a16:creationId xmlns:a16="http://schemas.microsoft.com/office/drawing/2014/main" id="{E5A2346C-B437-4A8F-8C2E-BBED9297E0C1}"/>
+                <a16:creationId xmlns:a16="http://schemas.microsoft.com/office/drawing/2014/main" xmlns="" id="{E5A2346C-B437-4A8F-8C2E-BBED9297E0C1}"/>
               </a:ext>
             </a:extLst>
           </p:cNvPr>
@@ -13073,7 +13163,7 @@
           <p:cNvPr id="21" name="Diagram 20">
             <a:extLst>
               <a:ext uri="{FF2B5EF4-FFF2-40B4-BE49-F238E27FC236}">
-                <a16:creationId xmlns:a16="http://schemas.microsoft.com/office/drawing/2014/main" id="{E3B1F8A6-065A-446D-865B-A7233CC9A7C0}"/>
+                <a16:creationId xmlns:a16="http://schemas.microsoft.com/office/drawing/2014/main" xmlns="" id="{E3B1F8A6-065A-446D-865B-A7233CC9A7C0}"/>
               </a:ext>
             </a:extLst>
           </p:cNvPr>
@@ -13101,7 +13191,7 @@
           <p:cNvPr id="59" name="Rectangle 58">
             <a:extLst>
               <a:ext uri="{FF2B5EF4-FFF2-40B4-BE49-F238E27FC236}">
-                <a16:creationId xmlns:a16="http://schemas.microsoft.com/office/drawing/2014/main" id="{632B674B-5C97-4C65-B93A-0721E9DC16EE}"/>
+                <a16:creationId xmlns:a16="http://schemas.microsoft.com/office/drawing/2014/main" xmlns="" id="{632B674B-5C97-4C65-B93A-0721E9DC16EE}"/>
               </a:ext>
             </a:extLst>
           </p:cNvPr>
@@ -13156,7 +13246,7 @@
           <p:cNvPr id="60" name="Rectangle 59">
             <a:extLst>
               <a:ext uri="{FF2B5EF4-FFF2-40B4-BE49-F238E27FC236}">
-                <a16:creationId xmlns:a16="http://schemas.microsoft.com/office/drawing/2014/main" id="{1447920C-522C-48BD-BD46-479D0D73E142}"/>
+                <a16:creationId xmlns:a16="http://schemas.microsoft.com/office/drawing/2014/main" xmlns="" id="{1447920C-522C-48BD-BD46-479D0D73E142}"/>
               </a:ext>
             </a:extLst>
           </p:cNvPr>
@@ -13233,7 +13323,7 @@
           <p:nvPr>
             <p:extLst>
               <p:ext uri="{D42A27DB-BD31-4B8C-83A1-F6EECF244321}">
-                <p14:modId xmlns:p14="http://schemas.microsoft.com/office/powerpoint/2010/main" val="957424099"/>
+                <p14:modId xmlns:p14="http://schemas.microsoft.com/office/powerpoint/2010/main" val="356723859"/>
               </p:ext>
             </p:extLst>
           </p:nvPr>
@@ -13252,70 +13342,70 @@
                 <a:gridCol w="2664296">
                   <a:extLst>
                     <a:ext uri="{9D8B030D-6E8A-4147-A177-3AD203B41FA5}">
-                      <a16:colId xmlns:a16="http://schemas.microsoft.com/office/drawing/2014/main" val="20000"/>
+                      <a16:colId xmlns:a16="http://schemas.microsoft.com/office/drawing/2014/main" xmlns="" val="20000"/>
                     </a:ext>
                   </a:extLst>
                 </a:gridCol>
                 <a:gridCol w="1800200">
                   <a:extLst>
                     <a:ext uri="{9D8B030D-6E8A-4147-A177-3AD203B41FA5}">
-                      <a16:colId xmlns:a16="http://schemas.microsoft.com/office/drawing/2014/main" val="20001"/>
+                      <a16:colId xmlns:a16="http://schemas.microsoft.com/office/drawing/2014/main" xmlns="" val="20001"/>
                     </a:ext>
                   </a:extLst>
                 </a:gridCol>
                 <a:gridCol w="2158443">
                   <a:extLst>
                     <a:ext uri="{9D8B030D-6E8A-4147-A177-3AD203B41FA5}">
-                      <a16:colId xmlns:a16="http://schemas.microsoft.com/office/drawing/2014/main" val="20002"/>
+                      <a16:colId xmlns:a16="http://schemas.microsoft.com/office/drawing/2014/main" xmlns="" val="20002"/>
                     </a:ext>
                   </a:extLst>
                 </a:gridCol>
                 <a:gridCol w="1528371">
                   <a:extLst>
                     <a:ext uri="{9D8B030D-6E8A-4147-A177-3AD203B41FA5}">
-                      <a16:colId xmlns:a16="http://schemas.microsoft.com/office/drawing/2014/main" val="20003"/>
+                      <a16:colId xmlns:a16="http://schemas.microsoft.com/office/drawing/2014/main" xmlns="" val="20003"/>
                     </a:ext>
                   </a:extLst>
                 </a:gridCol>
                 <a:gridCol w="2037827">
                   <a:extLst>
                     <a:ext uri="{9D8B030D-6E8A-4147-A177-3AD203B41FA5}">
-                      <a16:colId xmlns:a16="http://schemas.microsoft.com/office/drawing/2014/main" val="20004"/>
+                      <a16:colId xmlns:a16="http://schemas.microsoft.com/office/drawing/2014/main" xmlns="" val="20004"/>
                     </a:ext>
                   </a:extLst>
                 </a:gridCol>
                 <a:gridCol w="2037827">
                   <a:extLst>
                     <a:ext uri="{9D8B030D-6E8A-4147-A177-3AD203B41FA5}">
-                      <a16:colId xmlns:a16="http://schemas.microsoft.com/office/drawing/2014/main" val="20005"/>
+                      <a16:colId xmlns:a16="http://schemas.microsoft.com/office/drawing/2014/main" xmlns="" val="20005"/>
                     </a:ext>
                   </a:extLst>
                 </a:gridCol>
                 <a:gridCol w="2037827">
                   <a:extLst>
                     <a:ext uri="{9D8B030D-6E8A-4147-A177-3AD203B41FA5}">
-                      <a16:colId xmlns:a16="http://schemas.microsoft.com/office/drawing/2014/main" val="20006"/>
+                      <a16:colId xmlns:a16="http://schemas.microsoft.com/office/drawing/2014/main" xmlns="" val="20006"/>
                     </a:ext>
                   </a:extLst>
                 </a:gridCol>
                 <a:gridCol w="2037827">
                   <a:extLst>
                     <a:ext uri="{9D8B030D-6E8A-4147-A177-3AD203B41FA5}">
-                      <a16:colId xmlns:a16="http://schemas.microsoft.com/office/drawing/2014/main" val="20007"/>
+                      <a16:colId xmlns:a16="http://schemas.microsoft.com/office/drawing/2014/main" xmlns="" val="20007"/>
                     </a:ext>
                   </a:extLst>
                 </a:gridCol>
                 <a:gridCol w="2037827">
                   <a:extLst>
                     <a:ext uri="{9D8B030D-6E8A-4147-A177-3AD203B41FA5}">
-                      <a16:colId xmlns:a16="http://schemas.microsoft.com/office/drawing/2014/main" val="20008"/>
+                      <a16:colId xmlns:a16="http://schemas.microsoft.com/office/drawing/2014/main" xmlns="" val="20008"/>
                     </a:ext>
                   </a:extLst>
                 </a:gridCol>
                 <a:gridCol w="2037827">
                   <a:extLst>
                     <a:ext uri="{9D8B030D-6E8A-4147-A177-3AD203B41FA5}">
-                      <a16:colId xmlns:a16="http://schemas.microsoft.com/office/drawing/2014/main" val="20009"/>
+                      <a16:colId xmlns:a16="http://schemas.microsoft.com/office/drawing/2014/main" xmlns="" val="20009"/>
                     </a:ext>
                   </a:extLst>
                 </a:gridCol>
@@ -13377,7 +13467,7 @@
                       <a:headEnd type="none" w="med" len="med"/>
                       <a:tailEnd type="none" w="med" len="med"/>
                     </a:lnL>
-                    <a:lnR w="38100" cap="flat" cmpd="sng" algn="ctr">
+                    <a:lnR w="28575" cap="flat" cmpd="sng" algn="ctr">
                       <a:solidFill>
                         <a:schemeClr val="accent1"/>
                       </a:solidFill>
@@ -13434,7 +13524,7 @@
                     </a:p>
                   </a:txBody>
                   <a:tcPr anchor="ctr">
-                    <a:lnL w="38100" cap="flat" cmpd="sng" algn="ctr">
+                    <a:lnL w="28575" cap="flat" cmpd="sng" algn="ctr">
                       <a:solidFill>
                         <a:schemeClr val="accent1"/>
                       </a:solidFill>
@@ -13589,7 +13679,7 @@
                 </a:tc>
                 <a:extLst>
                   <a:ext uri="{0D108BD9-81ED-4DB2-BD59-A6C34878D82A}">
-                    <a16:rowId xmlns:a16="http://schemas.microsoft.com/office/drawing/2014/main" val="10000"/>
+                    <a16:rowId xmlns:a16="http://schemas.microsoft.com/office/drawing/2014/main" xmlns="" val="10000"/>
                   </a:ext>
                 </a:extLst>
               </a:tr>
@@ -13612,7 +13702,7 @@
                     </a:p>
                   </a:txBody>
                   <a:tcPr anchor="ctr">
-                    <a:lnR w="38100" cap="flat" cmpd="sng" algn="ctr">
+                    <a:lnR w="28575" cap="flat" cmpd="sng" algn="ctr">
                       <a:solidFill>
                         <a:schemeClr val="accent1"/>
                       </a:solidFill>
@@ -13633,7 +13723,7 @@
                   </a:txBody>
                   <a:tcPr/>
                 </a:tc>
-                <a:tc>
+                <a:tc gridSpan="2">
                   <a:txBody>
                     <a:bodyPr/>
                     <a:lstStyle/>
@@ -13650,14 +13740,74 @@
                         </a:spcAft>
                       </a:pPr>
                       <a:r>
-                        <a:rPr lang="en-US" sz="2800">
+                        <a:rPr lang="en-US" sz="2800" dirty="0" smtClean="0">
                           <a:effectLst/>
                           <a:latin typeface="Calibri" panose="020F0502020204030204" pitchFamily="34" charset="0"/>
                           <a:ea typeface="Calibri" panose="020F0502020204030204" pitchFamily="34" charset="0"/>
                           <a:cs typeface="Times New Roman" panose="02020603050405020304" pitchFamily="18" charset="0"/>
                         </a:rPr>
-                        <a:t>0.93</a:t>
+                        <a:t>0.9</a:t>
                       </a:r>
+                      <a:r>
+                        <a:rPr lang="sr-Latn-BA" sz="2800" dirty="0" smtClean="0">
+                          <a:effectLst/>
+                          <a:latin typeface="Calibri" panose="020F0502020204030204" pitchFamily="34" charset="0"/>
+                          <a:ea typeface="Calibri" panose="020F0502020204030204" pitchFamily="34" charset="0"/>
+                          <a:cs typeface="Times New Roman" panose="02020603050405020304" pitchFamily="18" charset="0"/>
+                        </a:rPr>
+                        <a:t>3</a:t>
+                      </a:r>
+                      <a:endParaRPr lang="en-US" sz="2800" dirty="0">
+                        <a:effectLst/>
+                        <a:latin typeface="Calibri" panose="020F0502020204030204" pitchFamily="34" charset="0"/>
+                        <a:ea typeface="Calibri" panose="020F0502020204030204" pitchFamily="34" charset="0"/>
+                        <a:cs typeface="Times New Roman" panose="02020603050405020304" pitchFamily="18" charset="0"/>
+                      </a:endParaRPr>
+                    </a:p>
+                  </a:txBody>
+                  <a:tcPr anchor="ctr">
+                    <a:lnL w="28575" cap="flat" cmpd="sng" algn="ctr">
+                      <a:solidFill>
+                        <a:schemeClr val="accent1"/>
+                      </a:solidFill>
+                      <a:prstDash val="solid"/>
+                      <a:round/>
+                      <a:headEnd type="none" w="med" len="med"/>
+                      <a:tailEnd type="none" w="med" len="med"/>
+                    </a:lnL>
+                    <a:lnR w="28575" cap="flat" cmpd="sng" algn="ctr">
+                      <a:solidFill>
+                        <a:schemeClr val="accent1"/>
+                      </a:solidFill>
+                      <a:prstDash val="solid"/>
+                      <a:round/>
+                      <a:headEnd type="none" w="med" len="med"/>
+                      <a:tailEnd type="none" w="med" len="med"/>
+                    </a:lnR>
+                  </a:tcPr>
+                </a:tc>
+                <a:tc hMerge="1">
+                  <a:txBody>
+                    <a:bodyPr/>
+                    <a:lstStyle/>
+                    <a:p>
+                      <a:pPr marL="0" marR="0" algn="ctr">
+                        <a:lnSpc>
+                          <a:spcPct val="107000"/>
+                        </a:lnSpc>
+                        <a:spcBef>
+                          <a:spcPts val="0"/>
+                        </a:spcBef>
+                        <a:spcAft>
+                          <a:spcPts val="800"/>
+                        </a:spcAft>
+                      </a:pPr>
+                      <a:endParaRPr lang="en-US" sz="2800" dirty="0">
+                        <a:effectLst/>
+                        <a:latin typeface="Calibri" panose="020F0502020204030204" pitchFamily="34" charset="0"/>
+                        <a:ea typeface="Calibri" panose="020F0502020204030204" pitchFamily="34" charset="0"/>
+                        <a:cs typeface="Times New Roman" panose="02020603050405020304" pitchFamily="18" charset="0"/>
+                      </a:endParaRPr>
                     </a:p>
                   </a:txBody>
                   <a:tcPr anchor="ctr">
@@ -13670,18 +13820,9 @@
                       <a:headEnd type="none" w="med" len="med"/>
                       <a:tailEnd type="none" w="med" len="med"/>
                     </a:lnL>
-                    <a:lnR w="38100" cap="flat" cmpd="sng" algn="ctr">
-                      <a:solidFill>
-                        <a:schemeClr val="accent1"/>
-                      </a:solidFill>
-                      <a:prstDash val="solid"/>
-                      <a:round/>
-                      <a:headEnd type="none" w="med" len="med"/>
-                      <a:tailEnd type="none" w="med" len="med"/>
-                    </a:lnR>
                   </a:tcPr>
                 </a:tc>
-                <a:tc>
+                <a:tc gridSpan="2">
                   <a:txBody>
                     <a:bodyPr/>
                     <a:lstStyle/>
@@ -13698,14 +13839,74 @@
                         </a:spcAft>
                       </a:pPr>
                       <a:r>
-                        <a:rPr lang="en-US" sz="2800">
+                        <a:rPr lang="en-US" sz="2800" dirty="0" smtClean="0">
                           <a:effectLst/>
                           <a:latin typeface="Calibri" panose="020F0502020204030204" pitchFamily="34" charset="0"/>
                           <a:ea typeface="Calibri" panose="020F0502020204030204" pitchFamily="34" charset="0"/>
                           <a:cs typeface="Times New Roman" panose="02020603050405020304" pitchFamily="18" charset="0"/>
                         </a:rPr>
-                        <a:t>0.91</a:t>
+                        <a:t>0.9</a:t>
                       </a:r>
+                      <a:r>
+                        <a:rPr lang="sr-Latn-BA" sz="2800" dirty="0" smtClean="0">
+                          <a:effectLst/>
+                          <a:latin typeface="Calibri" panose="020F0502020204030204" pitchFamily="34" charset="0"/>
+                          <a:ea typeface="Calibri" panose="020F0502020204030204" pitchFamily="34" charset="0"/>
+                          <a:cs typeface="Times New Roman" panose="02020603050405020304" pitchFamily="18" charset="0"/>
+                        </a:rPr>
+                        <a:t>1</a:t>
+                      </a:r>
+                      <a:endParaRPr lang="en-US" sz="2800" dirty="0">
+                        <a:effectLst/>
+                        <a:latin typeface="Calibri" panose="020F0502020204030204" pitchFamily="34" charset="0"/>
+                        <a:ea typeface="Calibri" panose="020F0502020204030204" pitchFamily="34" charset="0"/>
+                        <a:cs typeface="Times New Roman" panose="02020603050405020304" pitchFamily="18" charset="0"/>
+                      </a:endParaRPr>
+                    </a:p>
+                  </a:txBody>
+                  <a:tcPr anchor="ctr">
+                    <a:lnL w="28575" cap="flat" cmpd="sng" algn="ctr">
+                      <a:solidFill>
+                        <a:schemeClr val="accent1"/>
+                      </a:solidFill>
+                      <a:prstDash val="solid"/>
+                      <a:round/>
+                      <a:headEnd type="none" w="med" len="med"/>
+                      <a:tailEnd type="none" w="med" len="med"/>
+                    </a:lnL>
+                    <a:lnR w="28575" cap="flat" cmpd="sng" algn="ctr">
+                      <a:solidFill>
+                        <a:schemeClr val="accent1"/>
+                      </a:solidFill>
+                      <a:prstDash val="solid"/>
+                      <a:round/>
+                      <a:headEnd type="none" w="med" len="med"/>
+                      <a:tailEnd type="none" w="med" len="med"/>
+                    </a:lnR>
+                  </a:tcPr>
+                </a:tc>
+                <a:tc hMerge="1">
+                  <a:txBody>
+                    <a:bodyPr/>
+                    <a:lstStyle/>
+                    <a:p>
+                      <a:pPr marL="0" marR="0" algn="ctr">
+                        <a:lnSpc>
+                          <a:spcPct val="107000"/>
+                        </a:lnSpc>
+                        <a:spcBef>
+                          <a:spcPts val="0"/>
+                        </a:spcBef>
+                        <a:spcAft>
+                          <a:spcPts val="800"/>
+                        </a:spcAft>
+                      </a:pPr>
+                      <a:endParaRPr lang="en-US" sz="2800" dirty="0">
+                        <a:effectLst/>
+                        <a:latin typeface="Calibri" panose="020F0502020204030204" pitchFamily="34" charset="0"/>
+                        <a:ea typeface="Calibri" panose="020F0502020204030204" pitchFamily="34" charset="0"/>
+                        <a:cs typeface="Times New Roman" panose="02020603050405020304" pitchFamily="18" charset="0"/>
+                      </a:endParaRPr>
                     </a:p>
                   </a:txBody>
                   <a:tcPr anchor="ctr">
@@ -13720,7 +13921,7 @@
                     </a:lnL>
                   </a:tcPr>
                 </a:tc>
-                <a:tc>
+                <a:tc gridSpan="2">
                   <a:txBody>
                     <a:bodyPr/>
                     <a:lstStyle/>
@@ -13737,18 +13938,42 @@
                         </a:spcAft>
                       </a:pPr>
                       <a:r>
-                        <a:rPr lang="en-US" sz="2800">
+                        <a:rPr lang="en-US" sz="2800" dirty="0" smtClean="0">
                           <a:effectLst/>
                           <a:latin typeface="Calibri" panose="020F0502020204030204" pitchFamily="34" charset="0"/>
                           <a:ea typeface="Calibri" panose="020F0502020204030204" pitchFamily="34" charset="0"/>
                           <a:cs typeface="Times New Roman" panose="02020603050405020304" pitchFamily="18" charset="0"/>
                         </a:rPr>
-                        <a:t>0.92</a:t>
+                        <a:t>0.9</a:t>
                       </a:r>
+                      <a:r>
+                        <a:rPr lang="sr-Latn-BA" sz="2800" dirty="0" smtClean="0">
+                          <a:effectLst/>
+                          <a:latin typeface="Calibri" panose="020F0502020204030204" pitchFamily="34" charset="0"/>
+                          <a:ea typeface="Calibri" panose="020F0502020204030204" pitchFamily="34" charset="0"/>
+                          <a:cs typeface="Times New Roman" panose="02020603050405020304" pitchFamily="18" charset="0"/>
+                        </a:rPr>
+                        <a:t>2</a:t>
+                      </a:r>
+                      <a:endParaRPr lang="en-US" sz="2800" dirty="0">
+                        <a:effectLst/>
+                        <a:latin typeface="Calibri" panose="020F0502020204030204" pitchFamily="34" charset="0"/>
+                        <a:ea typeface="Calibri" panose="020F0502020204030204" pitchFamily="34" charset="0"/>
+                        <a:cs typeface="Times New Roman" panose="02020603050405020304" pitchFamily="18" charset="0"/>
+                      </a:endParaRPr>
                     </a:p>
                   </a:txBody>
                   <a:tcPr anchor="ctr">
-                    <a:lnR w="38100" cap="flat" cmpd="sng" algn="ctr">
+                    <a:lnL w="28575" cap="flat" cmpd="sng" algn="ctr">
+                      <a:solidFill>
+                        <a:schemeClr val="accent1"/>
+                      </a:solidFill>
+                      <a:prstDash val="solid"/>
+                      <a:round/>
+                      <a:headEnd type="none" w="med" len="med"/>
+                      <a:tailEnd type="none" w="med" len="med"/>
+                    </a:lnL>
+                    <a:lnR w="28575" cap="flat" cmpd="sng" algn="ctr">
                       <a:solidFill>
                         <a:schemeClr val="accent1"/>
                       </a:solidFill>
@@ -13759,7 +13984,43 @@
                     </a:lnR>
                   </a:tcPr>
                 </a:tc>
-                <a:tc>
+                <a:tc hMerge="1">
+                  <a:txBody>
+                    <a:bodyPr/>
+                    <a:lstStyle/>
+                    <a:p>
+                      <a:pPr marL="0" marR="0" algn="ctr">
+                        <a:lnSpc>
+                          <a:spcPct val="107000"/>
+                        </a:lnSpc>
+                        <a:spcBef>
+                          <a:spcPts val="0"/>
+                        </a:spcBef>
+                        <a:spcAft>
+                          <a:spcPts val="800"/>
+                        </a:spcAft>
+                      </a:pPr>
+                      <a:endParaRPr lang="en-US" sz="2800" dirty="0">
+                        <a:effectLst/>
+                        <a:latin typeface="Calibri" panose="020F0502020204030204" pitchFamily="34" charset="0"/>
+                        <a:ea typeface="Calibri" panose="020F0502020204030204" pitchFamily="34" charset="0"/>
+                        <a:cs typeface="Times New Roman" panose="02020603050405020304" pitchFamily="18" charset="0"/>
+                      </a:endParaRPr>
+                    </a:p>
+                  </a:txBody>
+                  <a:tcPr anchor="ctr">
+                    <a:lnL w="38100" cap="flat" cmpd="sng" algn="ctr">
+                      <a:solidFill>
+                        <a:schemeClr val="accent1"/>
+                      </a:solidFill>
+                      <a:prstDash val="solid"/>
+                      <a:round/>
+                      <a:headEnd type="none" w="med" len="med"/>
+                      <a:tailEnd type="none" w="med" len="med"/>
+                    </a:lnL>
+                  </a:tcPr>
+                </a:tc>
+                <a:tc gridSpan="2">
                   <a:txBody>
                     <a:bodyPr/>
                     <a:lstStyle/>
@@ -13776,7 +14037,7 @@
                         </a:spcAft>
                       </a:pPr>
                       <a:r>
-                        <a:rPr lang="en-US" sz="2800">
+                        <a:rPr lang="en-US" sz="2800" dirty="0">
                           <a:effectLst/>
                           <a:latin typeface="Calibri" panose="020F0502020204030204" pitchFamily="34" charset="0"/>
                           <a:ea typeface="Calibri" panose="020F0502020204030204" pitchFamily="34" charset="0"/>
@@ -13787,7 +14048,7 @@
                     </a:p>
                   </a:txBody>
                   <a:tcPr anchor="ctr">
-                    <a:lnL w="38100" cap="flat" cmpd="sng" algn="ctr">
+                    <a:lnL w="28575" cap="flat" cmpd="sng" algn="ctr">
                       <a:solidFill>
                         <a:schemeClr val="accent1"/>
                       </a:solidFill>
@@ -13798,7 +14059,7 @@
                     </a:lnL>
                   </a:tcPr>
                 </a:tc>
-                <a:tc>
+                <a:tc hMerge="1">
                   <a:txBody>
                     <a:bodyPr/>
                     <a:lstStyle/>
@@ -13814,129 +14075,19 @@
                           <a:spcPts val="800"/>
                         </a:spcAft>
                       </a:pPr>
-                      <a:r>
-                        <a:rPr lang="en-US" sz="2800">
-                          <a:effectLst/>
-                          <a:latin typeface="Calibri" panose="020F0502020204030204" pitchFamily="34" charset="0"/>
-                          <a:ea typeface="Calibri" panose="020F0502020204030204" pitchFamily="34" charset="0"/>
-                          <a:cs typeface="Times New Roman" panose="02020603050405020304" pitchFamily="18" charset="0"/>
-                        </a:rPr>
-                        <a:t>0.93</a:t>
-                      </a:r>
-                    </a:p>
-                  </a:txBody>
-                  <a:tcPr anchor="ctr">
-                    <a:lnR w="38100" cap="flat" cmpd="sng" algn="ctr">
-                      <a:solidFill>
-                        <a:schemeClr val="accent1"/>
-                      </a:solidFill>
-                      <a:prstDash val="solid"/>
-                      <a:round/>
-                      <a:headEnd type="none" w="med" len="med"/>
-                      <a:tailEnd type="none" w="med" len="med"/>
-                    </a:lnR>
-                  </a:tcPr>
-                </a:tc>
-                <a:tc>
-                  <a:txBody>
-                    <a:bodyPr/>
-                    <a:lstStyle/>
-                    <a:p>
-                      <a:pPr marL="0" marR="0" algn="ctr">
-                        <a:lnSpc>
-                          <a:spcPct val="107000"/>
-                        </a:lnSpc>
-                        <a:spcBef>
-                          <a:spcPts val="0"/>
-                        </a:spcBef>
-                        <a:spcAft>
-                          <a:spcPts val="800"/>
-                        </a:spcAft>
-                      </a:pPr>
-                      <a:r>
-                        <a:rPr lang="en-US" sz="2800">
-                          <a:effectLst/>
-                          <a:latin typeface="Calibri" panose="020F0502020204030204" pitchFamily="34" charset="0"/>
-                          <a:ea typeface="Calibri" panose="020F0502020204030204" pitchFamily="34" charset="0"/>
-                          <a:cs typeface="Times New Roman" panose="02020603050405020304" pitchFamily="18" charset="0"/>
-                        </a:rPr>
-                        <a:t>0.91</a:t>
-                      </a:r>
-                    </a:p>
-                  </a:txBody>
-                  <a:tcPr anchor="ctr">
-                    <a:lnL w="38100" cap="flat" cmpd="sng" algn="ctr">
-                      <a:solidFill>
-                        <a:schemeClr val="accent1"/>
-                      </a:solidFill>
-                      <a:prstDash val="solid"/>
-                      <a:round/>
-                      <a:headEnd type="none" w="med" len="med"/>
-                      <a:tailEnd type="none" w="med" len="med"/>
-                    </a:lnL>
-                  </a:tcPr>
-                </a:tc>
-                <a:tc>
-                  <a:txBody>
-                    <a:bodyPr/>
-                    <a:lstStyle/>
-                    <a:p>
-                      <a:pPr marL="0" marR="0" algn="ctr">
-                        <a:lnSpc>
-                          <a:spcPct val="107000"/>
-                        </a:lnSpc>
-                        <a:spcBef>
-                          <a:spcPts val="0"/>
-                        </a:spcBef>
-                        <a:spcAft>
-                          <a:spcPts val="800"/>
-                        </a:spcAft>
-                      </a:pPr>
-                      <a:r>
-                        <a:rPr lang="en-US" sz="2800">
-                          <a:effectLst/>
-                          <a:latin typeface="Calibri" panose="020F0502020204030204" pitchFamily="34" charset="0"/>
-                          <a:ea typeface="Calibri" panose="020F0502020204030204" pitchFamily="34" charset="0"/>
-                          <a:cs typeface="Times New Roman" panose="02020603050405020304" pitchFamily="18" charset="0"/>
-                        </a:rPr>
-                        <a:t>0.92</a:t>
-                      </a:r>
-                    </a:p>
-                  </a:txBody>
-                  <a:tcPr anchor="ctr"/>
-                </a:tc>
-                <a:tc>
-                  <a:txBody>
-                    <a:bodyPr/>
-                    <a:lstStyle/>
-                    <a:p>
-                      <a:pPr marL="0" marR="0" algn="ctr">
-                        <a:lnSpc>
-                          <a:spcPct val="107000"/>
-                        </a:lnSpc>
-                        <a:spcBef>
-                          <a:spcPts val="0"/>
-                        </a:spcBef>
-                        <a:spcAft>
-                          <a:spcPts val="800"/>
-                        </a:spcAft>
-                      </a:pPr>
-                      <a:r>
-                        <a:rPr lang="en-US" sz="2800">
-                          <a:effectLst/>
-                          <a:latin typeface="Calibri" panose="020F0502020204030204" pitchFamily="34" charset="0"/>
-                          <a:ea typeface="Calibri" panose="020F0502020204030204" pitchFamily="34" charset="0"/>
-                          <a:cs typeface="Times New Roman" panose="02020603050405020304" pitchFamily="18" charset="0"/>
-                        </a:rPr>
-                        <a:t>0.90</a:t>
-                      </a:r>
+                      <a:endParaRPr lang="en-US" sz="2800" dirty="0">
+                        <a:effectLst/>
+                        <a:latin typeface="Calibri" panose="020F0502020204030204" pitchFamily="34" charset="0"/>
+                        <a:ea typeface="Calibri" panose="020F0502020204030204" pitchFamily="34" charset="0"/>
+                        <a:cs typeface="Times New Roman" panose="02020603050405020304" pitchFamily="18" charset="0"/>
+                      </a:endParaRPr>
                     </a:p>
                   </a:txBody>
                   <a:tcPr anchor="ctr"/>
                 </a:tc>
                 <a:extLst>
                   <a:ext uri="{0D108BD9-81ED-4DB2-BD59-A6C34878D82A}">
-                    <a16:rowId xmlns:a16="http://schemas.microsoft.com/office/drawing/2014/main" val="10001"/>
+                    <a16:rowId xmlns:a16="http://schemas.microsoft.com/office/drawing/2014/main" xmlns="" val="10001"/>
                   </a:ext>
                 </a:extLst>
               </a:tr>
@@ -13975,7 +14126,7 @@
                     </a:p>
                   </a:txBody>
                   <a:tcPr anchor="ctr">
-                    <a:lnR w="38100" cap="flat" cmpd="sng" algn="ctr">
+                    <a:lnR w="28575" cap="flat" cmpd="sng" algn="ctr">
                       <a:solidFill>
                         <a:schemeClr val="accent1"/>
                       </a:solidFill>
@@ -13996,7 +14147,7 @@
                   </a:txBody>
                   <a:tcPr/>
                 </a:tc>
-                <a:tc>
+                <a:tc gridSpan="2">
                   <a:txBody>
                     <a:bodyPr/>
                     <a:lstStyle/>
@@ -14013,7 +14164,7 @@
                         </a:spcAft>
                       </a:pPr>
                       <a:r>
-                        <a:rPr lang="en-US" sz="2800" dirty="0">
+                        <a:rPr lang="sr-Latn-BA" sz="2800" dirty="0" smtClean="0">
                           <a:effectLst/>
                           <a:latin typeface="Calibri" panose="020F0502020204030204" pitchFamily="34" charset="0"/>
                           <a:ea typeface="Calibri" panose="020F0502020204030204" pitchFamily="34" charset="0"/>
@@ -14021,6 +14172,57 @@
                         </a:rPr>
                         <a:t>0.20</a:t>
                       </a:r>
+                      <a:endParaRPr lang="en-US" sz="2800" dirty="0">
+                        <a:effectLst/>
+                        <a:latin typeface="Calibri" panose="020F0502020204030204" pitchFamily="34" charset="0"/>
+                        <a:ea typeface="Calibri" panose="020F0502020204030204" pitchFamily="34" charset="0"/>
+                        <a:cs typeface="Times New Roman" panose="02020603050405020304" pitchFamily="18" charset="0"/>
+                      </a:endParaRPr>
+                    </a:p>
+                  </a:txBody>
+                  <a:tcPr anchor="ctr">
+                    <a:lnL w="28575" cap="flat" cmpd="sng" algn="ctr">
+                      <a:solidFill>
+                        <a:schemeClr val="accent1"/>
+                      </a:solidFill>
+                      <a:prstDash val="solid"/>
+                      <a:round/>
+                      <a:headEnd type="none" w="med" len="med"/>
+                      <a:tailEnd type="none" w="med" len="med"/>
+                    </a:lnL>
+                    <a:lnR w="28575" cap="flat" cmpd="sng" algn="ctr">
+                      <a:solidFill>
+                        <a:schemeClr val="accent1"/>
+                      </a:solidFill>
+                      <a:prstDash val="solid"/>
+                      <a:round/>
+                      <a:headEnd type="none" w="med" len="med"/>
+                      <a:tailEnd type="none" w="med" len="med"/>
+                    </a:lnR>
+                  </a:tcPr>
+                </a:tc>
+                <a:tc hMerge="1">
+                  <a:txBody>
+                    <a:bodyPr/>
+                    <a:lstStyle/>
+                    <a:p>
+                      <a:pPr marL="0" marR="0" algn="ctr">
+                        <a:lnSpc>
+                          <a:spcPct val="107000"/>
+                        </a:lnSpc>
+                        <a:spcBef>
+                          <a:spcPts val="0"/>
+                        </a:spcBef>
+                        <a:spcAft>
+                          <a:spcPts val="800"/>
+                        </a:spcAft>
+                      </a:pPr>
+                      <a:endParaRPr lang="en-US" sz="2800" dirty="0">
+                        <a:effectLst/>
+                        <a:latin typeface="Calibri" panose="020F0502020204030204" pitchFamily="34" charset="0"/>
+                        <a:ea typeface="Calibri" panose="020F0502020204030204" pitchFamily="34" charset="0"/>
+                        <a:cs typeface="Times New Roman" panose="02020603050405020304" pitchFamily="18" charset="0"/>
+                      </a:endParaRPr>
                     </a:p>
                   </a:txBody>
                   <a:tcPr anchor="ctr">
@@ -14033,18 +14235,9 @@
                       <a:headEnd type="none" w="med" len="med"/>
                       <a:tailEnd type="none" w="med" len="med"/>
                     </a:lnL>
-                    <a:lnR w="38100" cap="flat" cmpd="sng" algn="ctr">
-                      <a:solidFill>
-                        <a:schemeClr val="accent1"/>
-                      </a:solidFill>
-                      <a:prstDash val="solid"/>
-                      <a:round/>
-                      <a:headEnd type="none" w="med" len="med"/>
-                      <a:tailEnd type="none" w="med" len="med"/>
-                    </a:lnR>
                   </a:tcPr>
                 </a:tc>
-                <a:tc>
+                <a:tc gridSpan="2">
                   <a:txBody>
                     <a:bodyPr/>
                     <a:lstStyle/>
@@ -14061,14 +14254,74 @@
                         </a:spcAft>
                       </a:pPr>
                       <a:r>
-                        <a:rPr lang="en-US" sz="2800">
+                        <a:rPr lang="en-US" sz="2800" dirty="0" smtClean="0">
                           <a:effectLst/>
                           <a:latin typeface="Calibri" panose="020F0502020204030204" pitchFamily="34" charset="0"/>
                           <a:ea typeface="Calibri" panose="020F0502020204030204" pitchFamily="34" charset="0"/>
                           <a:cs typeface="Times New Roman" panose="02020603050405020304" pitchFamily="18" charset="0"/>
                         </a:rPr>
-                        <a:t>0.18</a:t>
+                        <a:t>0.1</a:t>
                       </a:r>
+                      <a:r>
+                        <a:rPr lang="sr-Latn-BA" sz="2800" dirty="0" smtClean="0">
+                          <a:effectLst/>
+                          <a:latin typeface="Calibri" panose="020F0502020204030204" pitchFamily="34" charset="0"/>
+                          <a:ea typeface="Calibri" panose="020F0502020204030204" pitchFamily="34" charset="0"/>
+                          <a:cs typeface="Times New Roman" panose="02020603050405020304" pitchFamily="18" charset="0"/>
+                        </a:rPr>
+                        <a:t>8</a:t>
+                      </a:r>
+                      <a:endParaRPr lang="en-US" sz="2800" dirty="0">
+                        <a:effectLst/>
+                        <a:latin typeface="Calibri" panose="020F0502020204030204" pitchFamily="34" charset="0"/>
+                        <a:ea typeface="Calibri" panose="020F0502020204030204" pitchFamily="34" charset="0"/>
+                        <a:cs typeface="Times New Roman" panose="02020603050405020304" pitchFamily="18" charset="0"/>
+                      </a:endParaRPr>
+                    </a:p>
+                  </a:txBody>
+                  <a:tcPr anchor="ctr">
+                    <a:lnL w="28575" cap="flat" cmpd="sng" algn="ctr">
+                      <a:solidFill>
+                        <a:schemeClr val="accent1"/>
+                      </a:solidFill>
+                      <a:prstDash val="solid"/>
+                      <a:round/>
+                      <a:headEnd type="none" w="med" len="med"/>
+                      <a:tailEnd type="none" w="med" len="med"/>
+                    </a:lnL>
+                    <a:lnR w="28575" cap="flat" cmpd="sng" algn="ctr">
+                      <a:solidFill>
+                        <a:schemeClr val="accent1"/>
+                      </a:solidFill>
+                      <a:prstDash val="solid"/>
+                      <a:round/>
+                      <a:headEnd type="none" w="med" len="med"/>
+                      <a:tailEnd type="none" w="med" len="med"/>
+                    </a:lnR>
+                  </a:tcPr>
+                </a:tc>
+                <a:tc hMerge="1">
+                  <a:txBody>
+                    <a:bodyPr/>
+                    <a:lstStyle/>
+                    <a:p>
+                      <a:pPr marL="0" marR="0" algn="ctr">
+                        <a:lnSpc>
+                          <a:spcPct val="107000"/>
+                        </a:lnSpc>
+                        <a:spcBef>
+                          <a:spcPts val="0"/>
+                        </a:spcBef>
+                        <a:spcAft>
+                          <a:spcPts val="800"/>
+                        </a:spcAft>
+                      </a:pPr>
+                      <a:endParaRPr lang="en-US" sz="2800" dirty="0">
+                        <a:effectLst/>
+                        <a:latin typeface="Calibri" panose="020F0502020204030204" pitchFamily="34" charset="0"/>
+                        <a:ea typeface="Calibri" panose="020F0502020204030204" pitchFamily="34" charset="0"/>
+                        <a:cs typeface="Times New Roman" panose="02020603050405020304" pitchFamily="18" charset="0"/>
+                      </a:endParaRPr>
                     </a:p>
                   </a:txBody>
                   <a:tcPr anchor="ctr">
@@ -14083,7 +14336,7 @@
                     </a:lnL>
                   </a:tcPr>
                 </a:tc>
-                <a:tc>
+                <a:tc gridSpan="2">
                   <a:txBody>
                     <a:bodyPr/>
                     <a:lstStyle/>
@@ -14100,18 +14353,42 @@
                         </a:spcAft>
                       </a:pPr>
                       <a:r>
-                        <a:rPr lang="en-US" sz="2800">
+                        <a:rPr lang="en-US" sz="2800" dirty="0" smtClean="0">
                           <a:effectLst/>
                           <a:latin typeface="Calibri" panose="020F0502020204030204" pitchFamily="34" charset="0"/>
                           <a:ea typeface="Calibri" panose="020F0502020204030204" pitchFamily="34" charset="0"/>
                           <a:cs typeface="Times New Roman" panose="02020603050405020304" pitchFamily="18" charset="0"/>
                         </a:rPr>
-                        <a:t>0.19</a:t>
+                        <a:t>0.</a:t>
                       </a:r>
+                      <a:r>
+                        <a:rPr lang="sr-Latn-BA" sz="2800" dirty="0" smtClean="0">
+                          <a:effectLst/>
+                          <a:latin typeface="Calibri" panose="020F0502020204030204" pitchFamily="34" charset="0"/>
+                          <a:ea typeface="Calibri" panose="020F0502020204030204" pitchFamily="34" charset="0"/>
+                          <a:cs typeface="Times New Roman" panose="02020603050405020304" pitchFamily="18" charset="0"/>
+                        </a:rPr>
+                        <a:t>19</a:t>
+                      </a:r>
+                      <a:endParaRPr lang="en-US" sz="2800" dirty="0">
+                        <a:effectLst/>
+                        <a:latin typeface="Calibri" panose="020F0502020204030204" pitchFamily="34" charset="0"/>
+                        <a:ea typeface="Calibri" panose="020F0502020204030204" pitchFamily="34" charset="0"/>
+                        <a:cs typeface="Times New Roman" panose="02020603050405020304" pitchFamily="18" charset="0"/>
+                      </a:endParaRPr>
                     </a:p>
                   </a:txBody>
                   <a:tcPr anchor="ctr">
-                    <a:lnR w="38100" cap="flat" cmpd="sng" algn="ctr">
+                    <a:lnL w="28575" cap="flat" cmpd="sng" algn="ctr">
+                      <a:solidFill>
+                        <a:schemeClr val="accent1"/>
+                      </a:solidFill>
+                      <a:prstDash val="solid"/>
+                      <a:round/>
+                      <a:headEnd type="none" w="med" len="med"/>
+                      <a:tailEnd type="none" w="med" len="med"/>
+                    </a:lnL>
+                    <a:lnR w="28575" cap="flat" cmpd="sng" algn="ctr">
                       <a:solidFill>
                         <a:schemeClr val="accent1"/>
                       </a:solidFill>
@@ -14122,7 +14399,7 @@
                     </a:lnR>
                   </a:tcPr>
                 </a:tc>
-                <a:tc>
+                <a:tc hMerge="1">
                   <a:txBody>
                     <a:bodyPr/>
                     <a:lstStyle/>
@@ -14138,15 +14415,12 @@
                           <a:spcPts val="800"/>
                         </a:spcAft>
                       </a:pPr>
-                      <a:r>
-                        <a:rPr lang="en-US" sz="2800">
-                          <a:effectLst/>
-                          <a:latin typeface="Calibri" panose="020F0502020204030204" pitchFamily="34" charset="0"/>
-                          <a:ea typeface="Calibri" panose="020F0502020204030204" pitchFamily="34" charset="0"/>
-                          <a:cs typeface="Times New Roman" panose="02020603050405020304" pitchFamily="18" charset="0"/>
-                        </a:rPr>
-                        <a:t>0.19</a:t>
-                      </a:r>
+                      <a:endParaRPr lang="en-US" sz="2800" dirty="0">
+                        <a:effectLst/>
+                        <a:latin typeface="Calibri" panose="020F0502020204030204" pitchFamily="34" charset="0"/>
+                        <a:ea typeface="Calibri" panose="020F0502020204030204" pitchFamily="34" charset="0"/>
+                        <a:cs typeface="Times New Roman" panose="02020603050405020304" pitchFamily="18" charset="0"/>
+                      </a:endParaRPr>
                     </a:p>
                   </a:txBody>
                   <a:tcPr anchor="ctr">
@@ -14161,85 +14435,7 @@
                     </a:lnL>
                   </a:tcPr>
                 </a:tc>
-                <a:tc>
-                  <a:txBody>
-                    <a:bodyPr/>
-                    <a:lstStyle/>
-                    <a:p>
-                      <a:pPr marL="0" marR="0" algn="ctr">
-                        <a:lnSpc>
-                          <a:spcPct val="107000"/>
-                        </a:lnSpc>
-                        <a:spcBef>
-                          <a:spcPts val="0"/>
-                        </a:spcBef>
-                        <a:spcAft>
-                          <a:spcPts val="800"/>
-                        </a:spcAft>
-                      </a:pPr>
-                      <a:r>
-                        <a:rPr lang="en-US" sz="2800">
-                          <a:effectLst/>
-                          <a:latin typeface="Calibri" panose="020F0502020204030204" pitchFamily="34" charset="0"/>
-                          <a:ea typeface="Calibri" panose="020F0502020204030204" pitchFamily="34" charset="0"/>
-                          <a:cs typeface="Times New Roman" panose="02020603050405020304" pitchFamily="18" charset="0"/>
-                        </a:rPr>
-                        <a:t>0.20</a:t>
-                      </a:r>
-                    </a:p>
-                  </a:txBody>
-                  <a:tcPr anchor="ctr">
-                    <a:lnR w="38100" cap="flat" cmpd="sng" algn="ctr">
-                      <a:solidFill>
-                        <a:schemeClr val="accent1"/>
-                      </a:solidFill>
-                      <a:prstDash val="solid"/>
-                      <a:round/>
-                      <a:headEnd type="none" w="med" len="med"/>
-                      <a:tailEnd type="none" w="med" len="med"/>
-                    </a:lnR>
-                  </a:tcPr>
-                </a:tc>
-                <a:tc>
-                  <a:txBody>
-                    <a:bodyPr/>
-                    <a:lstStyle/>
-                    <a:p>
-                      <a:pPr marL="0" marR="0" algn="ctr">
-                        <a:lnSpc>
-                          <a:spcPct val="107000"/>
-                        </a:lnSpc>
-                        <a:spcBef>
-                          <a:spcPts val="0"/>
-                        </a:spcBef>
-                        <a:spcAft>
-                          <a:spcPts val="800"/>
-                        </a:spcAft>
-                      </a:pPr>
-                      <a:r>
-                        <a:rPr lang="en-US" sz="2800">
-                          <a:effectLst/>
-                          <a:latin typeface="Calibri" panose="020F0502020204030204" pitchFamily="34" charset="0"/>
-                          <a:ea typeface="Calibri" panose="020F0502020204030204" pitchFamily="34" charset="0"/>
-                          <a:cs typeface="Times New Roman" panose="02020603050405020304" pitchFamily="18" charset="0"/>
-                        </a:rPr>
-                        <a:t>0.18</a:t>
-                      </a:r>
-                    </a:p>
-                  </a:txBody>
-                  <a:tcPr anchor="ctr">
-                    <a:lnL w="38100" cap="flat" cmpd="sng" algn="ctr">
-                      <a:solidFill>
-                        <a:schemeClr val="accent1"/>
-                      </a:solidFill>
-                      <a:prstDash val="solid"/>
-                      <a:round/>
-                      <a:headEnd type="none" w="med" len="med"/>
-                      <a:tailEnd type="none" w="med" len="med"/>
-                    </a:lnL>
-                  </a:tcPr>
-                </a:tc>
-                <a:tc>
+                <a:tc gridSpan="2">
                   <a:txBody>
                     <a:bodyPr/>
                     <a:lstStyle/>
@@ -14266,9 +14462,19 @@
                       </a:r>
                     </a:p>
                   </a:txBody>
-                  <a:tcPr anchor="ctr"/>
+                  <a:tcPr anchor="ctr">
+                    <a:lnL w="28575" cap="flat" cmpd="sng" algn="ctr">
+                      <a:solidFill>
+                        <a:schemeClr val="accent1"/>
+                      </a:solidFill>
+                      <a:prstDash val="solid"/>
+                      <a:round/>
+                      <a:headEnd type="none" w="med" len="med"/>
+                      <a:tailEnd type="none" w="med" len="med"/>
+                    </a:lnL>
+                  </a:tcPr>
                 </a:tc>
-                <a:tc>
+                <a:tc hMerge="1">
                   <a:txBody>
                     <a:bodyPr/>
                     <a:lstStyle/>
@@ -14284,22 +14490,19 @@
                           <a:spcPts val="800"/>
                         </a:spcAft>
                       </a:pPr>
-                      <a:r>
-                        <a:rPr lang="en-US" sz="2800" dirty="0">
-                          <a:effectLst/>
-                          <a:latin typeface="Calibri" panose="020F0502020204030204" pitchFamily="34" charset="0"/>
-                          <a:ea typeface="Calibri" panose="020F0502020204030204" pitchFamily="34" charset="0"/>
-                          <a:cs typeface="Times New Roman" panose="02020603050405020304" pitchFamily="18" charset="0"/>
-                        </a:rPr>
-                        <a:t>0.19</a:t>
-                      </a:r>
+                      <a:endParaRPr lang="en-US" sz="2800" dirty="0">
+                        <a:effectLst/>
+                        <a:latin typeface="Calibri" panose="020F0502020204030204" pitchFamily="34" charset="0"/>
+                        <a:ea typeface="Calibri" panose="020F0502020204030204" pitchFamily="34" charset="0"/>
+                        <a:cs typeface="Times New Roman" panose="02020603050405020304" pitchFamily="18" charset="0"/>
+                      </a:endParaRPr>
                     </a:p>
                   </a:txBody>
                   <a:tcPr anchor="ctr"/>
                 </a:tc>
                 <a:extLst>
                   <a:ext uri="{0D108BD9-81ED-4DB2-BD59-A6C34878D82A}">
-                    <a16:rowId xmlns:a16="http://schemas.microsoft.com/office/drawing/2014/main" val="10002"/>
+                    <a16:rowId xmlns:a16="http://schemas.microsoft.com/office/drawing/2014/main" xmlns="" val="10002"/>
                   </a:ext>
                 </a:extLst>
               </a:tr>
@@ -14340,7 +14543,7 @@
                     </a:p>
                   </a:txBody>
                   <a:tcPr anchor="ctr">
-                    <a:lnR w="38100" cap="flat" cmpd="sng" algn="ctr">
+                    <a:lnR w="28575" cap="flat" cmpd="sng" algn="ctr">
                       <a:solidFill>
                         <a:schemeClr val="accent1"/>
                       </a:solidFill>
@@ -14365,7 +14568,7 @@
                     </a:p>
                   </a:txBody>
                   <a:tcPr anchor="ctr">
-                    <a:lnL w="38100" cap="flat" cmpd="sng" algn="ctr">
+                    <a:lnL w="28575" cap="flat" cmpd="sng" algn="ctr">
                       <a:solidFill>
                         <a:schemeClr val="accent1"/>
                       </a:solidFill>
@@ -14389,7 +14592,7 @@
                     </a:p>
                   </a:txBody>
                   <a:tcPr anchor="ctr">
-                    <a:lnR w="38100" cap="flat" cmpd="sng" algn="ctr">
+                    <a:lnR w="28575" cap="flat" cmpd="sng" algn="ctr">
                       <a:solidFill>
                         <a:schemeClr val="accent1"/>
                       </a:solidFill>
@@ -14414,7 +14617,7 @@
                     </a:p>
                   </a:txBody>
                   <a:tcPr anchor="ctr">
-                    <a:lnL w="38100" cap="flat" cmpd="sng" algn="ctr">
+                    <a:lnL w="28575" cap="flat" cmpd="sng" algn="ctr">
                       <a:solidFill>
                         <a:schemeClr val="accent1"/>
                       </a:solidFill>
@@ -14438,7 +14641,7 @@
                     </a:p>
                   </a:txBody>
                   <a:tcPr anchor="ctr">
-                    <a:lnR w="38100" cap="flat" cmpd="sng" algn="ctr">
+                    <a:lnR w="28575" cap="flat" cmpd="sng" algn="ctr">
                       <a:solidFill>
                         <a:schemeClr val="accent1"/>
                       </a:solidFill>
@@ -14463,7 +14666,7 @@
                     </a:p>
                   </a:txBody>
                   <a:tcPr anchor="ctr">
-                    <a:lnL w="38100" cap="flat" cmpd="sng" algn="ctr">
+                    <a:lnL w="28575" cap="flat" cmpd="sng" algn="ctr">
                       <a:solidFill>
                         <a:schemeClr val="accent1"/>
                       </a:solidFill>
@@ -14487,7 +14690,7 @@
                     </a:p>
                   </a:txBody>
                   <a:tcPr anchor="ctr">
-                    <a:lnR w="38100" cap="flat" cmpd="sng" algn="ctr">
+                    <a:lnR w="28575" cap="flat" cmpd="sng" algn="ctr">
                       <a:solidFill>
                         <a:schemeClr val="accent1"/>
                       </a:solidFill>
@@ -14512,7 +14715,7 @@
                     </a:p>
                   </a:txBody>
                   <a:tcPr anchor="ctr">
-                    <a:lnL w="38100" cap="flat" cmpd="sng" algn="ctr">
+                    <a:lnL w="28575" cap="flat" cmpd="sng" algn="ctr">
                       <a:solidFill>
                         <a:schemeClr val="accent1"/>
                       </a:solidFill>
@@ -14539,7 +14742,7 @@
                 </a:tc>
                 <a:extLst>
                   <a:ext uri="{0D108BD9-81ED-4DB2-BD59-A6C34878D82A}">
-                    <a16:rowId xmlns:a16="http://schemas.microsoft.com/office/drawing/2014/main" val="10003"/>
+                    <a16:rowId xmlns:a16="http://schemas.microsoft.com/office/drawing/2014/main" xmlns="" val="10003"/>
                   </a:ext>
                 </a:extLst>
               </a:tr>
@@ -14591,7 +14794,7 @@
                     </a:p>
                   </a:txBody>
                   <a:tcPr anchor="ctr">
-                    <a:lnR w="38100" cap="flat" cmpd="sng" algn="ctr">
+                    <a:lnR w="28575" cap="flat" cmpd="sng" algn="ctr">
                       <a:solidFill>
                         <a:schemeClr val="accent1"/>
                       </a:solidFill>
@@ -14630,7 +14833,7 @@
                     </a:p>
                   </a:txBody>
                   <a:tcPr anchor="ctr">
-                    <a:lnL w="38100" cap="flat" cmpd="sng" algn="ctr">
+                    <a:lnL w="28575" cap="flat" cmpd="sng" algn="ctr">
                       <a:solidFill>
                         <a:schemeClr val="accent1"/>
                       </a:solidFill>
@@ -14669,7 +14872,7 @@
                     </a:p>
                   </a:txBody>
                   <a:tcPr anchor="ctr">
-                    <a:lnR w="38100" cap="flat" cmpd="sng" algn="ctr">
+                    <a:lnR w="28575" cap="flat" cmpd="sng" algn="ctr">
                       <a:solidFill>
                         <a:schemeClr val="accent1"/>
                       </a:solidFill>
@@ -14708,7 +14911,7 @@
                     </a:p>
                   </a:txBody>
                   <a:tcPr anchor="ctr">
-                    <a:lnL w="38100" cap="flat" cmpd="sng" algn="ctr">
+                    <a:lnL w="28575" cap="flat" cmpd="sng" algn="ctr">
                       <a:solidFill>
                         <a:schemeClr val="accent1"/>
                       </a:solidFill>
@@ -14747,7 +14950,7 @@
                     </a:p>
                   </a:txBody>
                   <a:tcPr anchor="ctr">
-                    <a:lnR w="38100" cap="flat" cmpd="sng" algn="ctr">
+                    <a:lnR w="28575" cap="flat" cmpd="sng" algn="ctr">
                       <a:solidFill>
                         <a:schemeClr val="accent1"/>
                       </a:solidFill>
@@ -14786,7 +14989,7 @@
                     </a:p>
                   </a:txBody>
                   <a:tcPr anchor="ctr">
-                    <a:lnL w="38100" cap="flat" cmpd="sng" algn="ctr">
+                    <a:lnL w="28575" cap="flat" cmpd="sng" algn="ctr">
                       <a:solidFill>
                         <a:schemeClr val="accent1"/>
                       </a:solidFill>
@@ -14825,7 +15028,7 @@
                     </a:p>
                   </a:txBody>
                   <a:tcPr anchor="ctr">
-                    <a:lnR w="38100" cap="flat" cmpd="sng" algn="ctr">
+                    <a:lnR w="28575" cap="flat" cmpd="sng" algn="ctr">
                       <a:solidFill>
                         <a:schemeClr val="accent1"/>
                       </a:solidFill>
@@ -14864,7 +15067,7 @@
                     </a:p>
                   </a:txBody>
                   <a:tcPr anchor="ctr">
-                    <a:lnL w="38100" cap="flat" cmpd="sng" algn="ctr">
+                    <a:lnL w="28575" cap="flat" cmpd="sng" algn="ctr">
                       <a:solidFill>
                         <a:schemeClr val="accent1"/>
                       </a:solidFill>
@@ -14906,7 +15109,7 @@
                 </a:tc>
                 <a:extLst>
                   <a:ext uri="{0D108BD9-81ED-4DB2-BD59-A6C34878D82A}">
-                    <a16:rowId xmlns:a16="http://schemas.microsoft.com/office/drawing/2014/main" val="10004"/>
+                    <a16:rowId xmlns:a16="http://schemas.microsoft.com/office/drawing/2014/main" xmlns="" val="10004"/>
                   </a:ext>
                 </a:extLst>
               </a:tr>
@@ -14940,7 +15143,7 @@
                     </a:p>
                   </a:txBody>
                   <a:tcPr anchor="ctr">
-                    <a:lnR w="38100" cap="flat" cmpd="sng" algn="ctr">
+                    <a:lnR w="28575" cap="flat" cmpd="sng" algn="ctr">
                       <a:solidFill>
                         <a:schemeClr val="accent1"/>
                       </a:solidFill>
@@ -14979,7 +15182,7 @@
                     </a:p>
                   </a:txBody>
                   <a:tcPr anchor="ctr">
-                    <a:lnL w="38100" cap="flat" cmpd="sng" algn="ctr">
+                    <a:lnL w="28575" cap="flat" cmpd="sng" algn="ctr">
                       <a:solidFill>
                         <a:schemeClr val="accent1"/>
                       </a:solidFill>
@@ -15018,7 +15221,7 @@
                     </a:p>
                   </a:txBody>
                   <a:tcPr anchor="ctr">
-                    <a:lnR w="38100" cap="flat" cmpd="sng" algn="ctr">
+                    <a:lnR w="28575" cap="flat" cmpd="sng" algn="ctr">
                       <a:solidFill>
                         <a:schemeClr val="accent1"/>
                       </a:solidFill>
@@ -15057,7 +15260,7 @@
                     </a:p>
                   </a:txBody>
                   <a:tcPr anchor="ctr">
-                    <a:lnL w="38100" cap="flat" cmpd="sng" algn="ctr">
+                    <a:lnL w="28575" cap="flat" cmpd="sng" algn="ctr">
                       <a:solidFill>
                         <a:schemeClr val="accent1"/>
                       </a:solidFill>
@@ -15096,7 +15299,7 @@
                     </a:p>
                   </a:txBody>
                   <a:tcPr anchor="ctr">
-                    <a:lnR w="38100" cap="flat" cmpd="sng" algn="ctr">
+                    <a:lnR w="28575" cap="flat" cmpd="sng" algn="ctr">
                       <a:solidFill>
                         <a:schemeClr val="accent1"/>
                       </a:solidFill>
@@ -15135,7 +15338,7 @@
                     </a:p>
                   </a:txBody>
                   <a:tcPr anchor="ctr">
-                    <a:lnL w="38100" cap="flat" cmpd="sng" algn="ctr">
+                    <a:lnL w="28575" cap="flat" cmpd="sng" algn="ctr">
                       <a:solidFill>
                         <a:schemeClr val="accent1"/>
                       </a:solidFill>
@@ -15174,7 +15377,7 @@
                     </a:p>
                   </a:txBody>
                   <a:tcPr anchor="ctr">
-                    <a:lnR w="38100" cap="flat" cmpd="sng" algn="ctr">
+                    <a:lnR w="28575" cap="flat" cmpd="sng" algn="ctr">
                       <a:solidFill>
                         <a:schemeClr val="accent1"/>
                       </a:solidFill>
@@ -15213,7 +15416,7 @@
                     </a:p>
                   </a:txBody>
                   <a:tcPr anchor="ctr">
-                    <a:lnL w="38100" cap="flat" cmpd="sng" algn="ctr">
+                    <a:lnL w="28575" cap="flat" cmpd="sng" algn="ctr">
                       <a:solidFill>
                         <a:schemeClr val="accent1"/>
                       </a:solidFill>
@@ -15255,7 +15458,7 @@
                 </a:tc>
                 <a:extLst>
                   <a:ext uri="{0D108BD9-81ED-4DB2-BD59-A6C34878D82A}">
-                    <a16:rowId xmlns:a16="http://schemas.microsoft.com/office/drawing/2014/main" val="10005"/>
+                    <a16:rowId xmlns:a16="http://schemas.microsoft.com/office/drawing/2014/main" xmlns="" val="10005"/>
                   </a:ext>
                 </a:extLst>
               </a:tr>
@@ -15335,7 +15538,7 @@
           <p:cNvPr id="46" name="Arrow: Right 19">
             <a:extLst>
               <a:ext uri="{FF2B5EF4-FFF2-40B4-BE49-F238E27FC236}">
-                <a16:creationId xmlns:a16="http://schemas.microsoft.com/office/drawing/2014/main" id="{F75BF84B-2C0D-4C09-BA31-AFAAC77EAF11}"/>
+                <a16:creationId xmlns:a16="http://schemas.microsoft.com/office/drawing/2014/main" xmlns="" id="{F75BF84B-2C0D-4C09-BA31-AFAAC77EAF11}"/>
               </a:ext>
             </a:extLst>
           </p:cNvPr>
@@ -15344,7 +15547,7 @@
         </p:nvSpPr>
         <p:spPr>
           <a:xfrm>
-            <a:off x="3851053" y="17819737"/>
+            <a:off x="4139085" y="17459697"/>
             <a:ext cx="1053527" cy="748945"/>
           </a:xfrm>
           <a:prstGeom prst="rightArrow">
@@ -15384,8 +15587,8 @@
         </p:nvSpPr>
         <p:spPr>
           <a:xfrm>
-            <a:off x="1906837" y="19043873"/>
-            <a:ext cx="2520280" cy="276999"/>
+            <a:off x="1546797" y="19043873"/>
+            <a:ext cx="6264696" cy="246221"/>
           </a:xfrm>
           <a:prstGeom prst="rect">
             <a:avLst/>
@@ -15399,10 +15602,14 @@
           <a:lstStyle/>
           <a:p>
             <a:r>
-              <a:rPr lang="sr-Latn-BA" sz="1200" dirty="0"/>
-              <a:t>Picture from...</a:t>
-            </a:r>
-            <a:endParaRPr lang="en-US" sz="1200" dirty="0"/>
+              <a:rPr lang="sr-Latn-BA" sz="1000" dirty="0"/>
+              <a:t>Picture </a:t>
+            </a:r>
+            <a:r>
+              <a:rPr lang="sr-Latn-BA" sz="1000" dirty="0"/>
+              <a:t>from https://www.biorender.com/template/protein-protein-interaction-ppi-network</a:t>
+            </a:r>
+            <a:endParaRPr lang="en-US" sz="1000" dirty="0"/>
           </a:p>
         </p:txBody>
       </p:sp>
@@ -15414,8 +15621,8 @@
         </p:nvSpPr>
         <p:spPr>
           <a:xfrm>
-            <a:off x="5596337" y="18035761"/>
-            <a:ext cx="504056" cy="276999"/>
+            <a:off x="5651253" y="18107769"/>
+            <a:ext cx="504056" cy="246221"/>
           </a:xfrm>
           <a:prstGeom prst="rect">
             <a:avLst/>
@@ -15429,10 +15636,10 @@
           <a:lstStyle/>
           <a:p>
             <a:r>
-              <a:rPr lang="sr-Latn-BA" sz="1200" dirty="0"/>
+              <a:rPr lang="sr-Latn-BA" sz="1000" dirty="0"/>
               <a:t>1.4</a:t>
             </a:r>
-            <a:endParaRPr lang="en-US" sz="1200" dirty="0"/>
+            <a:endParaRPr lang="en-US" sz="1000" dirty="0"/>
           </a:p>
         </p:txBody>
       </p:sp>
@@ -15444,8 +15651,8 @@
         </p:nvSpPr>
         <p:spPr>
           <a:xfrm>
-            <a:off x="6947397" y="17171665"/>
-            <a:ext cx="504056" cy="279648"/>
+            <a:off x="6947397" y="17213476"/>
+            <a:ext cx="504056" cy="246221"/>
           </a:xfrm>
           <a:prstGeom prst="rect">
             <a:avLst/>
@@ -15459,10 +15666,10 @@
           <a:lstStyle/>
           <a:p>
             <a:r>
-              <a:rPr lang="sr-Latn-BA" sz="1200" dirty="0"/>
+              <a:rPr lang="sr-Latn-BA" sz="1000" dirty="0"/>
               <a:t>2.5</a:t>
             </a:r>
-            <a:endParaRPr lang="en-US" sz="1200" dirty="0"/>
+            <a:endParaRPr lang="en-US" sz="1000" dirty="0"/>
           </a:p>
         </p:txBody>
       </p:sp>
@@ -15474,8 +15681,8 @@
         </p:nvSpPr>
         <p:spPr>
           <a:xfrm>
-            <a:off x="5291213" y="17603713"/>
-            <a:ext cx="504056" cy="276999"/>
+            <a:off x="5363221" y="17645524"/>
+            <a:ext cx="504056" cy="246221"/>
           </a:xfrm>
           <a:prstGeom prst="rect">
             <a:avLst/>
@@ -15489,10 +15696,10 @@
           <a:lstStyle/>
           <a:p>
             <a:r>
-              <a:rPr lang="sr-Latn-BA" sz="1200" dirty="0"/>
-              <a:t>1.4</a:t>
-            </a:r>
-            <a:endParaRPr lang="en-US" sz="1200" dirty="0"/>
+              <a:rPr lang="sr-Latn-BA" sz="1000" dirty="0" smtClean="0"/>
+              <a:t>1.1</a:t>
+            </a:r>
+            <a:endParaRPr lang="en-US" sz="1000" dirty="0"/>
           </a:p>
         </p:txBody>
       </p:sp>
@@ -15504,8 +15711,8 @@
         </p:nvSpPr>
         <p:spPr>
           <a:xfrm>
-            <a:off x="5147197" y="16883633"/>
-            <a:ext cx="504056" cy="276999"/>
+            <a:off x="5147197" y="16997452"/>
+            <a:ext cx="504056" cy="246221"/>
           </a:xfrm>
           <a:prstGeom prst="rect">
             <a:avLst/>
@@ -15519,10 +15726,532 @@
           <a:lstStyle/>
           <a:p>
             <a:r>
-              <a:rPr lang="sr-Latn-BA" sz="1200" dirty="0"/>
-              <a:t>1.4</a:t>
-            </a:r>
-            <a:endParaRPr lang="en-US" sz="1200" dirty="0"/>
+              <a:rPr lang="sr-Latn-BA" sz="1000" dirty="0" smtClean="0"/>
+              <a:t>0.4</a:t>
+            </a:r>
+            <a:endParaRPr lang="en-US" sz="1000" dirty="0"/>
+          </a:p>
+        </p:txBody>
+      </p:sp>
+      <p:sp>
+        <p:nvSpPr>
+          <p:cNvPr id="51" name="TextBox 50"/>
+          <p:cNvSpPr txBox="1"/>
+          <p:nvPr/>
+        </p:nvSpPr>
+        <p:spPr>
+          <a:xfrm>
+            <a:off x="7523461" y="16853436"/>
+            <a:ext cx="504056" cy="246221"/>
+          </a:xfrm>
+          <a:prstGeom prst="rect">
+            <a:avLst/>
+          </a:prstGeom>
+          <a:noFill/>
+        </p:spPr>
+        <p:txBody>
+          <a:bodyPr wrap="square" rtlCol="0">
+            <a:spAutoFit/>
+          </a:bodyPr>
+          <a:lstStyle/>
+          <a:p>
+            <a:r>
+              <a:rPr lang="sr-Latn-BA" sz="1000" dirty="0" smtClean="0"/>
+              <a:t>0.9</a:t>
+            </a:r>
+            <a:endParaRPr lang="en-US" sz="1000" dirty="0"/>
+          </a:p>
+        </p:txBody>
+      </p:sp>
+      <p:sp>
+        <p:nvSpPr>
+          <p:cNvPr id="61" name="TextBox 60"/>
+          <p:cNvSpPr txBox="1"/>
+          <p:nvPr/>
+        </p:nvSpPr>
+        <p:spPr>
+          <a:xfrm>
+            <a:off x="5795269" y="16637412"/>
+            <a:ext cx="504056" cy="246221"/>
+          </a:xfrm>
+          <a:prstGeom prst="rect">
+            <a:avLst/>
+          </a:prstGeom>
+          <a:noFill/>
+        </p:spPr>
+        <p:txBody>
+          <a:bodyPr wrap="square" rtlCol="0">
+            <a:spAutoFit/>
+          </a:bodyPr>
+          <a:lstStyle/>
+          <a:p>
+            <a:r>
+              <a:rPr lang="sr-Latn-BA" sz="1000" dirty="0"/>
+              <a:t>3</a:t>
+            </a:r>
+            <a:r>
+              <a:rPr lang="sr-Latn-BA" sz="1000" dirty="0" smtClean="0"/>
+              <a:t>.5</a:t>
+            </a:r>
+            <a:endParaRPr lang="en-US" sz="1000" dirty="0"/>
+          </a:p>
+        </p:txBody>
+      </p:sp>
+      <p:sp>
+        <p:nvSpPr>
+          <p:cNvPr id="62" name="TextBox 61"/>
+          <p:cNvSpPr txBox="1"/>
+          <p:nvPr/>
+        </p:nvSpPr>
+        <p:spPr>
+          <a:xfrm>
+            <a:off x="6227317" y="18107769"/>
+            <a:ext cx="504056" cy="246221"/>
+          </a:xfrm>
+          <a:prstGeom prst="rect">
+            <a:avLst/>
+          </a:prstGeom>
+          <a:noFill/>
+        </p:spPr>
+        <p:txBody>
+          <a:bodyPr wrap="square" rtlCol="0">
+            <a:spAutoFit/>
+          </a:bodyPr>
+          <a:lstStyle/>
+          <a:p>
+            <a:r>
+              <a:rPr lang="sr-Latn-BA" sz="1000" dirty="0"/>
+              <a:t>0</a:t>
+            </a:r>
+            <a:r>
+              <a:rPr lang="sr-Latn-BA" sz="1000" dirty="0" smtClean="0"/>
+              <a:t>.5</a:t>
+            </a:r>
+            <a:endParaRPr lang="en-US" sz="1000" dirty="0"/>
+          </a:p>
+        </p:txBody>
+      </p:sp>
+      <p:sp>
+        <p:nvSpPr>
+          <p:cNvPr id="63" name="TextBox 62"/>
+          <p:cNvSpPr txBox="1"/>
+          <p:nvPr/>
+        </p:nvSpPr>
+        <p:spPr>
+          <a:xfrm>
+            <a:off x="6011293" y="17285484"/>
+            <a:ext cx="504056" cy="246221"/>
+          </a:xfrm>
+          <a:prstGeom prst="rect">
+            <a:avLst/>
+          </a:prstGeom>
+          <a:noFill/>
+        </p:spPr>
+        <p:txBody>
+          <a:bodyPr wrap="square" rtlCol="0">
+            <a:spAutoFit/>
+          </a:bodyPr>
+          <a:lstStyle/>
+          <a:p>
+            <a:r>
+              <a:rPr lang="sr-Latn-BA" sz="1000" dirty="0" smtClean="0"/>
+              <a:t>1.6</a:t>
+            </a:r>
+            <a:endParaRPr lang="en-US" sz="1000" dirty="0"/>
+          </a:p>
+        </p:txBody>
+      </p:sp>
+      <p:sp>
+        <p:nvSpPr>
+          <p:cNvPr id="64" name="TextBox 63"/>
+          <p:cNvSpPr txBox="1"/>
+          <p:nvPr/>
+        </p:nvSpPr>
+        <p:spPr>
+          <a:xfrm>
+            <a:off x="5003181" y="18467809"/>
+            <a:ext cx="504056" cy="246221"/>
+          </a:xfrm>
+          <a:prstGeom prst="rect">
+            <a:avLst/>
+          </a:prstGeom>
+          <a:noFill/>
+        </p:spPr>
+        <p:txBody>
+          <a:bodyPr wrap="square" rtlCol="0">
+            <a:spAutoFit/>
+          </a:bodyPr>
+          <a:lstStyle/>
+          <a:p>
+            <a:r>
+              <a:rPr lang="sr-Latn-BA" sz="1000" dirty="0" smtClean="0"/>
+              <a:t>0.21</a:t>
+            </a:r>
+            <a:endParaRPr lang="en-US" sz="1000" dirty="0"/>
+          </a:p>
+        </p:txBody>
+      </p:sp>
+      <p:sp>
+        <p:nvSpPr>
+          <p:cNvPr id="67" name="TextBox 66"/>
+          <p:cNvSpPr txBox="1"/>
+          <p:nvPr/>
+        </p:nvSpPr>
+        <p:spPr>
+          <a:xfrm>
+            <a:off x="6731373" y="18539817"/>
+            <a:ext cx="504056" cy="246221"/>
+          </a:xfrm>
+          <a:prstGeom prst="rect">
+            <a:avLst/>
+          </a:prstGeom>
+          <a:noFill/>
+        </p:spPr>
+        <p:txBody>
+          <a:bodyPr wrap="square" rtlCol="0">
+            <a:spAutoFit/>
+          </a:bodyPr>
+          <a:lstStyle/>
+          <a:p>
+            <a:r>
+              <a:rPr lang="sr-Latn-BA" sz="1000" dirty="0" smtClean="0"/>
+              <a:t>0.33</a:t>
+            </a:r>
+            <a:endParaRPr lang="en-US" sz="1000" dirty="0"/>
+          </a:p>
+        </p:txBody>
+      </p:sp>
+      <p:sp>
+        <p:nvSpPr>
+          <p:cNvPr id="68" name="TextBox 67"/>
+          <p:cNvSpPr txBox="1"/>
+          <p:nvPr/>
+        </p:nvSpPr>
+        <p:spPr>
+          <a:xfrm>
+            <a:off x="7811493" y="18107769"/>
+            <a:ext cx="504056" cy="246221"/>
+          </a:xfrm>
+          <a:prstGeom prst="rect">
+            <a:avLst/>
+          </a:prstGeom>
+          <a:noFill/>
+        </p:spPr>
+        <p:txBody>
+          <a:bodyPr wrap="square" rtlCol="0">
+            <a:spAutoFit/>
+          </a:bodyPr>
+          <a:lstStyle/>
+          <a:p>
+            <a:r>
+              <a:rPr lang="sr-Latn-BA" sz="1000" dirty="0" smtClean="0"/>
+              <a:t>0.7</a:t>
+            </a:r>
+            <a:endParaRPr lang="en-US" sz="1000" dirty="0"/>
+          </a:p>
+        </p:txBody>
+      </p:sp>
+      <p:sp>
+        <p:nvSpPr>
+          <p:cNvPr id="69" name="TextBox 68"/>
+          <p:cNvSpPr txBox="1"/>
+          <p:nvPr/>
+        </p:nvSpPr>
+        <p:spPr>
+          <a:xfrm>
+            <a:off x="7883501" y="17429500"/>
+            <a:ext cx="504056" cy="246221"/>
+          </a:xfrm>
+          <a:prstGeom prst="rect">
+            <a:avLst/>
+          </a:prstGeom>
+          <a:noFill/>
+        </p:spPr>
+        <p:txBody>
+          <a:bodyPr wrap="square" rtlCol="0">
+            <a:spAutoFit/>
+          </a:bodyPr>
+          <a:lstStyle/>
+          <a:p>
+            <a:r>
+              <a:rPr lang="sr-Latn-BA" sz="1000" dirty="0" smtClean="0"/>
+              <a:t>1.9</a:t>
+            </a:r>
+            <a:endParaRPr lang="en-US" sz="1000" dirty="0"/>
+          </a:p>
+        </p:txBody>
+      </p:sp>
+      <p:sp>
+        <p:nvSpPr>
+          <p:cNvPr id="70" name="TextBox 69"/>
+          <p:cNvSpPr txBox="1"/>
+          <p:nvPr/>
+        </p:nvSpPr>
+        <p:spPr>
+          <a:xfrm>
+            <a:off x="7307437" y="17933556"/>
+            <a:ext cx="504056" cy="246221"/>
+          </a:xfrm>
+          <a:prstGeom prst="rect">
+            <a:avLst/>
+          </a:prstGeom>
+          <a:noFill/>
+        </p:spPr>
+        <p:txBody>
+          <a:bodyPr wrap="square" rtlCol="0">
+            <a:spAutoFit/>
+          </a:bodyPr>
+          <a:lstStyle/>
+          <a:p>
+            <a:r>
+              <a:rPr lang="sr-Latn-BA" sz="1000" dirty="0" smtClean="0"/>
+              <a:t>0.12</a:t>
+            </a:r>
+            <a:endParaRPr lang="en-US" sz="1000" dirty="0"/>
+          </a:p>
+        </p:txBody>
+      </p:sp>
+      <p:sp>
+        <p:nvSpPr>
+          <p:cNvPr id="71" name="TextBox 70"/>
+          <p:cNvSpPr txBox="1"/>
+          <p:nvPr/>
+        </p:nvSpPr>
+        <p:spPr>
+          <a:xfrm>
+            <a:off x="6587357" y="17861548"/>
+            <a:ext cx="504056" cy="246221"/>
+          </a:xfrm>
+          <a:prstGeom prst="rect">
+            <a:avLst/>
+          </a:prstGeom>
+          <a:noFill/>
+        </p:spPr>
+        <p:txBody>
+          <a:bodyPr wrap="square" rtlCol="0">
+            <a:spAutoFit/>
+          </a:bodyPr>
+          <a:lstStyle/>
+          <a:p>
+            <a:r>
+              <a:rPr lang="sr-Latn-BA" sz="1000" dirty="0" smtClean="0"/>
+              <a:t>0.27</a:t>
+            </a:r>
+            <a:endParaRPr lang="en-US" sz="1000" dirty="0"/>
+          </a:p>
+        </p:txBody>
+      </p:sp>
+      <p:sp>
+        <p:nvSpPr>
+          <p:cNvPr id="72" name="TextBox 71"/>
+          <p:cNvSpPr txBox="1"/>
+          <p:nvPr/>
+        </p:nvSpPr>
+        <p:spPr>
+          <a:xfrm>
+            <a:off x="7379445" y="17099657"/>
+            <a:ext cx="504056" cy="246221"/>
+          </a:xfrm>
+          <a:prstGeom prst="rect">
+            <a:avLst/>
+          </a:prstGeom>
+          <a:noFill/>
+        </p:spPr>
+        <p:txBody>
+          <a:bodyPr wrap="square" rtlCol="0">
+            <a:spAutoFit/>
+          </a:bodyPr>
+          <a:lstStyle/>
+          <a:p>
+            <a:r>
+              <a:rPr lang="sr-Latn-BA" sz="1000" dirty="0" smtClean="0"/>
+              <a:t>1.6</a:t>
+            </a:r>
+            <a:endParaRPr lang="en-US" sz="1000" dirty="0"/>
+          </a:p>
+        </p:txBody>
+      </p:sp>
+      <p:sp>
+        <p:nvSpPr>
+          <p:cNvPr id="73" name="TextBox 72"/>
+          <p:cNvSpPr txBox="1"/>
+          <p:nvPr/>
+        </p:nvSpPr>
+        <p:spPr>
+          <a:xfrm>
+            <a:off x="5723261" y="17747729"/>
+            <a:ext cx="504056" cy="246221"/>
+          </a:xfrm>
+          <a:prstGeom prst="rect">
+            <a:avLst/>
+          </a:prstGeom>
+          <a:noFill/>
+        </p:spPr>
+        <p:txBody>
+          <a:bodyPr wrap="square" rtlCol="0">
+            <a:spAutoFit/>
+          </a:bodyPr>
+          <a:lstStyle/>
+          <a:p>
+            <a:r>
+              <a:rPr lang="sr-Latn-BA" sz="1000" dirty="0"/>
+              <a:t>3</a:t>
+            </a:r>
+            <a:r>
+              <a:rPr lang="sr-Latn-BA" sz="1000" dirty="0" smtClean="0"/>
+              <a:t>.5</a:t>
+            </a:r>
+            <a:endParaRPr lang="en-US" sz="1000" dirty="0"/>
+          </a:p>
+        </p:txBody>
+      </p:sp>
+      <p:sp>
+        <p:nvSpPr>
+          <p:cNvPr id="74" name="TextBox 73"/>
+          <p:cNvSpPr txBox="1"/>
+          <p:nvPr/>
+        </p:nvSpPr>
+        <p:spPr>
+          <a:xfrm>
+            <a:off x="7883501" y="17819737"/>
+            <a:ext cx="504056" cy="246221"/>
+          </a:xfrm>
+          <a:prstGeom prst="rect">
+            <a:avLst/>
+          </a:prstGeom>
+          <a:noFill/>
+        </p:spPr>
+        <p:txBody>
+          <a:bodyPr wrap="square" rtlCol="0">
+            <a:spAutoFit/>
+          </a:bodyPr>
+          <a:lstStyle/>
+          <a:p>
+            <a:r>
+              <a:rPr lang="sr-Latn-BA" sz="1000" dirty="0" smtClean="0"/>
+              <a:t>0.4</a:t>
+            </a:r>
+            <a:endParaRPr lang="en-US" sz="1000" dirty="0"/>
+          </a:p>
+        </p:txBody>
+      </p:sp>
+      <p:sp>
+        <p:nvSpPr>
+          <p:cNvPr id="75" name="TextBox 74"/>
+          <p:cNvSpPr txBox="1"/>
+          <p:nvPr/>
+        </p:nvSpPr>
+        <p:spPr>
+          <a:xfrm>
+            <a:off x="7811493" y="17243673"/>
+            <a:ext cx="504056" cy="246221"/>
+          </a:xfrm>
+          <a:prstGeom prst="rect">
+            <a:avLst/>
+          </a:prstGeom>
+          <a:noFill/>
+        </p:spPr>
+        <p:txBody>
+          <a:bodyPr wrap="square" rtlCol="0">
+            <a:spAutoFit/>
+          </a:bodyPr>
+          <a:lstStyle/>
+          <a:p>
+            <a:r>
+              <a:rPr lang="sr-Latn-BA" sz="1000" dirty="0" smtClean="0"/>
+              <a:t>1.1</a:t>
+            </a:r>
+            <a:endParaRPr lang="en-US" sz="1000" dirty="0"/>
+          </a:p>
+        </p:txBody>
+      </p:sp>
+      <p:sp>
+        <p:nvSpPr>
+          <p:cNvPr id="76" name="TextBox 75"/>
+          <p:cNvSpPr txBox="1"/>
+          <p:nvPr/>
+        </p:nvSpPr>
+        <p:spPr>
+          <a:xfrm>
+            <a:off x="7019405" y="18251785"/>
+            <a:ext cx="504056" cy="246221"/>
+          </a:xfrm>
+          <a:prstGeom prst="rect">
+            <a:avLst/>
+          </a:prstGeom>
+          <a:noFill/>
+        </p:spPr>
+        <p:txBody>
+          <a:bodyPr wrap="square" rtlCol="0">
+            <a:spAutoFit/>
+          </a:bodyPr>
+          <a:lstStyle/>
+          <a:p>
+            <a:r>
+              <a:rPr lang="sr-Latn-BA" sz="1000" dirty="0" smtClean="0"/>
+              <a:t>0.21</a:t>
+            </a:r>
+            <a:endParaRPr lang="en-US" sz="1000" dirty="0"/>
+          </a:p>
+        </p:txBody>
+      </p:sp>
+      <p:sp>
+        <p:nvSpPr>
+          <p:cNvPr id="77" name="TextBox 76"/>
+          <p:cNvSpPr txBox="1"/>
+          <p:nvPr/>
+        </p:nvSpPr>
+        <p:spPr>
+          <a:xfrm>
+            <a:off x="7235429" y="17603713"/>
+            <a:ext cx="504056" cy="246221"/>
+          </a:xfrm>
+          <a:prstGeom prst="rect">
+            <a:avLst/>
+          </a:prstGeom>
+          <a:noFill/>
+        </p:spPr>
+        <p:txBody>
+          <a:bodyPr wrap="square" rtlCol="0">
+            <a:spAutoFit/>
+          </a:bodyPr>
+          <a:lstStyle/>
+          <a:p>
+            <a:r>
+              <a:rPr lang="sr-Latn-BA" sz="1000" dirty="0" smtClean="0"/>
+              <a:t>1.1</a:t>
+            </a:r>
+            <a:endParaRPr lang="en-US" sz="1000" dirty="0"/>
+          </a:p>
+        </p:txBody>
+      </p:sp>
+      <p:sp>
+        <p:nvSpPr>
+          <p:cNvPr id="78" name="TextBox 77"/>
+          <p:cNvSpPr txBox="1"/>
+          <p:nvPr/>
+        </p:nvSpPr>
+        <p:spPr>
+          <a:xfrm>
+            <a:off x="6515349" y="16883633"/>
+            <a:ext cx="504056" cy="246221"/>
+          </a:xfrm>
+          <a:prstGeom prst="rect">
+            <a:avLst/>
+          </a:prstGeom>
+          <a:noFill/>
+        </p:spPr>
+        <p:txBody>
+          <a:bodyPr wrap="square" rtlCol="0">
+            <a:spAutoFit/>
+          </a:bodyPr>
+          <a:lstStyle/>
+          <a:p>
+            <a:r>
+              <a:rPr lang="sr-Latn-BA" sz="1000" dirty="0" smtClean="0"/>
+              <a:t>1.6</a:t>
+            </a:r>
+            <a:endParaRPr lang="en-US" sz="1000" dirty="0"/>
           </a:p>
         </p:txBody>
       </p:sp>

--- a/poster Solun maj 2024/Solun poster 002.pptx
+++ b/poster Solun maj 2024/Solun poster 002.pptx
@@ -1642,21 +1642,8 @@
         <a:p>
           <a:r>
             <a:rPr lang="en-US" sz="2500" dirty="0"/>
-            <a:t>Form </a:t>
+            <a:t>Form training and test sets 70:30 stratified</a:t>
           </a:r>
-          <a:r>
-            <a:rPr lang="en-US" sz="2500" dirty="0" err="1"/>
-            <a:t>traning</a:t>
-          </a:r>
-          <a:r>
-            <a:rPr lang="en-US" sz="2500" dirty="0"/>
-            <a:t> and test sets 70:30 </a:t>
-          </a:r>
-          <a:r>
-            <a:rPr lang="en-US" sz="2500" dirty="0" err="1"/>
-            <a:t>stratfied</a:t>
-          </a:r>
-          <a:endParaRPr lang="en-US" sz="2500" dirty="0"/>
         </a:p>
       </dgm:t>
     </dgm:pt>
@@ -1822,35 +1809,14 @@
         </dgm:presLayoutVars>
       </dgm:prSet>
       <dgm:spPr/>
-      <dgm:t>
-        <a:bodyPr/>
-        <a:lstStyle/>
-        <a:p>
-          <a:endParaRPr lang="en-US"/>
-        </a:p>
-      </dgm:t>
     </dgm:pt>
     <dgm:pt modelId="{49AB3AA5-5C37-401B-BD24-8CDBE6CDE631}" type="pres">
       <dgm:prSet presAssocID="{55FCA17C-1EF6-4064-B59A-DED79FC40987}" presName="sibTrans" presStyleLbl="sibTrans2D1" presStyleIdx="0" presStyleCnt="3"/>
       <dgm:spPr/>
-      <dgm:t>
-        <a:bodyPr/>
-        <a:lstStyle/>
-        <a:p>
-          <a:endParaRPr lang="en-US"/>
-        </a:p>
-      </dgm:t>
     </dgm:pt>
     <dgm:pt modelId="{B24ED164-7D46-4FE6-99D4-115D05EB5090}" type="pres">
       <dgm:prSet presAssocID="{55FCA17C-1EF6-4064-B59A-DED79FC40987}" presName="connectorText" presStyleLbl="sibTrans2D1" presStyleIdx="0" presStyleCnt="3"/>
       <dgm:spPr/>
-      <dgm:t>
-        <a:bodyPr/>
-        <a:lstStyle/>
-        <a:p>
-          <a:endParaRPr lang="en-US"/>
-        </a:p>
-      </dgm:t>
     </dgm:pt>
     <dgm:pt modelId="{266EB45E-0BF0-4F15-90A8-48CDB3BB1843}" type="pres">
       <dgm:prSet presAssocID="{4DBB097A-AAC8-4558-83CD-5D293BA0E73F}" presName="node" presStyleLbl="node1" presStyleIdx="1" presStyleCnt="4" custLinFactNeighborX="13307" custLinFactNeighborY="171">
@@ -1859,35 +1825,14 @@
         </dgm:presLayoutVars>
       </dgm:prSet>
       <dgm:spPr/>
-      <dgm:t>
-        <a:bodyPr/>
-        <a:lstStyle/>
-        <a:p>
-          <a:endParaRPr lang="en-US"/>
-        </a:p>
-      </dgm:t>
     </dgm:pt>
     <dgm:pt modelId="{9D036536-CA58-460B-9592-E804F4957C65}" type="pres">
       <dgm:prSet presAssocID="{AAF2528D-193F-4D93-A91F-6874F8247A7E}" presName="sibTrans" presStyleLbl="sibTrans2D1" presStyleIdx="1" presStyleCnt="3"/>
       <dgm:spPr/>
-      <dgm:t>
-        <a:bodyPr/>
-        <a:lstStyle/>
-        <a:p>
-          <a:endParaRPr lang="en-US"/>
-        </a:p>
-      </dgm:t>
     </dgm:pt>
     <dgm:pt modelId="{5484F5B9-AF2E-4D41-B34C-14F23DAB6613}" type="pres">
       <dgm:prSet presAssocID="{AAF2528D-193F-4D93-A91F-6874F8247A7E}" presName="connectorText" presStyleLbl="sibTrans2D1" presStyleIdx="1" presStyleCnt="3"/>
       <dgm:spPr/>
-      <dgm:t>
-        <a:bodyPr/>
-        <a:lstStyle/>
-        <a:p>
-          <a:endParaRPr lang="en-US"/>
-        </a:p>
-      </dgm:t>
     </dgm:pt>
     <dgm:pt modelId="{0B7A5903-CDD3-4CC0-94BF-E92BA3DA96DD}" type="pres">
       <dgm:prSet presAssocID="{FFE45BF6-B8B7-4DF6-B255-42C35051D756}" presName="node" presStyleLbl="node1" presStyleIdx="2" presStyleCnt="4" custLinFactNeighborX="13307" custLinFactNeighborY="171">
@@ -1896,35 +1841,14 @@
         </dgm:presLayoutVars>
       </dgm:prSet>
       <dgm:spPr/>
-      <dgm:t>
-        <a:bodyPr/>
-        <a:lstStyle/>
-        <a:p>
-          <a:endParaRPr lang="en-US"/>
-        </a:p>
-      </dgm:t>
     </dgm:pt>
     <dgm:pt modelId="{9132B67F-A38C-4915-8317-7B8D2EEE0C67}" type="pres">
       <dgm:prSet presAssocID="{A491963B-FA65-4F9A-A948-8D6552EF7FBD}" presName="sibTrans" presStyleLbl="sibTrans2D1" presStyleIdx="2" presStyleCnt="3"/>
       <dgm:spPr/>
-      <dgm:t>
-        <a:bodyPr/>
-        <a:lstStyle/>
-        <a:p>
-          <a:endParaRPr lang="en-US"/>
-        </a:p>
-      </dgm:t>
     </dgm:pt>
     <dgm:pt modelId="{8F882EF6-49EC-4B53-B100-EAD4E720298A}" type="pres">
       <dgm:prSet presAssocID="{A491963B-FA65-4F9A-A948-8D6552EF7FBD}" presName="connectorText" presStyleLbl="sibTrans2D1" presStyleIdx="2" presStyleCnt="3"/>
       <dgm:spPr/>
-      <dgm:t>
-        <a:bodyPr/>
-        <a:lstStyle/>
-        <a:p>
-          <a:endParaRPr lang="en-US"/>
-        </a:p>
-      </dgm:t>
     </dgm:pt>
     <dgm:pt modelId="{2DFA93C7-BE63-4691-A297-B8C9BB46D38B}" type="pres">
       <dgm:prSet presAssocID="{F6006F7E-AC86-45B0-8635-2B1FB4B48637}" presName="node" presStyleLbl="node1" presStyleIdx="3" presStyleCnt="4" custScaleX="117086" custLinFactNeighborX="13307" custLinFactNeighborY="171">
@@ -1933,31 +1857,24 @@
         </dgm:presLayoutVars>
       </dgm:prSet>
       <dgm:spPr/>
-      <dgm:t>
-        <a:bodyPr/>
-        <a:lstStyle/>
-        <a:p>
-          <a:endParaRPr lang="en-US"/>
-        </a:p>
-      </dgm:t>
     </dgm:pt>
   </dgm:ptLst>
   <dgm:cxnLst>
-    <dgm:cxn modelId="{039EE9CB-942E-4BB3-B9DC-936A8F50F939}" srcId="{084DAEBC-087F-4D15-B752-4785C0673660}" destId="{F6006F7E-AC86-45B0-8635-2B1FB4B48637}" srcOrd="3" destOrd="0" parTransId="{9BB6F8E7-7675-44CB-9DA3-545DA6F36E9D}" sibTransId="{DE65469D-6D73-4E22-BA1D-C8408998D1F0}"/>
-    <dgm:cxn modelId="{8F79D79C-09D6-487D-8FD1-87A5FD0DF99A}" type="presOf" srcId="{084DAEBC-087F-4D15-B752-4785C0673660}" destId="{4DF115B0-D97C-4D45-995F-751D171483ED}" srcOrd="0" destOrd="0" presId="urn:microsoft.com/office/officeart/2005/8/layout/process1"/>
-    <dgm:cxn modelId="{BB129FEE-B7DF-409C-94FD-C3180D7E6BCB}" type="presOf" srcId="{FFE45BF6-B8B7-4DF6-B255-42C35051D756}" destId="{0B7A5903-CDD3-4CC0-94BF-E92BA3DA96DD}" srcOrd="0" destOrd="0" presId="urn:microsoft.com/office/officeart/2005/8/layout/process1"/>
-    <dgm:cxn modelId="{467FE643-5A2A-4725-9326-4A4BE2A4EDD6}" type="presOf" srcId="{F6006F7E-AC86-45B0-8635-2B1FB4B48637}" destId="{2DFA93C7-BE63-4691-A297-B8C9BB46D38B}" srcOrd="0" destOrd="0" presId="urn:microsoft.com/office/officeart/2005/8/layout/process1"/>
-    <dgm:cxn modelId="{77B19E57-37CF-4D7F-8567-1CB6667515CB}" type="presOf" srcId="{A491963B-FA65-4F9A-A948-8D6552EF7FBD}" destId="{8F882EF6-49EC-4B53-B100-EAD4E720298A}" srcOrd="1" destOrd="0" presId="urn:microsoft.com/office/officeart/2005/8/layout/process1"/>
-    <dgm:cxn modelId="{CF05EDF1-8EB6-4600-B8CE-CA21F2358774}" type="presOf" srcId="{A491963B-FA65-4F9A-A948-8D6552EF7FBD}" destId="{9132B67F-A38C-4915-8317-7B8D2EEE0C67}" srcOrd="0" destOrd="0" presId="urn:microsoft.com/office/officeart/2005/8/layout/process1"/>
-    <dgm:cxn modelId="{8A0A7A8C-9957-45EB-A42F-57DBD8274257}" srcId="{084DAEBC-087F-4D15-B752-4785C0673660}" destId="{8D948468-426C-430E-8463-EA0A9047AA97}" srcOrd="0" destOrd="0" parTransId="{089F8F6F-ED72-497F-B944-BDE96C4547C5}" sibTransId="{55FCA17C-1EF6-4064-B59A-DED79FC40987}"/>
-    <dgm:cxn modelId="{1F63834A-14E8-4045-ADBC-17DC5CB5F954}" type="presOf" srcId="{55FCA17C-1EF6-4064-B59A-DED79FC40987}" destId="{49AB3AA5-5C37-401B-BD24-8CDBE6CDE631}" srcOrd="0" destOrd="0" presId="urn:microsoft.com/office/officeart/2005/8/layout/process1"/>
     <dgm:cxn modelId="{BEBA565C-4BB6-4FAC-8220-2037A2C4BB59}" type="presOf" srcId="{AAF2528D-193F-4D93-A91F-6874F8247A7E}" destId="{9D036536-CA58-460B-9592-E804F4957C65}" srcOrd="0" destOrd="0" presId="urn:microsoft.com/office/officeart/2005/8/layout/process1"/>
     <dgm:cxn modelId="{29E6CB5C-90D4-4537-A08F-602AB69E1185}" type="presOf" srcId="{8D948468-426C-430E-8463-EA0A9047AA97}" destId="{9039D0E1-9BDE-4D45-A61C-BA5F9D629281}" srcOrd="0" destOrd="0" presId="urn:microsoft.com/office/officeart/2005/8/layout/process1"/>
+    <dgm:cxn modelId="{467FE643-5A2A-4725-9326-4A4BE2A4EDD6}" type="presOf" srcId="{F6006F7E-AC86-45B0-8635-2B1FB4B48637}" destId="{2DFA93C7-BE63-4691-A297-B8C9BB46D38B}" srcOrd="0" destOrd="0" presId="urn:microsoft.com/office/officeart/2005/8/layout/process1"/>
+    <dgm:cxn modelId="{1F63834A-14E8-4045-ADBC-17DC5CB5F954}" type="presOf" srcId="{55FCA17C-1EF6-4064-B59A-DED79FC40987}" destId="{49AB3AA5-5C37-401B-BD24-8CDBE6CDE631}" srcOrd="0" destOrd="0" presId="urn:microsoft.com/office/officeart/2005/8/layout/process1"/>
+    <dgm:cxn modelId="{CE4C3E71-01BF-48FF-8849-74C1F916C255}" type="presOf" srcId="{4DBB097A-AAC8-4558-83CD-5D293BA0E73F}" destId="{266EB45E-0BF0-4F15-90A8-48CDB3BB1843}" srcOrd="0" destOrd="0" presId="urn:microsoft.com/office/officeart/2005/8/layout/process1"/>
     <dgm:cxn modelId="{F0E2C854-E738-4B9A-99E1-2771B60C9447}" srcId="{084DAEBC-087F-4D15-B752-4785C0673660}" destId="{FFE45BF6-B8B7-4DF6-B255-42C35051D756}" srcOrd="2" destOrd="0" parTransId="{550CEC22-6DA6-4C97-9825-0EA4212E08F2}" sibTransId="{A491963B-FA65-4F9A-A948-8D6552EF7FBD}"/>
+    <dgm:cxn modelId="{77B19E57-37CF-4D7F-8567-1CB6667515CB}" type="presOf" srcId="{A491963B-FA65-4F9A-A948-8D6552EF7FBD}" destId="{8F882EF6-49EC-4B53-B100-EAD4E720298A}" srcOrd="1" destOrd="0" presId="urn:microsoft.com/office/officeart/2005/8/layout/process1"/>
     <dgm:cxn modelId="{D87ED65A-1EE6-4167-9E92-EF0162A41ED0}" type="presOf" srcId="{55FCA17C-1EF6-4064-B59A-DED79FC40987}" destId="{B24ED164-7D46-4FE6-99D4-115D05EB5090}" srcOrd="1" destOrd="0" presId="urn:microsoft.com/office/officeart/2005/8/layout/process1"/>
-    <dgm:cxn modelId="{CE4C3E71-01BF-48FF-8849-74C1F916C255}" type="presOf" srcId="{4DBB097A-AAC8-4558-83CD-5D293BA0E73F}" destId="{266EB45E-0BF0-4F15-90A8-48CDB3BB1843}" srcOrd="0" destOrd="0" presId="urn:microsoft.com/office/officeart/2005/8/layout/process1"/>
+    <dgm:cxn modelId="{8A0A7A8C-9957-45EB-A42F-57DBD8274257}" srcId="{084DAEBC-087F-4D15-B752-4785C0673660}" destId="{8D948468-426C-430E-8463-EA0A9047AA97}" srcOrd="0" destOrd="0" parTransId="{089F8F6F-ED72-497F-B944-BDE96C4547C5}" sibTransId="{55FCA17C-1EF6-4064-B59A-DED79FC40987}"/>
     <dgm:cxn modelId="{2D6E6A99-0884-421B-9583-F66FB72B4CE8}" srcId="{084DAEBC-087F-4D15-B752-4785C0673660}" destId="{4DBB097A-AAC8-4558-83CD-5D293BA0E73F}" srcOrd="1" destOrd="0" parTransId="{F66D8E7D-91C7-486F-96A1-E8901AD94FBA}" sibTransId="{AAF2528D-193F-4D93-A91F-6874F8247A7E}"/>
+    <dgm:cxn modelId="{8F79D79C-09D6-487D-8FD1-87A5FD0DF99A}" type="presOf" srcId="{084DAEBC-087F-4D15-B752-4785C0673660}" destId="{4DF115B0-D97C-4D45-995F-751D171483ED}" srcOrd="0" destOrd="0" presId="urn:microsoft.com/office/officeart/2005/8/layout/process1"/>
     <dgm:cxn modelId="{C3E2F7B3-4158-494E-83A1-75C1933FC0BF}" type="presOf" srcId="{AAF2528D-193F-4D93-A91F-6874F8247A7E}" destId="{5484F5B9-AF2E-4D41-B34C-14F23DAB6613}" srcOrd="1" destOrd="0" presId="urn:microsoft.com/office/officeart/2005/8/layout/process1"/>
+    <dgm:cxn modelId="{039EE9CB-942E-4BB3-B9DC-936A8F50F939}" srcId="{084DAEBC-087F-4D15-B752-4785C0673660}" destId="{F6006F7E-AC86-45B0-8635-2B1FB4B48637}" srcOrd="3" destOrd="0" parTransId="{9BB6F8E7-7675-44CB-9DA3-545DA6F36E9D}" sibTransId="{DE65469D-6D73-4E22-BA1D-C8408998D1F0}"/>
+    <dgm:cxn modelId="{BB129FEE-B7DF-409C-94FD-C3180D7E6BCB}" type="presOf" srcId="{FFE45BF6-B8B7-4DF6-B255-42C35051D756}" destId="{0B7A5903-CDD3-4CC0-94BF-E92BA3DA96DD}" srcOrd="0" destOrd="0" presId="urn:microsoft.com/office/officeart/2005/8/layout/process1"/>
+    <dgm:cxn modelId="{CF05EDF1-8EB6-4600-B8CE-CA21F2358774}" type="presOf" srcId="{A491963B-FA65-4F9A-A948-8D6552EF7FBD}" destId="{9132B67F-A38C-4915-8317-7B8D2EEE0C67}" srcOrd="0" destOrd="0" presId="urn:microsoft.com/office/officeart/2005/8/layout/process1"/>
     <dgm:cxn modelId="{2EE71F70-44B8-4167-AE8E-D808B4B8507E}" type="presParOf" srcId="{4DF115B0-D97C-4D45-995F-751D171483ED}" destId="{9039D0E1-9BDE-4D45-A61C-BA5F9D629281}" srcOrd="0" destOrd="0" presId="urn:microsoft.com/office/officeart/2005/8/layout/process1"/>
     <dgm:cxn modelId="{C6CBE64A-4FE6-4DA8-BB33-48D1672F1161}" type="presParOf" srcId="{4DF115B0-D97C-4D45-995F-751D171483ED}" destId="{49AB3AA5-5C37-401B-BD24-8CDBE6CDE631}" srcOrd="1" destOrd="0" presId="urn:microsoft.com/office/officeart/2005/8/layout/process1"/>
     <dgm:cxn modelId="{5B0FFD9C-195F-45EB-BCE5-2493D4E9AA6C}" type="presParOf" srcId="{49AB3AA5-5C37-401B-BD24-8CDBE6CDE631}" destId="{B24ED164-7D46-4FE6-99D4-115D05EB5090}" srcOrd="0" destOrd="0" presId="urn:microsoft.com/office/officeart/2005/8/layout/process1"/>
@@ -2088,35 +2005,14 @@
         </dgm:presLayoutVars>
       </dgm:prSet>
       <dgm:spPr/>
-      <dgm:t>
-        <a:bodyPr/>
-        <a:lstStyle/>
-        <a:p>
-          <a:endParaRPr lang="en-US"/>
-        </a:p>
-      </dgm:t>
     </dgm:pt>
     <dgm:pt modelId="{87E23861-EBE9-44B3-9472-EF4C03646A1C}" type="pres">
       <dgm:prSet presAssocID="{87E812C8-FE63-46A2-82C4-E3AF1165FAEC}" presName="sibTrans" presStyleLbl="sibTrans2D1" presStyleIdx="0" presStyleCnt="1"/>
       <dgm:spPr/>
-      <dgm:t>
-        <a:bodyPr/>
-        <a:lstStyle/>
-        <a:p>
-          <a:endParaRPr lang="en-US"/>
-        </a:p>
-      </dgm:t>
     </dgm:pt>
     <dgm:pt modelId="{82908010-5D50-447A-A669-F7ED88D694B7}" type="pres">
       <dgm:prSet presAssocID="{87E812C8-FE63-46A2-82C4-E3AF1165FAEC}" presName="connectorText" presStyleLbl="sibTrans2D1" presStyleIdx="0" presStyleCnt="1"/>
       <dgm:spPr/>
-      <dgm:t>
-        <a:bodyPr/>
-        <a:lstStyle/>
-        <a:p>
-          <a:endParaRPr lang="en-US"/>
-        </a:p>
-      </dgm:t>
     </dgm:pt>
     <dgm:pt modelId="{84C38B99-337A-4D51-B033-2DCA5A1A3CFC}" type="pres">
       <dgm:prSet presAssocID="{10AAF480-0D29-4E26-A72C-915CF903C5C7}" presName="node" presStyleLbl="node1" presStyleIdx="1" presStyleCnt="2">
@@ -2125,23 +2021,16 @@
         </dgm:presLayoutVars>
       </dgm:prSet>
       <dgm:spPr/>
-      <dgm:t>
-        <a:bodyPr/>
-        <a:lstStyle/>
-        <a:p>
-          <a:endParaRPr lang="en-US"/>
-        </a:p>
-      </dgm:t>
     </dgm:pt>
   </dgm:ptLst>
   <dgm:cxnLst>
+    <dgm:cxn modelId="{0256AF0D-FA80-4245-B03A-79310906EB78}" type="presOf" srcId="{87E812C8-FE63-46A2-82C4-E3AF1165FAEC}" destId="{82908010-5D50-447A-A669-F7ED88D694B7}" srcOrd="1" destOrd="0" presId="urn:microsoft.com/office/officeart/2005/8/layout/process1"/>
+    <dgm:cxn modelId="{E66D701E-E795-4E5D-9DD5-7080975E9BCB}" type="presOf" srcId="{10AAF480-0D29-4E26-A72C-915CF903C5C7}" destId="{84C38B99-337A-4D51-B033-2DCA5A1A3CFC}" srcOrd="0" destOrd="0" presId="urn:microsoft.com/office/officeart/2005/8/layout/process1"/>
+    <dgm:cxn modelId="{F324393A-AC06-4A50-8119-259F4AC4A2A9}" srcId="{73D35960-DDC9-4639-BD50-62380431F57D}" destId="{D4848219-8E91-4CAC-BAFC-A34865839130}" srcOrd="0" destOrd="0" parTransId="{4F12413A-D534-4719-9025-417569C2510A}" sibTransId="{87E812C8-FE63-46A2-82C4-E3AF1165FAEC}"/>
+    <dgm:cxn modelId="{EC22D993-5D1C-405F-BA7B-F8645DC04E32}" type="presOf" srcId="{D4848219-8E91-4CAC-BAFC-A34865839130}" destId="{CA2A973F-C317-4D25-AD4E-D5833079E7DF}" srcOrd="0" destOrd="0" presId="urn:microsoft.com/office/officeart/2005/8/layout/process1"/>
     <dgm:cxn modelId="{E4E3A5A3-0AD7-4EDD-8D27-C33EA483770A}" type="presOf" srcId="{87E812C8-FE63-46A2-82C4-E3AF1165FAEC}" destId="{87E23861-EBE9-44B3-9472-EF4C03646A1C}" srcOrd="0" destOrd="0" presId="urn:microsoft.com/office/officeart/2005/8/layout/process1"/>
+    <dgm:cxn modelId="{F92103A6-3F6A-46B2-98E8-CDB2C3262F70}" srcId="{73D35960-DDC9-4639-BD50-62380431F57D}" destId="{10AAF480-0D29-4E26-A72C-915CF903C5C7}" srcOrd="1" destOrd="0" parTransId="{A15204E6-6B7E-4387-BE48-8BA1CD249171}" sibTransId="{2057236A-A7B1-4E1D-AADF-C7248AA9F058}"/>
     <dgm:cxn modelId="{EA23C1DB-8FF9-4D27-907D-265B2BD827B4}" type="presOf" srcId="{73D35960-DDC9-4639-BD50-62380431F57D}" destId="{9BDC6DE6-065D-479B-BEB3-BB668775D263}" srcOrd="0" destOrd="0" presId="urn:microsoft.com/office/officeart/2005/8/layout/process1"/>
-    <dgm:cxn modelId="{E66D701E-E795-4E5D-9DD5-7080975E9BCB}" type="presOf" srcId="{10AAF480-0D29-4E26-A72C-915CF903C5C7}" destId="{84C38B99-337A-4D51-B033-2DCA5A1A3CFC}" srcOrd="0" destOrd="0" presId="urn:microsoft.com/office/officeart/2005/8/layout/process1"/>
-    <dgm:cxn modelId="{EC22D993-5D1C-405F-BA7B-F8645DC04E32}" type="presOf" srcId="{D4848219-8E91-4CAC-BAFC-A34865839130}" destId="{CA2A973F-C317-4D25-AD4E-D5833079E7DF}" srcOrd="0" destOrd="0" presId="urn:microsoft.com/office/officeart/2005/8/layout/process1"/>
-    <dgm:cxn modelId="{F92103A6-3F6A-46B2-98E8-CDB2C3262F70}" srcId="{73D35960-DDC9-4639-BD50-62380431F57D}" destId="{10AAF480-0D29-4E26-A72C-915CF903C5C7}" srcOrd="1" destOrd="0" parTransId="{A15204E6-6B7E-4387-BE48-8BA1CD249171}" sibTransId="{2057236A-A7B1-4E1D-AADF-C7248AA9F058}"/>
-    <dgm:cxn modelId="{0256AF0D-FA80-4245-B03A-79310906EB78}" type="presOf" srcId="{87E812C8-FE63-46A2-82C4-E3AF1165FAEC}" destId="{82908010-5D50-447A-A669-F7ED88D694B7}" srcOrd="1" destOrd="0" presId="urn:microsoft.com/office/officeart/2005/8/layout/process1"/>
-    <dgm:cxn modelId="{F324393A-AC06-4A50-8119-259F4AC4A2A9}" srcId="{73D35960-DDC9-4639-BD50-62380431F57D}" destId="{D4848219-8E91-4CAC-BAFC-A34865839130}" srcOrd="0" destOrd="0" parTransId="{4F12413A-D534-4719-9025-417569C2510A}" sibTransId="{87E812C8-FE63-46A2-82C4-E3AF1165FAEC}"/>
     <dgm:cxn modelId="{0661E27E-9CE3-4612-9832-E02A04BDDBCA}" type="presParOf" srcId="{9BDC6DE6-065D-479B-BEB3-BB668775D263}" destId="{CA2A973F-C317-4D25-AD4E-D5833079E7DF}" srcOrd="0" destOrd="0" presId="urn:microsoft.com/office/officeart/2005/8/layout/process1"/>
     <dgm:cxn modelId="{09071F40-2BC7-41C2-ACD7-1465FE71B199}" type="presParOf" srcId="{9BDC6DE6-065D-479B-BEB3-BB668775D263}" destId="{87E23861-EBE9-44B3-9472-EF4C03646A1C}" srcOrd="1" destOrd="0" presId="urn:microsoft.com/office/officeart/2005/8/layout/process1"/>
     <dgm:cxn modelId="{2807512F-6459-4854-A1B6-A744369E2B98}" type="presParOf" srcId="{87E23861-EBE9-44B3-9472-EF4C03646A1C}" destId="{82908010-5D50-447A-A669-F7ED88D694B7}" srcOrd="0" destOrd="0" presId="urn:microsoft.com/office/officeart/2005/8/layout/process1"/>
@@ -2218,7 +2107,7 @@
         </a:bodyPr>
         <a:lstStyle/>
         <a:p>
-          <a:pPr lvl="0" algn="ctr" defTabSz="1111250">
+          <a:pPr marL="0" lvl="0" indent="0" algn="ctr" defTabSz="1111250">
             <a:lnSpc>
               <a:spcPct val="90000"/>
             </a:lnSpc>
@@ -2228,24 +2117,12 @@
             <a:spcAft>
               <a:spcPct val="35000"/>
             </a:spcAft>
+            <a:buNone/>
           </a:pPr>
           <a:r>
             <a:rPr lang="en-US" sz="2500" kern="1200" dirty="0"/>
-            <a:t>Form </a:t>
+            <a:t>Form training and test sets 70:30 stratified</a:t>
           </a:r>
-          <a:r>
-            <a:rPr lang="en-US" sz="2500" kern="1200" dirty="0" err="1"/>
-            <a:t>traning</a:t>
-          </a:r>
-          <a:r>
-            <a:rPr lang="en-US" sz="2500" kern="1200" dirty="0"/>
-            <a:t> and test sets 70:30 </a:t>
-          </a:r>
-          <a:r>
-            <a:rPr lang="en-US" sz="2500" kern="1200" dirty="0" err="1"/>
-            <a:t>stratfied</a:t>
-          </a:r>
-          <a:endParaRPr lang="en-US" sz="2500" kern="1200" dirty="0"/>
         </a:p>
       </dsp:txBody>
       <dsp:txXfrm>
@@ -2303,7 +2180,7 @@
         </a:bodyPr>
         <a:lstStyle/>
         <a:p>
-          <a:pPr lvl="0" algn="ctr" defTabSz="1111250">
+          <a:pPr marL="0" lvl="0" indent="0" algn="ctr" defTabSz="1111250">
             <a:lnSpc>
               <a:spcPct val="90000"/>
             </a:lnSpc>
@@ -2313,6 +2190,7 @@
             <a:spcAft>
               <a:spcPct val="35000"/>
             </a:spcAft>
+            <a:buNone/>
           </a:pPr>
           <a:endParaRPr lang="en-US" sz="2500" kern="1200"/>
         </a:p>
@@ -2375,7 +2253,7 @@
         </a:bodyPr>
         <a:lstStyle/>
         <a:p>
-          <a:pPr lvl="0" algn="ctr" defTabSz="1111250">
+          <a:pPr marL="0" lvl="0" indent="0" algn="ctr" defTabSz="1111250">
             <a:lnSpc>
               <a:spcPct val="90000"/>
             </a:lnSpc>
@@ -2385,6 +2263,7 @@
             <a:spcAft>
               <a:spcPct val="35000"/>
             </a:spcAft>
+            <a:buNone/>
           </a:pPr>
           <a:r>
             <a:rPr lang="en-US" sz="2500" kern="1200" dirty="0"/>
@@ -2447,7 +2326,7 @@
         </a:bodyPr>
         <a:lstStyle/>
         <a:p>
-          <a:pPr lvl="0" algn="ctr" defTabSz="1111250">
+          <a:pPr marL="0" lvl="0" indent="0" algn="ctr" defTabSz="1111250">
             <a:lnSpc>
               <a:spcPct val="90000"/>
             </a:lnSpc>
@@ -2457,6 +2336,7 @@
             <a:spcAft>
               <a:spcPct val="35000"/>
             </a:spcAft>
+            <a:buNone/>
           </a:pPr>
           <a:endParaRPr lang="en-US" sz="2500" kern="1200"/>
         </a:p>
@@ -2519,7 +2399,7 @@
         </a:bodyPr>
         <a:lstStyle/>
         <a:p>
-          <a:pPr lvl="0" algn="ctr" defTabSz="1111250">
+          <a:pPr marL="0" lvl="0" indent="0" algn="ctr" defTabSz="1111250">
             <a:lnSpc>
               <a:spcPct val="90000"/>
             </a:lnSpc>
@@ -2529,6 +2409,7 @@
             <a:spcAft>
               <a:spcPct val="35000"/>
             </a:spcAft>
+            <a:buNone/>
           </a:pPr>
           <a:r>
             <a:rPr lang="en-US" sz="2500" kern="1200" dirty="0"/>
@@ -2591,7 +2472,7 @@
         </a:bodyPr>
         <a:lstStyle/>
         <a:p>
-          <a:pPr lvl="0" algn="ctr" defTabSz="1111250">
+          <a:pPr marL="0" lvl="0" indent="0" algn="ctr" defTabSz="1111250">
             <a:lnSpc>
               <a:spcPct val="90000"/>
             </a:lnSpc>
@@ -2601,6 +2482,7 @@
             <a:spcAft>
               <a:spcPct val="35000"/>
             </a:spcAft>
+            <a:buNone/>
           </a:pPr>
           <a:endParaRPr lang="en-US" sz="2500" kern="1200"/>
         </a:p>
@@ -2661,7 +2543,7 @@
         </a:bodyPr>
         <a:lstStyle/>
         <a:p>
-          <a:pPr lvl="0" algn="ctr" defTabSz="1111250">
+          <a:pPr marL="0" lvl="0" indent="0" algn="ctr" defTabSz="1111250">
             <a:lnSpc>
               <a:spcPct val="90000"/>
             </a:lnSpc>
@@ -2671,6 +2553,7 @@
             <a:spcAft>
               <a:spcPct val="35000"/>
             </a:spcAft>
+            <a:buNone/>
           </a:pPr>
           <a:r>
             <a:rPr lang="en-US" sz="2500" kern="1200" dirty="0"/>
@@ -2746,7 +2629,7 @@
         </a:bodyPr>
         <a:lstStyle/>
         <a:p>
-          <a:pPr lvl="0" algn="ctr" defTabSz="1333500">
+          <a:pPr marL="0" lvl="0" indent="0" algn="ctr" defTabSz="1333500">
             <a:lnSpc>
               <a:spcPct val="90000"/>
             </a:lnSpc>
@@ -2819,7 +2702,7 @@
         </a:bodyPr>
         <a:lstStyle/>
         <a:p>
-          <a:pPr lvl="0" algn="ctr" defTabSz="2178050">
+          <a:pPr marL="0" lvl="0" indent="0" algn="ctr" defTabSz="2178050">
             <a:lnSpc>
               <a:spcPct val="90000"/>
             </a:lnSpc>
@@ -2829,6 +2712,7 @@
             <a:spcAft>
               <a:spcPct val="35000"/>
             </a:spcAft>
+            <a:buNone/>
           </a:pPr>
           <a:endParaRPr lang="en-US" sz="4900" kern="1200"/>
         </a:p>
@@ -2889,7 +2773,7 @@
         </a:bodyPr>
         <a:lstStyle/>
         <a:p>
-          <a:pPr lvl="0" algn="ctr" defTabSz="1333500">
+          <a:pPr marL="0" lvl="0" indent="0" algn="ctr" defTabSz="1333500">
             <a:lnSpc>
               <a:spcPct val="90000"/>
             </a:lnSpc>
@@ -5358,7 +5242,7 @@
           <a:p>
             <a:fld id="{E9776662-CA49-4C96-9773-885CF69B3004}" type="datetimeFigureOut">
               <a:rPr lang="en-US" smtClean="0"/>
-              <a:t>4/19/2024</a:t>
+              <a:t>4/26/2024</a:t>
             </a:fld>
             <a:endParaRPr lang="en-US"/>
           </a:p>
@@ -5891,7 +5775,7 @@
             <a:fld id="{7A200072-612F-4A00-B036-4E419A70927F}" type="datetimeFigureOut">
               <a:rPr lang="sr-Latn-BA" smtClean="0"/>
               <a:pPr/>
-              <a:t>19.4.2024.</a:t>
+              <a:t>26.4.2024.</a:t>
             </a:fld>
             <a:endParaRPr lang="sr-Latn-BA"/>
           </a:p>
@@ -6058,7 +5942,7 @@
             <a:fld id="{7A200072-612F-4A00-B036-4E419A70927F}" type="datetimeFigureOut">
               <a:rPr lang="sr-Latn-BA" smtClean="0"/>
               <a:pPr/>
-              <a:t>19.4.2024.</a:t>
+              <a:t>26.4.2024.</a:t>
             </a:fld>
             <a:endParaRPr lang="sr-Latn-BA"/>
           </a:p>
@@ -6235,7 +6119,7 @@
             <a:fld id="{7A200072-612F-4A00-B036-4E419A70927F}" type="datetimeFigureOut">
               <a:rPr lang="sr-Latn-BA" smtClean="0"/>
               <a:pPr/>
-              <a:t>19.4.2024.</a:t>
+              <a:t>26.4.2024.</a:t>
             </a:fld>
             <a:endParaRPr lang="sr-Latn-BA"/>
           </a:p>
@@ -6402,7 +6286,7 @@
             <a:fld id="{7A200072-612F-4A00-B036-4E419A70927F}" type="datetimeFigureOut">
               <a:rPr lang="sr-Latn-BA" smtClean="0"/>
               <a:pPr/>
-              <a:t>19.4.2024.</a:t>
+              <a:t>26.4.2024.</a:t>
             </a:fld>
             <a:endParaRPr lang="sr-Latn-BA"/>
           </a:p>
@@ -6645,7 +6529,7 @@
             <a:fld id="{7A200072-612F-4A00-B036-4E419A70927F}" type="datetimeFigureOut">
               <a:rPr lang="sr-Latn-BA" smtClean="0"/>
               <a:pPr/>
-              <a:t>19.4.2024.</a:t>
+              <a:t>26.4.2024.</a:t>
             </a:fld>
             <a:endParaRPr lang="sr-Latn-BA"/>
           </a:p>
@@ -6930,7 +6814,7 @@
             <a:fld id="{7A200072-612F-4A00-B036-4E419A70927F}" type="datetimeFigureOut">
               <a:rPr lang="sr-Latn-BA" smtClean="0"/>
               <a:pPr/>
-              <a:t>19.4.2024.</a:t>
+              <a:t>26.4.2024.</a:t>
             </a:fld>
             <a:endParaRPr lang="sr-Latn-BA"/>
           </a:p>
@@ -7354,7 +7238,7 @@
             <a:fld id="{7A200072-612F-4A00-B036-4E419A70927F}" type="datetimeFigureOut">
               <a:rPr lang="sr-Latn-BA" smtClean="0"/>
               <a:pPr/>
-              <a:t>19.4.2024.</a:t>
+              <a:t>26.4.2024.</a:t>
             </a:fld>
             <a:endParaRPr lang="sr-Latn-BA"/>
           </a:p>
@@ -7469,7 +7353,7 @@
             <a:fld id="{7A200072-612F-4A00-B036-4E419A70927F}" type="datetimeFigureOut">
               <a:rPr lang="sr-Latn-BA" smtClean="0"/>
               <a:pPr/>
-              <a:t>19.4.2024.</a:t>
+              <a:t>26.4.2024.</a:t>
             </a:fld>
             <a:endParaRPr lang="sr-Latn-BA"/>
           </a:p>
@@ -7561,7 +7445,7 @@
             <a:fld id="{7A200072-612F-4A00-B036-4E419A70927F}" type="datetimeFigureOut">
               <a:rPr lang="sr-Latn-BA" smtClean="0"/>
               <a:pPr/>
-              <a:t>19.4.2024.</a:t>
+              <a:t>26.4.2024.</a:t>
             </a:fld>
             <a:endParaRPr lang="sr-Latn-BA"/>
           </a:p>
@@ -7835,7 +7719,7 @@
             <a:fld id="{7A200072-612F-4A00-B036-4E419A70927F}" type="datetimeFigureOut">
               <a:rPr lang="sr-Latn-BA" smtClean="0"/>
               <a:pPr/>
-              <a:t>19.4.2024.</a:t>
+              <a:t>26.4.2024.</a:t>
             </a:fld>
             <a:endParaRPr lang="sr-Latn-BA"/>
           </a:p>
@@ -8085,7 +7969,7 @@
             <a:fld id="{7A200072-612F-4A00-B036-4E419A70927F}" type="datetimeFigureOut">
               <a:rPr lang="sr-Latn-BA" smtClean="0"/>
               <a:pPr/>
-              <a:t>19.4.2024.</a:t>
+              <a:t>26.4.2024.</a:t>
             </a:fld>
             <a:endParaRPr lang="sr-Latn-BA"/>
           </a:p>
@@ -8305,7 +8189,7 @@
             <a:fld id="{7A200072-612F-4A00-B036-4E419A70927F}" type="datetimeFigureOut">
               <a:rPr lang="sr-Latn-BA" smtClean="0"/>
               <a:pPr/>
-              <a:t>19.4.2024.</a:t>
+              <a:t>26.4.2024.</a:t>
             </a:fld>
             <a:endParaRPr lang="sr-Latn-BA"/>
           </a:p>
@@ -8681,7 +8565,7 @@
           <p:cNvPr id="28" name="Rounded Rectangle 3">
             <a:extLst>
               <a:ext uri="{FF2B5EF4-FFF2-40B4-BE49-F238E27FC236}">
-                <a16:creationId xmlns:a16="http://schemas.microsoft.com/office/drawing/2014/main" xmlns="" id="{E42E21C6-7A64-4E84-A503-EF9679DF851D}"/>
+                <a16:creationId xmlns:a16="http://schemas.microsoft.com/office/drawing/2014/main" id="{E42E21C6-7A64-4E84-A503-EF9679DF851D}"/>
               </a:ext>
             </a:extLst>
           </p:cNvPr>
@@ -8754,7 +8638,7 @@
           <p:cNvPr id="27" name="Rounded Rectangle 3">
             <a:extLst>
               <a:ext uri="{FF2B5EF4-FFF2-40B4-BE49-F238E27FC236}">
-                <a16:creationId xmlns:a16="http://schemas.microsoft.com/office/drawing/2014/main" xmlns="" id="{1C16C5A3-8C37-4B07-AA5E-BABF5084826F}"/>
+                <a16:creationId xmlns:a16="http://schemas.microsoft.com/office/drawing/2014/main" id="{1C16C5A3-8C37-4B07-AA5E-BABF5084826F}"/>
               </a:ext>
             </a:extLst>
           </p:cNvPr>
@@ -10768,11 +10652,15 @@
             </a:r>
             <a:r>
               <a:rPr lang="sr-Latn-BA" sz="7200" dirty="0"/>
-              <a:t>, Tools</a:t>
+              <a:t>, </a:t>
+            </a:r>
+            <a:r>
+              <a:rPr lang="sr-Latn-BA" sz="7200" dirty="0" err="1"/>
+              <a:t>Tools</a:t>
             </a:r>
             <a:r>
               <a:rPr lang="en-US" sz="7200" dirty="0"/>
-              <a:t> &amp; Resources</a:t>
+              <a:t>, &amp; Resources</a:t>
             </a:r>
           </a:p>
         </p:txBody>
@@ -10914,9 +10802,24 @@
             </a:r>
             <a:r>
               <a:rPr lang="sr-Latn-BA" sz="3200" dirty="0"/>
-              <a:t> – for extraction of features from weighted network, based on random walks.</a:t>
-            </a:r>
-            <a:endParaRPr lang="en-US" sz="3200" dirty="0"/>
+              <a:t> – for extraction of features from weighted network, based on </a:t>
+            </a:r>
+            <a:r>
+              <a:rPr lang="sr-Latn-BA" sz="3200" dirty="0" err="1"/>
+              <a:t>random</a:t>
+            </a:r>
+            <a:r>
+              <a:rPr lang="sr-Latn-BA" sz="3200" dirty="0"/>
+              <a:t> </a:t>
+            </a:r>
+            <a:r>
+              <a:rPr lang="sr-Latn-BA" sz="3200" dirty="0" err="1"/>
+              <a:t>walks</a:t>
+            </a:r>
+            <a:r>
+              <a:rPr lang="en-US" sz="3200" dirty="0"/>
+              <a:t>,</a:t>
+            </a:r>
           </a:p>
           <a:p>
             <a:pPr marL="457200" indent="-457200" algn="just">
@@ -10973,7 +10876,27 @@
             </a:r>
             <a:r>
               <a:rPr lang="sr-Latn-BA" sz="3200" dirty="0"/>
-              <a:t> – for tuning hyperparametar of </a:t>
+              <a:t> – for </a:t>
+            </a:r>
+            <a:r>
+              <a:rPr lang="sr-Latn-BA" sz="3200" dirty="0" err="1"/>
+              <a:t>tuning</a:t>
+            </a:r>
+            <a:r>
+              <a:rPr lang="sr-Latn-BA" sz="3200" dirty="0"/>
+              <a:t> </a:t>
+            </a:r>
+            <a:r>
+              <a:rPr lang="sr-Latn-BA" sz="3200" dirty="0" err="1"/>
+              <a:t>hyperparametar</a:t>
+            </a:r>
+            <a:r>
+              <a:rPr lang="en-US" sz="3200" dirty="0"/>
+              <a:t>s</a:t>
+            </a:r>
+            <a:r>
+              <a:rPr lang="sr-Latn-BA" sz="3200" dirty="0"/>
+              <a:t> of </a:t>
             </a:r>
             <a:r>
               <a:rPr lang="en-US" sz="3200" dirty="0"/>
@@ -11044,7 +10967,7 @@
           <p:cNvPr id="30" name="Rounded Rectangle 47">
             <a:extLst>
               <a:ext uri="{FF2B5EF4-FFF2-40B4-BE49-F238E27FC236}">
-                <a16:creationId xmlns:a16="http://schemas.microsoft.com/office/drawing/2014/main" xmlns="" id="{33946411-5D0B-4586-92C0-9422A01632C7}"/>
+                <a16:creationId xmlns:a16="http://schemas.microsoft.com/office/drawing/2014/main" id="{33946411-5D0B-4586-92C0-9422A01632C7}"/>
               </a:ext>
             </a:extLst>
           </p:cNvPr>
@@ -11094,67 +11017,12 @@
           </a:p>
         </p:txBody>
       </p:sp>
-      <p:sp>
-        <p:nvSpPr>
-          <p:cNvPr id="31" name="Rounded Rectangle 47">
-            <a:extLst>
-              <a:ext uri="{FF2B5EF4-FFF2-40B4-BE49-F238E27FC236}">
-                <a16:creationId xmlns:a16="http://schemas.microsoft.com/office/drawing/2014/main" xmlns="" id="{5FB06176-787A-4601-99AD-07335A70D009}"/>
-              </a:ext>
-            </a:extLst>
-          </p:cNvPr>
-          <p:cNvSpPr/>
-          <p:nvPr/>
-        </p:nvSpPr>
-        <p:spPr>
-          <a:xfrm>
-            <a:off x="19251308" y="15450821"/>
-            <a:ext cx="7616793" cy="670552"/>
-          </a:xfrm>
-          <a:prstGeom prst="roundRect">
-            <a:avLst/>
-          </a:prstGeom>
-          <a:solidFill>
-            <a:schemeClr val="accent2"/>
-          </a:solidFill>
-          <a:ln>
-            <a:noFill/>
-          </a:ln>
-        </p:spPr>
-        <p:style>
-          <a:lnRef idx="2">
-            <a:schemeClr val="accent4">
-              <a:shade val="50000"/>
-            </a:schemeClr>
-          </a:lnRef>
-          <a:fillRef idx="1">
-            <a:schemeClr val="accent4"/>
-          </a:fillRef>
-          <a:effectRef idx="0">
-            <a:schemeClr val="accent4"/>
-          </a:effectRef>
-          <a:fontRef idx="minor">
-            <a:schemeClr val="lt1"/>
-          </a:fontRef>
-        </p:style>
-        <p:txBody>
-          <a:bodyPr rtlCol="0" anchor="ctr"/>
-          <a:lstStyle/>
-          <a:p>
-            <a:pPr algn="ctr"/>
-            <a:r>
-              <a:rPr lang="en-US" sz="4000" dirty="0"/>
-              <a:t>Data classification</a:t>
-            </a:r>
-          </a:p>
-        </p:txBody>
-      </p:sp>
       <p:graphicFrame>
         <p:nvGraphicFramePr>
           <p:cNvPr id="14" name="Diagram 13">
             <a:extLst>
               <a:ext uri="{FF2B5EF4-FFF2-40B4-BE49-F238E27FC236}">
-                <a16:creationId xmlns:a16="http://schemas.microsoft.com/office/drawing/2014/main" xmlns="" id="{AA320E81-5855-4B1B-A249-74E4C7FE7477}"/>
+                <a16:creationId xmlns:a16="http://schemas.microsoft.com/office/drawing/2014/main" id="{AA320E81-5855-4B1B-A249-74E4C7FE7477}"/>
               </a:ext>
             </a:extLst>
           </p:cNvPr>
@@ -11162,7 +11030,7 @@
           <p:nvPr>
             <p:extLst>
               <p:ext uri="{D42A27DB-BD31-4B8C-83A1-F6EECF244321}">
-                <p14:modId xmlns:p14="http://schemas.microsoft.com/office/powerpoint/2010/main" val="2326273737"/>
+                <p14:modId xmlns:p14="http://schemas.microsoft.com/office/powerpoint/2010/main" val="2673208502"/>
               </p:ext>
             </p:extLst>
           </p:nvPr>
@@ -11182,7 +11050,7 @@
           <p:cNvPr id="1026" name="Picture 2" descr="https://assets-global.website-files.com/621e95f9ac30687a56e4297e/64a8d750505cf8e707066669_V2_1676215759712_7b2330a6-df89-49b4-be67-3b44bfb50040.png">
             <a:extLst>
               <a:ext uri="{FF2B5EF4-FFF2-40B4-BE49-F238E27FC236}">
-                <a16:creationId xmlns:a16="http://schemas.microsoft.com/office/drawing/2014/main" xmlns="" id="{EBEBC945-E341-4136-8DC8-448F42B87F70}"/>
+                <a16:creationId xmlns:a16="http://schemas.microsoft.com/office/drawing/2014/main" id="{EBEBC945-E341-4136-8DC8-448F42B87F70}"/>
               </a:ext>
             </a:extLst>
           </p:cNvPr>
@@ -11227,7 +11095,7 @@
           <p:cNvPr id="44" name="Picture 2" descr="https://assets-global.website-files.com/621e95f9ac30687a56e4297e/64a8d750505cf8e707066669_V2_1676215759712_7b2330a6-df89-49b4-be67-3b44bfb50040.png">
             <a:extLst>
               <a:ext uri="{FF2B5EF4-FFF2-40B4-BE49-F238E27FC236}">
-                <a16:creationId xmlns:a16="http://schemas.microsoft.com/office/drawing/2014/main" xmlns="" id="{34F3213A-A300-4253-B3DE-16FD671B4B9E}"/>
+                <a16:creationId xmlns:a16="http://schemas.microsoft.com/office/drawing/2014/main" id="{34F3213A-A300-4253-B3DE-16FD671B4B9E}"/>
               </a:ext>
             </a:extLst>
           </p:cNvPr>
@@ -11272,7 +11140,7 @@
           <p:cNvPr id="18" name="Rectangle 17">
             <a:extLst>
               <a:ext uri="{FF2B5EF4-FFF2-40B4-BE49-F238E27FC236}">
-                <a16:creationId xmlns:a16="http://schemas.microsoft.com/office/drawing/2014/main" xmlns="" id="{15C5418E-2EC7-4CDD-A50D-4A1976FD60F2}"/>
+                <a16:creationId xmlns:a16="http://schemas.microsoft.com/office/drawing/2014/main" id="{15C5418E-2EC7-4CDD-A50D-4A1976FD60F2}"/>
               </a:ext>
             </a:extLst>
           </p:cNvPr>
@@ -11385,7 +11253,7 @@
           <p:cNvPr id="49" name="Rectangle 48">
             <a:extLst>
               <a:ext uri="{FF2B5EF4-FFF2-40B4-BE49-F238E27FC236}">
-                <a16:creationId xmlns:a16="http://schemas.microsoft.com/office/drawing/2014/main" xmlns="" id="{7FA12D37-8BE6-48FA-A3E0-7F6D80828A2A}"/>
+                <a16:creationId xmlns:a16="http://schemas.microsoft.com/office/drawing/2014/main" id="{7FA12D37-8BE6-48FA-A3E0-7F6D80828A2A}"/>
               </a:ext>
             </a:extLst>
           </p:cNvPr>
@@ -11666,7 +11534,7 @@
           <p:cNvPr id="50" name="Rectangle 49">
             <a:extLst>
               <a:ext uri="{FF2B5EF4-FFF2-40B4-BE49-F238E27FC236}">
-                <a16:creationId xmlns:a16="http://schemas.microsoft.com/office/drawing/2014/main" xmlns="" id="{8E1A2B0C-839C-4318-ACA5-56B88B30D089}"/>
+                <a16:creationId xmlns:a16="http://schemas.microsoft.com/office/drawing/2014/main" id="{8E1A2B0C-839C-4318-ACA5-56B88B30D089}"/>
               </a:ext>
             </a:extLst>
           </p:cNvPr>
@@ -11841,7 +11709,7 @@
           <p:cNvPr id="52" name="Rounded Rectangle 47">
             <a:extLst>
               <a:ext uri="{FF2B5EF4-FFF2-40B4-BE49-F238E27FC236}">
-                <a16:creationId xmlns:a16="http://schemas.microsoft.com/office/drawing/2014/main" xmlns="" id="{82BE85DE-FD18-4E3E-BE20-52E122985005}"/>
+                <a16:creationId xmlns:a16="http://schemas.microsoft.com/office/drawing/2014/main" id="{82BE85DE-FD18-4E3E-BE20-52E122985005}"/>
               </a:ext>
             </a:extLst>
           </p:cNvPr>
@@ -11898,7 +11766,7 @@
           <p:cNvPr id="20" name="Arrow: Right 19">
             <a:extLst>
               <a:ext uri="{FF2B5EF4-FFF2-40B4-BE49-F238E27FC236}">
-                <a16:creationId xmlns:a16="http://schemas.microsoft.com/office/drawing/2014/main" xmlns="" id="{F75BF84B-2C0D-4C09-BA31-AFAAC77EAF11}"/>
+                <a16:creationId xmlns:a16="http://schemas.microsoft.com/office/drawing/2014/main" id="{F75BF84B-2C0D-4C09-BA31-AFAAC77EAF11}"/>
               </a:ext>
             </a:extLst>
           </p:cNvPr>
@@ -11944,7 +11812,7 @@
           <p:cNvPr id="55" name="Arrow: Right 54">
             <a:extLst>
               <a:ext uri="{FF2B5EF4-FFF2-40B4-BE49-F238E27FC236}">
-                <a16:creationId xmlns:a16="http://schemas.microsoft.com/office/drawing/2014/main" xmlns="" id="{9FFA1951-3CD1-43F1-812E-2361512B994A}"/>
+                <a16:creationId xmlns:a16="http://schemas.microsoft.com/office/drawing/2014/main" id="{9FFA1951-3CD1-43F1-812E-2361512B994A}"/>
               </a:ext>
             </a:extLst>
           </p:cNvPr>
@@ -11990,7 +11858,7 @@
           <p:cNvPr id="56" name="Rectangle 55">
             <a:extLst>
               <a:ext uri="{FF2B5EF4-FFF2-40B4-BE49-F238E27FC236}">
-                <a16:creationId xmlns:a16="http://schemas.microsoft.com/office/drawing/2014/main" xmlns="" id="{54B82BF6-7CC1-4CC0-A076-02DDFFB69BDA}"/>
+                <a16:creationId xmlns:a16="http://schemas.microsoft.com/office/drawing/2014/main" id="{54B82BF6-7CC1-4CC0-A076-02DDFFB69BDA}"/>
               </a:ext>
             </a:extLst>
           </p:cNvPr>
@@ -12349,7 +12217,7 @@
           <p:cNvPr id="57" name="Rounded Rectangle 47">
             <a:extLst>
               <a:ext uri="{FF2B5EF4-FFF2-40B4-BE49-F238E27FC236}">
-                <a16:creationId xmlns:a16="http://schemas.microsoft.com/office/drawing/2014/main" xmlns="" id="{094D318D-7740-40B1-8FDC-752A452D00FC}"/>
+                <a16:creationId xmlns:a16="http://schemas.microsoft.com/office/drawing/2014/main" id="{094D318D-7740-40B1-8FDC-752A452D00FC}"/>
               </a:ext>
             </a:extLst>
           </p:cNvPr>
@@ -12406,7 +12274,7 @@
           <p:cNvPr id="58" name="Rectangle 57">
             <a:extLst>
               <a:ext uri="{FF2B5EF4-FFF2-40B4-BE49-F238E27FC236}">
-                <a16:creationId xmlns:a16="http://schemas.microsoft.com/office/drawing/2014/main" xmlns="" id="{E5A2346C-B437-4A8F-8C2E-BBED9297E0C1}"/>
+                <a16:creationId xmlns:a16="http://schemas.microsoft.com/office/drawing/2014/main" id="{E5A2346C-B437-4A8F-8C2E-BBED9297E0C1}"/>
               </a:ext>
             </a:extLst>
           </p:cNvPr>
@@ -12524,7 +12392,16 @@
                 </a:solidFill>
                 <a:latin typeface="Calibri" panose="020F0502020204030204" pitchFamily="34" charset="0"/>
               </a:rPr>
-              <a:t>S = {</a:t>
+              <a:t>S = </a:t>
+            </a:r>
+            <a:r>
+              <a:rPr lang="en-US" sz="1600" dirty="0">
+                <a:solidFill>
+                  <a:srgbClr val="000000"/>
+                </a:solidFill>
+                <a:latin typeface="Calibri" panose="020F0502020204030204" pitchFamily="34" charset="0"/>
+              </a:rPr>
+              <a:t>{</a:t>
             </a:r>
             <a:r>
               <a:rPr lang="sr-Latn-BA" sz="1600" i="1" dirty="0">
@@ -12608,7 +12485,7 @@
               <a:t>,…,</a:t>
             </a:r>
             <a:r>
-              <a:rPr lang="sr-Latn-BA" sz="1600" i="1" dirty="0" err="1">
+              <a:rPr lang="sr-Latn-BA" sz="1600" i="1" dirty="0">
                 <a:solidFill>
                   <a:srgbClr val="000000"/>
                 </a:solidFill>
@@ -12626,12 +12503,183 @@
               <a:t>N</a:t>
             </a:r>
             <a:r>
+              <a:rPr lang="en-US" sz="1600" dirty="0">
+                <a:solidFill>
+                  <a:srgbClr val="000000"/>
+                </a:solidFill>
+                <a:latin typeface="Calibri" panose="020F0502020204030204" pitchFamily="34" charset="0"/>
+              </a:rPr>
+              <a:t>}, where </a:t>
+            </a:r>
+            <a:r>
+              <a:rPr lang="sr-Latn-BA" sz="1600" i="1" dirty="0">
+                <a:solidFill>
+                  <a:srgbClr val="000000"/>
+                </a:solidFill>
+                <a:latin typeface="Calibri" panose="020F0502020204030204" pitchFamily="34" charset="0"/>
+              </a:rPr>
+              <a:t>p</a:t>
+            </a:r>
+            <a:r>
+              <a:rPr lang="en-US" sz="1600" i="1" baseline="-25000" dirty="0">
+                <a:solidFill>
+                  <a:srgbClr val="000000"/>
+                </a:solidFill>
+                <a:latin typeface="Calibri" panose="020F0502020204030204" pitchFamily="34" charset="0"/>
+              </a:rPr>
+              <a:t>1</a:t>
+            </a:r>
+            <a:r>
               <a:rPr lang="en-US" sz="1600" i="1" dirty="0">
                 <a:solidFill>
                   <a:srgbClr val="000000"/>
                 </a:solidFill>
                 <a:latin typeface="Calibri" panose="020F0502020204030204" pitchFamily="34" charset="0"/>
               </a:rPr>
+              <a:t>, </a:t>
+            </a:r>
+            <a:r>
+              <a:rPr lang="sr-Latn-BA" sz="1600" i="1" dirty="0">
+                <a:solidFill>
+                  <a:srgbClr val="000000"/>
+                </a:solidFill>
+                <a:latin typeface="Calibri" panose="020F0502020204030204" pitchFamily="34" charset="0"/>
+              </a:rPr>
+              <a:t>p</a:t>
+            </a:r>
+            <a:r>
+              <a:rPr lang="en-US" sz="1600" i="1" baseline="-25000" dirty="0">
+                <a:solidFill>
+                  <a:srgbClr val="000000"/>
+                </a:solidFill>
+                <a:latin typeface="Calibri" panose="020F0502020204030204" pitchFamily="34" charset="0"/>
+              </a:rPr>
+              <a:t>2</a:t>
+            </a:r>
+            <a:r>
+              <a:rPr lang="sr-Latn-BA" sz="1600" dirty="0">
+                <a:solidFill>
+                  <a:srgbClr val="000000"/>
+                </a:solidFill>
+                <a:latin typeface="Calibri" panose="020F0502020204030204" pitchFamily="34" charset="0"/>
+              </a:rPr>
+              <a:t>,</a:t>
+            </a:r>
+            <a:r>
+              <a:rPr lang="en-US" sz="1600" i="1" dirty="0">
+                <a:solidFill>
+                  <a:srgbClr val="000000"/>
+                </a:solidFill>
+                <a:latin typeface="Calibri" panose="020F0502020204030204" pitchFamily="34" charset="0"/>
+              </a:rPr>
+              <a:t> …,</a:t>
+            </a:r>
+            <a:r>
+              <a:rPr lang="sr-Latn-BA" sz="1600" i="1" dirty="0">
+                <a:solidFill>
+                  <a:srgbClr val="000000"/>
+                </a:solidFill>
+                <a:latin typeface="Calibri" panose="020F0502020204030204" pitchFamily="34" charset="0"/>
+              </a:rPr>
+              <a:t>p</a:t>
+            </a:r>
+            <a:r>
+              <a:rPr lang="en-US" sz="1600" i="1" baseline="-25000" dirty="0">
+                <a:solidFill>
+                  <a:srgbClr val="000000"/>
+                </a:solidFill>
+                <a:latin typeface="Calibri" panose="020F0502020204030204" pitchFamily="34" charset="0"/>
+              </a:rPr>
+              <a:t>N</a:t>
+            </a:r>
+            <a:r>
+              <a:rPr lang="en-US" sz="1600" dirty="0">
+                <a:solidFill>
+                  <a:srgbClr val="000000"/>
+                </a:solidFill>
+                <a:latin typeface="Calibri" panose="020F0502020204030204" pitchFamily="34" charset="0"/>
+              </a:rPr>
+              <a:t> are the successive residues,       calculate the binary sequence, </a:t>
+            </a:r>
+            <a:r>
+              <a:rPr lang="sr-Latn-BA" sz="1600" i="1" dirty="0">
+                <a:solidFill>
+                  <a:srgbClr val="000000"/>
+                </a:solidFill>
+                <a:latin typeface="Calibri" panose="020F0502020204030204" pitchFamily="34" charset="0"/>
+              </a:rPr>
+              <a:t>F</a:t>
+            </a:r>
+            <a:r>
+              <a:rPr lang="en-US" sz="1600" i="1" dirty="0">
+                <a:solidFill>
+                  <a:srgbClr val="000000"/>
+                </a:solidFill>
+                <a:latin typeface="Calibri" panose="020F0502020204030204" pitchFamily="34" charset="0"/>
+              </a:rPr>
+              <a:t>(S)</a:t>
+            </a:r>
+            <a:r>
+              <a:rPr lang="en-US" sz="1600" dirty="0">
+                <a:solidFill>
+                  <a:srgbClr val="000000"/>
+                </a:solidFill>
+                <a:latin typeface="Calibri" panose="020F0502020204030204" pitchFamily="34" charset="0"/>
+              </a:rPr>
+              <a:t> through an indicator function </a:t>
+            </a:r>
+            <a:r>
+              <a:rPr lang="en-US" sz="1600" i="1" dirty="0">
+                <a:solidFill>
+                  <a:srgbClr val="000000"/>
+                </a:solidFill>
+                <a:latin typeface="Calibri" panose="020F0502020204030204" pitchFamily="34" charset="0"/>
+              </a:rPr>
+              <a:t>f</a:t>
+            </a:r>
+            <a:r>
+              <a:rPr lang="en-US" sz="1600" dirty="0">
+                <a:solidFill>
+                  <a:srgbClr val="000000"/>
+                </a:solidFill>
+                <a:latin typeface="Calibri" panose="020F0502020204030204" pitchFamily="34" charset="0"/>
+              </a:rPr>
+              <a:t>, as </a:t>
+            </a:r>
+            <a:r>
+              <a:rPr lang="sr-Latn-BA" sz="1600" i="1" dirty="0">
+                <a:solidFill>
+                  <a:srgbClr val="000000"/>
+                </a:solidFill>
+                <a:latin typeface="Calibri" panose="020F0502020204030204" pitchFamily="34" charset="0"/>
+              </a:rPr>
+              <a:t>F</a:t>
+            </a:r>
+            <a:r>
+              <a:rPr lang="en-US" sz="1600" i="1" dirty="0">
+                <a:solidFill>
+                  <a:srgbClr val="000000"/>
+                </a:solidFill>
+                <a:latin typeface="Calibri" panose="020F0502020204030204" pitchFamily="34" charset="0"/>
+              </a:rPr>
+              <a:t>(</a:t>
+            </a:r>
+            <a:r>
+              <a:rPr lang="sr-Latn-BA" sz="1600" i="1" dirty="0">
+                <a:solidFill>
+                  <a:srgbClr val="000000"/>
+                </a:solidFill>
+                <a:latin typeface="Calibri" panose="020F0502020204030204" pitchFamily="34" charset="0"/>
+              </a:rPr>
+              <a:t>S</a:t>
+            </a:r>
+            <a:r>
+              <a:rPr lang="en-US" sz="1600" i="1" dirty="0">
+                <a:solidFill>
+                  <a:srgbClr val="000000"/>
+                </a:solidFill>
+                <a:latin typeface="Calibri" panose="020F0502020204030204" pitchFamily="34" charset="0"/>
+              </a:rPr>
               <a:t>)</a:t>
             </a:r>
             <a:r>
@@ -12641,178 +12689,7 @@
                 </a:solidFill>
                 <a:latin typeface="Calibri" panose="020F0502020204030204" pitchFamily="34" charset="0"/>
               </a:rPr>
-              <a:t>, where </a:t>
-            </a:r>
-            <a:r>
-              <a:rPr lang="sr-Latn-BA" sz="1600" i="1" dirty="0">
-                <a:solidFill>
-                  <a:srgbClr val="000000"/>
-                </a:solidFill>
-                <a:latin typeface="Calibri" panose="020F0502020204030204" pitchFamily="34" charset="0"/>
-              </a:rPr>
-              <a:t>p</a:t>
-            </a:r>
-            <a:r>
-              <a:rPr lang="en-US" sz="1600" i="1" baseline="-25000" dirty="0">
-                <a:solidFill>
-                  <a:srgbClr val="000000"/>
-                </a:solidFill>
-                <a:latin typeface="Calibri" panose="020F0502020204030204" pitchFamily="34" charset="0"/>
-              </a:rPr>
-              <a:t>1</a:t>
-            </a:r>
-            <a:r>
-              <a:rPr lang="en-US" sz="1600" i="1" dirty="0">
-                <a:solidFill>
-                  <a:srgbClr val="000000"/>
-                </a:solidFill>
-                <a:latin typeface="Calibri" panose="020F0502020204030204" pitchFamily="34" charset="0"/>
-              </a:rPr>
-              <a:t>, </a:t>
-            </a:r>
-            <a:r>
-              <a:rPr lang="sr-Latn-BA" sz="1600" i="1" dirty="0">
-                <a:solidFill>
-                  <a:srgbClr val="000000"/>
-                </a:solidFill>
-                <a:latin typeface="Calibri" panose="020F0502020204030204" pitchFamily="34" charset="0"/>
-              </a:rPr>
-              <a:t>p</a:t>
-            </a:r>
-            <a:r>
-              <a:rPr lang="en-US" sz="1600" i="1" baseline="-25000" dirty="0">
-                <a:solidFill>
-                  <a:srgbClr val="000000"/>
-                </a:solidFill>
-                <a:latin typeface="Calibri" panose="020F0502020204030204" pitchFamily="34" charset="0"/>
-              </a:rPr>
-              <a:t>2</a:t>
-            </a:r>
-            <a:r>
-              <a:rPr lang="sr-Latn-BA" sz="1600" dirty="0">
-                <a:solidFill>
-                  <a:srgbClr val="000000"/>
-                </a:solidFill>
-                <a:latin typeface="Calibri" panose="020F0502020204030204" pitchFamily="34" charset="0"/>
-              </a:rPr>
-              <a:t>,</a:t>
-            </a:r>
-            <a:r>
-              <a:rPr lang="en-US" sz="1600" i="1" dirty="0">
-                <a:solidFill>
-                  <a:srgbClr val="000000"/>
-                </a:solidFill>
-                <a:latin typeface="Calibri" panose="020F0502020204030204" pitchFamily="34" charset="0"/>
-              </a:rPr>
-              <a:t> …,</a:t>
-            </a:r>
-            <a:r>
-              <a:rPr lang="sr-Latn-BA" sz="1600" i="1" dirty="0">
-                <a:solidFill>
-                  <a:srgbClr val="000000"/>
-                </a:solidFill>
-                <a:latin typeface="Calibri" panose="020F0502020204030204" pitchFamily="34" charset="0"/>
-              </a:rPr>
-              <a:t>p</a:t>
-            </a:r>
-            <a:r>
-              <a:rPr lang="en-US" sz="1600" i="1" baseline="-25000" dirty="0">
-                <a:solidFill>
-                  <a:srgbClr val="000000"/>
-                </a:solidFill>
-                <a:latin typeface="Calibri" panose="020F0502020204030204" pitchFamily="34" charset="0"/>
-              </a:rPr>
-              <a:t>N</a:t>
-            </a:r>
-            <a:r>
-              <a:rPr lang="en-US" sz="1600" dirty="0">
-                <a:solidFill>
-                  <a:srgbClr val="000000"/>
-                </a:solidFill>
-                <a:latin typeface="Calibri" panose="020F0502020204030204" pitchFamily="34" charset="0"/>
-              </a:rPr>
-              <a:t> are the successive residues,       calculate the binary sequence, </a:t>
-            </a:r>
-            <a:r>
-              <a:rPr lang="sr-Latn-BA" sz="1600" i="1" dirty="0">
-                <a:solidFill>
-                  <a:srgbClr val="000000"/>
-                </a:solidFill>
-                <a:latin typeface="Calibri" panose="020F0502020204030204" pitchFamily="34" charset="0"/>
-              </a:rPr>
-              <a:t>F</a:t>
-            </a:r>
-            <a:r>
-              <a:rPr lang="en-US" sz="1600" i="1" dirty="0">
-                <a:solidFill>
-                  <a:srgbClr val="000000"/>
-                </a:solidFill>
-                <a:latin typeface="Calibri" panose="020F0502020204030204" pitchFamily="34" charset="0"/>
-              </a:rPr>
-              <a:t>(S)</a:t>
-            </a:r>
-            <a:r>
-              <a:rPr lang="en-US" sz="1600" dirty="0">
-                <a:solidFill>
-                  <a:srgbClr val="000000"/>
-                </a:solidFill>
-                <a:latin typeface="Calibri" panose="020F0502020204030204" pitchFamily="34" charset="0"/>
-              </a:rPr>
-              <a:t> through an indicator function </a:t>
-            </a:r>
-            <a:r>
-              <a:rPr lang="en-US" sz="1600" i="1" dirty="0">
-                <a:solidFill>
-                  <a:srgbClr val="000000"/>
-                </a:solidFill>
-                <a:latin typeface="Calibri" panose="020F0502020204030204" pitchFamily="34" charset="0"/>
-              </a:rPr>
-              <a:t>f</a:t>
-            </a:r>
-            <a:r>
-              <a:rPr lang="en-US" sz="1600" dirty="0">
-                <a:solidFill>
-                  <a:srgbClr val="000000"/>
-                </a:solidFill>
-                <a:latin typeface="Calibri" panose="020F0502020204030204" pitchFamily="34" charset="0"/>
-              </a:rPr>
-              <a:t>, as </a:t>
-            </a:r>
-            <a:r>
-              <a:rPr lang="sr-Latn-BA" sz="1600" dirty="0">
-                <a:solidFill>
-                  <a:srgbClr val="000000"/>
-                </a:solidFill>
-                <a:latin typeface="Calibri" panose="020F0502020204030204" pitchFamily="34" charset="0"/>
-              </a:rPr>
-              <a:t>F</a:t>
-            </a:r>
-            <a:r>
-              <a:rPr lang="en-US" sz="1600" dirty="0">
-                <a:solidFill>
-                  <a:srgbClr val="000000"/>
-                </a:solidFill>
-                <a:latin typeface="Calibri" panose="020F0502020204030204" pitchFamily="34" charset="0"/>
-              </a:rPr>
-              <a:t>(</a:t>
-            </a:r>
-            <a:r>
-              <a:rPr lang="sr-Latn-BA" sz="1600" dirty="0">
-                <a:solidFill>
-                  <a:srgbClr val="000000"/>
-                </a:solidFill>
-                <a:latin typeface="Calibri" panose="020F0502020204030204" pitchFamily="34" charset="0"/>
-              </a:rPr>
-              <a:t>S</a:t>
-            </a:r>
-            <a:r>
-              <a:rPr lang="en-US" sz="1600" dirty="0">
-                <a:solidFill>
-                  <a:srgbClr val="000000"/>
-                </a:solidFill>
-                <a:latin typeface="Calibri" panose="020F0502020204030204" pitchFamily="34" charset="0"/>
-              </a:rPr>
-              <a:t>)={</a:t>
+              <a:t>={</a:t>
             </a:r>
             <a:r>
               <a:rPr lang="en-US" sz="1600" i="1" dirty="0">
@@ -13163,7 +13040,7 @@
           <p:cNvPr id="21" name="Diagram 20">
             <a:extLst>
               <a:ext uri="{FF2B5EF4-FFF2-40B4-BE49-F238E27FC236}">
-                <a16:creationId xmlns:a16="http://schemas.microsoft.com/office/drawing/2014/main" xmlns="" id="{E3B1F8A6-065A-446D-865B-A7233CC9A7C0}"/>
+                <a16:creationId xmlns:a16="http://schemas.microsoft.com/office/drawing/2014/main" id="{E3B1F8A6-065A-446D-865B-A7233CC9A7C0}"/>
               </a:ext>
             </a:extLst>
           </p:cNvPr>
@@ -13191,7 +13068,7 @@
           <p:cNvPr id="59" name="Rectangle 58">
             <a:extLst>
               <a:ext uri="{FF2B5EF4-FFF2-40B4-BE49-F238E27FC236}">
-                <a16:creationId xmlns:a16="http://schemas.microsoft.com/office/drawing/2014/main" xmlns="" id="{632B674B-5C97-4C65-B93A-0721E9DC16EE}"/>
+                <a16:creationId xmlns:a16="http://schemas.microsoft.com/office/drawing/2014/main" id="{632B674B-5C97-4C65-B93A-0721E9DC16EE}"/>
               </a:ext>
             </a:extLst>
           </p:cNvPr>
@@ -13246,7 +13123,7 @@
           <p:cNvPr id="60" name="Rectangle 59">
             <a:extLst>
               <a:ext uri="{FF2B5EF4-FFF2-40B4-BE49-F238E27FC236}">
-                <a16:creationId xmlns:a16="http://schemas.microsoft.com/office/drawing/2014/main" xmlns="" id="{1447920C-522C-48BD-BD46-479D0D73E142}"/>
+                <a16:creationId xmlns:a16="http://schemas.microsoft.com/office/drawing/2014/main" id="{1447920C-522C-48BD-BD46-479D0D73E142}"/>
               </a:ext>
             </a:extLst>
           </p:cNvPr>
@@ -13342,70 +13219,70 @@
                 <a:gridCol w="2664296">
                   <a:extLst>
                     <a:ext uri="{9D8B030D-6E8A-4147-A177-3AD203B41FA5}">
-                      <a16:colId xmlns:a16="http://schemas.microsoft.com/office/drawing/2014/main" xmlns="" val="20000"/>
+                      <a16:colId xmlns:a16="http://schemas.microsoft.com/office/drawing/2014/main" val="20000"/>
                     </a:ext>
                   </a:extLst>
                 </a:gridCol>
                 <a:gridCol w="1800200">
                   <a:extLst>
                     <a:ext uri="{9D8B030D-6E8A-4147-A177-3AD203B41FA5}">
-                      <a16:colId xmlns:a16="http://schemas.microsoft.com/office/drawing/2014/main" xmlns="" val="20001"/>
+                      <a16:colId xmlns:a16="http://schemas.microsoft.com/office/drawing/2014/main" val="20001"/>
                     </a:ext>
                   </a:extLst>
                 </a:gridCol>
                 <a:gridCol w="2158443">
                   <a:extLst>
                     <a:ext uri="{9D8B030D-6E8A-4147-A177-3AD203B41FA5}">
-                      <a16:colId xmlns:a16="http://schemas.microsoft.com/office/drawing/2014/main" xmlns="" val="20002"/>
+                      <a16:colId xmlns:a16="http://schemas.microsoft.com/office/drawing/2014/main" val="20002"/>
                     </a:ext>
                   </a:extLst>
                 </a:gridCol>
                 <a:gridCol w="1528371">
                   <a:extLst>
                     <a:ext uri="{9D8B030D-6E8A-4147-A177-3AD203B41FA5}">
-                      <a16:colId xmlns:a16="http://schemas.microsoft.com/office/drawing/2014/main" xmlns="" val="20003"/>
+                      <a16:colId xmlns:a16="http://schemas.microsoft.com/office/drawing/2014/main" val="20003"/>
                     </a:ext>
                   </a:extLst>
                 </a:gridCol>
                 <a:gridCol w="2037827">
                   <a:extLst>
                     <a:ext uri="{9D8B030D-6E8A-4147-A177-3AD203B41FA5}">
-                      <a16:colId xmlns:a16="http://schemas.microsoft.com/office/drawing/2014/main" xmlns="" val="20004"/>
+                      <a16:colId xmlns:a16="http://schemas.microsoft.com/office/drawing/2014/main" val="20004"/>
                     </a:ext>
                   </a:extLst>
                 </a:gridCol>
                 <a:gridCol w="2037827">
                   <a:extLst>
                     <a:ext uri="{9D8B030D-6E8A-4147-A177-3AD203B41FA5}">
-                      <a16:colId xmlns:a16="http://schemas.microsoft.com/office/drawing/2014/main" xmlns="" val="20005"/>
+                      <a16:colId xmlns:a16="http://schemas.microsoft.com/office/drawing/2014/main" val="20005"/>
                     </a:ext>
                   </a:extLst>
                 </a:gridCol>
                 <a:gridCol w="2037827">
                   <a:extLst>
                     <a:ext uri="{9D8B030D-6E8A-4147-A177-3AD203B41FA5}">
-                      <a16:colId xmlns:a16="http://schemas.microsoft.com/office/drawing/2014/main" xmlns="" val="20006"/>
+                      <a16:colId xmlns:a16="http://schemas.microsoft.com/office/drawing/2014/main" val="20006"/>
                     </a:ext>
                   </a:extLst>
                 </a:gridCol>
                 <a:gridCol w="2037827">
                   <a:extLst>
                     <a:ext uri="{9D8B030D-6E8A-4147-A177-3AD203B41FA5}">
-                      <a16:colId xmlns:a16="http://schemas.microsoft.com/office/drawing/2014/main" xmlns="" val="20007"/>
+                      <a16:colId xmlns:a16="http://schemas.microsoft.com/office/drawing/2014/main" val="20007"/>
                     </a:ext>
                   </a:extLst>
                 </a:gridCol>
                 <a:gridCol w="2037827">
                   <a:extLst>
                     <a:ext uri="{9D8B030D-6E8A-4147-A177-3AD203B41FA5}">
-                      <a16:colId xmlns:a16="http://schemas.microsoft.com/office/drawing/2014/main" xmlns="" val="20008"/>
+                      <a16:colId xmlns:a16="http://schemas.microsoft.com/office/drawing/2014/main" val="20008"/>
                     </a:ext>
                   </a:extLst>
                 </a:gridCol>
                 <a:gridCol w="2037827">
                   <a:extLst>
                     <a:ext uri="{9D8B030D-6E8A-4147-A177-3AD203B41FA5}">
-                      <a16:colId xmlns:a16="http://schemas.microsoft.com/office/drawing/2014/main" xmlns="" val="20009"/>
+                      <a16:colId xmlns:a16="http://schemas.microsoft.com/office/drawing/2014/main" val="20009"/>
                     </a:ext>
                   </a:extLst>
                 </a:gridCol>
@@ -13679,7 +13556,7 @@
                 </a:tc>
                 <a:extLst>
                   <a:ext uri="{0D108BD9-81ED-4DB2-BD59-A6C34878D82A}">
-                    <a16:rowId xmlns:a16="http://schemas.microsoft.com/office/drawing/2014/main" xmlns="" val="10000"/>
+                    <a16:rowId xmlns:a16="http://schemas.microsoft.com/office/drawing/2014/main" val="10000"/>
                   </a:ext>
                 </a:extLst>
               </a:tr>
@@ -13740,7 +13617,7 @@
                         </a:spcAft>
                       </a:pPr>
                       <a:r>
-                        <a:rPr lang="en-US" sz="2800" dirty="0" smtClean="0">
+                        <a:rPr lang="en-US" sz="2800" dirty="0">
                           <a:effectLst/>
                           <a:latin typeface="Calibri" panose="020F0502020204030204" pitchFamily="34" charset="0"/>
                           <a:ea typeface="Calibri" panose="020F0502020204030204" pitchFamily="34" charset="0"/>
@@ -13749,7 +13626,7 @@
                         <a:t>0.9</a:t>
                       </a:r>
                       <a:r>
-                        <a:rPr lang="sr-Latn-BA" sz="2800" dirty="0" smtClean="0">
+                        <a:rPr lang="sr-Latn-BA" sz="2800" dirty="0">
                           <a:effectLst/>
                           <a:latin typeface="Calibri" panose="020F0502020204030204" pitchFamily="34" charset="0"/>
                           <a:ea typeface="Calibri" panose="020F0502020204030204" pitchFamily="34" charset="0"/>
@@ -13839,7 +13716,7 @@
                         </a:spcAft>
                       </a:pPr>
                       <a:r>
-                        <a:rPr lang="en-US" sz="2800" dirty="0" smtClean="0">
+                        <a:rPr lang="en-US" sz="2800" dirty="0">
                           <a:effectLst/>
                           <a:latin typeface="Calibri" panose="020F0502020204030204" pitchFamily="34" charset="0"/>
                           <a:ea typeface="Calibri" panose="020F0502020204030204" pitchFamily="34" charset="0"/>
@@ -13848,7 +13725,7 @@
                         <a:t>0.9</a:t>
                       </a:r>
                       <a:r>
-                        <a:rPr lang="sr-Latn-BA" sz="2800" dirty="0" smtClean="0">
+                        <a:rPr lang="sr-Latn-BA" sz="2800" dirty="0">
                           <a:effectLst/>
                           <a:latin typeface="Calibri" panose="020F0502020204030204" pitchFamily="34" charset="0"/>
                           <a:ea typeface="Calibri" panose="020F0502020204030204" pitchFamily="34" charset="0"/>
@@ -13938,7 +13815,7 @@
                         </a:spcAft>
                       </a:pPr>
                       <a:r>
-                        <a:rPr lang="en-US" sz="2800" dirty="0" smtClean="0">
+                        <a:rPr lang="en-US" sz="2800" dirty="0">
                           <a:effectLst/>
                           <a:latin typeface="Calibri" panose="020F0502020204030204" pitchFamily="34" charset="0"/>
                           <a:ea typeface="Calibri" panose="020F0502020204030204" pitchFamily="34" charset="0"/>
@@ -13947,7 +13824,7 @@
                         <a:t>0.9</a:t>
                       </a:r>
                       <a:r>
-                        <a:rPr lang="sr-Latn-BA" sz="2800" dirty="0" smtClean="0">
+                        <a:rPr lang="sr-Latn-BA" sz="2800" dirty="0">
                           <a:effectLst/>
                           <a:latin typeface="Calibri" panose="020F0502020204030204" pitchFamily="34" charset="0"/>
                           <a:ea typeface="Calibri" panose="020F0502020204030204" pitchFamily="34" charset="0"/>
@@ -14087,7 +13964,7 @@
                 </a:tc>
                 <a:extLst>
                   <a:ext uri="{0D108BD9-81ED-4DB2-BD59-A6C34878D82A}">
-                    <a16:rowId xmlns:a16="http://schemas.microsoft.com/office/drawing/2014/main" xmlns="" val="10001"/>
+                    <a16:rowId xmlns:a16="http://schemas.microsoft.com/office/drawing/2014/main" val="10001"/>
                   </a:ext>
                 </a:extLst>
               </a:tr>
@@ -14164,7 +14041,7 @@
                         </a:spcAft>
                       </a:pPr>
                       <a:r>
-                        <a:rPr lang="sr-Latn-BA" sz="2800" dirty="0" smtClean="0">
+                        <a:rPr lang="sr-Latn-BA" sz="2800" dirty="0">
                           <a:effectLst/>
                           <a:latin typeface="Calibri" panose="020F0502020204030204" pitchFamily="34" charset="0"/>
                           <a:ea typeface="Calibri" panose="020F0502020204030204" pitchFamily="34" charset="0"/>
@@ -14254,7 +14131,7 @@
                         </a:spcAft>
                       </a:pPr>
                       <a:r>
-                        <a:rPr lang="en-US" sz="2800" dirty="0" smtClean="0">
+                        <a:rPr lang="en-US" sz="2800" dirty="0">
                           <a:effectLst/>
                           <a:latin typeface="Calibri" panose="020F0502020204030204" pitchFamily="34" charset="0"/>
                           <a:ea typeface="Calibri" panose="020F0502020204030204" pitchFamily="34" charset="0"/>
@@ -14263,7 +14140,7 @@
                         <a:t>0.1</a:t>
                       </a:r>
                       <a:r>
-                        <a:rPr lang="sr-Latn-BA" sz="2800" dirty="0" smtClean="0">
+                        <a:rPr lang="sr-Latn-BA" sz="2800" dirty="0">
                           <a:effectLst/>
                           <a:latin typeface="Calibri" panose="020F0502020204030204" pitchFamily="34" charset="0"/>
                           <a:ea typeface="Calibri" panose="020F0502020204030204" pitchFamily="34" charset="0"/>
@@ -14353,7 +14230,7 @@
                         </a:spcAft>
                       </a:pPr>
                       <a:r>
-                        <a:rPr lang="en-US" sz="2800" dirty="0" smtClean="0">
+                        <a:rPr lang="en-US" sz="2800" dirty="0">
                           <a:effectLst/>
                           <a:latin typeface="Calibri" panose="020F0502020204030204" pitchFamily="34" charset="0"/>
                           <a:ea typeface="Calibri" panose="020F0502020204030204" pitchFamily="34" charset="0"/>
@@ -14362,7 +14239,7 @@
                         <a:t>0.</a:t>
                       </a:r>
                       <a:r>
-                        <a:rPr lang="sr-Latn-BA" sz="2800" dirty="0" smtClean="0">
+                        <a:rPr lang="sr-Latn-BA" sz="2800" dirty="0">
                           <a:effectLst/>
                           <a:latin typeface="Calibri" panose="020F0502020204030204" pitchFamily="34" charset="0"/>
                           <a:ea typeface="Calibri" panose="020F0502020204030204" pitchFamily="34" charset="0"/>
@@ -14502,7 +14379,7 @@
                 </a:tc>
                 <a:extLst>
                   <a:ext uri="{0D108BD9-81ED-4DB2-BD59-A6C34878D82A}">
-                    <a16:rowId xmlns:a16="http://schemas.microsoft.com/office/drawing/2014/main" xmlns="" val="10002"/>
+                    <a16:rowId xmlns:a16="http://schemas.microsoft.com/office/drawing/2014/main" val="10002"/>
                   </a:ext>
                 </a:extLst>
               </a:tr>
@@ -14742,7 +14619,7 @@
                 </a:tc>
                 <a:extLst>
                   <a:ext uri="{0D108BD9-81ED-4DB2-BD59-A6C34878D82A}">
-                    <a16:rowId xmlns:a16="http://schemas.microsoft.com/office/drawing/2014/main" xmlns="" val="10003"/>
+                    <a16:rowId xmlns:a16="http://schemas.microsoft.com/office/drawing/2014/main" val="10003"/>
                   </a:ext>
                 </a:extLst>
               </a:tr>
@@ -14861,7 +14738,7 @@
                         </a:spcAft>
                       </a:pPr>
                       <a:r>
-                        <a:rPr lang="en-US" sz="2800">
+                        <a:rPr lang="en-US" sz="2800" dirty="0">
                           <a:effectLst/>
                           <a:latin typeface="Calibri" panose="020F0502020204030204" pitchFamily="34" charset="0"/>
                           <a:ea typeface="Calibri" panose="020F0502020204030204" pitchFamily="34" charset="0"/>
@@ -15109,7 +14986,7 @@
                 </a:tc>
                 <a:extLst>
                   <a:ext uri="{0D108BD9-81ED-4DB2-BD59-A6C34878D82A}">
-                    <a16:rowId xmlns:a16="http://schemas.microsoft.com/office/drawing/2014/main" xmlns="" val="10004"/>
+                    <a16:rowId xmlns:a16="http://schemas.microsoft.com/office/drawing/2014/main" val="10004"/>
                   </a:ext>
                 </a:extLst>
               </a:tr>
@@ -15458,7 +15335,7 @@
                 </a:tc>
                 <a:extLst>
                   <a:ext uri="{0D108BD9-81ED-4DB2-BD59-A6C34878D82A}">
-                    <a16:rowId xmlns:a16="http://schemas.microsoft.com/office/drawing/2014/main" xmlns="" val="10005"/>
+                    <a16:rowId xmlns:a16="http://schemas.microsoft.com/office/drawing/2014/main" val="10005"/>
                   </a:ext>
                 </a:extLst>
               </a:tr>
@@ -15491,7 +15368,7 @@
             <a:pPr algn="just"/>
             <a:r>
               <a:rPr lang="en-US" sz="3200" dirty="0"/>
-              <a:t>Based on the provided table, it is evident that combining different groups of attributes yields similar results. The highest F1 score is attained when exclusively employing network-derived attributes (Node2vec+), whereas utilizing all </a:t>
+              <a:t>Based on the provided table, it is evident that combining different groups of attributes yields similar results. The highest F1 score is attained when exclusively employing network-derived attributes (Node2vec+), whereas utilizing all the </a:t>
             </a:r>
             <a:r>
               <a:rPr lang="hr-HR" sz="3200" dirty="0" err="1"/>
@@ -15514,16 +15391,12 @@
               <a:t>Preliminary findings suggest that integrating attributes from both network and sequence has potential, opening avenues for further methodological </a:t>
             </a:r>
             <a:r>
-              <a:rPr lang="hr-HR" sz="3200"/>
+              <a:rPr lang="hr-HR" sz="3200" dirty="0" err="1"/>
               <a:t>improvements</a:t>
             </a:r>
             <a:r>
-              <a:rPr lang="en-US" sz="3200"/>
-              <a:t>. </a:t>
-            </a:r>
-            <a:r>
               <a:rPr lang="en-US" sz="3200" dirty="0"/>
-              <a:t>In order to further investigate the capability of this approach, it should be applied on other networks of different organisms, including human networks. Additionally, combining existing attributes with those derived from other protein characteristics could be a promising direction for future research.</a:t>
+              <a:t>. In order to further investigate the capability of this approach, it should be applied on other networks of different organisms, including human networks. Additionally, combining existing attributes with those derived from other protein characteristics could be a promising direction for future research.</a:t>
             </a:r>
             <a:r>
               <a:rPr lang="sr-Latn-BA" sz="3200" dirty="0"/>
@@ -15538,7 +15411,7 @@
           <p:cNvPr id="46" name="Arrow: Right 19">
             <a:extLst>
               <a:ext uri="{FF2B5EF4-FFF2-40B4-BE49-F238E27FC236}">
-                <a16:creationId xmlns:a16="http://schemas.microsoft.com/office/drawing/2014/main" xmlns="" id="{F75BF84B-2C0D-4C09-BA31-AFAAC77EAF11}"/>
+                <a16:creationId xmlns:a16="http://schemas.microsoft.com/office/drawing/2014/main" id="{F75BF84B-2C0D-4C09-BA31-AFAAC77EAF11}"/>
               </a:ext>
             </a:extLst>
           </p:cNvPr>
@@ -15603,11 +15476,7 @@
           <a:p>
             <a:r>
               <a:rPr lang="sr-Latn-BA" sz="1000" dirty="0"/>
-              <a:t>Picture </a:t>
-            </a:r>
-            <a:r>
-              <a:rPr lang="sr-Latn-BA" sz="1000" dirty="0"/>
-              <a:t>from https://www.biorender.com/template/protein-protein-interaction-ppi-network</a:t>
+              <a:t>Picture from https://www.biorender.com/template/protein-protein-interaction-ppi-network</a:t>
             </a:r>
             <a:endParaRPr lang="en-US" sz="1000" dirty="0"/>
           </a:p>
@@ -15696,7 +15565,7 @@
           <a:lstStyle/>
           <a:p>
             <a:r>
-              <a:rPr lang="sr-Latn-BA" sz="1000" dirty="0" smtClean="0"/>
+              <a:rPr lang="sr-Latn-BA" sz="1000" dirty="0"/>
               <a:t>1.1</a:t>
             </a:r>
             <a:endParaRPr lang="en-US" sz="1000" dirty="0"/>
@@ -15726,7 +15595,7 @@
           <a:lstStyle/>
           <a:p>
             <a:r>
-              <a:rPr lang="sr-Latn-BA" sz="1000" dirty="0" smtClean="0"/>
+              <a:rPr lang="sr-Latn-BA" sz="1000" dirty="0"/>
               <a:t>0.4</a:t>
             </a:r>
             <a:endParaRPr lang="en-US" sz="1000" dirty="0"/>
@@ -15756,7 +15625,7 @@
           <a:lstStyle/>
           <a:p>
             <a:r>
-              <a:rPr lang="sr-Latn-BA" sz="1000" dirty="0" smtClean="0"/>
+              <a:rPr lang="sr-Latn-BA" sz="1000" dirty="0"/>
               <a:t>0.9</a:t>
             </a:r>
             <a:endParaRPr lang="en-US" sz="1000" dirty="0"/>
@@ -15787,11 +15656,7 @@
           <a:p>
             <a:r>
               <a:rPr lang="sr-Latn-BA" sz="1000" dirty="0"/>
-              <a:t>3</a:t>
-            </a:r>
-            <a:r>
-              <a:rPr lang="sr-Latn-BA" sz="1000" dirty="0" smtClean="0"/>
-              <a:t>.5</a:t>
+              <a:t>3.5</a:t>
             </a:r>
             <a:endParaRPr lang="en-US" sz="1000" dirty="0"/>
           </a:p>
@@ -15821,11 +15686,7 @@
           <a:p>
             <a:r>
               <a:rPr lang="sr-Latn-BA" sz="1000" dirty="0"/>
-              <a:t>0</a:t>
-            </a:r>
-            <a:r>
-              <a:rPr lang="sr-Latn-BA" sz="1000" dirty="0" smtClean="0"/>
-              <a:t>.5</a:t>
+              <a:t>0.5</a:t>
             </a:r>
             <a:endParaRPr lang="en-US" sz="1000" dirty="0"/>
           </a:p>
@@ -15854,7 +15715,7 @@
           <a:lstStyle/>
           <a:p>
             <a:r>
-              <a:rPr lang="sr-Latn-BA" sz="1000" dirty="0" smtClean="0"/>
+              <a:rPr lang="sr-Latn-BA" sz="1000" dirty="0"/>
               <a:t>1.6</a:t>
             </a:r>
             <a:endParaRPr lang="en-US" sz="1000" dirty="0"/>
@@ -15884,7 +15745,7 @@
           <a:lstStyle/>
           <a:p>
             <a:r>
-              <a:rPr lang="sr-Latn-BA" sz="1000" dirty="0" smtClean="0"/>
+              <a:rPr lang="sr-Latn-BA" sz="1000" dirty="0"/>
               <a:t>0.21</a:t>
             </a:r>
             <a:endParaRPr lang="en-US" sz="1000" dirty="0"/>
@@ -15914,7 +15775,7 @@
           <a:lstStyle/>
           <a:p>
             <a:r>
-              <a:rPr lang="sr-Latn-BA" sz="1000" dirty="0" smtClean="0"/>
+              <a:rPr lang="sr-Latn-BA" sz="1000" dirty="0"/>
               <a:t>0.33</a:t>
             </a:r>
             <a:endParaRPr lang="en-US" sz="1000" dirty="0"/>
@@ -15944,7 +15805,7 @@
           <a:lstStyle/>
           <a:p>
             <a:r>
-              <a:rPr lang="sr-Latn-BA" sz="1000" dirty="0" smtClean="0"/>
+              <a:rPr lang="sr-Latn-BA" sz="1000" dirty="0"/>
               <a:t>0.7</a:t>
             </a:r>
             <a:endParaRPr lang="en-US" sz="1000" dirty="0"/>
@@ -15974,7 +15835,7 @@
           <a:lstStyle/>
           <a:p>
             <a:r>
-              <a:rPr lang="sr-Latn-BA" sz="1000" dirty="0" smtClean="0"/>
+              <a:rPr lang="sr-Latn-BA" sz="1000" dirty="0"/>
               <a:t>1.9</a:t>
             </a:r>
             <a:endParaRPr lang="en-US" sz="1000" dirty="0"/>
@@ -16004,7 +15865,7 @@
           <a:lstStyle/>
           <a:p>
             <a:r>
-              <a:rPr lang="sr-Latn-BA" sz="1000" dirty="0" smtClean="0"/>
+              <a:rPr lang="sr-Latn-BA" sz="1000" dirty="0"/>
               <a:t>0.12</a:t>
             </a:r>
             <a:endParaRPr lang="en-US" sz="1000" dirty="0"/>
@@ -16034,7 +15895,7 @@
           <a:lstStyle/>
           <a:p>
             <a:r>
-              <a:rPr lang="sr-Latn-BA" sz="1000" dirty="0" smtClean="0"/>
+              <a:rPr lang="sr-Latn-BA" sz="1000" dirty="0"/>
               <a:t>0.27</a:t>
             </a:r>
             <a:endParaRPr lang="en-US" sz="1000" dirty="0"/>
@@ -16064,7 +15925,7 @@
           <a:lstStyle/>
           <a:p>
             <a:r>
-              <a:rPr lang="sr-Latn-BA" sz="1000" dirty="0" smtClean="0"/>
+              <a:rPr lang="sr-Latn-BA" sz="1000" dirty="0"/>
               <a:t>1.6</a:t>
             </a:r>
             <a:endParaRPr lang="en-US" sz="1000" dirty="0"/>
@@ -16095,11 +15956,7 @@
           <a:p>
             <a:r>
               <a:rPr lang="sr-Latn-BA" sz="1000" dirty="0"/>
-              <a:t>3</a:t>
-            </a:r>
-            <a:r>
-              <a:rPr lang="sr-Latn-BA" sz="1000" dirty="0" smtClean="0"/>
-              <a:t>.5</a:t>
+              <a:t>3.5</a:t>
             </a:r>
             <a:endParaRPr lang="en-US" sz="1000" dirty="0"/>
           </a:p>
@@ -16128,7 +15985,7 @@
           <a:lstStyle/>
           <a:p>
             <a:r>
-              <a:rPr lang="sr-Latn-BA" sz="1000" dirty="0" smtClean="0"/>
+              <a:rPr lang="sr-Latn-BA" sz="1000" dirty="0"/>
               <a:t>0.4</a:t>
             </a:r>
             <a:endParaRPr lang="en-US" sz="1000" dirty="0"/>
@@ -16158,7 +16015,7 @@
           <a:lstStyle/>
           <a:p>
             <a:r>
-              <a:rPr lang="sr-Latn-BA" sz="1000" dirty="0" smtClean="0"/>
+              <a:rPr lang="sr-Latn-BA" sz="1000" dirty="0"/>
               <a:t>1.1</a:t>
             </a:r>
             <a:endParaRPr lang="en-US" sz="1000" dirty="0"/>
@@ -16188,7 +16045,7 @@
           <a:lstStyle/>
           <a:p>
             <a:r>
-              <a:rPr lang="sr-Latn-BA" sz="1000" dirty="0" smtClean="0"/>
+              <a:rPr lang="sr-Latn-BA" sz="1000" dirty="0"/>
               <a:t>0.21</a:t>
             </a:r>
             <a:endParaRPr lang="en-US" sz="1000" dirty="0"/>
@@ -16218,7 +16075,7 @@
           <a:lstStyle/>
           <a:p>
             <a:r>
-              <a:rPr lang="sr-Latn-BA" sz="1000" dirty="0" smtClean="0"/>
+              <a:rPr lang="sr-Latn-BA" sz="1000" dirty="0"/>
               <a:t>1.1</a:t>
             </a:r>
             <a:endParaRPr lang="en-US" sz="1000" dirty="0"/>
@@ -16248,10 +16105,65 @@
           <a:lstStyle/>
           <a:p>
             <a:r>
-              <a:rPr lang="sr-Latn-BA" sz="1000" dirty="0" smtClean="0"/>
+              <a:rPr lang="sr-Latn-BA" sz="1000" dirty="0"/>
               <a:t>1.6</a:t>
             </a:r>
             <a:endParaRPr lang="en-US" sz="1000" dirty="0"/>
+          </a:p>
+        </p:txBody>
+      </p:sp>
+      <p:sp>
+        <p:nvSpPr>
+          <p:cNvPr id="79" name="Rounded Rectangle 47">
+            <a:extLst>
+              <a:ext uri="{FF2B5EF4-FFF2-40B4-BE49-F238E27FC236}">
+                <a16:creationId xmlns:a16="http://schemas.microsoft.com/office/drawing/2014/main" id="{A79B496F-68D8-436A-A4F9-4454D50D0D92}"/>
+              </a:ext>
+            </a:extLst>
+          </p:cNvPr>
+          <p:cNvSpPr/>
+          <p:nvPr/>
+        </p:nvSpPr>
+        <p:spPr>
+          <a:xfrm>
+            <a:off x="19074592" y="15443473"/>
+            <a:ext cx="7616793" cy="748945"/>
+          </a:xfrm>
+          <a:prstGeom prst="roundRect">
+            <a:avLst/>
+          </a:prstGeom>
+          <a:solidFill>
+            <a:schemeClr val="accent2"/>
+          </a:solidFill>
+          <a:ln>
+            <a:noFill/>
+          </a:ln>
+        </p:spPr>
+        <p:style>
+          <a:lnRef idx="2">
+            <a:schemeClr val="accent4">
+              <a:shade val="50000"/>
+            </a:schemeClr>
+          </a:lnRef>
+          <a:fillRef idx="1">
+            <a:schemeClr val="accent4"/>
+          </a:fillRef>
+          <a:effectRef idx="0">
+            <a:schemeClr val="accent4"/>
+          </a:effectRef>
+          <a:fontRef idx="minor">
+            <a:schemeClr val="lt1"/>
+          </a:fontRef>
+        </p:style>
+        <p:txBody>
+          <a:bodyPr rtlCol="0" anchor="ctr"/>
+          <a:lstStyle/>
+          <a:p>
+            <a:pPr algn="ctr"/>
+            <a:r>
+              <a:rPr lang="en-US" sz="4000" dirty="0"/>
+              <a:t>Data classification</a:t>
+            </a:r>
           </a:p>
         </p:txBody>
       </p:sp>
